--- a/task_3/task_3.pptx
+++ b/task_3/task_3.pptx
@@ -1,35 +1,130 @@
 
 <file path=ppt/presentation.xml><?xml version="1.0" encoding="utf-8"?>
-<p:presentation xmlns:a="http://schemas.openxmlformats.org/drawingml/2006/main" xmlns:p="http://schemas.openxmlformats.org/presentationml/2006/main" xmlns:r="http://schemas.openxmlformats.org/officeDocument/2006/relationships" xmlns:p14="http://schemas.microsoft.com/office/powerpoint/2010/main" xmlns:p15="http://schemas.microsoft.com/office/powerpoint/2012/main" xmlns:mc="http://schemas.openxmlformats.org/markup-compatibility/2006">
+<p:presentation xmlns:a="http://schemas.openxmlformats.org/drawingml/2006/main" xmlns:r="http://schemas.openxmlformats.org/officeDocument/2006/relationships" xmlns:p="http://schemas.openxmlformats.org/presentationml/2006/main">
   <p:sldMasterIdLst>
-    <p:sldMasterId id="2147483648" r:id="rId2"/>
-    <p:sldMasterId id="2147483650" r:id="rId3"/>
-    <p:sldMasterId id="2147483652" r:id="rId4"/>
-    <p:sldMasterId id="2147483654" r:id="rId5"/>
-    <p:sldMasterId id="2147483656" r:id="rId6"/>
-    <p:sldMasterId id="2147483658" r:id="rId7"/>
-    <p:sldMasterId id="2147483660" r:id="rId8"/>
-    <p:sldMasterId id="2147483662" r:id="rId9"/>
-    <p:sldMasterId id="2147483664" r:id="rId10"/>
-    <p:sldMasterId id="2147483666" r:id="rId11"/>
-    <p:sldMasterId id="2147483668" r:id="rId12"/>
+    <p:sldMasterId id="2147483648" r:id="rId1"/>
+    <p:sldMasterId id="2147483650" r:id="rId2"/>
+    <p:sldMasterId id="2147483652" r:id="rId3"/>
+    <p:sldMasterId id="2147483654" r:id="rId4"/>
+    <p:sldMasterId id="2147483656" r:id="rId5"/>
+    <p:sldMasterId id="2147483658" r:id="rId6"/>
+    <p:sldMasterId id="2147483660" r:id="rId7"/>
+    <p:sldMasterId id="2147483662" r:id="rId8"/>
+    <p:sldMasterId id="2147483664" r:id="rId9"/>
+    <p:sldMasterId id="2147483666" r:id="rId10"/>
+    <p:sldMasterId id="2147483668" r:id="rId11"/>
   </p:sldMasterIdLst>
   <p:sldIdLst>
-    <p:sldId id="256" r:id="rId13"/>
-    <p:sldId id="257" r:id="rId14"/>
-    <p:sldId id="258" r:id="rId15"/>
-    <p:sldId id="259" r:id="rId16"/>
-    <p:sldId id="260" r:id="rId17"/>
-    <p:sldId id="261" r:id="rId18"/>
-    <p:sldId id="262" r:id="rId19"/>
+    <p:sldId id="256" r:id="rId12"/>
+    <p:sldId id="257" r:id="rId13"/>
+    <p:sldId id="258" r:id="rId14"/>
+    <p:sldId id="259" r:id="rId15"/>
+    <p:sldId id="260" r:id="rId16"/>
+    <p:sldId id="261" r:id="rId17"/>
+    <p:sldId id="262" r:id="rId18"/>
   </p:sldIdLst>
-  <p:sldSz cx="9144000" cy="6858000"/>
+  <p:sldSz cx="9144000" cy="6858000" type="screen4x3"/>
   <p:notesSz cx="7559675" cy="10691813"/>
+  <p:defaultTextStyle>
+    <a:defPPr>
+      <a:defRPr lang="en-US"/>
+    </a:defPPr>
+    <a:lvl1pPr marL="0" algn="l" defTabSz="914400" rtl="0" eaLnBrk="1" latinLnBrk="0" hangingPunct="1">
+      <a:defRPr sz="1800" kern="1200">
+        <a:solidFill>
+          <a:schemeClr val="tx1"/>
+        </a:solidFill>
+        <a:latin typeface="+mn-lt"/>
+        <a:ea typeface="+mn-ea"/>
+        <a:cs typeface="+mn-cs"/>
+      </a:defRPr>
+    </a:lvl1pPr>
+    <a:lvl2pPr marL="457200" algn="l" defTabSz="914400" rtl="0" eaLnBrk="1" latinLnBrk="0" hangingPunct="1">
+      <a:defRPr sz="1800" kern="1200">
+        <a:solidFill>
+          <a:schemeClr val="tx1"/>
+        </a:solidFill>
+        <a:latin typeface="+mn-lt"/>
+        <a:ea typeface="+mn-ea"/>
+        <a:cs typeface="+mn-cs"/>
+      </a:defRPr>
+    </a:lvl2pPr>
+    <a:lvl3pPr marL="914400" algn="l" defTabSz="914400" rtl="0" eaLnBrk="1" latinLnBrk="0" hangingPunct="1">
+      <a:defRPr sz="1800" kern="1200">
+        <a:solidFill>
+          <a:schemeClr val="tx1"/>
+        </a:solidFill>
+        <a:latin typeface="+mn-lt"/>
+        <a:ea typeface="+mn-ea"/>
+        <a:cs typeface="+mn-cs"/>
+      </a:defRPr>
+    </a:lvl3pPr>
+    <a:lvl4pPr marL="1371600" algn="l" defTabSz="914400" rtl="0" eaLnBrk="1" latinLnBrk="0" hangingPunct="1">
+      <a:defRPr sz="1800" kern="1200">
+        <a:solidFill>
+          <a:schemeClr val="tx1"/>
+        </a:solidFill>
+        <a:latin typeface="+mn-lt"/>
+        <a:ea typeface="+mn-ea"/>
+        <a:cs typeface="+mn-cs"/>
+      </a:defRPr>
+    </a:lvl4pPr>
+    <a:lvl5pPr marL="1828800" algn="l" defTabSz="914400" rtl="0" eaLnBrk="1" latinLnBrk="0" hangingPunct="1">
+      <a:defRPr sz="1800" kern="1200">
+        <a:solidFill>
+          <a:schemeClr val="tx1"/>
+        </a:solidFill>
+        <a:latin typeface="+mn-lt"/>
+        <a:ea typeface="+mn-ea"/>
+        <a:cs typeface="+mn-cs"/>
+      </a:defRPr>
+    </a:lvl5pPr>
+    <a:lvl6pPr marL="2286000" algn="l" defTabSz="914400" rtl="0" eaLnBrk="1" latinLnBrk="0" hangingPunct="1">
+      <a:defRPr sz="1800" kern="1200">
+        <a:solidFill>
+          <a:schemeClr val="tx1"/>
+        </a:solidFill>
+        <a:latin typeface="+mn-lt"/>
+        <a:ea typeface="+mn-ea"/>
+        <a:cs typeface="+mn-cs"/>
+      </a:defRPr>
+    </a:lvl6pPr>
+    <a:lvl7pPr marL="2743200" algn="l" defTabSz="914400" rtl="0" eaLnBrk="1" latinLnBrk="0" hangingPunct="1">
+      <a:defRPr sz="1800" kern="1200">
+        <a:solidFill>
+          <a:schemeClr val="tx1"/>
+        </a:solidFill>
+        <a:latin typeface="+mn-lt"/>
+        <a:ea typeface="+mn-ea"/>
+        <a:cs typeface="+mn-cs"/>
+      </a:defRPr>
+    </a:lvl7pPr>
+    <a:lvl8pPr marL="3200400" algn="l" defTabSz="914400" rtl="0" eaLnBrk="1" latinLnBrk="0" hangingPunct="1">
+      <a:defRPr sz="1800" kern="1200">
+        <a:solidFill>
+          <a:schemeClr val="tx1"/>
+        </a:solidFill>
+        <a:latin typeface="+mn-lt"/>
+        <a:ea typeface="+mn-ea"/>
+        <a:cs typeface="+mn-cs"/>
+      </a:defRPr>
+    </a:lvl8pPr>
+    <a:lvl9pPr marL="3657600" algn="l" defTabSz="914400" rtl="0" eaLnBrk="1" latinLnBrk="0" hangingPunct="1">
+      <a:defRPr sz="1800" kern="1200">
+        <a:solidFill>
+          <a:schemeClr val="tx1"/>
+        </a:solidFill>
+        <a:latin typeface="+mn-lt"/>
+        <a:ea typeface="+mn-ea"/>
+        <a:cs typeface="+mn-cs"/>
+      </a:defRPr>
+    </a:lvl9pPr>
+  </p:defaultTextStyle>
 </p:presentation>
 </file>
 
 <file path=ppt/slideLayouts/slideLayout1.xml><?xml version="1.0" encoding="utf-8"?>
-<p:sldLayout xmlns:a="http://schemas.openxmlformats.org/drawingml/2006/main" xmlns:p="http://schemas.openxmlformats.org/presentationml/2006/main" xmlns:r="http://schemas.openxmlformats.org/officeDocument/2006/relationships" xmlns:p14="http://schemas.microsoft.com/office/powerpoint/2010/main" xmlns:p15="http://schemas.microsoft.com/office/powerpoint/2012/main" xmlns:mc="http://schemas.openxmlformats.org/markup-compatibility/2006" type="title" preserve="1">
+<p:sldLayout xmlns:a="http://schemas.openxmlformats.org/drawingml/2006/main" xmlns:r="http://schemas.openxmlformats.org/officeDocument/2006/relationships" xmlns:p="http://schemas.openxmlformats.org/presentationml/2006/main" type="title" preserve="1">
   <p:cSld name="Title Slide">
     <p:spTree>
       <p:nvGrpSpPr>
@@ -69,14 +164,15 @@
           </a:ln>
         </p:spPr>
         <p:txBody>
-          <a:bodyPr lIns="0" rIns="0" tIns="0" bIns="0" anchor="ctr">
+          <a:bodyPr lIns="0" tIns="0" rIns="0" bIns="0" anchor="ctr">
             <a:noAutofit/>
           </a:bodyPr>
+          <a:lstStyle/>
           <a:p>
             <a:pPr indent="0">
               <a:buNone/>
             </a:pPr>
-            <a:endParaRPr b="0" lang="en-US" sz="1800" spc="-1" strike="noStrike">
+            <a:endParaRPr lang="en-US" sz="1800" b="0" strike="noStrike" spc="-1">
               <a:solidFill>
                 <a:schemeClr val="dk1"/>
               </a:solidFill>
@@ -109,14 +205,15 @@
           </a:ln>
         </p:spPr>
         <p:txBody>
-          <a:bodyPr lIns="0" rIns="0" tIns="0" bIns="0" anchor="ctr">
+          <a:bodyPr lIns="0" tIns="0" rIns="0" bIns="0" anchor="ctr">
             <a:noAutofit/>
           </a:bodyPr>
+          <a:lstStyle/>
           <a:p>
             <a:pPr indent="0" algn="ctr">
               <a:buNone/>
             </a:pPr>
-            <a:endParaRPr b="0" lang="en-US" sz="3200" spc="-1" strike="noStrike">
+            <a:endParaRPr lang="en-US" sz="3200" b="0" strike="noStrike" spc="-1">
               <a:solidFill>
                 <a:srgbClr val="000000"/>
               </a:solidFill>
@@ -127,7 +224,7 @@
       </p:sp>
       <p:sp>
         <p:nvSpPr>
-          <p:cNvPr id="4" name="PlaceHolder 3"/>
+          <p:cNvPr id="2" name="PlaceHolder 3"/>
           <p:cNvSpPr>
             <a:spLocks noGrp="1"/>
           </p:cNvSpPr>
@@ -138,6 +235,7 @@
         <p:spPr/>
         <p:txBody>
           <a:bodyPr/>
+          <a:lstStyle/>
           <a:p>
             <a:r>
               <a:t>Footer</a:t>
@@ -147,7 +245,7 @@
       </p:sp>
       <p:sp>
         <p:nvSpPr>
-          <p:cNvPr id="5" name="PlaceHolder 4"/>
+          <p:cNvPr id="3" name="PlaceHolder 4"/>
           <p:cNvSpPr>
             <a:spLocks noGrp="1"/>
           </p:cNvSpPr>
@@ -158,10 +256,12 @@
         <p:spPr/>
         <p:txBody>
           <a:bodyPr/>
+          <a:lstStyle/>
           <a:p>
             <a:fld id="{BF2A4CDE-BB6C-431F-B053-20804934F2A6}" type="slidenum">
-              <a:t>&lt;#&gt;</a:t>
+              <a:t>‹#›</a:t>
             </a:fld>
+            <a:endParaRPr/>
           </a:p>
         </p:txBody>
       </p:sp>
@@ -178,21 +278,22 @@
         <p:spPr/>
         <p:txBody>
           <a:bodyPr/>
-          <a:p>
-            <a:r>
-              <a:rPr lang="en-US"/>
-              <a:t/>
-            </a:r>
+          <a:lstStyle/>
+          <a:p>
+            <a:endParaRPr/>
           </a:p>
         </p:txBody>
       </p:sp>
     </p:spTree>
   </p:cSld>
+  <p:clrMapOvr>
+    <a:masterClrMapping/>
+  </p:clrMapOvr>
 </p:sldLayout>
 </file>
 
 <file path=ppt/slideLayouts/slideLayout10.xml><?xml version="1.0" encoding="utf-8"?>
-<p:sldLayout xmlns:a="http://schemas.openxmlformats.org/drawingml/2006/main" xmlns:p="http://schemas.openxmlformats.org/presentationml/2006/main" xmlns:r="http://schemas.openxmlformats.org/officeDocument/2006/relationships" xmlns:p14="http://schemas.microsoft.com/office/powerpoint/2010/main" xmlns:p15="http://schemas.microsoft.com/office/powerpoint/2012/main" xmlns:mc="http://schemas.openxmlformats.org/markup-compatibility/2006" type="blank" preserve="1">
+<p:sldLayout xmlns:a="http://schemas.openxmlformats.org/drawingml/2006/main" xmlns:r="http://schemas.openxmlformats.org/officeDocument/2006/relationships" xmlns:p="http://schemas.openxmlformats.org/presentationml/2006/main" type="blank" preserve="1">
   <p:cSld name="Content with Caption">
     <p:spTree>
       <p:nvGrpSpPr>
@@ -221,6 +322,7 @@
         <p:spPr/>
         <p:txBody>
           <a:bodyPr/>
+          <a:lstStyle/>
           <a:p>
             <a:r>
               <a:t>Footer</a:t>
@@ -241,10 +343,12 @@
         <p:spPr/>
         <p:txBody>
           <a:bodyPr/>
+          <a:lstStyle/>
           <a:p>
             <a:fld id="{9F626ED7-26AB-4D82-8811-BC44F128E5A5}" type="slidenum">
-              <a:t>&lt;#&gt;</a:t>
+              <a:t>‹#›</a:t>
             </a:fld>
+            <a:endParaRPr/>
           </a:p>
         </p:txBody>
       </p:sp>
@@ -261,21 +365,22 @@
         <p:spPr/>
         <p:txBody>
           <a:bodyPr/>
-          <a:p>
-            <a:r>
-              <a:rPr lang="en-US"/>
-              <a:t/>
-            </a:r>
+          <a:lstStyle/>
+          <a:p>
+            <a:endParaRPr/>
           </a:p>
         </p:txBody>
       </p:sp>
     </p:spTree>
   </p:cSld>
+  <p:clrMapOvr>
+    <a:masterClrMapping/>
+  </p:clrMapOvr>
 </p:sldLayout>
 </file>
 
 <file path=ppt/slideLayouts/slideLayout11.xml><?xml version="1.0" encoding="utf-8"?>
-<p:sldLayout xmlns:a="http://schemas.openxmlformats.org/drawingml/2006/main" xmlns:p="http://schemas.openxmlformats.org/presentationml/2006/main" xmlns:r="http://schemas.openxmlformats.org/officeDocument/2006/relationships" xmlns:p14="http://schemas.microsoft.com/office/powerpoint/2010/main" xmlns:p15="http://schemas.microsoft.com/office/powerpoint/2012/main" xmlns:mc="http://schemas.openxmlformats.org/markup-compatibility/2006" type="blank" preserve="1">
+<p:sldLayout xmlns:a="http://schemas.openxmlformats.org/drawingml/2006/main" xmlns:r="http://schemas.openxmlformats.org/officeDocument/2006/relationships" xmlns:p="http://schemas.openxmlformats.org/presentationml/2006/main" type="blank" preserve="1">
   <p:cSld name="Picture with Caption">
     <p:spTree>
       <p:nvGrpSpPr>
@@ -304,6 +409,7 @@
         <p:spPr/>
         <p:txBody>
           <a:bodyPr/>
+          <a:lstStyle/>
           <a:p>
             <a:r>
               <a:t>Footer</a:t>
@@ -324,10 +430,12 @@
         <p:spPr/>
         <p:txBody>
           <a:bodyPr/>
+          <a:lstStyle/>
           <a:p>
             <a:fld id="{6F2AC5DC-4624-478E-A7F8-F636F7928F2B}" type="slidenum">
-              <a:t>&lt;#&gt;</a:t>
+              <a:t>‹#›</a:t>
             </a:fld>
+            <a:endParaRPr/>
           </a:p>
         </p:txBody>
       </p:sp>
@@ -344,21 +452,22 @@
         <p:spPr/>
         <p:txBody>
           <a:bodyPr/>
-          <a:p>
-            <a:r>
-              <a:rPr lang="en-US"/>
-              <a:t/>
-            </a:r>
+          <a:lstStyle/>
+          <a:p>
+            <a:endParaRPr/>
           </a:p>
         </p:txBody>
       </p:sp>
     </p:spTree>
   </p:cSld>
+  <p:clrMapOvr>
+    <a:masterClrMapping/>
+  </p:clrMapOvr>
 </p:sldLayout>
 </file>
 
 <file path=ppt/slideLayouts/slideLayout2.xml><?xml version="1.0" encoding="utf-8"?>
-<p:sldLayout xmlns:a="http://schemas.openxmlformats.org/drawingml/2006/main" xmlns:p="http://schemas.openxmlformats.org/presentationml/2006/main" xmlns:r="http://schemas.openxmlformats.org/officeDocument/2006/relationships" xmlns:p14="http://schemas.microsoft.com/office/powerpoint/2010/main" xmlns:p15="http://schemas.microsoft.com/office/powerpoint/2012/main" xmlns:mc="http://schemas.openxmlformats.org/markup-compatibility/2006" type="vertTx" preserve="1">
+<p:sldLayout xmlns:a="http://schemas.openxmlformats.org/drawingml/2006/main" xmlns:r="http://schemas.openxmlformats.org/officeDocument/2006/relationships" xmlns:p="http://schemas.openxmlformats.org/presentationml/2006/main" type="vertTx" preserve="1">
   <p:cSld name="Title and Vertical Text">
     <p:spTree>
       <p:nvGrpSpPr>
@@ -387,6 +496,7 @@
         <p:spPr/>
         <p:txBody>
           <a:bodyPr/>
+          <a:lstStyle/>
           <a:p>
             <a:r>
               <a:t>Footer</a:t>
@@ -407,10 +517,12 @@
         <p:spPr/>
         <p:txBody>
           <a:bodyPr/>
+          <a:lstStyle/>
           <a:p>
             <a:fld id="{768F3663-3273-4C90-9847-4905AECE3FDF}" type="slidenum">
-              <a:t>&lt;#&gt;</a:t>
+              <a:t>‹#›</a:t>
             </a:fld>
+            <a:endParaRPr/>
           </a:p>
         </p:txBody>
       </p:sp>
@@ -427,21 +539,22 @@
         <p:spPr/>
         <p:txBody>
           <a:bodyPr/>
-          <a:p>
-            <a:r>
-              <a:rPr lang="en-US"/>
-              <a:t/>
-            </a:r>
+          <a:lstStyle/>
+          <a:p>
+            <a:endParaRPr/>
           </a:p>
         </p:txBody>
       </p:sp>
     </p:spTree>
   </p:cSld>
+  <p:clrMapOvr>
+    <a:masterClrMapping/>
+  </p:clrMapOvr>
 </p:sldLayout>
 </file>
 
 <file path=ppt/slideLayouts/slideLayout3.xml><?xml version="1.0" encoding="utf-8"?>
-<p:sldLayout xmlns:a="http://schemas.openxmlformats.org/drawingml/2006/main" xmlns:p="http://schemas.openxmlformats.org/presentationml/2006/main" xmlns:r="http://schemas.openxmlformats.org/officeDocument/2006/relationships" xmlns:p14="http://schemas.microsoft.com/office/powerpoint/2010/main" xmlns:p15="http://schemas.microsoft.com/office/powerpoint/2012/main" xmlns:mc="http://schemas.openxmlformats.org/markup-compatibility/2006" type="vertTitleAndTx" preserve="1">
+<p:sldLayout xmlns:a="http://schemas.openxmlformats.org/drawingml/2006/main" xmlns:r="http://schemas.openxmlformats.org/officeDocument/2006/relationships" xmlns:p="http://schemas.openxmlformats.org/presentationml/2006/main" type="vertTitleAndTx" preserve="1">
   <p:cSld name="Vertical Title and Text">
     <p:spTree>
       <p:nvGrpSpPr>
@@ -470,6 +583,7 @@
         <p:spPr/>
         <p:txBody>
           <a:bodyPr/>
+          <a:lstStyle/>
           <a:p>
             <a:r>
               <a:t>Footer</a:t>
@@ -490,10 +604,12 @@
         <p:spPr/>
         <p:txBody>
           <a:bodyPr/>
+          <a:lstStyle/>
           <a:p>
             <a:fld id="{8E2039C5-3BE6-412C-A43D-37C7B8F1B750}" type="slidenum">
-              <a:t>&lt;#&gt;</a:t>
+              <a:t>‹#›</a:t>
             </a:fld>
+            <a:endParaRPr/>
           </a:p>
         </p:txBody>
       </p:sp>
@@ -510,21 +626,22 @@
         <p:spPr/>
         <p:txBody>
           <a:bodyPr/>
-          <a:p>
-            <a:r>
-              <a:rPr lang="en-US"/>
-              <a:t/>
-            </a:r>
+          <a:lstStyle/>
+          <a:p>
+            <a:endParaRPr/>
           </a:p>
         </p:txBody>
       </p:sp>
     </p:spTree>
   </p:cSld>
+  <p:clrMapOvr>
+    <a:masterClrMapping/>
+  </p:clrMapOvr>
 </p:sldLayout>
 </file>
 
 <file path=ppt/slideLayouts/slideLayout4.xml><?xml version="1.0" encoding="utf-8"?>
-<p:sldLayout xmlns:a="http://schemas.openxmlformats.org/drawingml/2006/main" xmlns:p="http://schemas.openxmlformats.org/presentationml/2006/main" xmlns:r="http://schemas.openxmlformats.org/officeDocument/2006/relationships" xmlns:p14="http://schemas.microsoft.com/office/powerpoint/2010/main" xmlns:p15="http://schemas.microsoft.com/office/powerpoint/2012/main" xmlns:mc="http://schemas.openxmlformats.org/markup-compatibility/2006" type="obj" preserve="1">
+<p:sldLayout xmlns:a="http://schemas.openxmlformats.org/drawingml/2006/main" xmlns:r="http://schemas.openxmlformats.org/officeDocument/2006/relationships" xmlns:p="http://schemas.openxmlformats.org/presentationml/2006/main" type="obj" preserve="1">
   <p:cSld name="Title and Content">
     <p:spTree>
       <p:nvGrpSpPr>
@@ -564,14 +681,15 @@
           </a:ln>
         </p:spPr>
         <p:txBody>
-          <a:bodyPr lIns="0" rIns="0" tIns="0" bIns="0" anchor="ctr">
+          <a:bodyPr lIns="0" tIns="0" rIns="0" bIns="0" anchor="ctr">
             <a:noAutofit/>
           </a:bodyPr>
+          <a:lstStyle/>
           <a:p>
             <a:pPr indent="0">
               <a:buNone/>
             </a:pPr>
-            <a:endParaRPr b="0" lang="en-US" sz="1800" spc="-1" strike="noStrike">
+            <a:endParaRPr lang="en-US" sz="1800" b="0" strike="noStrike" spc="-1">
               <a:solidFill>
                 <a:schemeClr val="dk1"/>
               </a:solidFill>
@@ -604,9 +722,10 @@
           </a:ln>
         </p:spPr>
         <p:txBody>
-          <a:bodyPr lIns="0" rIns="0" tIns="0" bIns="0" anchor="t">
+          <a:bodyPr lIns="0" tIns="0" rIns="0" bIns="0" anchor="t">
             <a:normAutofit/>
           </a:bodyPr>
+          <a:lstStyle/>
           <a:p>
             <a:pPr indent="0">
               <a:spcBef>
@@ -614,7 +733,7 @@
               </a:spcBef>
               <a:buNone/>
             </a:pPr>
-            <a:endParaRPr b="0" lang="en-US" sz="3200" spc="-1" strike="noStrike">
+            <a:endParaRPr lang="en-US" sz="3200" b="0" strike="noStrike" spc="-1">
               <a:solidFill>
                 <a:schemeClr val="dk1"/>
               </a:solidFill>
@@ -636,6 +755,7 @@
         <p:spPr/>
         <p:txBody>
           <a:bodyPr/>
+          <a:lstStyle/>
           <a:p>
             <a:r>
               <a:t>Footer</a:t>
@@ -656,10 +776,12 @@
         <p:spPr/>
         <p:txBody>
           <a:bodyPr/>
+          <a:lstStyle/>
           <a:p>
             <a:fld id="{70EE61E4-AC09-4862-B866-D7D61032CA35}" type="slidenum">
-              <a:t>&lt;#&gt;</a:t>
+              <a:t>‹#›</a:t>
             </a:fld>
+            <a:endParaRPr/>
           </a:p>
         </p:txBody>
       </p:sp>
@@ -676,21 +798,22 @@
         <p:spPr/>
         <p:txBody>
           <a:bodyPr/>
-          <a:p>
-            <a:r>
-              <a:rPr lang="en-US"/>
-              <a:t/>
-            </a:r>
+          <a:lstStyle/>
+          <a:p>
+            <a:endParaRPr/>
           </a:p>
         </p:txBody>
       </p:sp>
     </p:spTree>
   </p:cSld>
+  <p:clrMapOvr>
+    <a:masterClrMapping/>
+  </p:clrMapOvr>
 </p:sldLayout>
 </file>
 
 <file path=ppt/slideLayouts/slideLayout5.xml><?xml version="1.0" encoding="utf-8"?>
-<p:sldLayout xmlns:a="http://schemas.openxmlformats.org/drawingml/2006/main" xmlns:p="http://schemas.openxmlformats.org/presentationml/2006/main" xmlns:r="http://schemas.openxmlformats.org/officeDocument/2006/relationships" xmlns:p14="http://schemas.microsoft.com/office/powerpoint/2010/main" xmlns:p15="http://schemas.microsoft.com/office/powerpoint/2012/main" xmlns:mc="http://schemas.openxmlformats.org/markup-compatibility/2006" type="blank" preserve="1">
+<p:sldLayout xmlns:a="http://schemas.openxmlformats.org/drawingml/2006/main" xmlns:r="http://schemas.openxmlformats.org/officeDocument/2006/relationships" xmlns:p="http://schemas.openxmlformats.org/presentationml/2006/main" type="blank" preserve="1">
   <p:cSld name="Section Header">
     <p:spTree>
       <p:nvGrpSpPr>
@@ -719,6 +842,7 @@
         <p:spPr/>
         <p:txBody>
           <a:bodyPr/>
+          <a:lstStyle/>
           <a:p>
             <a:r>
               <a:t>Footer</a:t>
@@ -739,10 +863,12 @@
         <p:spPr/>
         <p:txBody>
           <a:bodyPr/>
+          <a:lstStyle/>
           <a:p>
             <a:fld id="{25D5E71D-302E-412F-B259-6A524E7F4124}" type="slidenum">
-              <a:t>&lt;#&gt;</a:t>
+              <a:t>‹#›</a:t>
             </a:fld>
+            <a:endParaRPr/>
           </a:p>
         </p:txBody>
       </p:sp>
@@ -759,21 +885,22 @@
         <p:spPr/>
         <p:txBody>
           <a:bodyPr/>
-          <a:p>
-            <a:r>
-              <a:rPr lang="en-US"/>
-              <a:t/>
-            </a:r>
+          <a:lstStyle/>
+          <a:p>
+            <a:endParaRPr/>
           </a:p>
         </p:txBody>
       </p:sp>
     </p:spTree>
   </p:cSld>
+  <p:clrMapOvr>
+    <a:masterClrMapping/>
+  </p:clrMapOvr>
 </p:sldLayout>
 </file>
 
 <file path=ppt/slideLayouts/slideLayout6.xml><?xml version="1.0" encoding="utf-8"?>
-<p:sldLayout xmlns:a="http://schemas.openxmlformats.org/drawingml/2006/main" xmlns:p="http://schemas.openxmlformats.org/presentationml/2006/main" xmlns:r="http://schemas.openxmlformats.org/officeDocument/2006/relationships" xmlns:p14="http://schemas.microsoft.com/office/powerpoint/2010/main" xmlns:p15="http://schemas.microsoft.com/office/powerpoint/2012/main" xmlns:mc="http://schemas.openxmlformats.org/markup-compatibility/2006" type="twoObj" preserve="1">
+<p:sldLayout xmlns:a="http://schemas.openxmlformats.org/drawingml/2006/main" xmlns:r="http://schemas.openxmlformats.org/officeDocument/2006/relationships" xmlns:p="http://schemas.openxmlformats.org/presentationml/2006/main" type="twoObj" preserve="1">
   <p:cSld name="Two Content">
     <p:spTree>
       <p:nvGrpSpPr>
@@ -813,14 +940,15 @@
           </a:ln>
         </p:spPr>
         <p:txBody>
-          <a:bodyPr lIns="0" rIns="0" tIns="0" bIns="0" anchor="ctr">
+          <a:bodyPr lIns="0" tIns="0" rIns="0" bIns="0" anchor="ctr">
             <a:noAutofit/>
           </a:bodyPr>
+          <a:lstStyle/>
           <a:p>
             <a:pPr indent="0">
               <a:buNone/>
             </a:pPr>
-            <a:endParaRPr b="0" lang="en-US" sz="1800" spc="-1" strike="noStrike">
+            <a:endParaRPr lang="en-US" sz="1800" b="0" strike="noStrike" spc="-1">
               <a:solidFill>
                 <a:schemeClr val="dk1"/>
               </a:solidFill>
@@ -853,9 +981,10 @@
           </a:ln>
         </p:spPr>
         <p:txBody>
-          <a:bodyPr lIns="0" rIns="0" tIns="0" bIns="0" anchor="t">
+          <a:bodyPr lIns="0" tIns="0" rIns="0" bIns="0" anchor="t">
             <a:normAutofit/>
           </a:bodyPr>
+          <a:lstStyle/>
           <a:p>
             <a:pPr indent="0">
               <a:spcBef>
@@ -863,7 +992,7 @@
               </a:spcBef>
               <a:buNone/>
             </a:pPr>
-            <a:endParaRPr b="0" lang="en-US" sz="3200" spc="-1" strike="noStrike">
+            <a:endParaRPr lang="en-US" sz="3200" b="0" strike="noStrike" spc="-1">
               <a:solidFill>
                 <a:schemeClr val="dk1"/>
               </a:solidFill>
@@ -896,9 +1025,10 @@
           </a:ln>
         </p:spPr>
         <p:txBody>
-          <a:bodyPr lIns="0" rIns="0" tIns="0" bIns="0" anchor="t">
+          <a:bodyPr lIns="0" tIns="0" rIns="0" bIns="0" anchor="t">
             <a:normAutofit/>
           </a:bodyPr>
+          <a:lstStyle/>
           <a:p>
             <a:pPr indent="0">
               <a:spcBef>
@@ -906,7 +1036,7 @@
               </a:spcBef>
               <a:buNone/>
             </a:pPr>
-            <a:endParaRPr b="0" lang="en-US" sz="3200" spc="-1" strike="noStrike">
+            <a:endParaRPr lang="en-US" sz="3200" b="0" strike="noStrike" spc="-1">
               <a:solidFill>
                 <a:schemeClr val="dk1"/>
               </a:solidFill>
@@ -928,6 +1058,7 @@
         <p:spPr/>
         <p:txBody>
           <a:bodyPr/>
+          <a:lstStyle/>
           <a:p>
             <a:r>
               <a:t>Footer</a:t>
@@ -948,10 +1079,12 @@
         <p:spPr/>
         <p:txBody>
           <a:bodyPr/>
+          <a:lstStyle/>
           <a:p>
             <a:fld id="{D0BD017E-6034-43A7-BE56-EEDD0FEFD978}" type="slidenum">
-              <a:t>&lt;#&gt;</a:t>
+              <a:t>‹#›</a:t>
             </a:fld>
+            <a:endParaRPr/>
           </a:p>
         </p:txBody>
       </p:sp>
@@ -968,21 +1101,22 @@
         <p:spPr/>
         <p:txBody>
           <a:bodyPr/>
-          <a:p>
-            <a:r>
-              <a:rPr lang="en-US"/>
-              <a:t/>
-            </a:r>
+          <a:lstStyle/>
+          <a:p>
+            <a:endParaRPr/>
           </a:p>
         </p:txBody>
       </p:sp>
     </p:spTree>
   </p:cSld>
+  <p:clrMapOvr>
+    <a:masterClrMapping/>
+  </p:clrMapOvr>
 </p:sldLayout>
 </file>
 
 <file path=ppt/slideLayouts/slideLayout7.xml><?xml version="1.0" encoding="utf-8"?>
-<p:sldLayout xmlns:a="http://schemas.openxmlformats.org/drawingml/2006/main" xmlns:p="http://schemas.openxmlformats.org/presentationml/2006/main" xmlns:r="http://schemas.openxmlformats.org/officeDocument/2006/relationships" xmlns:p14="http://schemas.microsoft.com/office/powerpoint/2010/main" xmlns:p15="http://schemas.microsoft.com/office/powerpoint/2012/main" xmlns:mc="http://schemas.openxmlformats.org/markup-compatibility/2006" type="blank" preserve="1">
+<p:sldLayout xmlns:a="http://schemas.openxmlformats.org/drawingml/2006/main" xmlns:r="http://schemas.openxmlformats.org/officeDocument/2006/relationships" xmlns:p="http://schemas.openxmlformats.org/presentationml/2006/main" type="blank" preserve="1">
   <p:cSld name="Comparison">
     <p:spTree>
       <p:nvGrpSpPr>
@@ -1011,6 +1145,7 @@
         <p:spPr/>
         <p:txBody>
           <a:bodyPr/>
+          <a:lstStyle/>
           <a:p>
             <a:r>
               <a:t>Footer</a:t>
@@ -1031,10 +1166,12 @@
         <p:spPr/>
         <p:txBody>
           <a:bodyPr/>
+          <a:lstStyle/>
           <a:p>
             <a:fld id="{53B7D0D0-38FD-43B7-8531-7FC5705BFE3A}" type="slidenum">
-              <a:t>&lt;#&gt;</a:t>
+              <a:t>‹#›</a:t>
             </a:fld>
+            <a:endParaRPr/>
           </a:p>
         </p:txBody>
       </p:sp>
@@ -1051,21 +1188,22 @@
         <p:spPr/>
         <p:txBody>
           <a:bodyPr/>
-          <a:p>
-            <a:r>
-              <a:rPr lang="en-US"/>
-              <a:t/>
-            </a:r>
+          <a:lstStyle/>
+          <a:p>
+            <a:endParaRPr/>
           </a:p>
         </p:txBody>
       </p:sp>
     </p:spTree>
   </p:cSld>
+  <p:clrMapOvr>
+    <a:masterClrMapping/>
+  </p:clrMapOvr>
 </p:sldLayout>
 </file>
 
 <file path=ppt/slideLayouts/slideLayout8.xml><?xml version="1.0" encoding="utf-8"?>
-<p:sldLayout xmlns:a="http://schemas.openxmlformats.org/drawingml/2006/main" xmlns:p="http://schemas.openxmlformats.org/presentationml/2006/main" xmlns:r="http://schemas.openxmlformats.org/officeDocument/2006/relationships" xmlns:p14="http://schemas.microsoft.com/office/powerpoint/2010/main" xmlns:p15="http://schemas.microsoft.com/office/powerpoint/2012/main" xmlns:mc="http://schemas.openxmlformats.org/markup-compatibility/2006" type="titleOnly" preserve="1">
+<p:sldLayout xmlns:a="http://schemas.openxmlformats.org/drawingml/2006/main" xmlns:r="http://schemas.openxmlformats.org/officeDocument/2006/relationships" xmlns:p="http://schemas.openxmlformats.org/presentationml/2006/main" type="titleOnly" preserve="1">
   <p:cSld name="Title Only">
     <p:spTree>
       <p:nvGrpSpPr>
@@ -1105,14 +1243,15 @@
           </a:ln>
         </p:spPr>
         <p:txBody>
-          <a:bodyPr lIns="0" rIns="0" tIns="0" bIns="0" anchor="ctr">
+          <a:bodyPr lIns="0" tIns="0" rIns="0" bIns="0" anchor="ctr">
             <a:noAutofit/>
           </a:bodyPr>
+          <a:lstStyle/>
           <a:p>
             <a:pPr indent="0">
               <a:buNone/>
             </a:pPr>
-            <a:endParaRPr b="0" lang="en-US" sz="1800" spc="-1" strike="noStrike">
+            <a:endParaRPr lang="en-US" sz="1800" b="0" strike="noStrike" spc="-1">
               <a:solidFill>
                 <a:schemeClr val="dk1"/>
               </a:solidFill>
@@ -1134,6 +1273,7 @@
         <p:spPr/>
         <p:txBody>
           <a:bodyPr/>
+          <a:lstStyle/>
           <a:p>
             <a:r>
               <a:t>Footer</a:t>
@@ -1154,10 +1294,12 @@
         <p:spPr/>
         <p:txBody>
           <a:bodyPr/>
+          <a:lstStyle/>
           <a:p>
             <a:fld id="{5BF12084-2B5F-4A08-83C7-648914F28991}" type="slidenum">
-              <a:t>&lt;#&gt;</a:t>
+              <a:t>‹#›</a:t>
             </a:fld>
+            <a:endParaRPr/>
           </a:p>
         </p:txBody>
       </p:sp>
@@ -1174,21 +1316,22 @@
         <p:spPr/>
         <p:txBody>
           <a:bodyPr/>
-          <a:p>
-            <a:r>
-              <a:rPr lang="en-US"/>
-              <a:t/>
-            </a:r>
+          <a:lstStyle/>
+          <a:p>
+            <a:endParaRPr/>
           </a:p>
         </p:txBody>
       </p:sp>
     </p:spTree>
   </p:cSld>
+  <p:clrMapOvr>
+    <a:masterClrMapping/>
+  </p:clrMapOvr>
 </p:sldLayout>
 </file>
 
 <file path=ppt/slideLayouts/slideLayout9.xml><?xml version="1.0" encoding="utf-8"?>
-<p:sldLayout xmlns:a="http://schemas.openxmlformats.org/drawingml/2006/main" xmlns:p="http://schemas.openxmlformats.org/presentationml/2006/main" xmlns:r="http://schemas.openxmlformats.org/officeDocument/2006/relationships" xmlns:p14="http://schemas.microsoft.com/office/powerpoint/2010/main" xmlns:p15="http://schemas.microsoft.com/office/powerpoint/2012/main" xmlns:mc="http://schemas.openxmlformats.org/markup-compatibility/2006" type="blank" preserve="1">
+<p:sldLayout xmlns:a="http://schemas.openxmlformats.org/drawingml/2006/main" xmlns:r="http://schemas.openxmlformats.org/officeDocument/2006/relationships" xmlns:p="http://schemas.openxmlformats.org/presentationml/2006/main" type="blank" preserve="1">
   <p:cSld name="Blank">
     <p:spTree>
       <p:nvGrpSpPr>
@@ -1217,6 +1360,7 @@
         <p:spPr/>
         <p:txBody>
           <a:bodyPr/>
+          <a:lstStyle/>
           <a:p>
             <a:r>
               <a:t>Footer</a:t>
@@ -1237,10 +1381,12 @@
         <p:spPr/>
         <p:txBody>
           <a:bodyPr/>
+          <a:lstStyle/>
           <a:p>
             <a:fld id="{BE109EC7-A1E0-4387-85CB-9CD6E1F41F68}" type="slidenum">
-              <a:t>&lt;#&gt;</a:t>
+              <a:t>‹#›</a:t>
             </a:fld>
+            <a:endParaRPr/>
           </a:p>
         </p:txBody>
       </p:sp>
@@ -1257,27 +1403,29 @@
         <p:spPr/>
         <p:txBody>
           <a:bodyPr/>
-          <a:p>
-            <a:r>
-              <a:rPr lang="en-US"/>
-              <a:t/>
-            </a:r>
+          <a:lstStyle/>
+          <a:p>
+            <a:endParaRPr/>
           </a:p>
         </p:txBody>
       </p:sp>
     </p:spTree>
   </p:cSld>
+  <p:clrMapOvr>
+    <a:masterClrMapping/>
+  </p:clrMapOvr>
 </p:sldLayout>
 </file>
 
 <file path=ppt/slideMasters/slideMaster1.xml><?xml version="1.0" encoding="utf-8"?>
-<p:sldMaster xmlns:a="http://schemas.openxmlformats.org/drawingml/2006/main" xmlns:p="http://schemas.openxmlformats.org/presentationml/2006/main" xmlns:r="http://schemas.openxmlformats.org/officeDocument/2006/relationships" xmlns:p14="http://schemas.microsoft.com/office/powerpoint/2010/main" xmlns:p15="http://schemas.microsoft.com/office/powerpoint/2012/main" xmlns:mc="http://schemas.openxmlformats.org/markup-compatibility/2006">
+<p:sldMaster xmlns:a="http://schemas.openxmlformats.org/drawingml/2006/main" xmlns:r="http://schemas.openxmlformats.org/officeDocument/2006/relationships" xmlns:p="http://schemas.openxmlformats.org/presentationml/2006/main">
   <p:cSld>
     <p:bg>
       <p:bgPr>
         <a:solidFill>
-          <a:srgbClr val="ffffff"/>
+          <a:srgbClr val="FFFFFF"/>
         </a:solidFill>
+        <a:effectLst/>
       </p:bgPr>
     </p:bg>
     <p:spTree>
@@ -1296,7 +1444,7 @@
       </p:grpSpPr>
       <p:sp>
         <p:nvSpPr>
-          <p:cNvPr id="0" name="PlaceHolder 1"/>
+          <p:cNvPr id="4" name="PlaceHolder 1"/>
           <p:cNvSpPr>
             <a:spLocks noGrp="1"/>
           </p:cNvSpPr>
@@ -1318,9 +1466,10 @@
           </a:ln>
         </p:spPr>
         <p:txBody>
-          <a:bodyPr lIns="91440" rIns="91440" tIns="45720" bIns="45720" anchor="ctr">
+          <a:bodyPr lIns="91440" tIns="45720" rIns="91440" bIns="45720" anchor="ctr">
             <a:noAutofit/>
           </a:bodyPr>
+          <a:lstStyle/>
           <a:p>
             <a:pPr indent="0" algn="ctr" defTabSz="457200">
               <a:lnSpc>
@@ -1329,7 +1478,7 @@
               <a:buNone/>
             </a:pPr>
             <a:r>
-              <a:rPr b="0" lang="en-US" sz="4400" spc="-1" strike="noStrike">
+              <a:rPr lang="en-US" sz="4400" b="0" strike="noStrike" spc="-1">
                 <a:solidFill>
                   <a:schemeClr val="dk1"/>
                 </a:solidFill>
@@ -1337,18 +1486,12 @@
               </a:rPr>
               <a:t>Click to edit Master title style</a:t>
             </a:r>
-            <a:endParaRPr b="0" lang="en-US" sz="4400" spc="-1" strike="noStrike">
-              <a:solidFill>
-                <a:schemeClr val="dk1"/>
-              </a:solidFill>
-              <a:latin typeface="Calibri"/>
-            </a:endParaRPr>
           </a:p>
         </p:txBody>
       </p:sp>
       <p:sp>
         <p:nvSpPr>
-          <p:cNvPr id="1" name="PlaceHolder 2"/>
+          <p:cNvPr id="5" name="PlaceHolder 2"/>
           <p:cNvSpPr>
             <a:spLocks noGrp="1"/>
           </p:cNvSpPr>
@@ -1370,7 +1513,7 @@
           </a:ln>
         </p:spPr>
         <p:txBody>
-          <a:bodyPr lIns="91440" rIns="91440" tIns="45720" bIns="45720" anchor="ctr">
+          <a:bodyPr lIns="91440" tIns="45720" rIns="91440" bIns="45720" anchor="ctr">
             <a:noAutofit/>
           </a:bodyPr>
           <a:lstStyle>
@@ -1379,7 +1522,7 @@
                 <a:spcPct val="100000"/>
               </a:lnSpc>
               <a:buNone/>
-              <a:defRPr b="0" lang="en-US" sz="1200" spc="-1" strike="noStrike">
+              <a:defRPr lang="en-US" sz="1200" b="0" strike="noStrike" spc="-1">
                 <a:solidFill>
                   <a:schemeClr val="dk1">
                     <a:tint val="75000"/>
@@ -1397,7 +1540,7 @@
               <a:buNone/>
             </a:pPr>
             <a:r>
-              <a:rPr b="0" lang="en-US" sz="1200" spc="-1" strike="noStrike">
+              <a:rPr lang="en-US" sz="1200" b="0" strike="noStrike" spc="-1">
                 <a:solidFill>
                   <a:schemeClr val="dk1">
                     <a:tint val="75000"/>
@@ -1407,7 +1550,7 @@
               </a:rPr>
               <a:t>&lt;date/time&gt;</a:t>
             </a:r>
-            <a:endParaRPr b="0" lang="en-US" sz="1200" spc="-1" strike="noStrike">
+            <a:endParaRPr lang="en-US" sz="1200" b="0" strike="noStrike" spc="-1">
               <a:solidFill>
                 <a:srgbClr val="000000"/>
               </a:solidFill>
@@ -1440,13 +1583,13 @@
           </a:ln>
         </p:spPr>
         <p:txBody>
-          <a:bodyPr lIns="91440" rIns="91440" tIns="45720" bIns="45720" anchor="ctr">
+          <a:bodyPr lIns="91440" tIns="45720" rIns="91440" bIns="45720" anchor="ctr">
             <a:noAutofit/>
           </a:bodyPr>
           <a:lstStyle>
             <a:lvl1pPr indent="0" algn="ctr">
               <a:buNone/>
-              <a:defRPr b="0" lang="en-US" sz="1400" spc="-1" strike="noStrike">
+              <a:defRPr lang="en-US" sz="1400" b="0" strike="noStrike" spc="-1">
                 <a:solidFill>
                   <a:srgbClr val="000000"/>
                 </a:solidFill>
@@ -1459,7 +1602,7 @@
               <a:buNone/>
             </a:pPr>
             <a:r>
-              <a:rPr b="0" lang="en-US" sz="1400" spc="-1" strike="noStrike">
+              <a:rPr lang="en-US" sz="1400" b="0" strike="noStrike" spc="-1">
                 <a:solidFill>
                   <a:srgbClr val="000000"/>
                 </a:solidFill>
@@ -1467,12 +1610,6 @@
               </a:rPr>
               <a:t>&lt;footer&gt;</a:t>
             </a:r>
-            <a:endParaRPr b="0" lang="en-US" sz="1400" spc="-1" strike="noStrike">
-              <a:solidFill>
-                <a:srgbClr val="000000"/>
-              </a:solidFill>
-              <a:latin typeface="Times New Roman"/>
-            </a:endParaRPr>
           </a:p>
         </p:txBody>
       </p:sp>
@@ -1500,7 +1637,7 @@
           </a:ln>
         </p:spPr>
         <p:txBody>
-          <a:bodyPr lIns="91440" rIns="91440" tIns="45720" bIns="45720" anchor="ctr">
+          <a:bodyPr lIns="91440" tIns="45720" rIns="91440" bIns="45720" anchor="ctr">
             <a:noAutofit/>
           </a:bodyPr>
           <a:lstStyle>
@@ -1509,7 +1646,7 @@
                 <a:spcPct val="100000"/>
               </a:lnSpc>
               <a:buNone/>
-              <a:defRPr b="0" lang="en-US" sz="1200" spc="-1" strike="noStrike">
+              <a:defRPr lang="en-US" sz="1200" b="0" strike="noStrike" spc="-1">
                 <a:solidFill>
                   <a:schemeClr val="dk1">
                     <a:tint val="75000"/>
@@ -1527,7 +1664,7 @@
               <a:buNone/>
             </a:pPr>
             <a:fld id="{712F067D-DE8A-4F0E-8790-5334981C078A}" type="slidenum">
-              <a:rPr b="0" lang="en-US" sz="1200" spc="-1" strike="noStrike">
+              <a:rPr lang="en-US" sz="1200" b="0" strike="noStrike" spc="-1">
                 <a:solidFill>
                   <a:schemeClr val="dk1">
                     <a:tint val="75000"/>
@@ -1535,9 +1672,9 @@
                 </a:solidFill>
                 <a:latin typeface="Calibri"/>
               </a:rPr>
-              <a:t>&lt;number&gt;</a:t>
+              <a:t>‹#›</a:t>
             </a:fld>
-            <a:endParaRPr b="0" lang="en-US" sz="1200" spc="-1" strike="noStrike">
+            <a:endParaRPr lang="en-US" sz="1200" b="0" strike="noStrike" spc="-1">
               <a:solidFill>
                 <a:srgbClr val="000000"/>
               </a:solidFill>
@@ -1548,21 +1685,302 @@
       </p:sp>
     </p:spTree>
   </p:cSld>
-  <p:clrMap bg1="lt1" bg2="lt2" tx1="dk1" tx2="dk2" accent1="accent1" accent2="accent2" accent3="accent3" accent4="accent4" accent5="accent5" accent6="accent6" hlink="hlink" folHlink="folHlink"/>
+  <p:clrMap bg1="lt1" tx1="dk1" bg2="lt2" tx2="dk2" accent1="accent1" accent2="accent2" accent3="accent3" accent4="accent4" accent5="accent5" accent6="accent6" hlink="hlink" folHlink="folHlink"/>
   <p:sldLayoutIdLst>
-    <p:sldLayoutId id="2147483649" r:id="rId2"/>
+    <p:sldLayoutId id="2147483649" r:id="rId1"/>
   </p:sldLayoutIdLst>
+  <p:txStyles>
+    <p:titleStyle>
+      <a:lvl1pPr algn="l" defTabSz="914400" rtl="0" eaLnBrk="1" latinLnBrk="0" hangingPunct="1">
+        <a:lnSpc>
+          <a:spcPct val="90000"/>
+        </a:lnSpc>
+        <a:spcBef>
+          <a:spcPct val="0"/>
+        </a:spcBef>
+        <a:buNone/>
+        <a:defRPr sz="4400" kern="1200">
+          <a:solidFill>
+            <a:schemeClr val="tx1"/>
+          </a:solidFill>
+          <a:latin typeface="+mj-lt"/>
+          <a:ea typeface="+mj-ea"/>
+          <a:cs typeface="+mj-cs"/>
+        </a:defRPr>
+      </a:lvl1pPr>
+    </p:titleStyle>
+    <p:bodyStyle>
+      <a:lvl1pPr marL="228600" indent="-228600" algn="l" defTabSz="914400" rtl="0" eaLnBrk="1" latinLnBrk="0" hangingPunct="1">
+        <a:lnSpc>
+          <a:spcPct val="90000"/>
+        </a:lnSpc>
+        <a:spcBef>
+          <a:spcPts val="1000"/>
+        </a:spcBef>
+        <a:buFont typeface="Arial" panose="020B0604020202020204" pitchFamily="34" charset="0"/>
+        <a:buChar char="•"/>
+        <a:defRPr sz="2800" kern="1200">
+          <a:solidFill>
+            <a:schemeClr val="tx1"/>
+          </a:solidFill>
+          <a:latin typeface="+mn-lt"/>
+          <a:ea typeface="+mn-ea"/>
+          <a:cs typeface="+mn-cs"/>
+        </a:defRPr>
+      </a:lvl1pPr>
+      <a:lvl2pPr marL="685800" indent="-228600" algn="l" defTabSz="914400" rtl="0" eaLnBrk="1" latinLnBrk="0" hangingPunct="1">
+        <a:lnSpc>
+          <a:spcPct val="90000"/>
+        </a:lnSpc>
+        <a:spcBef>
+          <a:spcPts val="500"/>
+        </a:spcBef>
+        <a:buFont typeface="Arial" panose="020B0604020202020204" pitchFamily="34" charset="0"/>
+        <a:buChar char="•"/>
+        <a:defRPr sz="2400" kern="1200">
+          <a:solidFill>
+            <a:schemeClr val="tx1"/>
+          </a:solidFill>
+          <a:latin typeface="+mn-lt"/>
+          <a:ea typeface="+mn-ea"/>
+          <a:cs typeface="+mn-cs"/>
+        </a:defRPr>
+      </a:lvl2pPr>
+      <a:lvl3pPr marL="1143000" indent="-228600" algn="l" defTabSz="914400" rtl="0" eaLnBrk="1" latinLnBrk="0" hangingPunct="1">
+        <a:lnSpc>
+          <a:spcPct val="90000"/>
+        </a:lnSpc>
+        <a:spcBef>
+          <a:spcPts val="500"/>
+        </a:spcBef>
+        <a:buFont typeface="Arial" panose="020B0604020202020204" pitchFamily="34" charset="0"/>
+        <a:buChar char="•"/>
+        <a:defRPr sz="2000" kern="1200">
+          <a:solidFill>
+            <a:schemeClr val="tx1"/>
+          </a:solidFill>
+          <a:latin typeface="+mn-lt"/>
+          <a:ea typeface="+mn-ea"/>
+          <a:cs typeface="+mn-cs"/>
+        </a:defRPr>
+      </a:lvl3pPr>
+      <a:lvl4pPr marL="1600200" indent="-228600" algn="l" defTabSz="914400" rtl="0" eaLnBrk="1" latinLnBrk="0" hangingPunct="1">
+        <a:lnSpc>
+          <a:spcPct val="90000"/>
+        </a:lnSpc>
+        <a:spcBef>
+          <a:spcPts val="500"/>
+        </a:spcBef>
+        <a:buFont typeface="Arial" panose="020B0604020202020204" pitchFamily="34" charset="0"/>
+        <a:buChar char="•"/>
+        <a:defRPr sz="1800" kern="1200">
+          <a:solidFill>
+            <a:schemeClr val="tx1"/>
+          </a:solidFill>
+          <a:latin typeface="+mn-lt"/>
+          <a:ea typeface="+mn-ea"/>
+          <a:cs typeface="+mn-cs"/>
+        </a:defRPr>
+      </a:lvl4pPr>
+      <a:lvl5pPr marL="2057400" indent="-228600" algn="l" defTabSz="914400" rtl="0" eaLnBrk="1" latinLnBrk="0" hangingPunct="1">
+        <a:lnSpc>
+          <a:spcPct val="90000"/>
+        </a:lnSpc>
+        <a:spcBef>
+          <a:spcPts val="500"/>
+        </a:spcBef>
+        <a:buFont typeface="Arial" panose="020B0604020202020204" pitchFamily="34" charset="0"/>
+        <a:buChar char="•"/>
+        <a:defRPr sz="1800" kern="1200">
+          <a:solidFill>
+            <a:schemeClr val="tx1"/>
+          </a:solidFill>
+          <a:latin typeface="+mn-lt"/>
+          <a:ea typeface="+mn-ea"/>
+          <a:cs typeface="+mn-cs"/>
+        </a:defRPr>
+      </a:lvl5pPr>
+      <a:lvl6pPr marL="2514600" indent="-228600" algn="l" defTabSz="914400" rtl="0" eaLnBrk="1" latinLnBrk="0" hangingPunct="1">
+        <a:lnSpc>
+          <a:spcPct val="90000"/>
+        </a:lnSpc>
+        <a:spcBef>
+          <a:spcPts val="500"/>
+        </a:spcBef>
+        <a:buFont typeface="Arial" panose="020B0604020202020204" pitchFamily="34" charset="0"/>
+        <a:buChar char="•"/>
+        <a:defRPr sz="1800" kern="1200">
+          <a:solidFill>
+            <a:schemeClr val="tx1"/>
+          </a:solidFill>
+          <a:latin typeface="+mn-lt"/>
+          <a:ea typeface="+mn-ea"/>
+          <a:cs typeface="+mn-cs"/>
+        </a:defRPr>
+      </a:lvl6pPr>
+      <a:lvl7pPr marL="2971800" indent="-228600" algn="l" defTabSz="914400" rtl="0" eaLnBrk="1" latinLnBrk="0" hangingPunct="1">
+        <a:lnSpc>
+          <a:spcPct val="90000"/>
+        </a:lnSpc>
+        <a:spcBef>
+          <a:spcPts val="500"/>
+        </a:spcBef>
+        <a:buFont typeface="Arial" panose="020B0604020202020204" pitchFamily="34" charset="0"/>
+        <a:buChar char="•"/>
+        <a:defRPr sz="1800" kern="1200">
+          <a:solidFill>
+            <a:schemeClr val="tx1"/>
+          </a:solidFill>
+          <a:latin typeface="+mn-lt"/>
+          <a:ea typeface="+mn-ea"/>
+          <a:cs typeface="+mn-cs"/>
+        </a:defRPr>
+      </a:lvl7pPr>
+      <a:lvl8pPr marL="3429000" indent="-228600" algn="l" defTabSz="914400" rtl="0" eaLnBrk="1" latinLnBrk="0" hangingPunct="1">
+        <a:lnSpc>
+          <a:spcPct val="90000"/>
+        </a:lnSpc>
+        <a:spcBef>
+          <a:spcPts val="500"/>
+        </a:spcBef>
+        <a:buFont typeface="Arial" panose="020B0604020202020204" pitchFamily="34" charset="0"/>
+        <a:buChar char="•"/>
+        <a:defRPr sz="1800" kern="1200">
+          <a:solidFill>
+            <a:schemeClr val="tx1"/>
+          </a:solidFill>
+          <a:latin typeface="+mn-lt"/>
+          <a:ea typeface="+mn-ea"/>
+          <a:cs typeface="+mn-cs"/>
+        </a:defRPr>
+      </a:lvl8pPr>
+      <a:lvl9pPr marL="3886200" indent="-228600" algn="l" defTabSz="914400" rtl="0" eaLnBrk="1" latinLnBrk="0" hangingPunct="1">
+        <a:lnSpc>
+          <a:spcPct val="90000"/>
+        </a:lnSpc>
+        <a:spcBef>
+          <a:spcPts val="500"/>
+        </a:spcBef>
+        <a:buFont typeface="Arial" panose="020B0604020202020204" pitchFamily="34" charset="0"/>
+        <a:buChar char="•"/>
+        <a:defRPr sz="1800" kern="1200">
+          <a:solidFill>
+            <a:schemeClr val="tx1"/>
+          </a:solidFill>
+          <a:latin typeface="+mn-lt"/>
+          <a:ea typeface="+mn-ea"/>
+          <a:cs typeface="+mn-cs"/>
+        </a:defRPr>
+      </a:lvl9pPr>
+    </p:bodyStyle>
+    <p:otherStyle>
+      <a:defPPr>
+        <a:defRPr lang="en-US"/>
+      </a:defPPr>
+      <a:lvl1pPr marL="0" algn="l" defTabSz="914400" rtl="0" eaLnBrk="1" latinLnBrk="0" hangingPunct="1">
+        <a:defRPr sz="1800" kern="1200">
+          <a:solidFill>
+            <a:schemeClr val="tx1"/>
+          </a:solidFill>
+          <a:latin typeface="+mn-lt"/>
+          <a:ea typeface="+mn-ea"/>
+          <a:cs typeface="+mn-cs"/>
+        </a:defRPr>
+      </a:lvl1pPr>
+      <a:lvl2pPr marL="457200" algn="l" defTabSz="914400" rtl="0" eaLnBrk="1" latinLnBrk="0" hangingPunct="1">
+        <a:defRPr sz="1800" kern="1200">
+          <a:solidFill>
+            <a:schemeClr val="tx1"/>
+          </a:solidFill>
+          <a:latin typeface="+mn-lt"/>
+          <a:ea typeface="+mn-ea"/>
+          <a:cs typeface="+mn-cs"/>
+        </a:defRPr>
+      </a:lvl2pPr>
+      <a:lvl3pPr marL="914400" algn="l" defTabSz="914400" rtl="0" eaLnBrk="1" latinLnBrk="0" hangingPunct="1">
+        <a:defRPr sz="1800" kern="1200">
+          <a:solidFill>
+            <a:schemeClr val="tx1"/>
+          </a:solidFill>
+          <a:latin typeface="+mn-lt"/>
+          <a:ea typeface="+mn-ea"/>
+          <a:cs typeface="+mn-cs"/>
+        </a:defRPr>
+      </a:lvl3pPr>
+      <a:lvl4pPr marL="1371600" algn="l" defTabSz="914400" rtl="0" eaLnBrk="1" latinLnBrk="0" hangingPunct="1">
+        <a:defRPr sz="1800" kern="1200">
+          <a:solidFill>
+            <a:schemeClr val="tx1"/>
+          </a:solidFill>
+          <a:latin typeface="+mn-lt"/>
+          <a:ea typeface="+mn-ea"/>
+          <a:cs typeface="+mn-cs"/>
+        </a:defRPr>
+      </a:lvl4pPr>
+      <a:lvl5pPr marL="1828800" algn="l" defTabSz="914400" rtl="0" eaLnBrk="1" latinLnBrk="0" hangingPunct="1">
+        <a:defRPr sz="1800" kern="1200">
+          <a:solidFill>
+            <a:schemeClr val="tx1"/>
+          </a:solidFill>
+          <a:latin typeface="+mn-lt"/>
+          <a:ea typeface="+mn-ea"/>
+          <a:cs typeface="+mn-cs"/>
+        </a:defRPr>
+      </a:lvl5pPr>
+      <a:lvl6pPr marL="2286000" algn="l" defTabSz="914400" rtl="0" eaLnBrk="1" latinLnBrk="0" hangingPunct="1">
+        <a:defRPr sz="1800" kern="1200">
+          <a:solidFill>
+            <a:schemeClr val="tx1"/>
+          </a:solidFill>
+          <a:latin typeface="+mn-lt"/>
+          <a:ea typeface="+mn-ea"/>
+          <a:cs typeface="+mn-cs"/>
+        </a:defRPr>
+      </a:lvl6pPr>
+      <a:lvl7pPr marL="2743200" algn="l" defTabSz="914400" rtl="0" eaLnBrk="1" latinLnBrk="0" hangingPunct="1">
+        <a:defRPr sz="1800" kern="1200">
+          <a:solidFill>
+            <a:schemeClr val="tx1"/>
+          </a:solidFill>
+          <a:latin typeface="+mn-lt"/>
+          <a:ea typeface="+mn-ea"/>
+          <a:cs typeface="+mn-cs"/>
+        </a:defRPr>
+      </a:lvl7pPr>
+      <a:lvl8pPr marL="3200400" algn="l" defTabSz="914400" rtl="0" eaLnBrk="1" latinLnBrk="0" hangingPunct="1">
+        <a:defRPr sz="1800" kern="1200">
+          <a:solidFill>
+            <a:schemeClr val="tx1"/>
+          </a:solidFill>
+          <a:latin typeface="+mn-lt"/>
+          <a:ea typeface="+mn-ea"/>
+          <a:cs typeface="+mn-cs"/>
+        </a:defRPr>
+      </a:lvl8pPr>
+      <a:lvl9pPr marL="3657600" algn="l" defTabSz="914400" rtl="0" eaLnBrk="1" latinLnBrk="0" hangingPunct="1">
+        <a:defRPr sz="1800" kern="1200">
+          <a:solidFill>
+            <a:schemeClr val="tx1"/>
+          </a:solidFill>
+          <a:latin typeface="+mn-lt"/>
+          <a:ea typeface="+mn-ea"/>
+          <a:cs typeface="+mn-cs"/>
+        </a:defRPr>
+      </a:lvl9pPr>
+    </p:otherStyle>
+  </p:txStyles>
 </p:sldMaster>
 </file>
 
 <file path=ppt/slideMasters/slideMaster10.xml><?xml version="1.0" encoding="utf-8"?>
-<p:sldMaster xmlns:a="http://schemas.openxmlformats.org/drawingml/2006/main" xmlns:p="http://schemas.openxmlformats.org/presentationml/2006/main" xmlns:r="http://schemas.openxmlformats.org/officeDocument/2006/relationships" xmlns:p14="http://schemas.microsoft.com/office/powerpoint/2010/main" xmlns:p15="http://schemas.microsoft.com/office/powerpoint/2012/main" xmlns:mc="http://schemas.openxmlformats.org/markup-compatibility/2006">
+<p:sldMaster xmlns:a="http://schemas.openxmlformats.org/drawingml/2006/main" xmlns:r="http://schemas.openxmlformats.org/officeDocument/2006/relationships" xmlns:p="http://schemas.openxmlformats.org/presentationml/2006/main">
   <p:cSld>
     <p:bg>
       <p:bgPr>
         <a:solidFill>
-          <a:srgbClr val="ffffff"/>
+          <a:srgbClr val="FFFFFF"/>
         </a:solidFill>
+        <a:effectLst/>
       </p:bgPr>
     </p:bg>
     <p:spTree>
@@ -1603,9 +2021,10 @@
           </a:ln>
         </p:spPr>
         <p:txBody>
-          <a:bodyPr lIns="91440" rIns="91440" tIns="45720" bIns="45720" anchor="b">
+          <a:bodyPr lIns="91440" tIns="45720" rIns="91440" bIns="45720" anchor="b">
             <a:noAutofit/>
           </a:bodyPr>
+          <a:lstStyle/>
           <a:p>
             <a:pPr indent="0" defTabSz="457200">
               <a:lnSpc>
@@ -1614,7 +2033,7 @@
               <a:buNone/>
             </a:pPr>
             <a:r>
-              <a:rPr b="1" lang="en-US" sz="2000" spc="-1" strike="noStrike">
+              <a:rPr lang="en-US" sz="2000" b="1" strike="noStrike" spc="-1">
                 <a:solidFill>
                   <a:schemeClr val="dk1"/>
                 </a:solidFill>
@@ -1622,7 +2041,7 @@
               </a:rPr>
               <a:t>Click to edit Master title style</a:t>
             </a:r>
-            <a:endParaRPr b="0" lang="en-US" sz="2000" spc="-1" strike="noStrike">
+            <a:endParaRPr lang="en-US" sz="2000" b="0" strike="noStrike" spc="-1">
               <a:solidFill>
                 <a:schemeClr val="dk1"/>
               </a:solidFill>
@@ -1655,9 +2074,10 @@
           </a:ln>
         </p:spPr>
         <p:txBody>
-          <a:bodyPr lIns="91440" rIns="91440" tIns="45720" bIns="45720" anchor="t">
+          <a:bodyPr lIns="91440" tIns="45720" rIns="91440" bIns="45720" anchor="t">
             <a:noAutofit/>
           </a:bodyPr>
+          <a:lstStyle/>
           <a:p>
             <a:pPr marL="343080" indent="-343080" defTabSz="457200">
               <a:lnSpc>
@@ -1673,7 +2093,7 @@
               <a:buChar char="•"/>
             </a:pPr>
             <a:r>
-              <a:rPr b="0" lang="en-US" sz="3200" spc="-1" strike="noStrike">
+              <a:rPr lang="en-US" sz="3200" b="0" strike="noStrike" spc="-1">
                 <a:solidFill>
                   <a:schemeClr val="dk1"/>
                 </a:solidFill>
@@ -1681,15 +2101,9 @@
               </a:rPr>
               <a:t>Click to edit Master text styles</a:t>
             </a:r>
-            <a:endParaRPr b="0" lang="en-US" sz="3200" spc="-1" strike="noStrike">
-              <a:solidFill>
-                <a:schemeClr val="dk1"/>
-              </a:solidFill>
-              <a:latin typeface="Calibri"/>
-            </a:endParaRPr>
-          </a:p>
-          <a:p>
-            <a:pPr lvl="1" marL="743040" indent="-285840" defTabSz="457200">
+          </a:p>
+          <a:p>
+            <a:pPr marL="743040" lvl="1" indent="-285840" defTabSz="457200">
               <a:lnSpc>
                 <a:spcPct val="100000"/>
               </a:lnSpc>
@@ -1703,7 +2117,7 @@
               <a:buChar char="–"/>
             </a:pPr>
             <a:r>
-              <a:rPr b="0" lang="en-US" sz="2800" spc="-1" strike="noStrike">
+              <a:rPr lang="en-US" sz="2800" b="0" strike="noStrike" spc="-1">
                 <a:solidFill>
                   <a:schemeClr val="dk1"/>
                 </a:solidFill>
@@ -1711,15 +2125,9 @@
               </a:rPr>
               <a:t>Second level</a:t>
             </a:r>
-            <a:endParaRPr b="0" lang="en-US" sz="2800" spc="-1" strike="noStrike">
-              <a:solidFill>
-                <a:schemeClr val="dk1"/>
-              </a:solidFill>
-              <a:latin typeface="Calibri"/>
-            </a:endParaRPr>
-          </a:p>
-          <a:p>
-            <a:pPr lvl="2" marL="1143000" indent="-228600" defTabSz="457200">
+          </a:p>
+          <a:p>
+            <a:pPr marL="1143000" lvl="2" indent="-228600" defTabSz="457200">
               <a:lnSpc>
                 <a:spcPct val="100000"/>
               </a:lnSpc>
@@ -1733,7 +2141,7 @@
               <a:buChar char="•"/>
             </a:pPr>
             <a:r>
-              <a:rPr b="0" lang="en-US" sz="2400" spc="-1" strike="noStrike">
+              <a:rPr lang="en-US" sz="2400" b="0" strike="noStrike" spc="-1">
                 <a:solidFill>
                   <a:schemeClr val="dk1"/>
                 </a:solidFill>
@@ -1741,15 +2149,9 @@
               </a:rPr>
               <a:t>Third level</a:t>
             </a:r>
-            <a:endParaRPr b="0" lang="en-US" sz="2400" spc="-1" strike="noStrike">
-              <a:solidFill>
-                <a:schemeClr val="dk1"/>
-              </a:solidFill>
-              <a:latin typeface="Calibri"/>
-            </a:endParaRPr>
-          </a:p>
-          <a:p>
-            <a:pPr lvl="3" marL="1600200" indent="-228600" defTabSz="457200">
+          </a:p>
+          <a:p>
+            <a:pPr marL="1600200" lvl="3" indent="-228600" defTabSz="457200">
               <a:lnSpc>
                 <a:spcPct val="100000"/>
               </a:lnSpc>
@@ -1763,7 +2165,7 @@
               <a:buChar char="–"/>
             </a:pPr>
             <a:r>
-              <a:rPr b="0" lang="en-US" sz="2000" spc="-1" strike="noStrike">
+              <a:rPr lang="en-US" sz="2000" b="0" strike="noStrike" spc="-1">
                 <a:solidFill>
                   <a:schemeClr val="dk1"/>
                 </a:solidFill>
@@ -1771,15 +2173,9 @@
               </a:rPr>
               <a:t>Fourth level</a:t>
             </a:r>
-            <a:endParaRPr b="0" lang="en-US" sz="2000" spc="-1" strike="noStrike">
-              <a:solidFill>
-                <a:schemeClr val="dk1"/>
-              </a:solidFill>
-              <a:latin typeface="Calibri"/>
-            </a:endParaRPr>
-          </a:p>
-          <a:p>
-            <a:pPr lvl="4" marL="2057400" indent="-228600" defTabSz="457200">
+          </a:p>
+          <a:p>
+            <a:pPr marL="2057400" lvl="4" indent="-228600" defTabSz="457200">
               <a:lnSpc>
                 <a:spcPct val="100000"/>
               </a:lnSpc>
@@ -1793,7 +2189,7 @@
               <a:buChar char="»"/>
             </a:pPr>
             <a:r>
-              <a:rPr b="0" lang="en-US" sz="2000" spc="-1" strike="noStrike">
+              <a:rPr lang="en-US" sz="2000" b="0" strike="noStrike" spc="-1">
                 <a:solidFill>
                   <a:schemeClr val="dk1"/>
                 </a:solidFill>
@@ -1801,12 +2197,6 @@
               </a:rPr>
               <a:t>Fifth level</a:t>
             </a:r>
-            <a:endParaRPr b="0" lang="en-US" sz="2000" spc="-1" strike="noStrike">
-              <a:solidFill>
-                <a:schemeClr val="dk1"/>
-              </a:solidFill>
-              <a:latin typeface="Calibri"/>
-            </a:endParaRPr>
           </a:p>
         </p:txBody>
       </p:sp>
@@ -1834,9 +2224,10 @@
           </a:ln>
         </p:spPr>
         <p:txBody>
-          <a:bodyPr lIns="91440" rIns="91440" tIns="45720" bIns="45720" anchor="t">
+          <a:bodyPr lIns="91440" tIns="45720" rIns="91440" bIns="45720" anchor="t">
             <a:noAutofit/>
           </a:bodyPr>
+          <a:lstStyle/>
           <a:p>
             <a:pPr indent="0" defTabSz="457200">
               <a:lnSpc>
@@ -1847,11 +2238,11 @@
               </a:spcBef>
               <a:buNone/>
               <a:tabLst>
-                <a:tab algn="l" pos="0"/>
+                <a:tab pos="0" algn="l"/>
               </a:tabLst>
             </a:pPr>
             <a:r>
-              <a:rPr b="0" lang="en-US" sz="1400" spc="-1" strike="noStrike">
+              <a:rPr lang="en-US" sz="1400" b="0" strike="noStrike" spc="-1">
                 <a:solidFill>
                   <a:schemeClr val="dk1"/>
                 </a:solidFill>
@@ -1859,12 +2250,6 @@
               </a:rPr>
               <a:t>Click to edit Master text styles</a:t>
             </a:r>
-            <a:endParaRPr b="0" lang="en-US" sz="1400" spc="-1" strike="noStrike">
-              <a:solidFill>
-                <a:schemeClr val="dk1"/>
-              </a:solidFill>
-              <a:latin typeface="Calibri"/>
-            </a:endParaRPr>
           </a:p>
         </p:txBody>
       </p:sp>
@@ -1892,7 +2277,7 @@
           </a:ln>
         </p:spPr>
         <p:txBody>
-          <a:bodyPr lIns="91440" rIns="91440" tIns="45720" bIns="45720" anchor="ctr">
+          <a:bodyPr lIns="91440" tIns="45720" rIns="91440" bIns="45720" anchor="ctr">
             <a:noAutofit/>
           </a:bodyPr>
           <a:lstStyle>
@@ -1901,7 +2286,7 @@
                 <a:spcPct val="100000"/>
               </a:lnSpc>
               <a:buNone/>
-              <a:defRPr b="0" lang="en-US" sz="1200" spc="-1" strike="noStrike">
+              <a:defRPr lang="en-US" sz="1200" b="0" strike="noStrike" spc="-1">
                 <a:solidFill>
                   <a:schemeClr val="dk1">
                     <a:tint val="75000"/>
@@ -1919,7 +2304,7 @@
               <a:buNone/>
             </a:pPr>
             <a:r>
-              <a:rPr b="0" lang="en-US" sz="1200" spc="-1" strike="noStrike">
+              <a:rPr lang="en-US" sz="1200" b="0" strike="noStrike" spc="-1">
                 <a:solidFill>
                   <a:schemeClr val="dk1">
                     <a:tint val="75000"/>
@@ -1929,7 +2314,7 @@
               </a:rPr>
               <a:t>&lt;date/time&gt;</a:t>
             </a:r>
-            <a:endParaRPr b="0" lang="en-US" sz="1200" spc="-1" strike="noStrike">
+            <a:endParaRPr lang="en-US" sz="1200" b="0" strike="noStrike" spc="-1">
               <a:solidFill>
                 <a:srgbClr val="000000"/>
               </a:solidFill>
@@ -1962,13 +2347,13 @@
           </a:ln>
         </p:spPr>
         <p:txBody>
-          <a:bodyPr lIns="91440" rIns="91440" tIns="45720" bIns="45720" anchor="ctr">
+          <a:bodyPr lIns="91440" tIns="45720" rIns="91440" bIns="45720" anchor="ctr">
             <a:noAutofit/>
           </a:bodyPr>
           <a:lstStyle>
             <a:lvl1pPr indent="0" algn="ctr">
               <a:buNone/>
-              <a:defRPr b="0" lang="en-US" sz="1400" spc="-1" strike="noStrike">
+              <a:defRPr lang="en-US" sz="1400" b="0" strike="noStrike" spc="-1">
                 <a:solidFill>
                   <a:srgbClr val="000000"/>
                 </a:solidFill>
@@ -1981,7 +2366,7 @@
               <a:buNone/>
             </a:pPr>
             <a:r>
-              <a:rPr b="0" lang="en-US" sz="1400" spc="-1" strike="noStrike">
+              <a:rPr lang="en-US" sz="1400" b="0" strike="noStrike" spc="-1">
                 <a:solidFill>
                   <a:srgbClr val="000000"/>
                 </a:solidFill>
@@ -1989,12 +2374,6 @@
               </a:rPr>
               <a:t>&lt;footer&gt;</a:t>
             </a:r>
-            <a:endParaRPr b="0" lang="en-US" sz="1400" spc="-1" strike="noStrike">
-              <a:solidFill>
-                <a:srgbClr val="000000"/>
-              </a:solidFill>
-              <a:latin typeface="Times New Roman"/>
-            </a:endParaRPr>
           </a:p>
         </p:txBody>
       </p:sp>
@@ -2022,7 +2401,7 @@
           </a:ln>
         </p:spPr>
         <p:txBody>
-          <a:bodyPr lIns="91440" rIns="91440" tIns="45720" bIns="45720" anchor="ctr">
+          <a:bodyPr lIns="91440" tIns="45720" rIns="91440" bIns="45720" anchor="ctr">
             <a:noAutofit/>
           </a:bodyPr>
           <a:lstStyle>
@@ -2031,7 +2410,7 @@
                 <a:spcPct val="100000"/>
               </a:lnSpc>
               <a:buNone/>
-              <a:defRPr b="0" lang="en-US" sz="1200" spc="-1" strike="noStrike">
+              <a:defRPr lang="en-US" sz="1200" b="0" strike="noStrike" spc="-1">
                 <a:solidFill>
                   <a:schemeClr val="dk1">
                     <a:tint val="75000"/>
@@ -2049,7 +2428,7 @@
               <a:buNone/>
             </a:pPr>
             <a:fld id="{73C9EFB9-5912-4B34-8615-5CE011ACF113}" type="slidenum">
-              <a:rPr b="0" lang="en-US" sz="1200" spc="-1" strike="noStrike">
+              <a:rPr lang="en-US" sz="1200" b="0" strike="noStrike" spc="-1">
                 <a:solidFill>
                   <a:schemeClr val="dk1">
                     <a:tint val="75000"/>
@@ -2057,9 +2436,9 @@
                 </a:solidFill>
                 <a:latin typeface="Calibri"/>
               </a:rPr>
-              <a:t>&lt;number&gt;</a:t>
+              <a:t>‹#›</a:t>
             </a:fld>
-            <a:endParaRPr b="0" lang="en-US" sz="1200" spc="-1" strike="noStrike">
+            <a:endParaRPr lang="en-US" sz="1200" b="0" strike="noStrike" spc="-1">
               <a:solidFill>
                 <a:srgbClr val="000000"/>
               </a:solidFill>
@@ -2070,21 +2449,302 @@
       </p:sp>
     </p:spTree>
   </p:cSld>
-  <p:clrMap bg1="lt1" bg2="lt2" tx1="dk1" tx2="dk2" accent1="accent1" accent2="accent2" accent3="accent3" accent4="accent4" accent5="accent5" accent6="accent6" hlink="hlink" folHlink="folHlink"/>
+  <p:clrMap bg1="lt1" tx1="dk1" bg2="lt2" tx2="dk2" accent1="accent1" accent2="accent2" accent3="accent3" accent4="accent4" accent5="accent5" accent6="accent6" hlink="hlink" folHlink="folHlink"/>
   <p:sldLayoutIdLst>
-    <p:sldLayoutId id="2147483667" r:id="rId2"/>
+    <p:sldLayoutId id="2147483667" r:id="rId1"/>
   </p:sldLayoutIdLst>
+  <p:txStyles>
+    <p:titleStyle>
+      <a:lvl1pPr algn="l" defTabSz="914400" rtl="0" eaLnBrk="1" latinLnBrk="0" hangingPunct="1">
+        <a:lnSpc>
+          <a:spcPct val="90000"/>
+        </a:lnSpc>
+        <a:spcBef>
+          <a:spcPct val="0"/>
+        </a:spcBef>
+        <a:buNone/>
+        <a:defRPr sz="4400" kern="1200">
+          <a:solidFill>
+            <a:schemeClr val="tx1"/>
+          </a:solidFill>
+          <a:latin typeface="+mj-lt"/>
+          <a:ea typeface="+mj-ea"/>
+          <a:cs typeface="+mj-cs"/>
+        </a:defRPr>
+      </a:lvl1pPr>
+    </p:titleStyle>
+    <p:bodyStyle>
+      <a:lvl1pPr marL="228600" indent="-228600" algn="l" defTabSz="914400" rtl="0" eaLnBrk="1" latinLnBrk="0" hangingPunct="1">
+        <a:lnSpc>
+          <a:spcPct val="90000"/>
+        </a:lnSpc>
+        <a:spcBef>
+          <a:spcPts val="1000"/>
+        </a:spcBef>
+        <a:buFont typeface="Arial" panose="020B0604020202020204" pitchFamily="34" charset="0"/>
+        <a:buChar char="•"/>
+        <a:defRPr sz="2800" kern="1200">
+          <a:solidFill>
+            <a:schemeClr val="tx1"/>
+          </a:solidFill>
+          <a:latin typeface="+mn-lt"/>
+          <a:ea typeface="+mn-ea"/>
+          <a:cs typeface="+mn-cs"/>
+        </a:defRPr>
+      </a:lvl1pPr>
+      <a:lvl2pPr marL="685800" indent="-228600" algn="l" defTabSz="914400" rtl="0" eaLnBrk="1" latinLnBrk="0" hangingPunct="1">
+        <a:lnSpc>
+          <a:spcPct val="90000"/>
+        </a:lnSpc>
+        <a:spcBef>
+          <a:spcPts val="500"/>
+        </a:spcBef>
+        <a:buFont typeface="Arial" panose="020B0604020202020204" pitchFamily="34" charset="0"/>
+        <a:buChar char="•"/>
+        <a:defRPr sz="2400" kern="1200">
+          <a:solidFill>
+            <a:schemeClr val="tx1"/>
+          </a:solidFill>
+          <a:latin typeface="+mn-lt"/>
+          <a:ea typeface="+mn-ea"/>
+          <a:cs typeface="+mn-cs"/>
+        </a:defRPr>
+      </a:lvl2pPr>
+      <a:lvl3pPr marL="1143000" indent="-228600" algn="l" defTabSz="914400" rtl="0" eaLnBrk="1" latinLnBrk="0" hangingPunct="1">
+        <a:lnSpc>
+          <a:spcPct val="90000"/>
+        </a:lnSpc>
+        <a:spcBef>
+          <a:spcPts val="500"/>
+        </a:spcBef>
+        <a:buFont typeface="Arial" panose="020B0604020202020204" pitchFamily="34" charset="0"/>
+        <a:buChar char="•"/>
+        <a:defRPr sz="2000" kern="1200">
+          <a:solidFill>
+            <a:schemeClr val="tx1"/>
+          </a:solidFill>
+          <a:latin typeface="+mn-lt"/>
+          <a:ea typeface="+mn-ea"/>
+          <a:cs typeface="+mn-cs"/>
+        </a:defRPr>
+      </a:lvl3pPr>
+      <a:lvl4pPr marL="1600200" indent="-228600" algn="l" defTabSz="914400" rtl="0" eaLnBrk="1" latinLnBrk="0" hangingPunct="1">
+        <a:lnSpc>
+          <a:spcPct val="90000"/>
+        </a:lnSpc>
+        <a:spcBef>
+          <a:spcPts val="500"/>
+        </a:spcBef>
+        <a:buFont typeface="Arial" panose="020B0604020202020204" pitchFamily="34" charset="0"/>
+        <a:buChar char="•"/>
+        <a:defRPr sz="1800" kern="1200">
+          <a:solidFill>
+            <a:schemeClr val="tx1"/>
+          </a:solidFill>
+          <a:latin typeface="+mn-lt"/>
+          <a:ea typeface="+mn-ea"/>
+          <a:cs typeface="+mn-cs"/>
+        </a:defRPr>
+      </a:lvl4pPr>
+      <a:lvl5pPr marL="2057400" indent="-228600" algn="l" defTabSz="914400" rtl="0" eaLnBrk="1" latinLnBrk="0" hangingPunct="1">
+        <a:lnSpc>
+          <a:spcPct val="90000"/>
+        </a:lnSpc>
+        <a:spcBef>
+          <a:spcPts val="500"/>
+        </a:spcBef>
+        <a:buFont typeface="Arial" panose="020B0604020202020204" pitchFamily="34" charset="0"/>
+        <a:buChar char="•"/>
+        <a:defRPr sz="1800" kern="1200">
+          <a:solidFill>
+            <a:schemeClr val="tx1"/>
+          </a:solidFill>
+          <a:latin typeface="+mn-lt"/>
+          <a:ea typeface="+mn-ea"/>
+          <a:cs typeface="+mn-cs"/>
+        </a:defRPr>
+      </a:lvl5pPr>
+      <a:lvl6pPr marL="2514600" indent="-228600" algn="l" defTabSz="914400" rtl="0" eaLnBrk="1" latinLnBrk="0" hangingPunct="1">
+        <a:lnSpc>
+          <a:spcPct val="90000"/>
+        </a:lnSpc>
+        <a:spcBef>
+          <a:spcPts val="500"/>
+        </a:spcBef>
+        <a:buFont typeface="Arial" panose="020B0604020202020204" pitchFamily="34" charset="0"/>
+        <a:buChar char="•"/>
+        <a:defRPr sz="1800" kern="1200">
+          <a:solidFill>
+            <a:schemeClr val="tx1"/>
+          </a:solidFill>
+          <a:latin typeface="+mn-lt"/>
+          <a:ea typeface="+mn-ea"/>
+          <a:cs typeface="+mn-cs"/>
+        </a:defRPr>
+      </a:lvl6pPr>
+      <a:lvl7pPr marL="2971800" indent="-228600" algn="l" defTabSz="914400" rtl="0" eaLnBrk="1" latinLnBrk="0" hangingPunct="1">
+        <a:lnSpc>
+          <a:spcPct val="90000"/>
+        </a:lnSpc>
+        <a:spcBef>
+          <a:spcPts val="500"/>
+        </a:spcBef>
+        <a:buFont typeface="Arial" panose="020B0604020202020204" pitchFamily="34" charset="0"/>
+        <a:buChar char="•"/>
+        <a:defRPr sz="1800" kern="1200">
+          <a:solidFill>
+            <a:schemeClr val="tx1"/>
+          </a:solidFill>
+          <a:latin typeface="+mn-lt"/>
+          <a:ea typeface="+mn-ea"/>
+          <a:cs typeface="+mn-cs"/>
+        </a:defRPr>
+      </a:lvl7pPr>
+      <a:lvl8pPr marL="3429000" indent="-228600" algn="l" defTabSz="914400" rtl="0" eaLnBrk="1" latinLnBrk="0" hangingPunct="1">
+        <a:lnSpc>
+          <a:spcPct val="90000"/>
+        </a:lnSpc>
+        <a:spcBef>
+          <a:spcPts val="500"/>
+        </a:spcBef>
+        <a:buFont typeface="Arial" panose="020B0604020202020204" pitchFamily="34" charset="0"/>
+        <a:buChar char="•"/>
+        <a:defRPr sz="1800" kern="1200">
+          <a:solidFill>
+            <a:schemeClr val="tx1"/>
+          </a:solidFill>
+          <a:latin typeface="+mn-lt"/>
+          <a:ea typeface="+mn-ea"/>
+          <a:cs typeface="+mn-cs"/>
+        </a:defRPr>
+      </a:lvl8pPr>
+      <a:lvl9pPr marL="3886200" indent="-228600" algn="l" defTabSz="914400" rtl="0" eaLnBrk="1" latinLnBrk="0" hangingPunct="1">
+        <a:lnSpc>
+          <a:spcPct val="90000"/>
+        </a:lnSpc>
+        <a:spcBef>
+          <a:spcPts val="500"/>
+        </a:spcBef>
+        <a:buFont typeface="Arial" panose="020B0604020202020204" pitchFamily="34" charset="0"/>
+        <a:buChar char="•"/>
+        <a:defRPr sz="1800" kern="1200">
+          <a:solidFill>
+            <a:schemeClr val="tx1"/>
+          </a:solidFill>
+          <a:latin typeface="+mn-lt"/>
+          <a:ea typeface="+mn-ea"/>
+          <a:cs typeface="+mn-cs"/>
+        </a:defRPr>
+      </a:lvl9pPr>
+    </p:bodyStyle>
+    <p:otherStyle>
+      <a:defPPr>
+        <a:defRPr lang="en-US"/>
+      </a:defPPr>
+      <a:lvl1pPr marL="0" algn="l" defTabSz="914400" rtl="0" eaLnBrk="1" latinLnBrk="0" hangingPunct="1">
+        <a:defRPr sz="1800" kern="1200">
+          <a:solidFill>
+            <a:schemeClr val="tx1"/>
+          </a:solidFill>
+          <a:latin typeface="+mn-lt"/>
+          <a:ea typeface="+mn-ea"/>
+          <a:cs typeface="+mn-cs"/>
+        </a:defRPr>
+      </a:lvl1pPr>
+      <a:lvl2pPr marL="457200" algn="l" defTabSz="914400" rtl="0" eaLnBrk="1" latinLnBrk="0" hangingPunct="1">
+        <a:defRPr sz="1800" kern="1200">
+          <a:solidFill>
+            <a:schemeClr val="tx1"/>
+          </a:solidFill>
+          <a:latin typeface="+mn-lt"/>
+          <a:ea typeface="+mn-ea"/>
+          <a:cs typeface="+mn-cs"/>
+        </a:defRPr>
+      </a:lvl2pPr>
+      <a:lvl3pPr marL="914400" algn="l" defTabSz="914400" rtl="0" eaLnBrk="1" latinLnBrk="0" hangingPunct="1">
+        <a:defRPr sz="1800" kern="1200">
+          <a:solidFill>
+            <a:schemeClr val="tx1"/>
+          </a:solidFill>
+          <a:latin typeface="+mn-lt"/>
+          <a:ea typeface="+mn-ea"/>
+          <a:cs typeface="+mn-cs"/>
+        </a:defRPr>
+      </a:lvl3pPr>
+      <a:lvl4pPr marL="1371600" algn="l" defTabSz="914400" rtl="0" eaLnBrk="1" latinLnBrk="0" hangingPunct="1">
+        <a:defRPr sz="1800" kern="1200">
+          <a:solidFill>
+            <a:schemeClr val="tx1"/>
+          </a:solidFill>
+          <a:latin typeface="+mn-lt"/>
+          <a:ea typeface="+mn-ea"/>
+          <a:cs typeface="+mn-cs"/>
+        </a:defRPr>
+      </a:lvl4pPr>
+      <a:lvl5pPr marL="1828800" algn="l" defTabSz="914400" rtl="0" eaLnBrk="1" latinLnBrk="0" hangingPunct="1">
+        <a:defRPr sz="1800" kern="1200">
+          <a:solidFill>
+            <a:schemeClr val="tx1"/>
+          </a:solidFill>
+          <a:latin typeface="+mn-lt"/>
+          <a:ea typeface="+mn-ea"/>
+          <a:cs typeface="+mn-cs"/>
+        </a:defRPr>
+      </a:lvl5pPr>
+      <a:lvl6pPr marL="2286000" algn="l" defTabSz="914400" rtl="0" eaLnBrk="1" latinLnBrk="0" hangingPunct="1">
+        <a:defRPr sz="1800" kern="1200">
+          <a:solidFill>
+            <a:schemeClr val="tx1"/>
+          </a:solidFill>
+          <a:latin typeface="+mn-lt"/>
+          <a:ea typeface="+mn-ea"/>
+          <a:cs typeface="+mn-cs"/>
+        </a:defRPr>
+      </a:lvl6pPr>
+      <a:lvl7pPr marL="2743200" algn="l" defTabSz="914400" rtl="0" eaLnBrk="1" latinLnBrk="0" hangingPunct="1">
+        <a:defRPr sz="1800" kern="1200">
+          <a:solidFill>
+            <a:schemeClr val="tx1"/>
+          </a:solidFill>
+          <a:latin typeface="+mn-lt"/>
+          <a:ea typeface="+mn-ea"/>
+          <a:cs typeface="+mn-cs"/>
+        </a:defRPr>
+      </a:lvl7pPr>
+      <a:lvl8pPr marL="3200400" algn="l" defTabSz="914400" rtl="0" eaLnBrk="1" latinLnBrk="0" hangingPunct="1">
+        <a:defRPr sz="1800" kern="1200">
+          <a:solidFill>
+            <a:schemeClr val="tx1"/>
+          </a:solidFill>
+          <a:latin typeface="+mn-lt"/>
+          <a:ea typeface="+mn-ea"/>
+          <a:cs typeface="+mn-cs"/>
+        </a:defRPr>
+      </a:lvl8pPr>
+      <a:lvl9pPr marL="3657600" algn="l" defTabSz="914400" rtl="0" eaLnBrk="1" latinLnBrk="0" hangingPunct="1">
+        <a:defRPr sz="1800" kern="1200">
+          <a:solidFill>
+            <a:schemeClr val="tx1"/>
+          </a:solidFill>
+          <a:latin typeface="+mn-lt"/>
+          <a:ea typeface="+mn-ea"/>
+          <a:cs typeface="+mn-cs"/>
+        </a:defRPr>
+      </a:lvl9pPr>
+    </p:otherStyle>
+  </p:txStyles>
 </p:sldMaster>
 </file>
 
 <file path=ppt/slideMasters/slideMaster11.xml><?xml version="1.0" encoding="utf-8"?>
-<p:sldMaster xmlns:a="http://schemas.openxmlformats.org/drawingml/2006/main" xmlns:p="http://schemas.openxmlformats.org/presentationml/2006/main" xmlns:r="http://schemas.openxmlformats.org/officeDocument/2006/relationships" xmlns:p14="http://schemas.microsoft.com/office/powerpoint/2010/main" xmlns:p15="http://schemas.microsoft.com/office/powerpoint/2012/main" xmlns:mc="http://schemas.openxmlformats.org/markup-compatibility/2006">
+<p:sldMaster xmlns:a="http://schemas.openxmlformats.org/drawingml/2006/main" xmlns:r="http://schemas.openxmlformats.org/officeDocument/2006/relationships" xmlns:p="http://schemas.openxmlformats.org/presentationml/2006/main">
   <p:cSld>
     <p:bg>
       <p:bgPr>
         <a:solidFill>
-          <a:srgbClr val="ffffff"/>
+          <a:srgbClr val="FFFFFF"/>
         </a:solidFill>
+        <a:effectLst/>
       </p:bgPr>
     </p:bg>
     <p:spTree>
@@ -2125,9 +2785,10 @@
           </a:ln>
         </p:spPr>
         <p:txBody>
-          <a:bodyPr lIns="91440" rIns="91440" tIns="45720" bIns="45720" anchor="b">
+          <a:bodyPr lIns="91440" tIns="45720" rIns="91440" bIns="45720" anchor="b">
             <a:noAutofit/>
           </a:bodyPr>
+          <a:lstStyle/>
           <a:p>
             <a:pPr indent="0" defTabSz="457200">
               <a:lnSpc>
@@ -2136,7 +2797,7 @@
               <a:buNone/>
             </a:pPr>
             <a:r>
-              <a:rPr b="1" lang="en-US" sz="2000" spc="-1" strike="noStrike">
+              <a:rPr lang="en-US" sz="2000" b="1" strike="noStrike" spc="-1">
                 <a:solidFill>
                   <a:schemeClr val="dk1"/>
                 </a:solidFill>
@@ -2144,7 +2805,7 @@
               </a:rPr>
               <a:t>Click to edit Master title style</a:t>
             </a:r>
-            <a:endParaRPr b="0" lang="en-US" sz="2000" spc="-1" strike="noStrike">
+            <a:endParaRPr lang="en-US" sz="2000" b="0" strike="noStrike" spc="-1">
               <a:solidFill>
                 <a:schemeClr val="dk1"/>
               </a:solidFill>
@@ -2177,9 +2838,10 @@
           </a:ln>
         </p:spPr>
         <p:txBody>
-          <a:bodyPr lIns="90000" rIns="90000" tIns="45000" bIns="45000" anchor="t">
+          <a:bodyPr lIns="90000" tIns="45000" rIns="90000" bIns="45000" anchor="t">
             <a:noAutofit/>
           </a:bodyPr>
+          <a:lstStyle/>
           <a:p>
             <a:pPr marL="432000" indent="-324000">
               <a:spcBef>
@@ -2193,7 +2855,7 @@
               <a:buChar char=""/>
             </a:pPr>
             <a:r>
-              <a:rPr b="0" lang="en-US" sz="3200" spc="-1" strike="noStrike">
+              <a:rPr lang="en-US" sz="3200" b="0" strike="noStrike" spc="-1">
                 <a:solidFill>
                   <a:schemeClr val="dk1"/>
                 </a:solidFill>
@@ -2201,15 +2863,9 @@
               </a:rPr>
               <a:t>Click to edit the outline text format</a:t>
             </a:r>
-            <a:endParaRPr b="0" lang="en-US" sz="3200" spc="-1" strike="noStrike">
-              <a:solidFill>
-                <a:schemeClr val="dk1"/>
-              </a:solidFill>
-              <a:latin typeface="Calibri"/>
-            </a:endParaRPr>
-          </a:p>
-          <a:p>
-            <a:pPr lvl="1" marL="864000" indent="-324000">
+          </a:p>
+          <a:p>
+            <a:pPr marL="864000" lvl="1" indent="-324000">
               <a:spcBef>
                 <a:spcPts val="1134"/>
               </a:spcBef>
@@ -2221,7 +2877,7 @@
               <a:buChar char=""/>
             </a:pPr>
             <a:r>
-              <a:rPr b="0" lang="en-US" sz="3200" spc="-1" strike="noStrike">
+              <a:rPr lang="en-US" sz="3200" b="0" strike="noStrike" spc="-1">
                 <a:solidFill>
                   <a:schemeClr val="dk1"/>
                 </a:solidFill>
@@ -2229,15 +2885,9 @@
               </a:rPr>
               <a:t>Second Outline Level</a:t>
             </a:r>
-            <a:endParaRPr b="0" lang="en-US" sz="3200" spc="-1" strike="noStrike">
-              <a:solidFill>
-                <a:schemeClr val="dk1"/>
-              </a:solidFill>
-              <a:latin typeface="Calibri"/>
-            </a:endParaRPr>
-          </a:p>
-          <a:p>
-            <a:pPr lvl="2" marL="1296000" indent="-288000">
+          </a:p>
+          <a:p>
+            <a:pPr marL="1296000" lvl="2" indent="-288000">
               <a:spcBef>
                 <a:spcPts val="850"/>
               </a:spcBef>
@@ -2249,7 +2899,7 @@
               <a:buChar char=""/>
             </a:pPr>
             <a:r>
-              <a:rPr b="0" lang="en-US" sz="3200" spc="-1" strike="noStrike">
+              <a:rPr lang="en-US" sz="3200" b="0" strike="noStrike" spc="-1">
                 <a:solidFill>
                   <a:schemeClr val="dk1"/>
                 </a:solidFill>
@@ -2257,15 +2907,9 @@
               </a:rPr>
               <a:t>Third Outline Level</a:t>
             </a:r>
-            <a:endParaRPr b="0" lang="en-US" sz="3200" spc="-1" strike="noStrike">
-              <a:solidFill>
-                <a:schemeClr val="dk1"/>
-              </a:solidFill>
-              <a:latin typeface="Calibri"/>
-            </a:endParaRPr>
-          </a:p>
-          <a:p>
-            <a:pPr lvl="3" marL="1728000" indent="-216000">
+          </a:p>
+          <a:p>
+            <a:pPr marL="1728000" lvl="3" indent="-216000">
               <a:spcBef>
                 <a:spcPts val="567"/>
               </a:spcBef>
@@ -2277,7 +2921,7 @@
               <a:buChar char=""/>
             </a:pPr>
             <a:r>
-              <a:rPr b="0" lang="en-US" sz="3200" spc="-1" strike="noStrike">
+              <a:rPr lang="en-US" sz="3200" b="0" strike="noStrike" spc="-1">
                 <a:solidFill>
                   <a:schemeClr val="dk1"/>
                 </a:solidFill>
@@ -2285,15 +2929,9 @@
               </a:rPr>
               <a:t>Fourth Outline Level</a:t>
             </a:r>
-            <a:endParaRPr b="0" lang="en-US" sz="3200" spc="-1" strike="noStrike">
-              <a:solidFill>
-                <a:schemeClr val="dk1"/>
-              </a:solidFill>
-              <a:latin typeface="Calibri"/>
-            </a:endParaRPr>
-          </a:p>
-          <a:p>
-            <a:pPr lvl="4" marL="2160000" indent="-216000">
+          </a:p>
+          <a:p>
+            <a:pPr marL="2160000" lvl="4" indent="-216000">
               <a:spcBef>
                 <a:spcPts val="283"/>
               </a:spcBef>
@@ -2305,7 +2943,7 @@
               <a:buChar char=""/>
             </a:pPr>
             <a:r>
-              <a:rPr b="0" lang="en-US" sz="3200" spc="-1" strike="noStrike">
+              <a:rPr lang="en-US" sz="3200" b="0" strike="noStrike" spc="-1">
                 <a:solidFill>
                   <a:schemeClr val="dk1"/>
                 </a:solidFill>
@@ -2313,15 +2951,9 @@
               </a:rPr>
               <a:t>Fifth Outline Level</a:t>
             </a:r>
-            <a:endParaRPr b="0" lang="en-US" sz="3200" spc="-1" strike="noStrike">
-              <a:solidFill>
-                <a:schemeClr val="dk1"/>
-              </a:solidFill>
-              <a:latin typeface="Calibri"/>
-            </a:endParaRPr>
-          </a:p>
-          <a:p>
-            <a:pPr lvl="5" marL="2592000" indent="-216000">
+          </a:p>
+          <a:p>
+            <a:pPr marL="2592000" lvl="5" indent="-216000">
               <a:spcBef>
                 <a:spcPts val="283"/>
               </a:spcBef>
@@ -2333,7 +2965,7 @@
               <a:buChar char=""/>
             </a:pPr>
             <a:r>
-              <a:rPr b="0" lang="en-US" sz="3200" spc="-1" strike="noStrike">
+              <a:rPr lang="en-US" sz="3200" b="0" strike="noStrike" spc="-1">
                 <a:solidFill>
                   <a:schemeClr val="dk1"/>
                 </a:solidFill>
@@ -2341,15 +2973,9 @@
               </a:rPr>
               <a:t>Sixth Outline Level</a:t>
             </a:r>
-            <a:endParaRPr b="0" lang="en-US" sz="3200" spc="-1" strike="noStrike">
-              <a:solidFill>
-                <a:schemeClr val="dk1"/>
-              </a:solidFill>
-              <a:latin typeface="Calibri"/>
-            </a:endParaRPr>
-          </a:p>
-          <a:p>
-            <a:pPr lvl="6" marL="3024000" indent="-216000">
+          </a:p>
+          <a:p>
+            <a:pPr marL="3024000" lvl="6" indent="-216000">
               <a:spcBef>
                 <a:spcPts val="283"/>
               </a:spcBef>
@@ -2361,7 +2987,7 @@
               <a:buChar char=""/>
             </a:pPr>
             <a:r>
-              <a:rPr b="0" lang="en-US" sz="3200" spc="-1" strike="noStrike">
+              <a:rPr lang="en-US" sz="3200" b="0" strike="noStrike" spc="-1">
                 <a:solidFill>
                   <a:schemeClr val="dk1"/>
                 </a:solidFill>
@@ -2369,12 +2995,6 @@
               </a:rPr>
               <a:t>Seventh Outline Level</a:t>
             </a:r>
-            <a:endParaRPr b="0" lang="en-US" sz="3200" spc="-1" strike="noStrike">
-              <a:solidFill>
-                <a:schemeClr val="dk1"/>
-              </a:solidFill>
-              <a:latin typeface="Calibri"/>
-            </a:endParaRPr>
           </a:p>
         </p:txBody>
       </p:sp>
@@ -2402,9 +3022,10 @@
           </a:ln>
         </p:spPr>
         <p:txBody>
-          <a:bodyPr lIns="91440" rIns="91440" tIns="45720" bIns="45720" anchor="t">
+          <a:bodyPr lIns="91440" tIns="45720" rIns="91440" bIns="45720" anchor="t">
             <a:noAutofit/>
           </a:bodyPr>
+          <a:lstStyle/>
           <a:p>
             <a:pPr indent="0" defTabSz="457200">
               <a:lnSpc>
@@ -2415,11 +3036,11 @@
               </a:spcBef>
               <a:buNone/>
               <a:tabLst>
-                <a:tab algn="l" pos="0"/>
+                <a:tab pos="0" algn="l"/>
               </a:tabLst>
             </a:pPr>
             <a:r>
-              <a:rPr b="0" lang="en-US" sz="1400" spc="-1" strike="noStrike">
+              <a:rPr lang="en-US" sz="1400" b="0" strike="noStrike" spc="-1">
                 <a:solidFill>
                   <a:schemeClr val="dk1"/>
                 </a:solidFill>
@@ -2427,12 +3048,6 @@
               </a:rPr>
               <a:t>Click to edit Master text styles</a:t>
             </a:r>
-            <a:endParaRPr b="0" lang="en-US" sz="1400" spc="-1" strike="noStrike">
-              <a:solidFill>
-                <a:schemeClr val="dk1"/>
-              </a:solidFill>
-              <a:latin typeface="Calibri"/>
-            </a:endParaRPr>
           </a:p>
         </p:txBody>
       </p:sp>
@@ -2460,7 +3075,7 @@
           </a:ln>
         </p:spPr>
         <p:txBody>
-          <a:bodyPr lIns="91440" rIns="91440" tIns="45720" bIns="45720" anchor="ctr">
+          <a:bodyPr lIns="91440" tIns="45720" rIns="91440" bIns="45720" anchor="ctr">
             <a:noAutofit/>
           </a:bodyPr>
           <a:lstStyle>
@@ -2469,7 +3084,7 @@
                 <a:spcPct val="100000"/>
               </a:lnSpc>
               <a:buNone/>
-              <a:defRPr b="0" lang="en-US" sz="1200" spc="-1" strike="noStrike">
+              <a:defRPr lang="en-US" sz="1200" b="0" strike="noStrike" spc="-1">
                 <a:solidFill>
                   <a:schemeClr val="dk1">
                     <a:tint val="75000"/>
@@ -2487,7 +3102,7 @@
               <a:buNone/>
             </a:pPr>
             <a:r>
-              <a:rPr b="0" lang="en-US" sz="1200" spc="-1" strike="noStrike">
+              <a:rPr lang="en-US" sz="1200" b="0" strike="noStrike" spc="-1">
                 <a:solidFill>
                   <a:schemeClr val="dk1">
                     <a:tint val="75000"/>
@@ -2497,7 +3112,7 @@
               </a:rPr>
               <a:t>&lt;date/time&gt;</a:t>
             </a:r>
-            <a:endParaRPr b="0" lang="en-US" sz="1200" spc="-1" strike="noStrike">
+            <a:endParaRPr lang="en-US" sz="1200" b="0" strike="noStrike" spc="-1">
               <a:solidFill>
                 <a:srgbClr val="000000"/>
               </a:solidFill>
@@ -2530,13 +3145,13 @@
           </a:ln>
         </p:spPr>
         <p:txBody>
-          <a:bodyPr lIns="91440" rIns="91440" tIns="45720" bIns="45720" anchor="ctr">
+          <a:bodyPr lIns="91440" tIns="45720" rIns="91440" bIns="45720" anchor="ctr">
             <a:noAutofit/>
           </a:bodyPr>
           <a:lstStyle>
             <a:lvl1pPr indent="0" algn="ctr">
               <a:buNone/>
-              <a:defRPr b="0" lang="en-US" sz="1400" spc="-1" strike="noStrike">
+              <a:defRPr lang="en-US" sz="1400" b="0" strike="noStrike" spc="-1">
                 <a:solidFill>
                   <a:srgbClr val="000000"/>
                 </a:solidFill>
@@ -2549,7 +3164,7 @@
               <a:buNone/>
             </a:pPr>
             <a:r>
-              <a:rPr b="0" lang="en-US" sz="1400" spc="-1" strike="noStrike">
+              <a:rPr lang="en-US" sz="1400" b="0" strike="noStrike" spc="-1">
                 <a:solidFill>
                   <a:srgbClr val="000000"/>
                 </a:solidFill>
@@ -2557,12 +3172,6 @@
               </a:rPr>
               <a:t>&lt;footer&gt;</a:t>
             </a:r>
-            <a:endParaRPr b="0" lang="en-US" sz="1400" spc="-1" strike="noStrike">
-              <a:solidFill>
-                <a:srgbClr val="000000"/>
-              </a:solidFill>
-              <a:latin typeface="Times New Roman"/>
-            </a:endParaRPr>
           </a:p>
         </p:txBody>
       </p:sp>
@@ -2590,7 +3199,7 @@
           </a:ln>
         </p:spPr>
         <p:txBody>
-          <a:bodyPr lIns="91440" rIns="91440" tIns="45720" bIns="45720" anchor="ctr">
+          <a:bodyPr lIns="91440" tIns="45720" rIns="91440" bIns="45720" anchor="ctr">
             <a:noAutofit/>
           </a:bodyPr>
           <a:lstStyle>
@@ -2599,7 +3208,7 @@
                 <a:spcPct val="100000"/>
               </a:lnSpc>
               <a:buNone/>
-              <a:defRPr b="0" lang="en-US" sz="1200" spc="-1" strike="noStrike">
+              <a:defRPr lang="en-US" sz="1200" b="0" strike="noStrike" spc="-1">
                 <a:solidFill>
                   <a:schemeClr val="dk1">
                     <a:tint val="75000"/>
@@ -2617,7 +3226,7 @@
               <a:buNone/>
             </a:pPr>
             <a:fld id="{2B88953D-BBBC-4D4F-93B6-B485C8E1D1AC}" type="slidenum">
-              <a:rPr b="0" lang="en-US" sz="1200" spc="-1" strike="noStrike">
+              <a:rPr lang="en-US" sz="1200" b="0" strike="noStrike" spc="-1">
                 <a:solidFill>
                   <a:schemeClr val="dk1">
                     <a:tint val="75000"/>
@@ -2625,9 +3234,9 @@
                 </a:solidFill>
                 <a:latin typeface="Calibri"/>
               </a:rPr>
-              <a:t>&lt;number&gt;</a:t>
+              <a:t>‹#›</a:t>
             </a:fld>
-            <a:endParaRPr b="0" lang="en-US" sz="1200" spc="-1" strike="noStrike">
+            <a:endParaRPr lang="en-US" sz="1200" b="0" strike="noStrike" spc="-1">
               <a:solidFill>
                 <a:srgbClr val="000000"/>
               </a:solidFill>
@@ -2638,21 +3247,302 @@
       </p:sp>
     </p:spTree>
   </p:cSld>
-  <p:clrMap bg1="lt1" bg2="lt2" tx1="dk1" tx2="dk2" accent1="accent1" accent2="accent2" accent3="accent3" accent4="accent4" accent5="accent5" accent6="accent6" hlink="hlink" folHlink="folHlink"/>
+  <p:clrMap bg1="lt1" tx1="dk1" bg2="lt2" tx2="dk2" accent1="accent1" accent2="accent2" accent3="accent3" accent4="accent4" accent5="accent5" accent6="accent6" hlink="hlink" folHlink="folHlink"/>
   <p:sldLayoutIdLst>
-    <p:sldLayoutId id="2147483669" r:id="rId2"/>
+    <p:sldLayoutId id="2147483669" r:id="rId1"/>
   </p:sldLayoutIdLst>
+  <p:txStyles>
+    <p:titleStyle>
+      <a:lvl1pPr algn="l" defTabSz="914400" rtl="0" eaLnBrk="1" latinLnBrk="0" hangingPunct="1">
+        <a:lnSpc>
+          <a:spcPct val="90000"/>
+        </a:lnSpc>
+        <a:spcBef>
+          <a:spcPct val="0"/>
+        </a:spcBef>
+        <a:buNone/>
+        <a:defRPr sz="4400" kern="1200">
+          <a:solidFill>
+            <a:schemeClr val="tx1"/>
+          </a:solidFill>
+          <a:latin typeface="+mj-lt"/>
+          <a:ea typeface="+mj-ea"/>
+          <a:cs typeface="+mj-cs"/>
+        </a:defRPr>
+      </a:lvl1pPr>
+    </p:titleStyle>
+    <p:bodyStyle>
+      <a:lvl1pPr marL="228600" indent="-228600" algn="l" defTabSz="914400" rtl="0" eaLnBrk="1" latinLnBrk="0" hangingPunct="1">
+        <a:lnSpc>
+          <a:spcPct val="90000"/>
+        </a:lnSpc>
+        <a:spcBef>
+          <a:spcPts val="1000"/>
+        </a:spcBef>
+        <a:buFont typeface="Arial" panose="020B0604020202020204" pitchFamily="34" charset="0"/>
+        <a:buChar char="•"/>
+        <a:defRPr sz="2800" kern="1200">
+          <a:solidFill>
+            <a:schemeClr val="tx1"/>
+          </a:solidFill>
+          <a:latin typeface="+mn-lt"/>
+          <a:ea typeface="+mn-ea"/>
+          <a:cs typeface="+mn-cs"/>
+        </a:defRPr>
+      </a:lvl1pPr>
+      <a:lvl2pPr marL="685800" indent="-228600" algn="l" defTabSz="914400" rtl="0" eaLnBrk="1" latinLnBrk="0" hangingPunct="1">
+        <a:lnSpc>
+          <a:spcPct val="90000"/>
+        </a:lnSpc>
+        <a:spcBef>
+          <a:spcPts val="500"/>
+        </a:spcBef>
+        <a:buFont typeface="Arial" panose="020B0604020202020204" pitchFamily="34" charset="0"/>
+        <a:buChar char="•"/>
+        <a:defRPr sz="2400" kern="1200">
+          <a:solidFill>
+            <a:schemeClr val="tx1"/>
+          </a:solidFill>
+          <a:latin typeface="+mn-lt"/>
+          <a:ea typeface="+mn-ea"/>
+          <a:cs typeface="+mn-cs"/>
+        </a:defRPr>
+      </a:lvl2pPr>
+      <a:lvl3pPr marL="1143000" indent="-228600" algn="l" defTabSz="914400" rtl="0" eaLnBrk="1" latinLnBrk="0" hangingPunct="1">
+        <a:lnSpc>
+          <a:spcPct val="90000"/>
+        </a:lnSpc>
+        <a:spcBef>
+          <a:spcPts val="500"/>
+        </a:spcBef>
+        <a:buFont typeface="Arial" panose="020B0604020202020204" pitchFamily="34" charset="0"/>
+        <a:buChar char="•"/>
+        <a:defRPr sz="2000" kern="1200">
+          <a:solidFill>
+            <a:schemeClr val="tx1"/>
+          </a:solidFill>
+          <a:latin typeface="+mn-lt"/>
+          <a:ea typeface="+mn-ea"/>
+          <a:cs typeface="+mn-cs"/>
+        </a:defRPr>
+      </a:lvl3pPr>
+      <a:lvl4pPr marL="1600200" indent="-228600" algn="l" defTabSz="914400" rtl="0" eaLnBrk="1" latinLnBrk="0" hangingPunct="1">
+        <a:lnSpc>
+          <a:spcPct val="90000"/>
+        </a:lnSpc>
+        <a:spcBef>
+          <a:spcPts val="500"/>
+        </a:spcBef>
+        <a:buFont typeface="Arial" panose="020B0604020202020204" pitchFamily="34" charset="0"/>
+        <a:buChar char="•"/>
+        <a:defRPr sz="1800" kern="1200">
+          <a:solidFill>
+            <a:schemeClr val="tx1"/>
+          </a:solidFill>
+          <a:latin typeface="+mn-lt"/>
+          <a:ea typeface="+mn-ea"/>
+          <a:cs typeface="+mn-cs"/>
+        </a:defRPr>
+      </a:lvl4pPr>
+      <a:lvl5pPr marL="2057400" indent="-228600" algn="l" defTabSz="914400" rtl="0" eaLnBrk="1" latinLnBrk="0" hangingPunct="1">
+        <a:lnSpc>
+          <a:spcPct val="90000"/>
+        </a:lnSpc>
+        <a:spcBef>
+          <a:spcPts val="500"/>
+        </a:spcBef>
+        <a:buFont typeface="Arial" panose="020B0604020202020204" pitchFamily="34" charset="0"/>
+        <a:buChar char="•"/>
+        <a:defRPr sz="1800" kern="1200">
+          <a:solidFill>
+            <a:schemeClr val="tx1"/>
+          </a:solidFill>
+          <a:latin typeface="+mn-lt"/>
+          <a:ea typeface="+mn-ea"/>
+          <a:cs typeface="+mn-cs"/>
+        </a:defRPr>
+      </a:lvl5pPr>
+      <a:lvl6pPr marL="2514600" indent="-228600" algn="l" defTabSz="914400" rtl="0" eaLnBrk="1" latinLnBrk="0" hangingPunct="1">
+        <a:lnSpc>
+          <a:spcPct val="90000"/>
+        </a:lnSpc>
+        <a:spcBef>
+          <a:spcPts val="500"/>
+        </a:spcBef>
+        <a:buFont typeface="Arial" panose="020B0604020202020204" pitchFamily="34" charset="0"/>
+        <a:buChar char="•"/>
+        <a:defRPr sz="1800" kern="1200">
+          <a:solidFill>
+            <a:schemeClr val="tx1"/>
+          </a:solidFill>
+          <a:latin typeface="+mn-lt"/>
+          <a:ea typeface="+mn-ea"/>
+          <a:cs typeface="+mn-cs"/>
+        </a:defRPr>
+      </a:lvl6pPr>
+      <a:lvl7pPr marL="2971800" indent="-228600" algn="l" defTabSz="914400" rtl="0" eaLnBrk="1" latinLnBrk="0" hangingPunct="1">
+        <a:lnSpc>
+          <a:spcPct val="90000"/>
+        </a:lnSpc>
+        <a:spcBef>
+          <a:spcPts val="500"/>
+        </a:spcBef>
+        <a:buFont typeface="Arial" panose="020B0604020202020204" pitchFamily="34" charset="0"/>
+        <a:buChar char="•"/>
+        <a:defRPr sz="1800" kern="1200">
+          <a:solidFill>
+            <a:schemeClr val="tx1"/>
+          </a:solidFill>
+          <a:latin typeface="+mn-lt"/>
+          <a:ea typeface="+mn-ea"/>
+          <a:cs typeface="+mn-cs"/>
+        </a:defRPr>
+      </a:lvl7pPr>
+      <a:lvl8pPr marL="3429000" indent="-228600" algn="l" defTabSz="914400" rtl="0" eaLnBrk="1" latinLnBrk="0" hangingPunct="1">
+        <a:lnSpc>
+          <a:spcPct val="90000"/>
+        </a:lnSpc>
+        <a:spcBef>
+          <a:spcPts val="500"/>
+        </a:spcBef>
+        <a:buFont typeface="Arial" panose="020B0604020202020204" pitchFamily="34" charset="0"/>
+        <a:buChar char="•"/>
+        <a:defRPr sz="1800" kern="1200">
+          <a:solidFill>
+            <a:schemeClr val="tx1"/>
+          </a:solidFill>
+          <a:latin typeface="+mn-lt"/>
+          <a:ea typeface="+mn-ea"/>
+          <a:cs typeface="+mn-cs"/>
+        </a:defRPr>
+      </a:lvl8pPr>
+      <a:lvl9pPr marL="3886200" indent="-228600" algn="l" defTabSz="914400" rtl="0" eaLnBrk="1" latinLnBrk="0" hangingPunct="1">
+        <a:lnSpc>
+          <a:spcPct val="90000"/>
+        </a:lnSpc>
+        <a:spcBef>
+          <a:spcPts val="500"/>
+        </a:spcBef>
+        <a:buFont typeface="Arial" panose="020B0604020202020204" pitchFamily="34" charset="0"/>
+        <a:buChar char="•"/>
+        <a:defRPr sz="1800" kern="1200">
+          <a:solidFill>
+            <a:schemeClr val="tx1"/>
+          </a:solidFill>
+          <a:latin typeface="+mn-lt"/>
+          <a:ea typeface="+mn-ea"/>
+          <a:cs typeface="+mn-cs"/>
+        </a:defRPr>
+      </a:lvl9pPr>
+    </p:bodyStyle>
+    <p:otherStyle>
+      <a:defPPr>
+        <a:defRPr lang="en-US"/>
+      </a:defPPr>
+      <a:lvl1pPr marL="0" algn="l" defTabSz="914400" rtl="0" eaLnBrk="1" latinLnBrk="0" hangingPunct="1">
+        <a:defRPr sz="1800" kern="1200">
+          <a:solidFill>
+            <a:schemeClr val="tx1"/>
+          </a:solidFill>
+          <a:latin typeface="+mn-lt"/>
+          <a:ea typeface="+mn-ea"/>
+          <a:cs typeface="+mn-cs"/>
+        </a:defRPr>
+      </a:lvl1pPr>
+      <a:lvl2pPr marL="457200" algn="l" defTabSz="914400" rtl="0" eaLnBrk="1" latinLnBrk="0" hangingPunct="1">
+        <a:defRPr sz="1800" kern="1200">
+          <a:solidFill>
+            <a:schemeClr val="tx1"/>
+          </a:solidFill>
+          <a:latin typeface="+mn-lt"/>
+          <a:ea typeface="+mn-ea"/>
+          <a:cs typeface="+mn-cs"/>
+        </a:defRPr>
+      </a:lvl2pPr>
+      <a:lvl3pPr marL="914400" algn="l" defTabSz="914400" rtl="0" eaLnBrk="1" latinLnBrk="0" hangingPunct="1">
+        <a:defRPr sz="1800" kern="1200">
+          <a:solidFill>
+            <a:schemeClr val="tx1"/>
+          </a:solidFill>
+          <a:latin typeface="+mn-lt"/>
+          <a:ea typeface="+mn-ea"/>
+          <a:cs typeface="+mn-cs"/>
+        </a:defRPr>
+      </a:lvl3pPr>
+      <a:lvl4pPr marL="1371600" algn="l" defTabSz="914400" rtl="0" eaLnBrk="1" latinLnBrk="0" hangingPunct="1">
+        <a:defRPr sz="1800" kern="1200">
+          <a:solidFill>
+            <a:schemeClr val="tx1"/>
+          </a:solidFill>
+          <a:latin typeface="+mn-lt"/>
+          <a:ea typeface="+mn-ea"/>
+          <a:cs typeface="+mn-cs"/>
+        </a:defRPr>
+      </a:lvl4pPr>
+      <a:lvl5pPr marL="1828800" algn="l" defTabSz="914400" rtl="0" eaLnBrk="1" latinLnBrk="0" hangingPunct="1">
+        <a:defRPr sz="1800" kern="1200">
+          <a:solidFill>
+            <a:schemeClr val="tx1"/>
+          </a:solidFill>
+          <a:latin typeface="+mn-lt"/>
+          <a:ea typeface="+mn-ea"/>
+          <a:cs typeface="+mn-cs"/>
+        </a:defRPr>
+      </a:lvl5pPr>
+      <a:lvl6pPr marL="2286000" algn="l" defTabSz="914400" rtl="0" eaLnBrk="1" latinLnBrk="0" hangingPunct="1">
+        <a:defRPr sz="1800" kern="1200">
+          <a:solidFill>
+            <a:schemeClr val="tx1"/>
+          </a:solidFill>
+          <a:latin typeface="+mn-lt"/>
+          <a:ea typeface="+mn-ea"/>
+          <a:cs typeface="+mn-cs"/>
+        </a:defRPr>
+      </a:lvl6pPr>
+      <a:lvl7pPr marL="2743200" algn="l" defTabSz="914400" rtl="0" eaLnBrk="1" latinLnBrk="0" hangingPunct="1">
+        <a:defRPr sz="1800" kern="1200">
+          <a:solidFill>
+            <a:schemeClr val="tx1"/>
+          </a:solidFill>
+          <a:latin typeface="+mn-lt"/>
+          <a:ea typeface="+mn-ea"/>
+          <a:cs typeface="+mn-cs"/>
+        </a:defRPr>
+      </a:lvl7pPr>
+      <a:lvl8pPr marL="3200400" algn="l" defTabSz="914400" rtl="0" eaLnBrk="1" latinLnBrk="0" hangingPunct="1">
+        <a:defRPr sz="1800" kern="1200">
+          <a:solidFill>
+            <a:schemeClr val="tx1"/>
+          </a:solidFill>
+          <a:latin typeface="+mn-lt"/>
+          <a:ea typeface="+mn-ea"/>
+          <a:cs typeface="+mn-cs"/>
+        </a:defRPr>
+      </a:lvl8pPr>
+      <a:lvl9pPr marL="3657600" algn="l" defTabSz="914400" rtl="0" eaLnBrk="1" latinLnBrk="0" hangingPunct="1">
+        <a:defRPr sz="1800" kern="1200">
+          <a:solidFill>
+            <a:schemeClr val="tx1"/>
+          </a:solidFill>
+          <a:latin typeface="+mn-lt"/>
+          <a:ea typeface="+mn-ea"/>
+          <a:cs typeface="+mn-cs"/>
+        </a:defRPr>
+      </a:lvl9pPr>
+    </p:otherStyle>
+  </p:txStyles>
 </p:sldMaster>
 </file>
 
 <file path=ppt/slideMasters/slideMaster2.xml><?xml version="1.0" encoding="utf-8"?>
-<p:sldMaster xmlns:a="http://schemas.openxmlformats.org/drawingml/2006/main" xmlns:p="http://schemas.openxmlformats.org/presentationml/2006/main" xmlns:r="http://schemas.openxmlformats.org/officeDocument/2006/relationships" xmlns:p14="http://schemas.microsoft.com/office/powerpoint/2010/main" xmlns:p15="http://schemas.microsoft.com/office/powerpoint/2012/main" xmlns:mc="http://schemas.openxmlformats.org/markup-compatibility/2006">
+<p:sldMaster xmlns:a="http://schemas.openxmlformats.org/drawingml/2006/main" xmlns:r="http://schemas.openxmlformats.org/officeDocument/2006/relationships" xmlns:p="http://schemas.openxmlformats.org/presentationml/2006/main">
   <p:cSld>
     <p:bg>
       <p:bgPr>
         <a:solidFill>
-          <a:srgbClr val="ffffff"/>
+          <a:srgbClr val="FFFFFF"/>
         </a:solidFill>
+        <a:effectLst/>
       </p:bgPr>
     </p:bg>
     <p:spTree>
@@ -2693,9 +3583,10 @@
           </a:ln>
         </p:spPr>
         <p:txBody>
-          <a:bodyPr lIns="91440" rIns="91440" tIns="45720" bIns="45720" anchor="ctr">
+          <a:bodyPr lIns="91440" tIns="45720" rIns="91440" bIns="45720" anchor="ctr">
             <a:noAutofit/>
           </a:bodyPr>
+          <a:lstStyle/>
           <a:p>
             <a:pPr indent="0" algn="ctr" defTabSz="457200">
               <a:lnSpc>
@@ -2704,7 +3595,7 @@
               <a:buNone/>
             </a:pPr>
             <a:r>
-              <a:rPr b="0" lang="en-US" sz="4400" spc="-1" strike="noStrike">
+              <a:rPr lang="en-US" sz="4400" b="0" strike="noStrike" spc="-1">
                 <a:solidFill>
                   <a:schemeClr val="dk1"/>
                 </a:solidFill>
@@ -2712,12 +3603,6 @@
               </a:rPr>
               <a:t>Click to edit Master title style</a:t>
             </a:r>
-            <a:endParaRPr b="0" lang="en-US" sz="4400" spc="-1" strike="noStrike">
-              <a:solidFill>
-                <a:schemeClr val="dk1"/>
-              </a:solidFill>
-              <a:latin typeface="Calibri"/>
-            </a:endParaRPr>
           </a:p>
         </p:txBody>
       </p:sp>
@@ -2745,9 +3630,10 @@
           </a:ln>
         </p:spPr>
         <p:txBody>
-          <a:bodyPr lIns="91440" rIns="91440" tIns="45720" bIns="45720" anchor="t" vert="eaVert">
+          <a:bodyPr vert="eaVert" lIns="91440" tIns="45720" rIns="91440" bIns="45720" anchor="t">
             <a:noAutofit/>
           </a:bodyPr>
+          <a:lstStyle/>
           <a:p>
             <a:pPr marL="343080" indent="-343080" defTabSz="457200">
               <a:lnSpc>
@@ -2763,7 +3649,7 @@
               <a:buChar char="•"/>
             </a:pPr>
             <a:r>
-              <a:rPr b="0" lang="en-US" sz="3200" spc="-1" strike="noStrike">
+              <a:rPr lang="en-US" sz="3200" b="0" strike="noStrike" spc="-1">
                 <a:solidFill>
                   <a:schemeClr val="dk1"/>
                 </a:solidFill>
@@ -2771,15 +3657,9 @@
               </a:rPr>
               <a:t>Click to edit Master text styles</a:t>
             </a:r>
-            <a:endParaRPr b="0" lang="en-US" sz="3200" spc="-1" strike="noStrike">
-              <a:solidFill>
-                <a:schemeClr val="dk1"/>
-              </a:solidFill>
-              <a:latin typeface="Calibri"/>
-            </a:endParaRPr>
-          </a:p>
-          <a:p>
-            <a:pPr lvl="1" marL="743040" indent="-285840" defTabSz="457200">
+          </a:p>
+          <a:p>
+            <a:pPr marL="743040" lvl="1" indent="-285840" defTabSz="457200">
               <a:lnSpc>
                 <a:spcPct val="100000"/>
               </a:lnSpc>
@@ -2793,7 +3673,7 @@
               <a:buChar char="–"/>
             </a:pPr>
             <a:r>
-              <a:rPr b="0" lang="en-US" sz="2800" spc="-1" strike="noStrike">
+              <a:rPr lang="en-US" sz="2800" b="0" strike="noStrike" spc="-1">
                 <a:solidFill>
                   <a:schemeClr val="dk1"/>
                 </a:solidFill>
@@ -2801,15 +3681,9 @@
               </a:rPr>
               <a:t>Second level</a:t>
             </a:r>
-            <a:endParaRPr b="0" lang="en-US" sz="2800" spc="-1" strike="noStrike">
-              <a:solidFill>
-                <a:schemeClr val="dk1"/>
-              </a:solidFill>
-              <a:latin typeface="Calibri"/>
-            </a:endParaRPr>
-          </a:p>
-          <a:p>
-            <a:pPr lvl="2" marL="1143000" indent="-228600" defTabSz="457200">
+          </a:p>
+          <a:p>
+            <a:pPr marL="1143000" lvl="2" indent="-228600" defTabSz="457200">
               <a:lnSpc>
                 <a:spcPct val="100000"/>
               </a:lnSpc>
@@ -2823,7 +3697,7 @@
               <a:buChar char="•"/>
             </a:pPr>
             <a:r>
-              <a:rPr b="0" lang="en-US" sz="2400" spc="-1" strike="noStrike">
+              <a:rPr lang="en-US" sz="2400" b="0" strike="noStrike" spc="-1">
                 <a:solidFill>
                   <a:schemeClr val="dk1"/>
                 </a:solidFill>
@@ -2831,15 +3705,9 @@
               </a:rPr>
               <a:t>Third level</a:t>
             </a:r>
-            <a:endParaRPr b="0" lang="en-US" sz="2400" spc="-1" strike="noStrike">
-              <a:solidFill>
-                <a:schemeClr val="dk1"/>
-              </a:solidFill>
-              <a:latin typeface="Calibri"/>
-            </a:endParaRPr>
-          </a:p>
-          <a:p>
-            <a:pPr lvl="3" marL="1600200" indent="-228600" defTabSz="457200">
+          </a:p>
+          <a:p>
+            <a:pPr marL="1600200" lvl="3" indent="-228600" defTabSz="457200">
               <a:lnSpc>
                 <a:spcPct val="100000"/>
               </a:lnSpc>
@@ -2853,7 +3721,7 @@
               <a:buChar char="–"/>
             </a:pPr>
             <a:r>
-              <a:rPr b="0" lang="en-US" sz="2000" spc="-1" strike="noStrike">
+              <a:rPr lang="en-US" sz="2000" b="0" strike="noStrike" spc="-1">
                 <a:solidFill>
                   <a:schemeClr val="dk1"/>
                 </a:solidFill>
@@ -2861,15 +3729,9 @@
               </a:rPr>
               <a:t>Fourth level</a:t>
             </a:r>
-            <a:endParaRPr b="0" lang="en-US" sz="2000" spc="-1" strike="noStrike">
-              <a:solidFill>
-                <a:schemeClr val="dk1"/>
-              </a:solidFill>
-              <a:latin typeface="Calibri"/>
-            </a:endParaRPr>
-          </a:p>
-          <a:p>
-            <a:pPr lvl="4" marL="2057400" indent="-228600" defTabSz="457200">
+          </a:p>
+          <a:p>
+            <a:pPr marL="2057400" lvl="4" indent="-228600" defTabSz="457200">
               <a:lnSpc>
                 <a:spcPct val="100000"/>
               </a:lnSpc>
@@ -2883,7 +3745,7 @@
               <a:buChar char="»"/>
             </a:pPr>
             <a:r>
-              <a:rPr b="0" lang="en-US" sz="2000" spc="-1" strike="noStrike">
+              <a:rPr lang="en-US" sz="2000" b="0" strike="noStrike" spc="-1">
                 <a:solidFill>
                   <a:schemeClr val="dk1"/>
                 </a:solidFill>
@@ -2891,12 +3753,6 @@
               </a:rPr>
               <a:t>Fifth level</a:t>
             </a:r>
-            <a:endParaRPr b="0" lang="en-US" sz="2000" spc="-1" strike="noStrike">
-              <a:solidFill>
-                <a:schemeClr val="dk1"/>
-              </a:solidFill>
-              <a:latin typeface="Calibri"/>
-            </a:endParaRPr>
           </a:p>
         </p:txBody>
       </p:sp>
@@ -2924,7 +3780,7 @@
           </a:ln>
         </p:spPr>
         <p:txBody>
-          <a:bodyPr lIns="91440" rIns="91440" tIns="45720" bIns="45720" anchor="ctr">
+          <a:bodyPr lIns="91440" tIns="45720" rIns="91440" bIns="45720" anchor="ctr">
             <a:noAutofit/>
           </a:bodyPr>
           <a:lstStyle>
@@ -2933,7 +3789,7 @@
                 <a:spcPct val="100000"/>
               </a:lnSpc>
               <a:buNone/>
-              <a:defRPr b="0" lang="en-US" sz="1200" spc="-1" strike="noStrike">
+              <a:defRPr lang="en-US" sz="1200" b="0" strike="noStrike" spc="-1">
                 <a:solidFill>
                   <a:schemeClr val="dk1">
                     <a:tint val="75000"/>
@@ -2951,7 +3807,7 @@
               <a:buNone/>
             </a:pPr>
             <a:r>
-              <a:rPr b="0" lang="en-US" sz="1200" spc="-1" strike="noStrike">
+              <a:rPr lang="en-US" sz="1200" b="0" strike="noStrike" spc="-1">
                 <a:solidFill>
                   <a:schemeClr val="dk1">
                     <a:tint val="75000"/>
@@ -2961,7 +3817,7 @@
               </a:rPr>
               <a:t>&lt;date/time&gt;</a:t>
             </a:r>
-            <a:endParaRPr b="0" lang="en-US" sz="1200" spc="-1" strike="noStrike">
+            <a:endParaRPr lang="en-US" sz="1200" b="0" strike="noStrike" spc="-1">
               <a:solidFill>
                 <a:srgbClr val="000000"/>
               </a:solidFill>
@@ -2994,13 +3850,13 @@
           </a:ln>
         </p:spPr>
         <p:txBody>
-          <a:bodyPr lIns="91440" rIns="91440" tIns="45720" bIns="45720" anchor="ctr">
+          <a:bodyPr lIns="91440" tIns="45720" rIns="91440" bIns="45720" anchor="ctr">
             <a:noAutofit/>
           </a:bodyPr>
           <a:lstStyle>
             <a:lvl1pPr indent="0" algn="ctr">
               <a:buNone/>
-              <a:defRPr b="0" lang="en-US" sz="1400" spc="-1" strike="noStrike">
+              <a:defRPr lang="en-US" sz="1400" b="0" strike="noStrike" spc="-1">
                 <a:solidFill>
                   <a:srgbClr val="000000"/>
                 </a:solidFill>
@@ -3013,7 +3869,7 @@
               <a:buNone/>
             </a:pPr>
             <a:r>
-              <a:rPr b="0" lang="en-US" sz="1400" spc="-1" strike="noStrike">
+              <a:rPr lang="en-US" sz="1400" b="0" strike="noStrike" spc="-1">
                 <a:solidFill>
                   <a:srgbClr val="000000"/>
                 </a:solidFill>
@@ -3021,12 +3877,6 @@
               </a:rPr>
               <a:t>&lt;footer&gt;</a:t>
             </a:r>
-            <a:endParaRPr b="0" lang="en-US" sz="1400" spc="-1" strike="noStrike">
-              <a:solidFill>
-                <a:srgbClr val="000000"/>
-              </a:solidFill>
-              <a:latin typeface="Times New Roman"/>
-            </a:endParaRPr>
           </a:p>
         </p:txBody>
       </p:sp>
@@ -3054,7 +3904,7 @@
           </a:ln>
         </p:spPr>
         <p:txBody>
-          <a:bodyPr lIns="91440" rIns="91440" tIns="45720" bIns="45720" anchor="ctr">
+          <a:bodyPr lIns="91440" tIns="45720" rIns="91440" bIns="45720" anchor="ctr">
             <a:noAutofit/>
           </a:bodyPr>
           <a:lstStyle>
@@ -3063,7 +3913,7 @@
                 <a:spcPct val="100000"/>
               </a:lnSpc>
               <a:buNone/>
-              <a:defRPr b="0" lang="en-US" sz="1200" spc="-1" strike="noStrike">
+              <a:defRPr lang="en-US" sz="1200" b="0" strike="noStrike" spc="-1">
                 <a:solidFill>
                   <a:schemeClr val="dk1">
                     <a:tint val="75000"/>
@@ -3081,7 +3931,7 @@
               <a:buNone/>
             </a:pPr>
             <a:fld id="{B2FD77AD-B677-44BD-8A86-3C0B95165C46}" type="slidenum">
-              <a:rPr b="0" lang="en-US" sz="1200" spc="-1" strike="noStrike">
+              <a:rPr lang="en-US" sz="1200" b="0" strike="noStrike" spc="-1">
                 <a:solidFill>
                   <a:schemeClr val="dk1">
                     <a:tint val="75000"/>
@@ -3089,9 +3939,9 @@
                 </a:solidFill>
                 <a:latin typeface="Calibri"/>
               </a:rPr>
-              <a:t>&lt;number&gt;</a:t>
+              <a:t>‹#›</a:t>
             </a:fld>
-            <a:endParaRPr b="0" lang="en-US" sz="1200" spc="-1" strike="noStrike">
+            <a:endParaRPr lang="en-US" sz="1200" b="0" strike="noStrike" spc="-1">
               <a:solidFill>
                 <a:srgbClr val="000000"/>
               </a:solidFill>
@@ -3102,21 +3952,302 @@
       </p:sp>
     </p:spTree>
   </p:cSld>
-  <p:clrMap bg1="lt1" bg2="lt2" tx1="dk1" tx2="dk2" accent1="accent1" accent2="accent2" accent3="accent3" accent4="accent4" accent5="accent5" accent6="accent6" hlink="hlink" folHlink="folHlink"/>
+  <p:clrMap bg1="lt1" tx1="dk1" bg2="lt2" tx2="dk2" accent1="accent1" accent2="accent2" accent3="accent3" accent4="accent4" accent5="accent5" accent6="accent6" hlink="hlink" folHlink="folHlink"/>
   <p:sldLayoutIdLst>
-    <p:sldLayoutId id="2147483651" r:id="rId2"/>
+    <p:sldLayoutId id="2147483651" r:id="rId1"/>
   </p:sldLayoutIdLst>
+  <p:txStyles>
+    <p:titleStyle>
+      <a:lvl1pPr algn="l" defTabSz="914400" rtl="0" eaLnBrk="1" latinLnBrk="0" hangingPunct="1">
+        <a:lnSpc>
+          <a:spcPct val="90000"/>
+        </a:lnSpc>
+        <a:spcBef>
+          <a:spcPct val="0"/>
+        </a:spcBef>
+        <a:buNone/>
+        <a:defRPr sz="4400" kern="1200">
+          <a:solidFill>
+            <a:schemeClr val="tx1"/>
+          </a:solidFill>
+          <a:latin typeface="+mj-lt"/>
+          <a:ea typeface="+mj-ea"/>
+          <a:cs typeface="+mj-cs"/>
+        </a:defRPr>
+      </a:lvl1pPr>
+    </p:titleStyle>
+    <p:bodyStyle>
+      <a:lvl1pPr marL="228600" indent="-228600" algn="l" defTabSz="914400" rtl="0" eaLnBrk="1" latinLnBrk="0" hangingPunct="1">
+        <a:lnSpc>
+          <a:spcPct val="90000"/>
+        </a:lnSpc>
+        <a:spcBef>
+          <a:spcPts val="1000"/>
+        </a:spcBef>
+        <a:buFont typeface="Arial" panose="020B0604020202020204" pitchFamily="34" charset="0"/>
+        <a:buChar char="•"/>
+        <a:defRPr sz="2800" kern="1200">
+          <a:solidFill>
+            <a:schemeClr val="tx1"/>
+          </a:solidFill>
+          <a:latin typeface="+mn-lt"/>
+          <a:ea typeface="+mn-ea"/>
+          <a:cs typeface="+mn-cs"/>
+        </a:defRPr>
+      </a:lvl1pPr>
+      <a:lvl2pPr marL="685800" indent="-228600" algn="l" defTabSz="914400" rtl="0" eaLnBrk="1" latinLnBrk="0" hangingPunct="1">
+        <a:lnSpc>
+          <a:spcPct val="90000"/>
+        </a:lnSpc>
+        <a:spcBef>
+          <a:spcPts val="500"/>
+        </a:spcBef>
+        <a:buFont typeface="Arial" panose="020B0604020202020204" pitchFamily="34" charset="0"/>
+        <a:buChar char="•"/>
+        <a:defRPr sz="2400" kern="1200">
+          <a:solidFill>
+            <a:schemeClr val="tx1"/>
+          </a:solidFill>
+          <a:latin typeface="+mn-lt"/>
+          <a:ea typeface="+mn-ea"/>
+          <a:cs typeface="+mn-cs"/>
+        </a:defRPr>
+      </a:lvl2pPr>
+      <a:lvl3pPr marL="1143000" indent="-228600" algn="l" defTabSz="914400" rtl="0" eaLnBrk="1" latinLnBrk="0" hangingPunct="1">
+        <a:lnSpc>
+          <a:spcPct val="90000"/>
+        </a:lnSpc>
+        <a:spcBef>
+          <a:spcPts val="500"/>
+        </a:spcBef>
+        <a:buFont typeface="Arial" panose="020B0604020202020204" pitchFamily="34" charset="0"/>
+        <a:buChar char="•"/>
+        <a:defRPr sz="2000" kern="1200">
+          <a:solidFill>
+            <a:schemeClr val="tx1"/>
+          </a:solidFill>
+          <a:latin typeface="+mn-lt"/>
+          <a:ea typeface="+mn-ea"/>
+          <a:cs typeface="+mn-cs"/>
+        </a:defRPr>
+      </a:lvl3pPr>
+      <a:lvl4pPr marL="1600200" indent="-228600" algn="l" defTabSz="914400" rtl="0" eaLnBrk="1" latinLnBrk="0" hangingPunct="1">
+        <a:lnSpc>
+          <a:spcPct val="90000"/>
+        </a:lnSpc>
+        <a:spcBef>
+          <a:spcPts val="500"/>
+        </a:spcBef>
+        <a:buFont typeface="Arial" panose="020B0604020202020204" pitchFamily="34" charset="0"/>
+        <a:buChar char="•"/>
+        <a:defRPr sz="1800" kern="1200">
+          <a:solidFill>
+            <a:schemeClr val="tx1"/>
+          </a:solidFill>
+          <a:latin typeface="+mn-lt"/>
+          <a:ea typeface="+mn-ea"/>
+          <a:cs typeface="+mn-cs"/>
+        </a:defRPr>
+      </a:lvl4pPr>
+      <a:lvl5pPr marL="2057400" indent="-228600" algn="l" defTabSz="914400" rtl="0" eaLnBrk="1" latinLnBrk="0" hangingPunct="1">
+        <a:lnSpc>
+          <a:spcPct val="90000"/>
+        </a:lnSpc>
+        <a:spcBef>
+          <a:spcPts val="500"/>
+        </a:spcBef>
+        <a:buFont typeface="Arial" panose="020B0604020202020204" pitchFamily="34" charset="0"/>
+        <a:buChar char="•"/>
+        <a:defRPr sz="1800" kern="1200">
+          <a:solidFill>
+            <a:schemeClr val="tx1"/>
+          </a:solidFill>
+          <a:latin typeface="+mn-lt"/>
+          <a:ea typeface="+mn-ea"/>
+          <a:cs typeface="+mn-cs"/>
+        </a:defRPr>
+      </a:lvl5pPr>
+      <a:lvl6pPr marL="2514600" indent="-228600" algn="l" defTabSz="914400" rtl="0" eaLnBrk="1" latinLnBrk="0" hangingPunct="1">
+        <a:lnSpc>
+          <a:spcPct val="90000"/>
+        </a:lnSpc>
+        <a:spcBef>
+          <a:spcPts val="500"/>
+        </a:spcBef>
+        <a:buFont typeface="Arial" panose="020B0604020202020204" pitchFamily="34" charset="0"/>
+        <a:buChar char="•"/>
+        <a:defRPr sz="1800" kern="1200">
+          <a:solidFill>
+            <a:schemeClr val="tx1"/>
+          </a:solidFill>
+          <a:latin typeface="+mn-lt"/>
+          <a:ea typeface="+mn-ea"/>
+          <a:cs typeface="+mn-cs"/>
+        </a:defRPr>
+      </a:lvl6pPr>
+      <a:lvl7pPr marL="2971800" indent="-228600" algn="l" defTabSz="914400" rtl="0" eaLnBrk="1" latinLnBrk="0" hangingPunct="1">
+        <a:lnSpc>
+          <a:spcPct val="90000"/>
+        </a:lnSpc>
+        <a:spcBef>
+          <a:spcPts val="500"/>
+        </a:spcBef>
+        <a:buFont typeface="Arial" panose="020B0604020202020204" pitchFamily="34" charset="0"/>
+        <a:buChar char="•"/>
+        <a:defRPr sz="1800" kern="1200">
+          <a:solidFill>
+            <a:schemeClr val="tx1"/>
+          </a:solidFill>
+          <a:latin typeface="+mn-lt"/>
+          <a:ea typeface="+mn-ea"/>
+          <a:cs typeface="+mn-cs"/>
+        </a:defRPr>
+      </a:lvl7pPr>
+      <a:lvl8pPr marL="3429000" indent="-228600" algn="l" defTabSz="914400" rtl="0" eaLnBrk="1" latinLnBrk="0" hangingPunct="1">
+        <a:lnSpc>
+          <a:spcPct val="90000"/>
+        </a:lnSpc>
+        <a:spcBef>
+          <a:spcPts val="500"/>
+        </a:spcBef>
+        <a:buFont typeface="Arial" panose="020B0604020202020204" pitchFamily="34" charset="0"/>
+        <a:buChar char="•"/>
+        <a:defRPr sz="1800" kern="1200">
+          <a:solidFill>
+            <a:schemeClr val="tx1"/>
+          </a:solidFill>
+          <a:latin typeface="+mn-lt"/>
+          <a:ea typeface="+mn-ea"/>
+          <a:cs typeface="+mn-cs"/>
+        </a:defRPr>
+      </a:lvl8pPr>
+      <a:lvl9pPr marL="3886200" indent="-228600" algn="l" defTabSz="914400" rtl="0" eaLnBrk="1" latinLnBrk="0" hangingPunct="1">
+        <a:lnSpc>
+          <a:spcPct val="90000"/>
+        </a:lnSpc>
+        <a:spcBef>
+          <a:spcPts val="500"/>
+        </a:spcBef>
+        <a:buFont typeface="Arial" panose="020B0604020202020204" pitchFamily="34" charset="0"/>
+        <a:buChar char="•"/>
+        <a:defRPr sz="1800" kern="1200">
+          <a:solidFill>
+            <a:schemeClr val="tx1"/>
+          </a:solidFill>
+          <a:latin typeface="+mn-lt"/>
+          <a:ea typeface="+mn-ea"/>
+          <a:cs typeface="+mn-cs"/>
+        </a:defRPr>
+      </a:lvl9pPr>
+    </p:bodyStyle>
+    <p:otherStyle>
+      <a:defPPr>
+        <a:defRPr lang="en-US"/>
+      </a:defPPr>
+      <a:lvl1pPr marL="0" algn="l" defTabSz="914400" rtl="0" eaLnBrk="1" latinLnBrk="0" hangingPunct="1">
+        <a:defRPr sz="1800" kern="1200">
+          <a:solidFill>
+            <a:schemeClr val="tx1"/>
+          </a:solidFill>
+          <a:latin typeface="+mn-lt"/>
+          <a:ea typeface="+mn-ea"/>
+          <a:cs typeface="+mn-cs"/>
+        </a:defRPr>
+      </a:lvl1pPr>
+      <a:lvl2pPr marL="457200" algn="l" defTabSz="914400" rtl="0" eaLnBrk="1" latinLnBrk="0" hangingPunct="1">
+        <a:defRPr sz="1800" kern="1200">
+          <a:solidFill>
+            <a:schemeClr val="tx1"/>
+          </a:solidFill>
+          <a:latin typeface="+mn-lt"/>
+          <a:ea typeface="+mn-ea"/>
+          <a:cs typeface="+mn-cs"/>
+        </a:defRPr>
+      </a:lvl2pPr>
+      <a:lvl3pPr marL="914400" algn="l" defTabSz="914400" rtl="0" eaLnBrk="1" latinLnBrk="0" hangingPunct="1">
+        <a:defRPr sz="1800" kern="1200">
+          <a:solidFill>
+            <a:schemeClr val="tx1"/>
+          </a:solidFill>
+          <a:latin typeface="+mn-lt"/>
+          <a:ea typeface="+mn-ea"/>
+          <a:cs typeface="+mn-cs"/>
+        </a:defRPr>
+      </a:lvl3pPr>
+      <a:lvl4pPr marL="1371600" algn="l" defTabSz="914400" rtl="0" eaLnBrk="1" latinLnBrk="0" hangingPunct="1">
+        <a:defRPr sz="1800" kern="1200">
+          <a:solidFill>
+            <a:schemeClr val="tx1"/>
+          </a:solidFill>
+          <a:latin typeface="+mn-lt"/>
+          <a:ea typeface="+mn-ea"/>
+          <a:cs typeface="+mn-cs"/>
+        </a:defRPr>
+      </a:lvl4pPr>
+      <a:lvl5pPr marL="1828800" algn="l" defTabSz="914400" rtl="0" eaLnBrk="1" latinLnBrk="0" hangingPunct="1">
+        <a:defRPr sz="1800" kern="1200">
+          <a:solidFill>
+            <a:schemeClr val="tx1"/>
+          </a:solidFill>
+          <a:latin typeface="+mn-lt"/>
+          <a:ea typeface="+mn-ea"/>
+          <a:cs typeface="+mn-cs"/>
+        </a:defRPr>
+      </a:lvl5pPr>
+      <a:lvl6pPr marL="2286000" algn="l" defTabSz="914400" rtl="0" eaLnBrk="1" latinLnBrk="0" hangingPunct="1">
+        <a:defRPr sz="1800" kern="1200">
+          <a:solidFill>
+            <a:schemeClr val="tx1"/>
+          </a:solidFill>
+          <a:latin typeface="+mn-lt"/>
+          <a:ea typeface="+mn-ea"/>
+          <a:cs typeface="+mn-cs"/>
+        </a:defRPr>
+      </a:lvl6pPr>
+      <a:lvl7pPr marL="2743200" algn="l" defTabSz="914400" rtl="0" eaLnBrk="1" latinLnBrk="0" hangingPunct="1">
+        <a:defRPr sz="1800" kern="1200">
+          <a:solidFill>
+            <a:schemeClr val="tx1"/>
+          </a:solidFill>
+          <a:latin typeface="+mn-lt"/>
+          <a:ea typeface="+mn-ea"/>
+          <a:cs typeface="+mn-cs"/>
+        </a:defRPr>
+      </a:lvl7pPr>
+      <a:lvl8pPr marL="3200400" algn="l" defTabSz="914400" rtl="0" eaLnBrk="1" latinLnBrk="0" hangingPunct="1">
+        <a:defRPr sz="1800" kern="1200">
+          <a:solidFill>
+            <a:schemeClr val="tx1"/>
+          </a:solidFill>
+          <a:latin typeface="+mn-lt"/>
+          <a:ea typeface="+mn-ea"/>
+          <a:cs typeface="+mn-cs"/>
+        </a:defRPr>
+      </a:lvl8pPr>
+      <a:lvl9pPr marL="3657600" algn="l" defTabSz="914400" rtl="0" eaLnBrk="1" latinLnBrk="0" hangingPunct="1">
+        <a:defRPr sz="1800" kern="1200">
+          <a:solidFill>
+            <a:schemeClr val="tx1"/>
+          </a:solidFill>
+          <a:latin typeface="+mn-lt"/>
+          <a:ea typeface="+mn-ea"/>
+          <a:cs typeface="+mn-cs"/>
+        </a:defRPr>
+      </a:lvl9pPr>
+    </p:otherStyle>
+  </p:txStyles>
 </p:sldMaster>
 </file>
 
 <file path=ppt/slideMasters/slideMaster3.xml><?xml version="1.0" encoding="utf-8"?>
-<p:sldMaster xmlns:a="http://schemas.openxmlformats.org/drawingml/2006/main" xmlns:p="http://schemas.openxmlformats.org/presentationml/2006/main" xmlns:r="http://schemas.openxmlformats.org/officeDocument/2006/relationships" xmlns:p14="http://schemas.microsoft.com/office/powerpoint/2010/main" xmlns:p15="http://schemas.microsoft.com/office/powerpoint/2012/main" xmlns:mc="http://schemas.openxmlformats.org/markup-compatibility/2006">
+<p:sldMaster xmlns:a="http://schemas.openxmlformats.org/drawingml/2006/main" xmlns:r="http://schemas.openxmlformats.org/officeDocument/2006/relationships" xmlns:p="http://schemas.openxmlformats.org/presentationml/2006/main">
   <p:cSld>
     <p:bg>
       <p:bgPr>
         <a:solidFill>
-          <a:srgbClr val="ffffff"/>
+          <a:srgbClr val="FFFFFF"/>
         </a:solidFill>
+        <a:effectLst/>
       </p:bgPr>
     </p:bg>
     <p:spTree>
@@ -3157,9 +4288,10 @@
           </a:ln>
         </p:spPr>
         <p:txBody>
-          <a:bodyPr lIns="91440" rIns="91440" tIns="45720" bIns="45720" anchor="ctr" vert="eaVert">
+          <a:bodyPr vert="eaVert" lIns="91440" tIns="45720" rIns="91440" bIns="45720" anchor="ctr">
             <a:noAutofit/>
           </a:bodyPr>
+          <a:lstStyle/>
           <a:p>
             <a:pPr indent="0" algn="ctr" defTabSz="457200">
               <a:lnSpc>
@@ -3168,7 +4300,7 @@
               <a:buNone/>
             </a:pPr>
             <a:r>
-              <a:rPr b="0" lang="en-US" sz="4400" spc="-1" strike="noStrike">
+              <a:rPr lang="en-US" sz="4400" b="0" strike="noStrike" spc="-1">
                 <a:solidFill>
                   <a:schemeClr val="dk1"/>
                 </a:solidFill>
@@ -3176,12 +4308,6 @@
               </a:rPr>
               <a:t>Click to edit Master title style</a:t>
             </a:r>
-            <a:endParaRPr b="0" lang="en-US" sz="4400" spc="-1" strike="noStrike">
-              <a:solidFill>
-                <a:schemeClr val="dk1"/>
-              </a:solidFill>
-              <a:latin typeface="Calibri"/>
-            </a:endParaRPr>
           </a:p>
         </p:txBody>
       </p:sp>
@@ -3209,9 +4335,10 @@
           </a:ln>
         </p:spPr>
         <p:txBody>
-          <a:bodyPr lIns="91440" rIns="91440" tIns="45720" bIns="45720" anchor="t" vert="eaVert">
+          <a:bodyPr vert="eaVert" lIns="91440" tIns="45720" rIns="91440" bIns="45720" anchor="t">
             <a:noAutofit/>
           </a:bodyPr>
+          <a:lstStyle/>
           <a:p>
             <a:pPr marL="343080" indent="-343080" defTabSz="457200">
               <a:lnSpc>
@@ -3227,7 +4354,7 @@
               <a:buChar char="•"/>
             </a:pPr>
             <a:r>
-              <a:rPr b="0" lang="en-US" sz="3200" spc="-1" strike="noStrike">
+              <a:rPr lang="en-US" sz="3200" b="0" strike="noStrike" spc="-1">
                 <a:solidFill>
                   <a:schemeClr val="dk1"/>
                 </a:solidFill>
@@ -3235,15 +4362,9 @@
               </a:rPr>
               <a:t>Click to edit Master text styles</a:t>
             </a:r>
-            <a:endParaRPr b="0" lang="en-US" sz="3200" spc="-1" strike="noStrike">
-              <a:solidFill>
-                <a:schemeClr val="dk1"/>
-              </a:solidFill>
-              <a:latin typeface="Calibri"/>
-            </a:endParaRPr>
-          </a:p>
-          <a:p>
-            <a:pPr lvl="1" marL="743040" indent="-285840" defTabSz="457200">
+          </a:p>
+          <a:p>
+            <a:pPr marL="743040" lvl="1" indent="-285840" defTabSz="457200">
               <a:lnSpc>
                 <a:spcPct val="100000"/>
               </a:lnSpc>
@@ -3257,7 +4378,7 @@
               <a:buChar char="–"/>
             </a:pPr>
             <a:r>
-              <a:rPr b="0" lang="en-US" sz="2800" spc="-1" strike="noStrike">
+              <a:rPr lang="en-US" sz="2800" b="0" strike="noStrike" spc="-1">
                 <a:solidFill>
                   <a:schemeClr val="dk1"/>
                 </a:solidFill>
@@ -3265,15 +4386,9 @@
               </a:rPr>
               <a:t>Second level</a:t>
             </a:r>
-            <a:endParaRPr b="0" lang="en-US" sz="2800" spc="-1" strike="noStrike">
-              <a:solidFill>
-                <a:schemeClr val="dk1"/>
-              </a:solidFill>
-              <a:latin typeface="Calibri"/>
-            </a:endParaRPr>
-          </a:p>
-          <a:p>
-            <a:pPr lvl="2" marL="1143000" indent="-228600" defTabSz="457200">
+          </a:p>
+          <a:p>
+            <a:pPr marL="1143000" lvl="2" indent="-228600" defTabSz="457200">
               <a:lnSpc>
                 <a:spcPct val="100000"/>
               </a:lnSpc>
@@ -3287,7 +4402,7 @@
               <a:buChar char="•"/>
             </a:pPr>
             <a:r>
-              <a:rPr b="0" lang="en-US" sz="2400" spc="-1" strike="noStrike">
+              <a:rPr lang="en-US" sz="2400" b="0" strike="noStrike" spc="-1">
                 <a:solidFill>
                   <a:schemeClr val="dk1"/>
                 </a:solidFill>
@@ -3295,15 +4410,9 @@
               </a:rPr>
               <a:t>Third level</a:t>
             </a:r>
-            <a:endParaRPr b="0" lang="en-US" sz="2400" spc="-1" strike="noStrike">
-              <a:solidFill>
-                <a:schemeClr val="dk1"/>
-              </a:solidFill>
-              <a:latin typeface="Calibri"/>
-            </a:endParaRPr>
-          </a:p>
-          <a:p>
-            <a:pPr lvl="3" marL="1600200" indent="-228600" defTabSz="457200">
+          </a:p>
+          <a:p>
+            <a:pPr marL="1600200" lvl="3" indent="-228600" defTabSz="457200">
               <a:lnSpc>
                 <a:spcPct val="100000"/>
               </a:lnSpc>
@@ -3317,7 +4426,7 @@
               <a:buChar char="–"/>
             </a:pPr>
             <a:r>
-              <a:rPr b="0" lang="en-US" sz="2000" spc="-1" strike="noStrike">
+              <a:rPr lang="en-US" sz="2000" b="0" strike="noStrike" spc="-1">
                 <a:solidFill>
                   <a:schemeClr val="dk1"/>
                 </a:solidFill>
@@ -3325,15 +4434,9 @@
               </a:rPr>
               <a:t>Fourth level</a:t>
             </a:r>
-            <a:endParaRPr b="0" lang="en-US" sz="2000" spc="-1" strike="noStrike">
-              <a:solidFill>
-                <a:schemeClr val="dk1"/>
-              </a:solidFill>
-              <a:latin typeface="Calibri"/>
-            </a:endParaRPr>
-          </a:p>
-          <a:p>
-            <a:pPr lvl="4" marL="2057400" indent="-228600" defTabSz="457200">
+          </a:p>
+          <a:p>
+            <a:pPr marL="2057400" lvl="4" indent="-228600" defTabSz="457200">
               <a:lnSpc>
                 <a:spcPct val="100000"/>
               </a:lnSpc>
@@ -3347,7 +4450,7 @@
               <a:buChar char="»"/>
             </a:pPr>
             <a:r>
-              <a:rPr b="0" lang="en-US" sz="2000" spc="-1" strike="noStrike">
+              <a:rPr lang="en-US" sz="2000" b="0" strike="noStrike" spc="-1">
                 <a:solidFill>
                   <a:schemeClr val="dk1"/>
                 </a:solidFill>
@@ -3355,12 +4458,6 @@
               </a:rPr>
               <a:t>Fifth level</a:t>
             </a:r>
-            <a:endParaRPr b="0" lang="en-US" sz="2000" spc="-1" strike="noStrike">
-              <a:solidFill>
-                <a:schemeClr val="dk1"/>
-              </a:solidFill>
-              <a:latin typeface="Calibri"/>
-            </a:endParaRPr>
           </a:p>
         </p:txBody>
       </p:sp>
@@ -3388,7 +4485,7 @@
           </a:ln>
         </p:spPr>
         <p:txBody>
-          <a:bodyPr lIns="91440" rIns="91440" tIns="45720" bIns="45720" anchor="ctr">
+          <a:bodyPr lIns="91440" tIns="45720" rIns="91440" bIns="45720" anchor="ctr">
             <a:noAutofit/>
           </a:bodyPr>
           <a:lstStyle>
@@ -3397,7 +4494,7 @@
                 <a:spcPct val="100000"/>
               </a:lnSpc>
               <a:buNone/>
-              <a:defRPr b="0" lang="en-US" sz="1200" spc="-1" strike="noStrike">
+              <a:defRPr lang="en-US" sz="1200" b="0" strike="noStrike" spc="-1">
                 <a:solidFill>
                   <a:schemeClr val="dk1">
                     <a:tint val="75000"/>
@@ -3415,7 +4512,7 @@
               <a:buNone/>
             </a:pPr>
             <a:r>
-              <a:rPr b="0" lang="en-US" sz="1200" spc="-1" strike="noStrike">
+              <a:rPr lang="en-US" sz="1200" b="0" strike="noStrike" spc="-1">
                 <a:solidFill>
                   <a:schemeClr val="dk1">
                     <a:tint val="75000"/>
@@ -3425,7 +4522,7 @@
               </a:rPr>
               <a:t>&lt;date/time&gt;</a:t>
             </a:r>
-            <a:endParaRPr b="0" lang="en-US" sz="1200" spc="-1" strike="noStrike">
+            <a:endParaRPr lang="en-US" sz="1200" b="0" strike="noStrike" spc="-1">
               <a:solidFill>
                 <a:srgbClr val="000000"/>
               </a:solidFill>
@@ -3458,13 +4555,13 @@
           </a:ln>
         </p:spPr>
         <p:txBody>
-          <a:bodyPr lIns="91440" rIns="91440" tIns="45720" bIns="45720" anchor="ctr">
+          <a:bodyPr lIns="91440" tIns="45720" rIns="91440" bIns="45720" anchor="ctr">
             <a:noAutofit/>
           </a:bodyPr>
           <a:lstStyle>
             <a:lvl1pPr indent="0" algn="ctr">
               <a:buNone/>
-              <a:defRPr b="0" lang="en-US" sz="1400" spc="-1" strike="noStrike">
+              <a:defRPr lang="en-US" sz="1400" b="0" strike="noStrike" spc="-1">
                 <a:solidFill>
                   <a:srgbClr val="000000"/>
                 </a:solidFill>
@@ -3477,7 +4574,7 @@
               <a:buNone/>
             </a:pPr>
             <a:r>
-              <a:rPr b="0" lang="en-US" sz="1400" spc="-1" strike="noStrike">
+              <a:rPr lang="en-US" sz="1400" b="0" strike="noStrike" spc="-1">
                 <a:solidFill>
                   <a:srgbClr val="000000"/>
                 </a:solidFill>
@@ -3485,12 +4582,6 @@
               </a:rPr>
               <a:t>&lt;footer&gt;</a:t>
             </a:r>
-            <a:endParaRPr b="0" lang="en-US" sz="1400" spc="-1" strike="noStrike">
-              <a:solidFill>
-                <a:srgbClr val="000000"/>
-              </a:solidFill>
-              <a:latin typeface="Times New Roman"/>
-            </a:endParaRPr>
           </a:p>
         </p:txBody>
       </p:sp>
@@ -3518,7 +4609,7 @@
           </a:ln>
         </p:spPr>
         <p:txBody>
-          <a:bodyPr lIns="91440" rIns="91440" tIns="45720" bIns="45720" anchor="ctr">
+          <a:bodyPr lIns="91440" tIns="45720" rIns="91440" bIns="45720" anchor="ctr">
             <a:noAutofit/>
           </a:bodyPr>
           <a:lstStyle>
@@ -3527,7 +4618,7 @@
                 <a:spcPct val="100000"/>
               </a:lnSpc>
               <a:buNone/>
-              <a:defRPr b="0" lang="en-US" sz="1200" spc="-1" strike="noStrike">
+              <a:defRPr lang="en-US" sz="1200" b="0" strike="noStrike" spc="-1">
                 <a:solidFill>
                   <a:schemeClr val="dk1">
                     <a:tint val="75000"/>
@@ -3545,7 +4636,7 @@
               <a:buNone/>
             </a:pPr>
             <a:fld id="{3393CF69-F8A7-4860-BBD9-E7BEA36EDE7C}" type="slidenum">
-              <a:rPr b="0" lang="en-US" sz="1200" spc="-1" strike="noStrike">
+              <a:rPr lang="en-US" sz="1200" b="0" strike="noStrike" spc="-1">
                 <a:solidFill>
                   <a:schemeClr val="dk1">
                     <a:tint val="75000"/>
@@ -3553,9 +4644,9 @@
                 </a:solidFill>
                 <a:latin typeface="Calibri"/>
               </a:rPr>
-              <a:t>&lt;number&gt;</a:t>
+              <a:t>‹#›</a:t>
             </a:fld>
-            <a:endParaRPr b="0" lang="en-US" sz="1200" spc="-1" strike="noStrike">
+            <a:endParaRPr lang="en-US" sz="1200" b="0" strike="noStrike" spc="-1">
               <a:solidFill>
                 <a:srgbClr val="000000"/>
               </a:solidFill>
@@ -3566,21 +4657,302 @@
       </p:sp>
     </p:spTree>
   </p:cSld>
-  <p:clrMap bg1="lt1" bg2="lt2" tx1="dk1" tx2="dk2" accent1="accent1" accent2="accent2" accent3="accent3" accent4="accent4" accent5="accent5" accent6="accent6" hlink="hlink" folHlink="folHlink"/>
+  <p:clrMap bg1="lt1" tx1="dk1" bg2="lt2" tx2="dk2" accent1="accent1" accent2="accent2" accent3="accent3" accent4="accent4" accent5="accent5" accent6="accent6" hlink="hlink" folHlink="folHlink"/>
   <p:sldLayoutIdLst>
-    <p:sldLayoutId id="2147483653" r:id="rId2"/>
+    <p:sldLayoutId id="2147483653" r:id="rId1"/>
   </p:sldLayoutIdLst>
+  <p:txStyles>
+    <p:titleStyle>
+      <a:lvl1pPr algn="l" defTabSz="914400" rtl="0" eaLnBrk="1" latinLnBrk="0" hangingPunct="1">
+        <a:lnSpc>
+          <a:spcPct val="90000"/>
+        </a:lnSpc>
+        <a:spcBef>
+          <a:spcPct val="0"/>
+        </a:spcBef>
+        <a:buNone/>
+        <a:defRPr sz="4400" kern="1200">
+          <a:solidFill>
+            <a:schemeClr val="tx1"/>
+          </a:solidFill>
+          <a:latin typeface="+mj-lt"/>
+          <a:ea typeface="+mj-ea"/>
+          <a:cs typeface="+mj-cs"/>
+        </a:defRPr>
+      </a:lvl1pPr>
+    </p:titleStyle>
+    <p:bodyStyle>
+      <a:lvl1pPr marL="228600" indent="-228600" algn="l" defTabSz="914400" rtl="0" eaLnBrk="1" latinLnBrk="0" hangingPunct="1">
+        <a:lnSpc>
+          <a:spcPct val="90000"/>
+        </a:lnSpc>
+        <a:spcBef>
+          <a:spcPts val="1000"/>
+        </a:spcBef>
+        <a:buFont typeface="Arial" panose="020B0604020202020204" pitchFamily="34" charset="0"/>
+        <a:buChar char="•"/>
+        <a:defRPr sz="2800" kern="1200">
+          <a:solidFill>
+            <a:schemeClr val="tx1"/>
+          </a:solidFill>
+          <a:latin typeface="+mn-lt"/>
+          <a:ea typeface="+mn-ea"/>
+          <a:cs typeface="+mn-cs"/>
+        </a:defRPr>
+      </a:lvl1pPr>
+      <a:lvl2pPr marL="685800" indent="-228600" algn="l" defTabSz="914400" rtl="0" eaLnBrk="1" latinLnBrk="0" hangingPunct="1">
+        <a:lnSpc>
+          <a:spcPct val="90000"/>
+        </a:lnSpc>
+        <a:spcBef>
+          <a:spcPts val="500"/>
+        </a:spcBef>
+        <a:buFont typeface="Arial" panose="020B0604020202020204" pitchFamily="34" charset="0"/>
+        <a:buChar char="•"/>
+        <a:defRPr sz="2400" kern="1200">
+          <a:solidFill>
+            <a:schemeClr val="tx1"/>
+          </a:solidFill>
+          <a:latin typeface="+mn-lt"/>
+          <a:ea typeface="+mn-ea"/>
+          <a:cs typeface="+mn-cs"/>
+        </a:defRPr>
+      </a:lvl2pPr>
+      <a:lvl3pPr marL="1143000" indent="-228600" algn="l" defTabSz="914400" rtl="0" eaLnBrk="1" latinLnBrk="0" hangingPunct="1">
+        <a:lnSpc>
+          <a:spcPct val="90000"/>
+        </a:lnSpc>
+        <a:spcBef>
+          <a:spcPts val="500"/>
+        </a:spcBef>
+        <a:buFont typeface="Arial" panose="020B0604020202020204" pitchFamily="34" charset="0"/>
+        <a:buChar char="•"/>
+        <a:defRPr sz="2000" kern="1200">
+          <a:solidFill>
+            <a:schemeClr val="tx1"/>
+          </a:solidFill>
+          <a:latin typeface="+mn-lt"/>
+          <a:ea typeface="+mn-ea"/>
+          <a:cs typeface="+mn-cs"/>
+        </a:defRPr>
+      </a:lvl3pPr>
+      <a:lvl4pPr marL="1600200" indent="-228600" algn="l" defTabSz="914400" rtl="0" eaLnBrk="1" latinLnBrk="0" hangingPunct="1">
+        <a:lnSpc>
+          <a:spcPct val="90000"/>
+        </a:lnSpc>
+        <a:spcBef>
+          <a:spcPts val="500"/>
+        </a:spcBef>
+        <a:buFont typeface="Arial" panose="020B0604020202020204" pitchFamily="34" charset="0"/>
+        <a:buChar char="•"/>
+        <a:defRPr sz="1800" kern="1200">
+          <a:solidFill>
+            <a:schemeClr val="tx1"/>
+          </a:solidFill>
+          <a:latin typeface="+mn-lt"/>
+          <a:ea typeface="+mn-ea"/>
+          <a:cs typeface="+mn-cs"/>
+        </a:defRPr>
+      </a:lvl4pPr>
+      <a:lvl5pPr marL="2057400" indent="-228600" algn="l" defTabSz="914400" rtl="0" eaLnBrk="1" latinLnBrk="0" hangingPunct="1">
+        <a:lnSpc>
+          <a:spcPct val="90000"/>
+        </a:lnSpc>
+        <a:spcBef>
+          <a:spcPts val="500"/>
+        </a:spcBef>
+        <a:buFont typeface="Arial" panose="020B0604020202020204" pitchFamily="34" charset="0"/>
+        <a:buChar char="•"/>
+        <a:defRPr sz="1800" kern="1200">
+          <a:solidFill>
+            <a:schemeClr val="tx1"/>
+          </a:solidFill>
+          <a:latin typeface="+mn-lt"/>
+          <a:ea typeface="+mn-ea"/>
+          <a:cs typeface="+mn-cs"/>
+        </a:defRPr>
+      </a:lvl5pPr>
+      <a:lvl6pPr marL="2514600" indent="-228600" algn="l" defTabSz="914400" rtl="0" eaLnBrk="1" latinLnBrk="0" hangingPunct="1">
+        <a:lnSpc>
+          <a:spcPct val="90000"/>
+        </a:lnSpc>
+        <a:spcBef>
+          <a:spcPts val="500"/>
+        </a:spcBef>
+        <a:buFont typeface="Arial" panose="020B0604020202020204" pitchFamily="34" charset="0"/>
+        <a:buChar char="•"/>
+        <a:defRPr sz="1800" kern="1200">
+          <a:solidFill>
+            <a:schemeClr val="tx1"/>
+          </a:solidFill>
+          <a:latin typeface="+mn-lt"/>
+          <a:ea typeface="+mn-ea"/>
+          <a:cs typeface="+mn-cs"/>
+        </a:defRPr>
+      </a:lvl6pPr>
+      <a:lvl7pPr marL="2971800" indent="-228600" algn="l" defTabSz="914400" rtl="0" eaLnBrk="1" latinLnBrk="0" hangingPunct="1">
+        <a:lnSpc>
+          <a:spcPct val="90000"/>
+        </a:lnSpc>
+        <a:spcBef>
+          <a:spcPts val="500"/>
+        </a:spcBef>
+        <a:buFont typeface="Arial" panose="020B0604020202020204" pitchFamily="34" charset="0"/>
+        <a:buChar char="•"/>
+        <a:defRPr sz="1800" kern="1200">
+          <a:solidFill>
+            <a:schemeClr val="tx1"/>
+          </a:solidFill>
+          <a:latin typeface="+mn-lt"/>
+          <a:ea typeface="+mn-ea"/>
+          <a:cs typeface="+mn-cs"/>
+        </a:defRPr>
+      </a:lvl7pPr>
+      <a:lvl8pPr marL="3429000" indent="-228600" algn="l" defTabSz="914400" rtl="0" eaLnBrk="1" latinLnBrk="0" hangingPunct="1">
+        <a:lnSpc>
+          <a:spcPct val="90000"/>
+        </a:lnSpc>
+        <a:spcBef>
+          <a:spcPts val="500"/>
+        </a:spcBef>
+        <a:buFont typeface="Arial" panose="020B0604020202020204" pitchFamily="34" charset="0"/>
+        <a:buChar char="•"/>
+        <a:defRPr sz="1800" kern="1200">
+          <a:solidFill>
+            <a:schemeClr val="tx1"/>
+          </a:solidFill>
+          <a:latin typeface="+mn-lt"/>
+          <a:ea typeface="+mn-ea"/>
+          <a:cs typeface="+mn-cs"/>
+        </a:defRPr>
+      </a:lvl8pPr>
+      <a:lvl9pPr marL="3886200" indent="-228600" algn="l" defTabSz="914400" rtl="0" eaLnBrk="1" latinLnBrk="0" hangingPunct="1">
+        <a:lnSpc>
+          <a:spcPct val="90000"/>
+        </a:lnSpc>
+        <a:spcBef>
+          <a:spcPts val="500"/>
+        </a:spcBef>
+        <a:buFont typeface="Arial" panose="020B0604020202020204" pitchFamily="34" charset="0"/>
+        <a:buChar char="•"/>
+        <a:defRPr sz="1800" kern="1200">
+          <a:solidFill>
+            <a:schemeClr val="tx1"/>
+          </a:solidFill>
+          <a:latin typeface="+mn-lt"/>
+          <a:ea typeface="+mn-ea"/>
+          <a:cs typeface="+mn-cs"/>
+        </a:defRPr>
+      </a:lvl9pPr>
+    </p:bodyStyle>
+    <p:otherStyle>
+      <a:defPPr>
+        <a:defRPr lang="en-US"/>
+      </a:defPPr>
+      <a:lvl1pPr marL="0" algn="l" defTabSz="914400" rtl="0" eaLnBrk="1" latinLnBrk="0" hangingPunct="1">
+        <a:defRPr sz="1800" kern="1200">
+          <a:solidFill>
+            <a:schemeClr val="tx1"/>
+          </a:solidFill>
+          <a:latin typeface="+mn-lt"/>
+          <a:ea typeface="+mn-ea"/>
+          <a:cs typeface="+mn-cs"/>
+        </a:defRPr>
+      </a:lvl1pPr>
+      <a:lvl2pPr marL="457200" algn="l" defTabSz="914400" rtl="0" eaLnBrk="1" latinLnBrk="0" hangingPunct="1">
+        <a:defRPr sz="1800" kern="1200">
+          <a:solidFill>
+            <a:schemeClr val="tx1"/>
+          </a:solidFill>
+          <a:latin typeface="+mn-lt"/>
+          <a:ea typeface="+mn-ea"/>
+          <a:cs typeface="+mn-cs"/>
+        </a:defRPr>
+      </a:lvl2pPr>
+      <a:lvl3pPr marL="914400" algn="l" defTabSz="914400" rtl="0" eaLnBrk="1" latinLnBrk="0" hangingPunct="1">
+        <a:defRPr sz="1800" kern="1200">
+          <a:solidFill>
+            <a:schemeClr val="tx1"/>
+          </a:solidFill>
+          <a:latin typeface="+mn-lt"/>
+          <a:ea typeface="+mn-ea"/>
+          <a:cs typeface="+mn-cs"/>
+        </a:defRPr>
+      </a:lvl3pPr>
+      <a:lvl4pPr marL="1371600" algn="l" defTabSz="914400" rtl="0" eaLnBrk="1" latinLnBrk="0" hangingPunct="1">
+        <a:defRPr sz="1800" kern="1200">
+          <a:solidFill>
+            <a:schemeClr val="tx1"/>
+          </a:solidFill>
+          <a:latin typeface="+mn-lt"/>
+          <a:ea typeface="+mn-ea"/>
+          <a:cs typeface="+mn-cs"/>
+        </a:defRPr>
+      </a:lvl4pPr>
+      <a:lvl5pPr marL="1828800" algn="l" defTabSz="914400" rtl="0" eaLnBrk="1" latinLnBrk="0" hangingPunct="1">
+        <a:defRPr sz="1800" kern="1200">
+          <a:solidFill>
+            <a:schemeClr val="tx1"/>
+          </a:solidFill>
+          <a:latin typeface="+mn-lt"/>
+          <a:ea typeface="+mn-ea"/>
+          <a:cs typeface="+mn-cs"/>
+        </a:defRPr>
+      </a:lvl5pPr>
+      <a:lvl6pPr marL="2286000" algn="l" defTabSz="914400" rtl="0" eaLnBrk="1" latinLnBrk="0" hangingPunct="1">
+        <a:defRPr sz="1800" kern="1200">
+          <a:solidFill>
+            <a:schemeClr val="tx1"/>
+          </a:solidFill>
+          <a:latin typeface="+mn-lt"/>
+          <a:ea typeface="+mn-ea"/>
+          <a:cs typeface="+mn-cs"/>
+        </a:defRPr>
+      </a:lvl6pPr>
+      <a:lvl7pPr marL="2743200" algn="l" defTabSz="914400" rtl="0" eaLnBrk="1" latinLnBrk="0" hangingPunct="1">
+        <a:defRPr sz="1800" kern="1200">
+          <a:solidFill>
+            <a:schemeClr val="tx1"/>
+          </a:solidFill>
+          <a:latin typeface="+mn-lt"/>
+          <a:ea typeface="+mn-ea"/>
+          <a:cs typeface="+mn-cs"/>
+        </a:defRPr>
+      </a:lvl7pPr>
+      <a:lvl8pPr marL="3200400" algn="l" defTabSz="914400" rtl="0" eaLnBrk="1" latinLnBrk="0" hangingPunct="1">
+        <a:defRPr sz="1800" kern="1200">
+          <a:solidFill>
+            <a:schemeClr val="tx1"/>
+          </a:solidFill>
+          <a:latin typeface="+mn-lt"/>
+          <a:ea typeface="+mn-ea"/>
+          <a:cs typeface="+mn-cs"/>
+        </a:defRPr>
+      </a:lvl8pPr>
+      <a:lvl9pPr marL="3657600" algn="l" defTabSz="914400" rtl="0" eaLnBrk="1" latinLnBrk="0" hangingPunct="1">
+        <a:defRPr sz="1800" kern="1200">
+          <a:solidFill>
+            <a:schemeClr val="tx1"/>
+          </a:solidFill>
+          <a:latin typeface="+mn-lt"/>
+          <a:ea typeface="+mn-ea"/>
+          <a:cs typeface="+mn-cs"/>
+        </a:defRPr>
+      </a:lvl9pPr>
+    </p:otherStyle>
+  </p:txStyles>
 </p:sldMaster>
 </file>
 
 <file path=ppt/slideMasters/slideMaster4.xml><?xml version="1.0" encoding="utf-8"?>
-<p:sldMaster xmlns:a="http://schemas.openxmlformats.org/drawingml/2006/main" xmlns:p="http://schemas.openxmlformats.org/presentationml/2006/main" xmlns:r="http://schemas.openxmlformats.org/officeDocument/2006/relationships" xmlns:p14="http://schemas.microsoft.com/office/powerpoint/2010/main" xmlns:p15="http://schemas.microsoft.com/office/powerpoint/2012/main" xmlns:mc="http://schemas.openxmlformats.org/markup-compatibility/2006">
+<p:sldMaster xmlns:a="http://schemas.openxmlformats.org/drawingml/2006/main" xmlns:r="http://schemas.openxmlformats.org/officeDocument/2006/relationships" xmlns:p="http://schemas.openxmlformats.org/presentationml/2006/main">
   <p:cSld>
     <p:bg>
       <p:bgPr>
         <a:solidFill>
-          <a:srgbClr val="ffffff"/>
+          <a:srgbClr val="FFFFFF"/>
         </a:solidFill>
+        <a:effectLst/>
       </p:bgPr>
     </p:bg>
     <p:spTree>
@@ -3621,9 +4993,10 @@
           </a:ln>
         </p:spPr>
         <p:txBody>
-          <a:bodyPr lIns="91440" rIns="91440" tIns="45720" bIns="45720" anchor="ctr">
+          <a:bodyPr lIns="91440" tIns="45720" rIns="91440" bIns="45720" anchor="ctr">
             <a:noAutofit/>
           </a:bodyPr>
+          <a:lstStyle/>
           <a:p>
             <a:pPr indent="0" algn="ctr" defTabSz="457200">
               <a:lnSpc>
@@ -3632,7 +5005,7 @@
               <a:buNone/>
             </a:pPr>
             <a:r>
-              <a:rPr b="0" lang="en-US" sz="4400" spc="-1" strike="noStrike">
+              <a:rPr lang="en-US" sz="4400" b="0" strike="noStrike" spc="-1">
                 <a:solidFill>
                   <a:schemeClr val="dk1"/>
                 </a:solidFill>
@@ -3640,12 +5013,6 @@
               </a:rPr>
               <a:t>Click to edit Master title style</a:t>
             </a:r>
-            <a:endParaRPr b="0" lang="en-US" sz="4400" spc="-1" strike="noStrike">
-              <a:solidFill>
-                <a:schemeClr val="dk1"/>
-              </a:solidFill>
-              <a:latin typeface="Calibri"/>
-            </a:endParaRPr>
           </a:p>
         </p:txBody>
       </p:sp>
@@ -3673,9 +5040,10 @@
           </a:ln>
         </p:spPr>
         <p:txBody>
-          <a:bodyPr lIns="91440" rIns="91440" tIns="45720" bIns="45720" anchor="t">
+          <a:bodyPr lIns="91440" tIns="45720" rIns="91440" bIns="45720" anchor="t">
             <a:noAutofit/>
           </a:bodyPr>
+          <a:lstStyle/>
           <a:p>
             <a:pPr marL="343080" indent="-343080" defTabSz="457200">
               <a:lnSpc>
@@ -3691,7 +5059,7 @@
               <a:buChar char="•"/>
             </a:pPr>
             <a:r>
-              <a:rPr b="0" lang="en-US" sz="3200" spc="-1" strike="noStrike">
+              <a:rPr lang="en-US" sz="3200" b="0" strike="noStrike" spc="-1">
                 <a:solidFill>
                   <a:schemeClr val="dk1"/>
                 </a:solidFill>
@@ -3699,15 +5067,9 @@
               </a:rPr>
               <a:t>Click to edit Master text styles</a:t>
             </a:r>
-            <a:endParaRPr b="0" lang="en-US" sz="3200" spc="-1" strike="noStrike">
-              <a:solidFill>
-                <a:schemeClr val="dk1"/>
-              </a:solidFill>
-              <a:latin typeface="Calibri"/>
-            </a:endParaRPr>
-          </a:p>
-          <a:p>
-            <a:pPr lvl="1" marL="743040" indent="-285840" defTabSz="457200">
+          </a:p>
+          <a:p>
+            <a:pPr marL="743040" lvl="1" indent="-285840" defTabSz="457200">
               <a:lnSpc>
                 <a:spcPct val="100000"/>
               </a:lnSpc>
@@ -3721,7 +5083,7 @@
               <a:buChar char="–"/>
             </a:pPr>
             <a:r>
-              <a:rPr b="0" lang="en-US" sz="2800" spc="-1" strike="noStrike">
+              <a:rPr lang="en-US" sz="2800" b="0" strike="noStrike" spc="-1">
                 <a:solidFill>
                   <a:schemeClr val="dk1"/>
                 </a:solidFill>
@@ -3729,15 +5091,9 @@
               </a:rPr>
               <a:t>Second level</a:t>
             </a:r>
-            <a:endParaRPr b="0" lang="en-US" sz="2800" spc="-1" strike="noStrike">
-              <a:solidFill>
-                <a:schemeClr val="dk1"/>
-              </a:solidFill>
-              <a:latin typeface="Calibri"/>
-            </a:endParaRPr>
-          </a:p>
-          <a:p>
-            <a:pPr lvl="2" marL="1143000" indent="-228600" defTabSz="457200">
+          </a:p>
+          <a:p>
+            <a:pPr marL="1143000" lvl="2" indent="-228600" defTabSz="457200">
               <a:lnSpc>
                 <a:spcPct val="100000"/>
               </a:lnSpc>
@@ -3751,7 +5107,7 @@
               <a:buChar char="•"/>
             </a:pPr>
             <a:r>
-              <a:rPr b="0" lang="en-US" sz="2400" spc="-1" strike="noStrike">
+              <a:rPr lang="en-US" sz="2400" b="0" strike="noStrike" spc="-1">
                 <a:solidFill>
                   <a:schemeClr val="dk1"/>
                 </a:solidFill>
@@ -3759,15 +5115,9 @@
               </a:rPr>
               <a:t>Third level</a:t>
             </a:r>
-            <a:endParaRPr b="0" lang="en-US" sz="2400" spc="-1" strike="noStrike">
-              <a:solidFill>
-                <a:schemeClr val="dk1"/>
-              </a:solidFill>
-              <a:latin typeface="Calibri"/>
-            </a:endParaRPr>
-          </a:p>
-          <a:p>
-            <a:pPr lvl="3" marL="1600200" indent="-228600" defTabSz="457200">
+          </a:p>
+          <a:p>
+            <a:pPr marL="1600200" lvl="3" indent="-228600" defTabSz="457200">
               <a:lnSpc>
                 <a:spcPct val="100000"/>
               </a:lnSpc>
@@ -3781,7 +5131,7 @@
               <a:buChar char="–"/>
             </a:pPr>
             <a:r>
-              <a:rPr b="0" lang="en-US" sz="2000" spc="-1" strike="noStrike">
+              <a:rPr lang="en-US" sz="2000" b="0" strike="noStrike" spc="-1">
                 <a:solidFill>
                   <a:schemeClr val="dk1"/>
                 </a:solidFill>
@@ -3789,15 +5139,9 @@
               </a:rPr>
               <a:t>Fourth level</a:t>
             </a:r>
-            <a:endParaRPr b="0" lang="en-US" sz="2000" spc="-1" strike="noStrike">
-              <a:solidFill>
-                <a:schemeClr val="dk1"/>
-              </a:solidFill>
-              <a:latin typeface="Calibri"/>
-            </a:endParaRPr>
-          </a:p>
-          <a:p>
-            <a:pPr lvl="4" marL="2057400" indent="-228600" defTabSz="457200">
+          </a:p>
+          <a:p>
+            <a:pPr marL="2057400" lvl="4" indent="-228600" defTabSz="457200">
               <a:lnSpc>
                 <a:spcPct val="100000"/>
               </a:lnSpc>
@@ -3811,7 +5155,7 @@
               <a:buChar char="»"/>
             </a:pPr>
             <a:r>
-              <a:rPr b="0" lang="en-US" sz="2000" spc="-1" strike="noStrike">
+              <a:rPr lang="en-US" sz="2000" b="0" strike="noStrike" spc="-1">
                 <a:solidFill>
                   <a:schemeClr val="dk1"/>
                 </a:solidFill>
@@ -3819,12 +5163,6 @@
               </a:rPr>
               <a:t>Fifth level</a:t>
             </a:r>
-            <a:endParaRPr b="0" lang="en-US" sz="2000" spc="-1" strike="noStrike">
-              <a:solidFill>
-                <a:schemeClr val="dk1"/>
-              </a:solidFill>
-              <a:latin typeface="Calibri"/>
-            </a:endParaRPr>
           </a:p>
         </p:txBody>
       </p:sp>
@@ -3852,7 +5190,7 @@
           </a:ln>
         </p:spPr>
         <p:txBody>
-          <a:bodyPr lIns="91440" rIns="91440" tIns="45720" bIns="45720" anchor="ctr">
+          <a:bodyPr lIns="91440" tIns="45720" rIns="91440" bIns="45720" anchor="ctr">
             <a:noAutofit/>
           </a:bodyPr>
           <a:lstStyle>
@@ -3861,7 +5199,7 @@
                 <a:spcPct val="100000"/>
               </a:lnSpc>
               <a:buNone/>
-              <a:defRPr b="0" lang="en-US" sz="1200" spc="-1" strike="noStrike">
+              <a:defRPr lang="en-US" sz="1200" b="0" strike="noStrike" spc="-1">
                 <a:solidFill>
                   <a:schemeClr val="dk1">
                     <a:tint val="75000"/>
@@ -3879,7 +5217,7 @@
               <a:buNone/>
             </a:pPr>
             <a:r>
-              <a:rPr b="0" lang="en-US" sz="1200" spc="-1" strike="noStrike">
+              <a:rPr lang="en-US" sz="1200" b="0" strike="noStrike" spc="-1">
                 <a:solidFill>
                   <a:schemeClr val="dk1">
                     <a:tint val="75000"/>
@@ -3889,7 +5227,7 @@
               </a:rPr>
               <a:t>&lt;date/time&gt;</a:t>
             </a:r>
-            <a:endParaRPr b="0" lang="en-US" sz="1200" spc="-1" strike="noStrike">
+            <a:endParaRPr lang="en-US" sz="1200" b="0" strike="noStrike" spc="-1">
               <a:solidFill>
                 <a:srgbClr val="000000"/>
               </a:solidFill>
@@ -3922,13 +5260,13 @@
           </a:ln>
         </p:spPr>
         <p:txBody>
-          <a:bodyPr lIns="91440" rIns="91440" tIns="45720" bIns="45720" anchor="ctr">
+          <a:bodyPr lIns="91440" tIns="45720" rIns="91440" bIns="45720" anchor="ctr">
             <a:noAutofit/>
           </a:bodyPr>
           <a:lstStyle>
             <a:lvl1pPr indent="0" algn="ctr">
               <a:buNone/>
-              <a:defRPr b="0" lang="en-US" sz="1400" spc="-1" strike="noStrike">
+              <a:defRPr lang="en-US" sz="1400" b="0" strike="noStrike" spc="-1">
                 <a:solidFill>
                   <a:srgbClr val="000000"/>
                 </a:solidFill>
@@ -3941,7 +5279,7 @@
               <a:buNone/>
             </a:pPr>
             <a:r>
-              <a:rPr b="0" lang="en-US" sz="1400" spc="-1" strike="noStrike">
+              <a:rPr lang="en-US" sz="1400" b="0" strike="noStrike" spc="-1">
                 <a:solidFill>
                   <a:srgbClr val="000000"/>
                 </a:solidFill>
@@ -3949,12 +5287,6 @@
               </a:rPr>
               <a:t>&lt;footer&gt;</a:t>
             </a:r>
-            <a:endParaRPr b="0" lang="en-US" sz="1400" spc="-1" strike="noStrike">
-              <a:solidFill>
-                <a:srgbClr val="000000"/>
-              </a:solidFill>
-              <a:latin typeface="Times New Roman"/>
-            </a:endParaRPr>
           </a:p>
         </p:txBody>
       </p:sp>
@@ -3982,7 +5314,7 @@
           </a:ln>
         </p:spPr>
         <p:txBody>
-          <a:bodyPr lIns="91440" rIns="91440" tIns="45720" bIns="45720" anchor="ctr">
+          <a:bodyPr lIns="91440" tIns="45720" rIns="91440" bIns="45720" anchor="ctr">
             <a:noAutofit/>
           </a:bodyPr>
           <a:lstStyle>
@@ -3991,7 +5323,7 @@
                 <a:spcPct val="100000"/>
               </a:lnSpc>
               <a:buNone/>
-              <a:defRPr b="0" lang="en-US" sz="1200" spc="-1" strike="noStrike">
+              <a:defRPr lang="en-US" sz="1200" b="0" strike="noStrike" spc="-1">
                 <a:solidFill>
                   <a:schemeClr val="dk1">
                     <a:tint val="75000"/>
@@ -4009,7 +5341,7 @@
               <a:buNone/>
             </a:pPr>
             <a:fld id="{DF6FB9F7-0150-404D-B353-BDA85BF1B684}" type="slidenum">
-              <a:rPr b="0" lang="en-US" sz="1200" spc="-1" strike="noStrike">
+              <a:rPr lang="en-US" sz="1200" b="0" strike="noStrike" spc="-1">
                 <a:solidFill>
                   <a:schemeClr val="dk1">
                     <a:tint val="75000"/>
@@ -4017,9 +5349,9 @@
                 </a:solidFill>
                 <a:latin typeface="Calibri"/>
               </a:rPr>
-              <a:t>&lt;number&gt;</a:t>
+              <a:t>‹#›</a:t>
             </a:fld>
-            <a:endParaRPr b="0" lang="en-US" sz="1200" spc="-1" strike="noStrike">
+            <a:endParaRPr lang="en-US" sz="1200" b="0" strike="noStrike" spc="-1">
               <a:solidFill>
                 <a:srgbClr val="000000"/>
               </a:solidFill>
@@ -4030,21 +5362,302 @@
       </p:sp>
     </p:spTree>
   </p:cSld>
-  <p:clrMap bg1="lt1" bg2="lt2" tx1="dk1" tx2="dk2" accent1="accent1" accent2="accent2" accent3="accent3" accent4="accent4" accent5="accent5" accent6="accent6" hlink="hlink" folHlink="folHlink"/>
+  <p:clrMap bg1="lt1" tx1="dk1" bg2="lt2" tx2="dk2" accent1="accent1" accent2="accent2" accent3="accent3" accent4="accent4" accent5="accent5" accent6="accent6" hlink="hlink" folHlink="folHlink"/>
   <p:sldLayoutIdLst>
-    <p:sldLayoutId id="2147483655" r:id="rId2"/>
+    <p:sldLayoutId id="2147483655" r:id="rId1"/>
   </p:sldLayoutIdLst>
+  <p:txStyles>
+    <p:titleStyle>
+      <a:lvl1pPr algn="l" defTabSz="914400" rtl="0" eaLnBrk="1" latinLnBrk="0" hangingPunct="1">
+        <a:lnSpc>
+          <a:spcPct val="90000"/>
+        </a:lnSpc>
+        <a:spcBef>
+          <a:spcPct val="0"/>
+        </a:spcBef>
+        <a:buNone/>
+        <a:defRPr sz="4400" kern="1200">
+          <a:solidFill>
+            <a:schemeClr val="tx1"/>
+          </a:solidFill>
+          <a:latin typeface="+mj-lt"/>
+          <a:ea typeface="+mj-ea"/>
+          <a:cs typeface="+mj-cs"/>
+        </a:defRPr>
+      </a:lvl1pPr>
+    </p:titleStyle>
+    <p:bodyStyle>
+      <a:lvl1pPr marL="228600" indent="-228600" algn="l" defTabSz="914400" rtl="0" eaLnBrk="1" latinLnBrk="0" hangingPunct="1">
+        <a:lnSpc>
+          <a:spcPct val="90000"/>
+        </a:lnSpc>
+        <a:spcBef>
+          <a:spcPts val="1000"/>
+        </a:spcBef>
+        <a:buFont typeface="Arial" panose="020B0604020202020204" pitchFamily="34" charset="0"/>
+        <a:buChar char="•"/>
+        <a:defRPr sz="2800" kern="1200">
+          <a:solidFill>
+            <a:schemeClr val="tx1"/>
+          </a:solidFill>
+          <a:latin typeface="+mn-lt"/>
+          <a:ea typeface="+mn-ea"/>
+          <a:cs typeface="+mn-cs"/>
+        </a:defRPr>
+      </a:lvl1pPr>
+      <a:lvl2pPr marL="685800" indent="-228600" algn="l" defTabSz="914400" rtl="0" eaLnBrk="1" latinLnBrk="0" hangingPunct="1">
+        <a:lnSpc>
+          <a:spcPct val="90000"/>
+        </a:lnSpc>
+        <a:spcBef>
+          <a:spcPts val="500"/>
+        </a:spcBef>
+        <a:buFont typeface="Arial" panose="020B0604020202020204" pitchFamily="34" charset="0"/>
+        <a:buChar char="•"/>
+        <a:defRPr sz="2400" kern="1200">
+          <a:solidFill>
+            <a:schemeClr val="tx1"/>
+          </a:solidFill>
+          <a:latin typeface="+mn-lt"/>
+          <a:ea typeface="+mn-ea"/>
+          <a:cs typeface="+mn-cs"/>
+        </a:defRPr>
+      </a:lvl2pPr>
+      <a:lvl3pPr marL="1143000" indent="-228600" algn="l" defTabSz="914400" rtl="0" eaLnBrk="1" latinLnBrk="0" hangingPunct="1">
+        <a:lnSpc>
+          <a:spcPct val="90000"/>
+        </a:lnSpc>
+        <a:spcBef>
+          <a:spcPts val="500"/>
+        </a:spcBef>
+        <a:buFont typeface="Arial" panose="020B0604020202020204" pitchFamily="34" charset="0"/>
+        <a:buChar char="•"/>
+        <a:defRPr sz="2000" kern="1200">
+          <a:solidFill>
+            <a:schemeClr val="tx1"/>
+          </a:solidFill>
+          <a:latin typeface="+mn-lt"/>
+          <a:ea typeface="+mn-ea"/>
+          <a:cs typeface="+mn-cs"/>
+        </a:defRPr>
+      </a:lvl3pPr>
+      <a:lvl4pPr marL="1600200" indent="-228600" algn="l" defTabSz="914400" rtl="0" eaLnBrk="1" latinLnBrk="0" hangingPunct="1">
+        <a:lnSpc>
+          <a:spcPct val="90000"/>
+        </a:lnSpc>
+        <a:spcBef>
+          <a:spcPts val="500"/>
+        </a:spcBef>
+        <a:buFont typeface="Arial" panose="020B0604020202020204" pitchFamily="34" charset="0"/>
+        <a:buChar char="•"/>
+        <a:defRPr sz="1800" kern="1200">
+          <a:solidFill>
+            <a:schemeClr val="tx1"/>
+          </a:solidFill>
+          <a:latin typeface="+mn-lt"/>
+          <a:ea typeface="+mn-ea"/>
+          <a:cs typeface="+mn-cs"/>
+        </a:defRPr>
+      </a:lvl4pPr>
+      <a:lvl5pPr marL="2057400" indent="-228600" algn="l" defTabSz="914400" rtl="0" eaLnBrk="1" latinLnBrk="0" hangingPunct="1">
+        <a:lnSpc>
+          <a:spcPct val="90000"/>
+        </a:lnSpc>
+        <a:spcBef>
+          <a:spcPts val="500"/>
+        </a:spcBef>
+        <a:buFont typeface="Arial" panose="020B0604020202020204" pitchFamily="34" charset="0"/>
+        <a:buChar char="•"/>
+        <a:defRPr sz="1800" kern="1200">
+          <a:solidFill>
+            <a:schemeClr val="tx1"/>
+          </a:solidFill>
+          <a:latin typeface="+mn-lt"/>
+          <a:ea typeface="+mn-ea"/>
+          <a:cs typeface="+mn-cs"/>
+        </a:defRPr>
+      </a:lvl5pPr>
+      <a:lvl6pPr marL="2514600" indent="-228600" algn="l" defTabSz="914400" rtl="0" eaLnBrk="1" latinLnBrk="0" hangingPunct="1">
+        <a:lnSpc>
+          <a:spcPct val="90000"/>
+        </a:lnSpc>
+        <a:spcBef>
+          <a:spcPts val="500"/>
+        </a:spcBef>
+        <a:buFont typeface="Arial" panose="020B0604020202020204" pitchFamily="34" charset="0"/>
+        <a:buChar char="•"/>
+        <a:defRPr sz="1800" kern="1200">
+          <a:solidFill>
+            <a:schemeClr val="tx1"/>
+          </a:solidFill>
+          <a:latin typeface="+mn-lt"/>
+          <a:ea typeface="+mn-ea"/>
+          <a:cs typeface="+mn-cs"/>
+        </a:defRPr>
+      </a:lvl6pPr>
+      <a:lvl7pPr marL="2971800" indent="-228600" algn="l" defTabSz="914400" rtl="0" eaLnBrk="1" latinLnBrk="0" hangingPunct="1">
+        <a:lnSpc>
+          <a:spcPct val="90000"/>
+        </a:lnSpc>
+        <a:spcBef>
+          <a:spcPts val="500"/>
+        </a:spcBef>
+        <a:buFont typeface="Arial" panose="020B0604020202020204" pitchFamily="34" charset="0"/>
+        <a:buChar char="•"/>
+        <a:defRPr sz="1800" kern="1200">
+          <a:solidFill>
+            <a:schemeClr val="tx1"/>
+          </a:solidFill>
+          <a:latin typeface="+mn-lt"/>
+          <a:ea typeface="+mn-ea"/>
+          <a:cs typeface="+mn-cs"/>
+        </a:defRPr>
+      </a:lvl7pPr>
+      <a:lvl8pPr marL="3429000" indent="-228600" algn="l" defTabSz="914400" rtl="0" eaLnBrk="1" latinLnBrk="0" hangingPunct="1">
+        <a:lnSpc>
+          <a:spcPct val="90000"/>
+        </a:lnSpc>
+        <a:spcBef>
+          <a:spcPts val="500"/>
+        </a:spcBef>
+        <a:buFont typeface="Arial" panose="020B0604020202020204" pitchFamily="34" charset="0"/>
+        <a:buChar char="•"/>
+        <a:defRPr sz="1800" kern="1200">
+          <a:solidFill>
+            <a:schemeClr val="tx1"/>
+          </a:solidFill>
+          <a:latin typeface="+mn-lt"/>
+          <a:ea typeface="+mn-ea"/>
+          <a:cs typeface="+mn-cs"/>
+        </a:defRPr>
+      </a:lvl8pPr>
+      <a:lvl9pPr marL="3886200" indent="-228600" algn="l" defTabSz="914400" rtl="0" eaLnBrk="1" latinLnBrk="0" hangingPunct="1">
+        <a:lnSpc>
+          <a:spcPct val="90000"/>
+        </a:lnSpc>
+        <a:spcBef>
+          <a:spcPts val="500"/>
+        </a:spcBef>
+        <a:buFont typeface="Arial" panose="020B0604020202020204" pitchFamily="34" charset="0"/>
+        <a:buChar char="•"/>
+        <a:defRPr sz="1800" kern="1200">
+          <a:solidFill>
+            <a:schemeClr val="tx1"/>
+          </a:solidFill>
+          <a:latin typeface="+mn-lt"/>
+          <a:ea typeface="+mn-ea"/>
+          <a:cs typeface="+mn-cs"/>
+        </a:defRPr>
+      </a:lvl9pPr>
+    </p:bodyStyle>
+    <p:otherStyle>
+      <a:defPPr>
+        <a:defRPr lang="en-US"/>
+      </a:defPPr>
+      <a:lvl1pPr marL="0" algn="l" defTabSz="914400" rtl="0" eaLnBrk="1" latinLnBrk="0" hangingPunct="1">
+        <a:defRPr sz="1800" kern="1200">
+          <a:solidFill>
+            <a:schemeClr val="tx1"/>
+          </a:solidFill>
+          <a:latin typeface="+mn-lt"/>
+          <a:ea typeface="+mn-ea"/>
+          <a:cs typeface="+mn-cs"/>
+        </a:defRPr>
+      </a:lvl1pPr>
+      <a:lvl2pPr marL="457200" algn="l" defTabSz="914400" rtl="0" eaLnBrk="1" latinLnBrk="0" hangingPunct="1">
+        <a:defRPr sz="1800" kern="1200">
+          <a:solidFill>
+            <a:schemeClr val="tx1"/>
+          </a:solidFill>
+          <a:latin typeface="+mn-lt"/>
+          <a:ea typeface="+mn-ea"/>
+          <a:cs typeface="+mn-cs"/>
+        </a:defRPr>
+      </a:lvl2pPr>
+      <a:lvl3pPr marL="914400" algn="l" defTabSz="914400" rtl="0" eaLnBrk="1" latinLnBrk="0" hangingPunct="1">
+        <a:defRPr sz="1800" kern="1200">
+          <a:solidFill>
+            <a:schemeClr val="tx1"/>
+          </a:solidFill>
+          <a:latin typeface="+mn-lt"/>
+          <a:ea typeface="+mn-ea"/>
+          <a:cs typeface="+mn-cs"/>
+        </a:defRPr>
+      </a:lvl3pPr>
+      <a:lvl4pPr marL="1371600" algn="l" defTabSz="914400" rtl="0" eaLnBrk="1" latinLnBrk="0" hangingPunct="1">
+        <a:defRPr sz="1800" kern="1200">
+          <a:solidFill>
+            <a:schemeClr val="tx1"/>
+          </a:solidFill>
+          <a:latin typeface="+mn-lt"/>
+          <a:ea typeface="+mn-ea"/>
+          <a:cs typeface="+mn-cs"/>
+        </a:defRPr>
+      </a:lvl4pPr>
+      <a:lvl5pPr marL="1828800" algn="l" defTabSz="914400" rtl="0" eaLnBrk="1" latinLnBrk="0" hangingPunct="1">
+        <a:defRPr sz="1800" kern="1200">
+          <a:solidFill>
+            <a:schemeClr val="tx1"/>
+          </a:solidFill>
+          <a:latin typeface="+mn-lt"/>
+          <a:ea typeface="+mn-ea"/>
+          <a:cs typeface="+mn-cs"/>
+        </a:defRPr>
+      </a:lvl5pPr>
+      <a:lvl6pPr marL="2286000" algn="l" defTabSz="914400" rtl="0" eaLnBrk="1" latinLnBrk="0" hangingPunct="1">
+        <a:defRPr sz="1800" kern="1200">
+          <a:solidFill>
+            <a:schemeClr val="tx1"/>
+          </a:solidFill>
+          <a:latin typeface="+mn-lt"/>
+          <a:ea typeface="+mn-ea"/>
+          <a:cs typeface="+mn-cs"/>
+        </a:defRPr>
+      </a:lvl6pPr>
+      <a:lvl7pPr marL="2743200" algn="l" defTabSz="914400" rtl="0" eaLnBrk="1" latinLnBrk="0" hangingPunct="1">
+        <a:defRPr sz="1800" kern="1200">
+          <a:solidFill>
+            <a:schemeClr val="tx1"/>
+          </a:solidFill>
+          <a:latin typeface="+mn-lt"/>
+          <a:ea typeface="+mn-ea"/>
+          <a:cs typeface="+mn-cs"/>
+        </a:defRPr>
+      </a:lvl7pPr>
+      <a:lvl8pPr marL="3200400" algn="l" defTabSz="914400" rtl="0" eaLnBrk="1" latinLnBrk="0" hangingPunct="1">
+        <a:defRPr sz="1800" kern="1200">
+          <a:solidFill>
+            <a:schemeClr val="tx1"/>
+          </a:solidFill>
+          <a:latin typeface="+mn-lt"/>
+          <a:ea typeface="+mn-ea"/>
+          <a:cs typeface="+mn-cs"/>
+        </a:defRPr>
+      </a:lvl8pPr>
+      <a:lvl9pPr marL="3657600" algn="l" defTabSz="914400" rtl="0" eaLnBrk="1" latinLnBrk="0" hangingPunct="1">
+        <a:defRPr sz="1800" kern="1200">
+          <a:solidFill>
+            <a:schemeClr val="tx1"/>
+          </a:solidFill>
+          <a:latin typeface="+mn-lt"/>
+          <a:ea typeface="+mn-ea"/>
+          <a:cs typeface="+mn-cs"/>
+        </a:defRPr>
+      </a:lvl9pPr>
+    </p:otherStyle>
+  </p:txStyles>
 </p:sldMaster>
 </file>
 
 <file path=ppt/slideMasters/slideMaster5.xml><?xml version="1.0" encoding="utf-8"?>
-<p:sldMaster xmlns:a="http://schemas.openxmlformats.org/drawingml/2006/main" xmlns:p="http://schemas.openxmlformats.org/presentationml/2006/main" xmlns:r="http://schemas.openxmlformats.org/officeDocument/2006/relationships" xmlns:p14="http://schemas.microsoft.com/office/powerpoint/2010/main" xmlns:p15="http://schemas.microsoft.com/office/powerpoint/2012/main" xmlns:mc="http://schemas.openxmlformats.org/markup-compatibility/2006">
+<p:sldMaster xmlns:a="http://schemas.openxmlformats.org/drawingml/2006/main" xmlns:r="http://schemas.openxmlformats.org/officeDocument/2006/relationships" xmlns:p="http://schemas.openxmlformats.org/presentationml/2006/main">
   <p:cSld>
     <p:bg>
       <p:bgPr>
         <a:solidFill>
-          <a:srgbClr val="ffffff"/>
+          <a:srgbClr val="FFFFFF"/>
         </a:solidFill>
+        <a:effectLst/>
       </p:bgPr>
     </p:bg>
     <p:spTree>
@@ -4085,9 +5698,10 @@
           </a:ln>
         </p:spPr>
         <p:txBody>
-          <a:bodyPr lIns="91440" rIns="91440" tIns="45720" bIns="45720" anchor="t">
+          <a:bodyPr lIns="91440" tIns="45720" rIns="91440" bIns="45720" anchor="t">
             <a:noAutofit/>
           </a:bodyPr>
+          <a:lstStyle/>
           <a:p>
             <a:pPr indent="0" defTabSz="457200">
               <a:lnSpc>
@@ -4096,7 +5710,7 @@
               <a:buNone/>
             </a:pPr>
             <a:r>
-              <a:rPr b="1" lang="en-US" sz="4000" spc="-1" strike="noStrike" cap="all">
+              <a:rPr lang="en-US" sz="4000" b="1" strike="noStrike" cap="all" spc="-1">
                 <a:solidFill>
                   <a:schemeClr val="dk1"/>
                 </a:solidFill>
@@ -4104,7 +5718,7 @@
               </a:rPr>
               <a:t>Click to edit Master title style</a:t>
             </a:r>
-            <a:endParaRPr b="0" lang="en-US" sz="4000" spc="-1" strike="noStrike">
+            <a:endParaRPr lang="en-US" sz="4000" b="0" strike="noStrike" spc="-1">
               <a:solidFill>
                 <a:schemeClr val="dk1"/>
               </a:solidFill>
@@ -4137,9 +5751,10 @@
           </a:ln>
         </p:spPr>
         <p:txBody>
-          <a:bodyPr lIns="91440" rIns="91440" tIns="45720" bIns="45720" anchor="b">
+          <a:bodyPr lIns="91440" tIns="45720" rIns="91440" bIns="45720" anchor="b">
             <a:noAutofit/>
           </a:bodyPr>
+          <a:lstStyle/>
           <a:p>
             <a:pPr indent="0" defTabSz="457200">
               <a:lnSpc>
@@ -4150,11 +5765,11 @@
               </a:spcBef>
               <a:buNone/>
               <a:tabLst>
-                <a:tab algn="l" pos="0"/>
+                <a:tab pos="0" algn="l"/>
               </a:tabLst>
             </a:pPr>
             <a:r>
-              <a:rPr b="0" lang="en-US" sz="2000" spc="-1" strike="noStrike">
+              <a:rPr lang="en-US" sz="2000" b="0" strike="noStrike" spc="-1">
                 <a:solidFill>
                   <a:schemeClr val="dk1">
                     <a:tint val="75000"/>
@@ -4164,7 +5779,7 @@
               </a:rPr>
               <a:t>Click to edit Master text styles</a:t>
             </a:r>
-            <a:endParaRPr b="0" lang="en-US" sz="2000" spc="-1" strike="noStrike">
+            <a:endParaRPr lang="en-US" sz="2000" b="0" strike="noStrike" spc="-1">
               <a:solidFill>
                 <a:schemeClr val="dk1"/>
               </a:solidFill>
@@ -4197,7 +5812,7 @@
           </a:ln>
         </p:spPr>
         <p:txBody>
-          <a:bodyPr lIns="91440" rIns="91440" tIns="45720" bIns="45720" anchor="ctr">
+          <a:bodyPr lIns="91440" tIns="45720" rIns="91440" bIns="45720" anchor="ctr">
             <a:noAutofit/>
           </a:bodyPr>
           <a:lstStyle>
@@ -4206,7 +5821,7 @@
                 <a:spcPct val="100000"/>
               </a:lnSpc>
               <a:buNone/>
-              <a:defRPr b="0" lang="en-US" sz="1200" spc="-1" strike="noStrike">
+              <a:defRPr lang="en-US" sz="1200" b="0" strike="noStrike" spc="-1">
                 <a:solidFill>
                   <a:schemeClr val="dk1">
                     <a:tint val="75000"/>
@@ -4224,7 +5839,7 @@
               <a:buNone/>
             </a:pPr>
             <a:r>
-              <a:rPr b="0" lang="en-US" sz="1200" spc="-1" strike="noStrike">
+              <a:rPr lang="en-US" sz="1200" b="0" strike="noStrike" spc="-1">
                 <a:solidFill>
                   <a:schemeClr val="dk1">
                     <a:tint val="75000"/>
@@ -4234,7 +5849,7 @@
               </a:rPr>
               <a:t>&lt;date/time&gt;</a:t>
             </a:r>
-            <a:endParaRPr b="0" lang="en-US" sz="1200" spc="-1" strike="noStrike">
+            <a:endParaRPr lang="en-US" sz="1200" b="0" strike="noStrike" spc="-1">
               <a:solidFill>
                 <a:srgbClr val="000000"/>
               </a:solidFill>
@@ -4267,13 +5882,13 @@
           </a:ln>
         </p:spPr>
         <p:txBody>
-          <a:bodyPr lIns="91440" rIns="91440" tIns="45720" bIns="45720" anchor="ctr">
+          <a:bodyPr lIns="91440" tIns="45720" rIns="91440" bIns="45720" anchor="ctr">
             <a:noAutofit/>
           </a:bodyPr>
           <a:lstStyle>
             <a:lvl1pPr indent="0" algn="ctr">
               <a:buNone/>
-              <a:defRPr b="0" lang="en-US" sz="1400" spc="-1" strike="noStrike">
+              <a:defRPr lang="en-US" sz="1400" b="0" strike="noStrike" spc="-1">
                 <a:solidFill>
                   <a:srgbClr val="000000"/>
                 </a:solidFill>
@@ -4286,7 +5901,7 @@
               <a:buNone/>
             </a:pPr>
             <a:r>
-              <a:rPr b="0" lang="en-US" sz="1400" spc="-1" strike="noStrike">
+              <a:rPr lang="en-US" sz="1400" b="0" strike="noStrike" spc="-1">
                 <a:solidFill>
                   <a:srgbClr val="000000"/>
                 </a:solidFill>
@@ -4294,12 +5909,6 @@
               </a:rPr>
               <a:t>&lt;footer&gt;</a:t>
             </a:r>
-            <a:endParaRPr b="0" lang="en-US" sz="1400" spc="-1" strike="noStrike">
-              <a:solidFill>
-                <a:srgbClr val="000000"/>
-              </a:solidFill>
-              <a:latin typeface="Times New Roman"/>
-            </a:endParaRPr>
           </a:p>
         </p:txBody>
       </p:sp>
@@ -4327,7 +5936,7 @@
           </a:ln>
         </p:spPr>
         <p:txBody>
-          <a:bodyPr lIns="91440" rIns="91440" tIns="45720" bIns="45720" anchor="ctr">
+          <a:bodyPr lIns="91440" tIns="45720" rIns="91440" bIns="45720" anchor="ctr">
             <a:noAutofit/>
           </a:bodyPr>
           <a:lstStyle>
@@ -4336,7 +5945,7 @@
                 <a:spcPct val="100000"/>
               </a:lnSpc>
               <a:buNone/>
-              <a:defRPr b="0" lang="en-US" sz="1200" spc="-1" strike="noStrike">
+              <a:defRPr lang="en-US" sz="1200" b="0" strike="noStrike" spc="-1">
                 <a:solidFill>
                   <a:schemeClr val="dk1">
                     <a:tint val="75000"/>
@@ -4354,7 +5963,7 @@
               <a:buNone/>
             </a:pPr>
             <a:fld id="{D52B8DC8-0E98-4BC7-905A-1858712CD8A8}" type="slidenum">
-              <a:rPr b="0" lang="en-US" sz="1200" spc="-1" strike="noStrike">
+              <a:rPr lang="en-US" sz="1200" b="0" strike="noStrike" spc="-1">
                 <a:solidFill>
                   <a:schemeClr val="dk1">
                     <a:tint val="75000"/>
@@ -4362,9 +5971,9 @@
                 </a:solidFill>
                 <a:latin typeface="Calibri"/>
               </a:rPr>
-              <a:t>&lt;number&gt;</a:t>
+              <a:t>‹#›</a:t>
             </a:fld>
-            <a:endParaRPr b="0" lang="en-US" sz="1200" spc="-1" strike="noStrike">
+            <a:endParaRPr lang="en-US" sz="1200" b="0" strike="noStrike" spc="-1">
               <a:solidFill>
                 <a:srgbClr val="000000"/>
               </a:solidFill>
@@ -4375,21 +5984,302 @@
       </p:sp>
     </p:spTree>
   </p:cSld>
-  <p:clrMap bg1="lt1" bg2="lt2" tx1="dk1" tx2="dk2" accent1="accent1" accent2="accent2" accent3="accent3" accent4="accent4" accent5="accent5" accent6="accent6" hlink="hlink" folHlink="folHlink"/>
+  <p:clrMap bg1="lt1" tx1="dk1" bg2="lt2" tx2="dk2" accent1="accent1" accent2="accent2" accent3="accent3" accent4="accent4" accent5="accent5" accent6="accent6" hlink="hlink" folHlink="folHlink"/>
   <p:sldLayoutIdLst>
-    <p:sldLayoutId id="2147483657" r:id="rId2"/>
+    <p:sldLayoutId id="2147483657" r:id="rId1"/>
   </p:sldLayoutIdLst>
+  <p:txStyles>
+    <p:titleStyle>
+      <a:lvl1pPr algn="l" defTabSz="914400" rtl="0" eaLnBrk="1" latinLnBrk="0" hangingPunct="1">
+        <a:lnSpc>
+          <a:spcPct val="90000"/>
+        </a:lnSpc>
+        <a:spcBef>
+          <a:spcPct val="0"/>
+        </a:spcBef>
+        <a:buNone/>
+        <a:defRPr sz="4400" kern="1200">
+          <a:solidFill>
+            <a:schemeClr val="tx1"/>
+          </a:solidFill>
+          <a:latin typeface="+mj-lt"/>
+          <a:ea typeface="+mj-ea"/>
+          <a:cs typeface="+mj-cs"/>
+        </a:defRPr>
+      </a:lvl1pPr>
+    </p:titleStyle>
+    <p:bodyStyle>
+      <a:lvl1pPr marL="228600" indent="-228600" algn="l" defTabSz="914400" rtl="0" eaLnBrk="1" latinLnBrk="0" hangingPunct="1">
+        <a:lnSpc>
+          <a:spcPct val="90000"/>
+        </a:lnSpc>
+        <a:spcBef>
+          <a:spcPts val="1000"/>
+        </a:spcBef>
+        <a:buFont typeface="Arial" panose="020B0604020202020204" pitchFamily="34" charset="0"/>
+        <a:buChar char="•"/>
+        <a:defRPr sz="2800" kern="1200">
+          <a:solidFill>
+            <a:schemeClr val="tx1"/>
+          </a:solidFill>
+          <a:latin typeface="+mn-lt"/>
+          <a:ea typeface="+mn-ea"/>
+          <a:cs typeface="+mn-cs"/>
+        </a:defRPr>
+      </a:lvl1pPr>
+      <a:lvl2pPr marL="685800" indent="-228600" algn="l" defTabSz="914400" rtl="0" eaLnBrk="1" latinLnBrk="0" hangingPunct="1">
+        <a:lnSpc>
+          <a:spcPct val="90000"/>
+        </a:lnSpc>
+        <a:spcBef>
+          <a:spcPts val="500"/>
+        </a:spcBef>
+        <a:buFont typeface="Arial" panose="020B0604020202020204" pitchFamily="34" charset="0"/>
+        <a:buChar char="•"/>
+        <a:defRPr sz="2400" kern="1200">
+          <a:solidFill>
+            <a:schemeClr val="tx1"/>
+          </a:solidFill>
+          <a:latin typeface="+mn-lt"/>
+          <a:ea typeface="+mn-ea"/>
+          <a:cs typeface="+mn-cs"/>
+        </a:defRPr>
+      </a:lvl2pPr>
+      <a:lvl3pPr marL="1143000" indent="-228600" algn="l" defTabSz="914400" rtl="0" eaLnBrk="1" latinLnBrk="0" hangingPunct="1">
+        <a:lnSpc>
+          <a:spcPct val="90000"/>
+        </a:lnSpc>
+        <a:spcBef>
+          <a:spcPts val="500"/>
+        </a:spcBef>
+        <a:buFont typeface="Arial" panose="020B0604020202020204" pitchFamily="34" charset="0"/>
+        <a:buChar char="•"/>
+        <a:defRPr sz="2000" kern="1200">
+          <a:solidFill>
+            <a:schemeClr val="tx1"/>
+          </a:solidFill>
+          <a:latin typeface="+mn-lt"/>
+          <a:ea typeface="+mn-ea"/>
+          <a:cs typeface="+mn-cs"/>
+        </a:defRPr>
+      </a:lvl3pPr>
+      <a:lvl4pPr marL="1600200" indent="-228600" algn="l" defTabSz="914400" rtl="0" eaLnBrk="1" latinLnBrk="0" hangingPunct="1">
+        <a:lnSpc>
+          <a:spcPct val="90000"/>
+        </a:lnSpc>
+        <a:spcBef>
+          <a:spcPts val="500"/>
+        </a:spcBef>
+        <a:buFont typeface="Arial" panose="020B0604020202020204" pitchFamily="34" charset="0"/>
+        <a:buChar char="•"/>
+        <a:defRPr sz="1800" kern="1200">
+          <a:solidFill>
+            <a:schemeClr val="tx1"/>
+          </a:solidFill>
+          <a:latin typeface="+mn-lt"/>
+          <a:ea typeface="+mn-ea"/>
+          <a:cs typeface="+mn-cs"/>
+        </a:defRPr>
+      </a:lvl4pPr>
+      <a:lvl5pPr marL="2057400" indent="-228600" algn="l" defTabSz="914400" rtl="0" eaLnBrk="1" latinLnBrk="0" hangingPunct="1">
+        <a:lnSpc>
+          <a:spcPct val="90000"/>
+        </a:lnSpc>
+        <a:spcBef>
+          <a:spcPts val="500"/>
+        </a:spcBef>
+        <a:buFont typeface="Arial" panose="020B0604020202020204" pitchFamily="34" charset="0"/>
+        <a:buChar char="•"/>
+        <a:defRPr sz="1800" kern="1200">
+          <a:solidFill>
+            <a:schemeClr val="tx1"/>
+          </a:solidFill>
+          <a:latin typeface="+mn-lt"/>
+          <a:ea typeface="+mn-ea"/>
+          <a:cs typeface="+mn-cs"/>
+        </a:defRPr>
+      </a:lvl5pPr>
+      <a:lvl6pPr marL="2514600" indent="-228600" algn="l" defTabSz="914400" rtl="0" eaLnBrk="1" latinLnBrk="0" hangingPunct="1">
+        <a:lnSpc>
+          <a:spcPct val="90000"/>
+        </a:lnSpc>
+        <a:spcBef>
+          <a:spcPts val="500"/>
+        </a:spcBef>
+        <a:buFont typeface="Arial" panose="020B0604020202020204" pitchFamily="34" charset="0"/>
+        <a:buChar char="•"/>
+        <a:defRPr sz="1800" kern="1200">
+          <a:solidFill>
+            <a:schemeClr val="tx1"/>
+          </a:solidFill>
+          <a:latin typeface="+mn-lt"/>
+          <a:ea typeface="+mn-ea"/>
+          <a:cs typeface="+mn-cs"/>
+        </a:defRPr>
+      </a:lvl6pPr>
+      <a:lvl7pPr marL="2971800" indent="-228600" algn="l" defTabSz="914400" rtl="0" eaLnBrk="1" latinLnBrk="0" hangingPunct="1">
+        <a:lnSpc>
+          <a:spcPct val="90000"/>
+        </a:lnSpc>
+        <a:spcBef>
+          <a:spcPts val="500"/>
+        </a:spcBef>
+        <a:buFont typeface="Arial" panose="020B0604020202020204" pitchFamily="34" charset="0"/>
+        <a:buChar char="•"/>
+        <a:defRPr sz="1800" kern="1200">
+          <a:solidFill>
+            <a:schemeClr val="tx1"/>
+          </a:solidFill>
+          <a:latin typeface="+mn-lt"/>
+          <a:ea typeface="+mn-ea"/>
+          <a:cs typeface="+mn-cs"/>
+        </a:defRPr>
+      </a:lvl7pPr>
+      <a:lvl8pPr marL="3429000" indent="-228600" algn="l" defTabSz="914400" rtl="0" eaLnBrk="1" latinLnBrk="0" hangingPunct="1">
+        <a:lnSpc>
+          <a:spcPct val="90000"/>
+        </a:lnSpc>
+        <a:spcBef>
+          <a:spcPts val="500"/>
+        </a:spcBef>
+        <a:buFont typeface="Arial" panose="020B0604020202020204" pitchFamily="34" charset="0"/>
+        <a:buChar char="•"/>
+        <a:defRPr sz="1800" kern="1200">
+          <a:solidFill>
+            <a:schemeClr val="tx1"/>
+          </a:solidFill>
+          <a:latin typeface="+mn-lt"/>
+          <a:ea typeface="+mn-ea"/>
+          <a:cs typeface="+mn-cs"/>
+        </a:defRPr>
+      </a:lvl8pPr>
+      <a:lvl9pPr marL="3886200" indent="-228600" algn="l" defTabSz="914400" rtl="0" eaLnBrk="1" latinLnBrk="0" hangingPunct="1">
+        <a:lnSpc>
+          <a:spcPct val="90000"/>
+        </a:lnSpc>
+        <a:spcBef>
+          <a:spcPts val="500"/>
+        </a:spcBef>
+        <a:buFont typeface="Arial" panose="020B0604020202020204" pitchFamily="34" charset="0"/>
+        <a:buChar char="•"/>
+        <a:defRPr sz="1800" kern="1200">
+          <a:solidFill>
+            <a:schemeClr val="tx1"/>
+          </a:solidFill>
+          <a:latin typeface="+mn-lt"/>
+          <a:ea typeface="+mn-ea"/>
+          <a:cs typeface="+mn-cs"/>
+        </a:defRPr>
+      </a:lvl9pPr>
+    </p:bodyStyle>
+    <p:otherStyle>
+      <a:defPPr>
+        <a:defRPr lang="en-US"/>
+      </a:defPPr>
+      <a:lvl1pPr marL="0" algn="l" defTabSz="914400" rtl="0" eaLnBrk="1" latinLnBrk="0" hangingPunct="1">
+        <a:defRPr sz="1800" kern="1200">
+          <a:solidFill>
+            <a:schemeClr val="tx1"/>
+          </a:solidFill>
+          <a:latin typeface="+mn-lt"/>
+          <a:ea typeface="+mn-ea"/>
+          <a:cs typeface="+mn-cs"/>
+        </a:defRPr>
+      </a:lvl1pPr>
+      <a:lvl2pPr marL="457200" algn="l" defTabSz="914400" rtl="0" eaLnBrk="1" latinLnBrk="0" hangingPunct="1">
+        <a:defRPr sz="1800" kern="1200">
+          <a:solidFill>
+            <a:schemeClr val="tx1"/>
+          </a:solidFill>
+          <a:latin typeface="+mn-lt"/>
+          <a:ea typeface="+mn-ea"/>
+          <a:cs typeface="+mn-cs"/>
+        </a:defRPr>
+      </a:lvl2pPr>
+      <a:lvl3pPr marL="914400" algn="l" defTabSz="914400" rtl="0" eaLnBrk="1" latinLnBrk="0" hangingPunct="1">
+        <a:defRPr sz="1800" kern="1200">
+          <a:solidFill>
+            <a:schemeClr val="tx1"/>
+          </a:solidFill>
+          <a:latin typeface="+mn-lt"/>
+          <a:ea typeface="+mn-ea"/>
+          <a:cs typeface="+mn-cs"/>
+        </a:defRPr>
+      </a:lvl3pPr>
+      <a:lvl4pPr marL="1371600" algn="l" defTabSz="914400" rtl="0" eaLnBrk="1" latinLnBrk="0" hangingPunct="1">
+        <a:defRPr sz="1800" kern="1200">
+          <a:solidFill>
+            <a:schemeClr val="tx1"/>
+          </a:solidFill>
+          <a:latin typeface="+mn-lt"/>
+          <a:ea typeface="+mn-ea"/>
+          <a:cs typeface="+mn-cs"/>
+        </a:defRPr>
+      </a:lvl4pPr>
+      <a:lvl5pPr marL="1828800" algn="l" defTabSz="914400" rtl="0" eaLnBrk="1" latinLnBrk="0" hangingPunct="1">
+        <a:defRPr sz="1800" kern="1200">
+          <a:solidFill>
+            <a:schemeClr val="tx1"/>
+          </a:solidFill>
+          <a:latin typeface="+mn-lt"/>
+          <a:ea typeface="+mn-ea"/>
+          <a:cs typeface="+mn-cs"/>
+        </a:defRPr>
+      </a:lvl5pPr>
+      <a:lvl6pPr marL="2286000" algn="l" defTabSz="914400" rtl="0" eaLnBrk="1" latinLnBrk="0" hangingPunct="1">
+        <a:defRPr sz="1800" kern="1200">
+          <a:solidFill>
+            <a:schemeClr val="tx1"/>
+          </a:solidFill>
+          <a:latin typeface="+mn-lt"/>
+          <a:ea typeface="+mn-ea"/>
+          <a:cs typeface="+mn-cs"/>
+        </a:defRPr>
+      </a:lvl6pPr>
+      <a:lvl7pPr marL="2743200" algn="l" defTabSz="914400" rtl="0" eaLnBrk="1" latinLnBrk="0" hangingPunct="1">
+        <a:defRPr sz="1800" kern="1200">
+          <a:solidFill>
+            <a:schemeClr val="tx1"/>
+          </a:solidFill>
+          <a:latin typeface="+mn-lt"/>
+          <a:ea typeface="+mn-ea"/>
+          <a:cs typeface="+mn-cs"/>
+        </a:defRPr>
+      </a:lvl7pPr>
+      <a:lvl8pPr marL="3200400" algn="l" defTabSz="914400" rtl="0" eaLnBrk="1" latinLnBrk="0" hangingPunct="1">
+        <a:defRPr sz="1800" kern="1200">
+          <a:solidFill>
+            <a:schemeClr val="tx1"/>
+          </a:solidFill>
+          <a:latin typeface="+mn-lt"/>
+          <a:ea typeface="+mn-ea"/>
+          <a:cs typeface="+mn-cs"/>
+        </a:defRPr>
+      </a:lvl8pPr>
+      <a:lvl9pPr marL="3657600" algn="l" defTabSz="914400" rtl="0" eaLnBrk="1" latinLnBrk="0" hangingPunct="1">
+        <a:defRPr sz="1800" kern="1200">
+          <a:solidFill>
+            <a:schemeClr val="tx1"/>
+          </a:solidFill>
+          <a:latin typeface="+mn-lt"/>
+          <a:ea typeface="+mn-ea"/>
+          <a:cs typeface="+mn-cs"/>
+        </a:defRPr>
+      </a:lvl9pPr>
+    </p:otherStyle>
+  </p:txStyles>
 </p:sldMaster>
 </file>
 
 <file path=ppt/slideMasters/slideMaster6.xml><?xml version="1.0" encoding="utf-8"?>
-<p:sldMaster xmlns:a="http://schemas.openxmlformats.org/drawingml/2006/main" xmlns:p="http://schemas.openxmlformats.org/presentationml/2006/main" xmlns:r="http://schemas.openxmlformats.org/officeDocument/2006/relationships" xmlns:p14="http://schemas.microsoft.com/office/powerpoint/2010/main" xmlns:p15="http://schemas.microsoft.com/office/powerpoint/2012/main" xmlns:mc="http://schemas.openxmlformats.org/markup-compatibility/2006">
+<p:sldMaster xmlns:a="http://schemas.openxmlformats.org/drawingml/2006/main" xmlns:r="http://schemas.openxmlformats.org/officeDocument/2006/relationships" xmlns:p="http://schemas.openxmlformats.org/presentationml/2006/main">
   <p:cSld>
     <p:bg>
       <p:bgPr>
         <a:solidFill>
-          <a:srgbClr val="ffffff"/>
+          <a:srgbClr val="FFFFFF"/>
         </a:solidFill>
+        <a:effectLst/>
       </p:bgPr>
     </p:bg>
     <p:spTree>
@@ -4430,9 +6320,10 @@
           </a:ln>
         </p:spPr>
         <p:txBody>
-          <a:bodyPr lIns="91440" rIns="91440" tIns="45720" bIns="45720" anchor="ctr">
+          <a:bodyPr lIns="91440" tIns="45720" rIns="91440" bIns="45720" anchor="ctr">
             <a:noAutofit/>
           </a:bodyPr>
+          <a:lstStyle/>
           <a:p>
             <a:pPr indent="0" algn="ctr" defTabSz="457200">
               <a:lnSpc>
@@ -4441,7 +6332,7 @@
               <a:buNone/>
             </a:pPr>
             <a:r>
-              <a:rPr b="0" lang="en-US" sz="4400" spc="-1" strike="noStrike">
+              <a:rPr lang="en-US" sz="4400" b="0" strike="noStrike" spc="-1">
                 <a:solidFill>
                   <a:schemeClr val="dk1"/>
                 </a:solidFill>
@@ -4449,12 +6340,6 @@
               </a:rPr>
               <a:t>Click to edit Master title style</a:t>
             </a:r>
-            <a:endParaRPr b="0" lang="en-US" sz="4400" spc="-1" strike="noStrike">
-              <a:solidFill>
-                <a:schemeClr val="dk1"/>
-              </a:solidFill>
-              <a:latin typeface="Calibri"/>
-            </a:endParaRPr>
           </a:p>
         </p:txBody>
       </p:sp>
@@ -4482,9 +6367,10 @@
           </a:ln>
         </p:spPr>
         <p:txBody>
-          <a:bodyPr lIns="91440" rIns="91440" tIns="45720" bIns="45720" anchor="t">
+          <a:bodyPr lIns="91440" tIns="45720" rIns="91440" bIns="45720" anchor="t">
             <a:noAutofit/>
           </a:bodyPr>
+          <a:lstStyle/>
           <a:p>
             <a:pPr marL="343080" indent="-343080" defTabSz="457200">
               <a:lnSpc>
@@ -4500,7 +6386,7 @@
               <a:buChar char="•"/>
             </a:pPr>
             <a:r>
-              <a:rPr b="0" lang="en-US" sz="2800" spc="-1" strike="noStrike">
+              <a:rPr lang="en-US" sz="2800" b="0" strike="noStrike" spc="-1">
                 <a:solidFill>
                   <a:schemeClr val="dk1"/>
                 </a:solidFill>
@@ -4508,15 +6394,9 @@
               </a:rPr>
               <a:t>Click to edit Master text styles</a:t>
             </a:r>
-            <a:endParaRPr b="0" lang="en-US" sz="2800" spc="-1" strike="noStrike">
-              <a:solidFill>
-                <a:schemeClr val="dk1"/>
-              </a:solidFill>
-              <a:latin typeface="Calibri"/>
-            </a:endParaRPr>
-          </a:p>
-          <a:p>
-            <a:pPr lvl="1" marL="743040" indent="-285840" defTabSz="457200">
+          </a:p>
+          <a:p>
+            <a:pPr marL="743040" lvl="1" indent="-285840" defTabSz="457200">
               <a:lnSpc>
                 <a:spcPct val="100000"/>
               </a:lnSpc>
@@ -4530,7 +6410,7 @@
               <a:buChar char="–"/>
             </a:pPr>
             <a:r>
-              <a:rPr b="0" lang="en-US" sz="2400" spc="-1" strike="noStrike">
+              <a:rPr lang="en-US" sz="2400" b="0" strike="noStrike" spc="-1">
                 <a:solidFill>
                   <a:schemeClr val="dk1"/>
                 </a:solidFill>
@@ -4538,15 +6418,9 @@
               </a:rPr>
               <a:t>Second level</a:t>
             </a:r>
-            <a:endParaRPr b="0" lang="en-US" sz="2400" spc="-1" strike="noStrike">
-              <a:solidFill>
-                <a:schemeClr val="dk1"/>
-              </a:solidFill>
-              <a:latin typeface="Calibri"/>
-            </a:endParaRPr>
-          </a:p>
-          <a:p>
-            <a:pPr lvl="2" marL="1143000" indent="-228600" defTabSz="457200">
+          </a:p>
+          <a:p>
+            <a:pPr marL="1143000" lvl="2" indent="-228600" defTabSz="457200">
               <a:lnSpc>
                 <a:spcPct val="100000"/>
               </a:lnSpc>
@@ -4560,7 +6434,7 @@
               <a:buChar char="•"/>
             </a:pPr>
             <a:r>
-              <a:rPr b="0" lang="en-US" sz="2000" spc="-1" strike="noStrike">
+              <a:rPr lang="en-US" sz="2000" b="0" strike="noStrike" spc="-1">
                 <a:solidFill>
                   <a:schemeClr val="dk1"/>
                 </a:solidFill>
@@ -4568,15 +6442,9 @@
               </a:rPr>
               <a:t>Third level</a:t>
             </a:r>
-            <a:endParaRPr b="0" lang="en-US" sz="2000" spc="-1" strike="noStrike">
-              <a:solidFill>
-                <a:schemeClr val="dk1"/>
-              </a:solidFill>
-              <a:latin typeface="Calibri"/>
-            </a:endParaRPr>
-          </a:p>
-          <a:p>
-            <a:pPr lvl="3" marL="1600200" indent="-228600" defTabSz="457200">
+          </a:p>
+          <a:p>
+            <a:pPr marL="1600200" lvl="3" indent="-228600" defTabSz="457200">
               <a:lnSpc>
                 <a:spcPct val="100000"/>
               </a:lnSpc>
@@ -4590,7 +6458,7 @@
               <a:buChar char="–"/>
             </a:pPr>
             <a:r>
-              <a:rPr b="0" lang="en-US" sz="1800" spc="-1" strike="noStrike">
+              <a:rPr lang="en-US" sz="1800" b="0" strike="noStrike" spc="-1">
                 <a:solidFill>
                   <a:schemeClr val="dk1"/>
                 </a:solidFill>
@@ -4598,15 +6466,9 @@
               </a:rPr>
               <a:t>Fourth level</a:t>
             </a:r>
-            <a:endParaRPr b="0" lang="en-US" sz="1800" spc="-1" strike="noStrike">
-              <a:solidFill>
-                <a:schemeClr val="dk1"/>
-              </a:solidFill>
-              <a:latin typeface="Calibri"/>
-            </a:endParaRPr>
-          </a:p>
-          <a:p>
-            <a:pPr lvl="4" marL="2057400" indent="-228600" defTabSz="457200">
+          </a:p>
+          <a:p>
+            <a:pPr marL="2057400" lvl="4" indent="-228600" defTabSz="457200">
               <a:lnSpc>
                 <a:spcPct val="100000"/>
               </a:lnSpc>
@@ -4620,7 +6482,7 @@
               <a:buChar char="»"/>
             </a:pPr>
             <a:r>
-              <a:rPr b="0" lang="en-US" sz="1800" spc="-1" strike="noStrike">
+              <a:rPr lang="en-US" sz="1800" b="0" strike="noStrike" spc="-1">
                 <a:solidFill>
                   <a:schemeClr val="dk1"/>
                 </a:solidFill>
@@ -4628,12 +6490,6 @@
               </a:rPr>
               <a:t>Fifth level</a:t>
             </a:r>
-            <a:endParaRPr b="0" lang="en-US" sz="1800" spc="-1" strike="noStrike">
-              <a:solidFill>
-                <a:schemeClr val="dk1"/>
-              </a:solidFill>
-              <a:latin typeface="Calibri"/>
-            </a:endParaRPr>
           </a:p>
         </p:txBody>
       </p:sp>
@@ -4661,9 +6517,10 @@
           </a:ln>
         </p:spPr>
         <p:txBody>
-          <a:bodyPr lIns="91440" rIns="91440" tIns="45720" bIns="45720" anchor="t">
+          <a:bodyPr lIns="91440" tIns="45720" rIns="91440" bIns="45720" anchor="t">
             <a:noAutofit/>
           </a:bodyPr>
+          <a:lstStyle/>
           <a:p>
             <a:pPr marL="343080" indent="-343080" defTabSz="457200">
               <a:lnSpc>
@@ -4679,7 +6536,7 @@
               <a:buChar char="•"/>
             </a:pPr>
             <a:r>
-              <a:rPr b="0" lang="en-US" sz="2800" spc="-1" strike="noStrike">
+              <a:rPr lang="en-US" sz="2800" b="0" strike="noStrike" spc="-1">
                 <a:solidFill>
                   <a:schemeClr val="dk1"/>
                 </a:solidFill>
@@ -4687,15 +6544,9 @@
               </a:rPr>
               <a:t>Click to edit Master text styles</a:t>
             </a:r>
-            <a:endParaRPr b="0" lang="en-US" sz="2800" spc="-1" strike="noStrike">
-              <a:solidFill>
-                <a:schemeClr val="dk1"/>
-              </a:solidFill>
-              <a:latin typeface="Calibri"/>
-            </a:endParaRPr>
-          </a:p>
-          <a:p>
-            <a:pPr lvl="1" marL="743040" indent="-285840" defTabSz="457200">
+          </a:p>
+          <a:p>
+            <a:pPr marL="743040" lvl="1" indent="-285840" defTabSz="457200">
               <a:lnSpc>
                 <a:spcPct val="100000"/>
               </a:lnSpc>
@@ -4709,7 +6560,7 @@
               <a:buChar char="–"/>
             </a:pPr>
             <a:r>
-              <a:rPr b="0" lang="en-US" sz="2400" spc="-1" strike="noStrike">
+              <a:rPr lang="en-US" sz="2400" b="0" strike="noStrike" spc="-1">
                 <a:solidFill>
                   <a:schemeClr val="dk1"/>
                 </a:solidFill>
@@ -4717,15 +6568,9 @@
               </a:rPr>
               <a:t>Second level</a:t>
             </a:r>
-            <a:endParaRPr b="0" lang="en-US" sz="2400" spc="-1" strike="noStrike">
-              <a:solidFill>
-                <a:schemeClr val="dk1"/>
-              </a:solidFill>
-              <a:latin typeface="Calibri"/>
-            </a:endParaRPr>
-          </a:p>
-          <a:p>
-            <a:pPr lvl="2" marL="1143000" indent="-228600" defTabSz="457200">
+          </a:p>
+          <a:p>
+            <a:pPr marL="1143000" lvl="2" indent="-228600" defTabSz="457200">
               <a:lnSpc>
                 <a:spcPct val="100000"/>
               </a:lnSpc>
@@ -4739,7 +6584,7 @@
               <a:buChar char="•"/>
             </a:pPr>
             <a:r>
-              <a:rPr b="0" lang="en-US" sz="2000" spc="-1" strike="noStrike">
+              <a:rPr lang="en-US" sz="2000" b="0" strike="noStrike" spc="-1">
                 <a:solidFill>
                   <a:schemeClr val="dk1"/>
                 </a:solidFill>
@@ -4747,15 +6592,9 @@
               </a:rPr>
               <a:t>Third level</a:t>
             </a:r>
-            <a:endParaRPr b="0" lang="en-US" sz="2000" spc="-1" strike="noStrike">
-              <a:solidFill>
-                <a:schemeClr val="dk1"/>
-              </a:solidFill>
-              <a:latin typeface="Calibri"/>
-            </a:endParaRPr>
-          </a:p>
-          <a:p>
-            <a:pPr lvl="3" marL="1600200" indent="-228600" defTabSz="457200">
+          </a:p>
+          <a:p>
+            <a:pPr marL="1600200" lvl="3" indent="-228600" defTabSz="457200">
               <a:lnSpc>
                 <a:spcPct val="100000"/>
               </a:lnSpc>
@@ -4769,7 +6608,7 @@
               <a:buChar char="–"/>
             </a:pPr>
             <a:r>
-              <a:rPr b="0" lang="en-US" sz="1800" spc="-1" strike="noStrike">
+              <a:rPr lang="en-US" sz="1800" b="0" strike="noStrike" spc="-1">
                 <a:solidFill>
                   <a:schemeClr val="dk1"/>
                 </a:solidFill>
@@ -4777,15 +6616,9 @@
               </a:rPr>
               <a:t>Fourth level</a:t>
             </a:r>
-            <a:endParaRPr b="0" lang="en-US" sz="1800" spc="-1" strike="noStrike">
-              <a:solidFill>
-                <a:schemeClr val="dk1"/>
-              </a:solidFill>
-              <a:latin typeface="Calibri"/>
-            </a:endParaRPr>
-          </a:p>
-          <a:p>
-            <a:pPr lvl="4" marL="2057400" indent="-228600" defTabSz="457200">
+          </a:p>
+          <a:p>
+            <a:pPr marL="2057400" lvl="4" indent="-228600" defTabSz="457200">
               <a:lnSpc>
                 <a:spcPct val="100000"/>
               </a:lnSpc>
@@ -4799,7 +6632,7 @@
               <a:buChar char="»"/>
             </a:pPr>
             <a:r>
-              <a:rPr b="0" lang="en-US" sz="1800" spc="-1" strike="noStrike">
+              <a:rPr lang="en-US" sz="1800" b="0" strike="noStrike" spc="-1">
                 <a:solidFill>
                   <a:schemeClr val="dk1"/>
                 </a:solidFill>
@@ -4807,12 +6640,6 @@
               </a:rPr>
               <a:t>Fifth level</a:t>
             </a:r>
-            <a:endParaRPr b="0" lang="en-US" sz="1800" spc="-1" strike="noStrike">
-              <a:solidFill>
-                <a:schemeClr val="dk1"/>
-              </a:solidFill>
-              <a:latin typeface="Calibri"/>
-            </a:endParaRPr>
           </a:p>
         </p:txBody>
       </p:sp>
@@ -4840,7 +6667,7 @@
           </a:ln>
         </p:spPr>
         <p:txBody>
-          <a:bodyPr lIns="91440" rIns="91440" tIns="45720" bIns="45720" anchor="ctr">
+          <a:bodyPr lIns="91440" tIns="45720" rIns="91440" bIns="45720" anchor="ctr">
             <a:noAutofit/>
           </a:bodyPr>
           <a:lstStyle>
@@ -4849,7 +6676,7 @@
                 <a:spcPct val="100000"/>
               </a:lnSpc>
               <a:buNone/>
-              <a:defRPr b="0" lang="en-US" sz="1200" spc="-1" strike="noStrike">
+              <a:defRPr lang="en-US" sz="1200" b="0" strike="noStrike" spc="-1">
                 <a:solidFill>
                   <a:schemeClr val="dk1">
                     <a:tint val="75000"/>
@@ -4867,7 +6694,7 @@
               <a:buNone/>
             </a:pPr>
             <a:r>
-              <a:rPr b="0" lang="en-US" sz="1200" spc="-1" strike="noStrike">
+              <a:rPr lang="en-US" sz="1200" b="0" strike="noStrike" spc="-1">
                 <a:solidFill>
                   <a:schemeClr val="dk1">
                     <a:tint val="75000"/>
@@ -4877,7 +6704,7 @@
               </a:rPr>
               <a:t>&lt;date/time&gt;</a:t>
             </a:r>
-            <a:endParaRPr b="0" lang="en-US" sz="1200" spc="-1" strike="noStrike">
+            <a:endParaRPr lang="en-US" sz="1200" b="0" strike="noStrike" spc="-1">
               <a:solidFill>
                 <a:srgbClr val="000000"/>
               </a:solidFill>
@@ -4910,13 +6737,13 @@
           </a:ln>
         </p:spPr>
         <p:txBody>
-          <a:bodyPr lIns="91440" rIns="91440" tIns="45720" bIns="45720" anchor="ctr">
+          <a:bodyPr lIns="91440" tIns="45720" rIns="91440" bIns="45720" anchor="ctr">
             <a:noAutofit/>
           </a:bodyPr>
           <a:lstStyle>
             <a:lvl1pPr indent="0" algn="ctr">
               <a:buNone/>
-              <a:defRPr b="0" lang="en-US" sz="1400" spc="-1" strike="noStrike">
+              <a:defRPr lang="en-US" sz="1400" b="0" strike="noStrike" spc="-1">
                 <a:solidFill>
                   <a:srgbClr val="000000"/>
                 </a:solidFill>
@@ -4929,7 +6756,7 @@
               <a:buNone/>
             </a:pPr>
             <a:r>
-              <a:rPr b="0" lang="en-US" sz="1400" spc="-1" strike="noStrike">
+              <a:rPr lang="en-US" sz="1400" b="0" strike="noStrike" spc="-1">
                 <a:solidFill>
                   <a:srgbClr val="000000"/>
                 </a:solidFill>
@@ -4937,12 +6764,6 @@
               </a:rPr>
               <a:t>&lt;footer&gt;</a:t>
             </a:r>
-            <a:endParaRPr b="0" lang="en-US" sz="1400" spc="-1" strike="noStrike">
-              <a:solidFill>
-                <a:srgbClr val="000000"/>
-              </a:solidFill>
-              <a:latin typeface="Times New Roman"/>
-            </a:endParaRPr>
           </a:p>
         </p:txBody>
       </p:sp>
@@ -4970,7 +6791,7 @@
           </a:ln>
         </p:spPr>
         <p:txBody>
-          <a:bodyPr lIns="91440" rIns="91440" tIns="45720" bIns="45720" anchor="ctr">
+          <a:bodyPr lIns="91440" tIns="45720" rIns="91440" bIns="45720" anchor="ctr">
             <a:noAutofit/>
           </a:bodyPr>
           <a:lstStyle>
@@ -4979,7 +6800,7 @@
                 <a:spcPct val="100000"/>
               </a:lnSpc>
               <a:buNone/>
-              <a:defRPr b="0" lang="en-US" sz="1200" spc="-1" strike="noStrike">
+              <a:defRPr lang="en-US" sz="1200" b="0" strike="noStrike" spc="-1">
                 <a:solidFill>
                   <a:schemeClr val="dk1">
                     <a:tint val="75000"/>
@@ -4997,7 +6818,7 @@
               <a:buNone/>
             </a:pPr>
             <a:fld id="{4DE7A127-7BC5-447C-8696-ED61208FA830}" type="slidenum">
-              <a:rPr b="0" lang="en-US" sz="1200" spc="-1" strike="noStrike">
+              <a:rPr lang="en-US" sz="1200" b="0" strike="noStrike" spc="-1">
                 <a:solidFill>
                   <a:schemeClr val="dk1">
                     <a:tint val="75000"/>
@@ -5005,9 +6826,9 @@
                 </a:solidFill>
                 <a:latin typeface="Calibri"/>
               </a:rPr>
-              <a:t>&lt;number&gt;</a:t>
+              <a:t>‹#›</a:t>
             </a:fld>
-            <a:endParaRPr b="0" lang="en-US" sz="1200" spc="-1" strike="noStrike">
+            <a:endParaRPr lang="en-US" sz="1200" b="0" strike="noStrike" spc="-1">
               <a:solidFill>
                 <a:srgbClr val="000000"/>
               </a:solidFill>
@@ -5018,21 +6839,302 @@
       </p:sp>
     </p:spTree>
   </p:cSld>
-  <p:clrMap bg1="lt1" bg2="lt2" tx1="dk1" tx2="dk2" accent1="accent1" accent2="accent2" accent3="accent3" accent4="accent4" accent5="accent5" accent6="accent6" hlink="hlink" folHlink="folHlink"/>
+  <p:clrMap bg1="lt1" tx1="dk1" bg2="lt2" tx2="dk2" accent1="accent1" accent2="accent2" accent3="accent3" accent4="accent4" accent5="accent5" accent6="accent6" hlink="hlink" folHlink="folHlink"/>
   <p:sldLayoutIdLst>
-    <p:sldLayoutId id="2147483659" r:id="rId2"/>
+    <p:sldLayoutId id="2147483659" r:id="rId1"/>
   </p:sldLayoutIdLst>
+  <p:txStyles>
+    <p:titleStyle>
+      <a:lvl1pPr algn="l" defTabSz="914400" rtl="0" eaLnBrk="1" latinLnBrk="0" hangingPunct="1">
+        <a:lnSpc>
+          <a:spcPct val="90000"/>
+        </a:lnSpc>
+        <a:spcBef>
+          <a:spcPct val="0"/>
+        </a:spcBef>
+        <a:buNone/>
+        <a:defRPr sz="4400" kern="1200">
+          <a:solidFill>
+            <a:schemeClr val="tx1"/>
+          </a:solidFill>
+          <a:latin typeface="+mj-lt"/>
+          <a:ea typeface="+mj-ea"/>
+          <a:cs typeface="+mj-cs"/>
+        </a:defRPr>
+      </a:lvl1pPr>
+    </p:titleStyle>
+    <p:bodyStyle>
+      <a:lvl1pPr marL="228600" indent="-228600" algn="l" defTabSz="914400" rtl="0" eaLnBrk="1" latinLnBrk="0" hangingPunct="1">
+        <a:lnSpc>
+          <a:spcPct val="90000"/>
+        </a:lnSpc>
+        <a:spcBef>
+          <a:spcPts val="1000"/>
+        </a:spcBef>
+        <a:buFont typeface="Arial" panose="020B0604020202020204" pitchFamily="34" charset="0"/>
+        <a:buChar char="•"/>
+        <a:defRPr sz="2800" kern="1200">
+          <a:solidFill>
+            <a:schemeClr val="tx1"/>
+          </a:solidFill>
+          <a:latin typeface="+mn-lt"/>
+          <a:ea typeface="+mn-ea"/>
+          <a:cs typeface="+mn-cs"/>
+        </a:defRPr>
+      </a:lvl1pPr>
+      <a:lvl2pPr marL="685800" indent="-228600" algn="l" defTabSz="914400" rtl="0" eaLnBrk="1" latinLnBrk="0" hangingPunct="1">
+        <a:lnSpc>
+          <a:spcPct val="90000"/>
+        </a:lnSpc>
+        <a:spcBef>
+          <a:spcPts val="500"/>
+        </a:spcBef>
+        <a:buFont typeface="Arial" panose="020B0604020202020204" pitchFamily="34" charset="0"/>
+        <a:buChar char="•"/>
+        <a:defRPr sz="2400" kern="1200">
+          <a:solidFill>
+            <a:schemeClr val="tx1"/>
+          </a:solidFill>
+          <a:latin typeface="+mn-lt"/>
+          <a:ea typeface="+mn-ea"/>
+          <a:cs typeface="+mn-cs"/>
+        </a:defRPr>
+      </a:lvl2pPr>
+      <a:lvl3pPr marL="1143000" indent="-228600" algn="l" defTabSz="914400" rtl="0" eaLnBrk="1" latinLnBrk="0" hangingPunct="1">
+        <a:lnSpc>
+          <a:spcPct val="90000"/>
+        </a:lnSpc>
+        <a:spcBef>
+          <a:spcPts val="500"/>
+        </a:spcBef>
+        <a:buFont typeface="Arial" panose="020B0604020202020204" pitchFamily="34" charset="0"/>
+        <a:buChar char="•"/>
+        <a:defRPr sz="2000" kern="1200">
+          <a:solidFill>
+            <a:schemeClr val="tx1"/>
+          </a:solidFill>
+          <a:latin typeface="+mn-lt"/>
+          <a:ea typeface="+mn-ea"/>
+          <a:cs typeface="+mn-cs"/>
+        </a:defRPr>
+      </a:lvl3pPr>
+      <a:lvl4pPr marL="1600200" indent="-228600" algn="l" defTabSz="914400" rtl="0" eaLnBrk="1" latinLnBrk="0" hangingPunct="1">
+        <a:lnSpc>
+          <a:spcPct val="90000"/>
+        </a:lnSpc>
+        <a:spcBef>
+          <a:spcPts val="500"/>
+        </a:spcBef>
+        <a:buFont typeface="Arial" panose="020B0604020202020204" pitchFamily="34" charset="0"/>
+        <a:buChar char="•"/>
+        <a:defRPr sz="1800" kern="1200">
+          <a:solidFill>
+            <a:schemeClr val="tx1"/>
+          </a:solidFill>
+          <a:latin typeface="+mn-lt"/>
+          <a:ea typeface="+mn-ea"/>
+          <a:cs typeface="+mn-cs"/>
+        </a:defRPr>
+      </a:lvl4pPr>
+      <a:lvl5pPr marL="2057400" indent="-228600" algn="l" defTabSz="914400" rtl="0" eaLnBrk="1" latinLnBrk="0" hangingPunct="1">
+        <a:lnSpc>
+          <a:spcPct val="90000"/>
+        </a:lnSpc>
+        <a:spcBef>
+          <a:spcPts val="500"/>
+        </a:spcBef>
+        <a:buFont typeface="Arial" panose="020B0604020202020204" pitchFamily="34" charset="0"/>
+        <a:buChar char="•"/>
+        <a:defRPr sz="1800" kern="1200">
+          <a:solidFill>
+            <a:schemeClr val="tx1"/>
+          </a:solidFill>
+          <a:latin typeface="+mn-lt"/>
+          <a:ea typeface="+mn-ea"/>
+          <a:cs typeface="+mn-cs"/>
+        </a:defRPr>
+      </a:lvl5pPr>
+      <a:lvl6pPr marL="2514600" indent="-228600" algn="l" defTabSz="914400" rtl="0" eaLnBrk="1" latinLnBrk="0" hangingPunct="1">
+        <a:lnSpc>
+          <a:spcPct val="90000"/>
+        </a:lnSpc>
+        <a:spcBef>
+          <a:spcPts val="500"/>
+        </a:spcBef>
+        <a:buFont typeface="Arial" panose="020B0604020202020204" pitchFamily="34" charset="0"/>
+        <a:buChar char="•"/>
+        <a:defRPr sz="1800" kern="1200">
+          <a:solidFill>
+            <a:schemeClr val="tx1"/>
+          </a:solidFill>
+          <a:latin typeface="+mn-lt"/>
+          <a:ea typeface="+mn-ea"/>
+          <a:cs typeface="+mn-cs"/>
+        </a:defRPr>
+      </a:lvl6pPr>
+      <a:lvl7pPr marL="2971800" indent="-228600" algn="l" defTabSz="914400" rtl="0" eaLnBrk="1" latinLnBrk="0" hangingPunct="1">
+        <a:lnSpc>
+          <a:spcPct val="90000"/>
+        </a:lnSpc>
+        <a:spcBef>
+          <a:spcPts val="500"/>
+        </a:spcBef>
+        <a:buFont typeface="Arial" panose="020B0604020202020204" pitchFamily="34" charset="0"/>
+        <a:buChar char="•"/>
+        <a:defRPr sz="1800" kern="1200">
+          <a:solidFill>
+            <a:schemeClr val="tx1"/>
+          </a:solidFill>
+          <a:latin typeface="+mn-lt"/>
+          <a:ea typeface="+mn-ea"/>
+          <a:cs typeface="+mn-cs"/>
+        </a:defRPr>
+      </a:lvl7pPr>
+      <a:lvl8pPr marL="3429000" indent="-228600" algn="l" defTabSz="914400" rtl="0" eaLnBrk="1" latinLnBrk="0" hangingPunct="1">
+        <a:lnSpc>
+          <a:spcPct val="90000"/>
+        </a:lnSpc>
+        <a:spcBef>
+          <a:spcPts val="500"/>
+        </a:spcBef>
+        <a:buFont typeface="Arial" panose="020B0604020202020204" pitchFamily="34" charset="0"/>
+        <a:buChar char="•"/>
+        <a:defRPr sz="1800" kern="1200">
+          <a:solidFill>
+            <a:schemeClr val="tx1"/>
+          </a:solidFill>
+          <a:latin typeface="+mn-lt"/>
+          <a:ea typeface="+mn-ea"/>
+          <a:cs typeface="+mn-cs"/>
+        </a:defRPr>
+      </a:lvl8pPr>
+      <a:lvl9pPr marL="3886200" indent="-228600" algn="l" defTabSz="914400" rtl="0" eaLnBrk="1" latinLnBrk="0" hangingPunct="1">
+        <a:lnSpc>
+          <a:spcPct val="90000"/>
+        </a:lnSpc>
+        <a:spcBef>
+          <a:spcPts val="500"/>
+        </a:spcBef>
+        <a:buFont typeface="Arial" panose="020B0604020202020204" pitchFamily="34" charset="0"/>
+        <a:buChar char="•"/>
+        <a:defRPr sz="1800" kern="1200">
+          <a:solidFill>
+            <a:schemeClr val="tx1"/>
+          </a:solidFill>
+          <a:latin typeface="+mn-lt"/>
+          <a:ea typeface="+mn-ea"/>
+          <a:cs typeface="+mn-cs"/>
+        </a:defRPr>
+      </a:lvl9pPr>
+    </p:bodyStyle>
+    <p:otherStyle>
+      <a:defPPr>
+        <a:defRPr lang="en-US"/>
+      </a:defPPr>
+      <a:lvl1pPr marL="0" algn="l" defTabSz="914400" rtl="0" eaLnBrk="1" latinLnBrk="0" hangingPunct="1">
+        <a:defRPr sz="1800" kern="1200">
+          <a:solidFill>
+            <a:schemeClr val="tx1"/>
+          </a:solidFill>
+          <a:latin typeface="+mn-lt"/>
+          <a:ea typeface="+mn-ea"/>
+          <a:cs typeface="+mn-cs"/>
+        </a:defRPr>
+      </a:lvl1pPr>
+      <a:lvl2pPr marL="457200" algn="l" defTabSz="914400" rtl="0" eaLnBrk="1" latinLnBrk="0" hangingPunct="1">
+        <a:defRPr sz="1800" kern="1200">
+          <a:solidFill>
+            <a:schemeClr val="tx1"/>
+          </a:solidFill>
+          <a:latin typeface="+mn-lt"/>
+          <a:ea typeface="+mn-ea"/>
+          <a:cs typeface="+mn-cs"/>
+        </a:defRPr>
+      </a:lvl2pPr>
+      <a:lvl3pPr marL="914400" algn="l" defTabSz="914400" rtl="0" eaLnBrk="1" latinLnBrk="0" hangingPunct="1">
+        <a:defRPr sz="1800" kern="1200">
+          <a:solidFill>
+            <a:schemeClr val="tx1"/>
+          </a:solidFill>
+          <a:latin typeface="+mn-lt"/>
+          <a:ea typeface="+mn-ea"/>
+          <a:cs typeface="+mn-cs"/>
+        </a:defRPr>
+      </a:lvl3pPr>
+      <a:lvl4pPr marL="1371600" algn="l" defTabSz="914400" rtl="0" eaLnBrk="1" latinLnBrk="0" hangingPunct="1">
+        <a:defRPr sz="1800" kern="1200">
+          <a:solidFill>
+            <a:schemeClr val="tx1"/>
+          </a:solidFill>
+          <a:latin typeface="+mn-lt"/>
+          <a:ea typeface="+mn-ea"/>
+          <a:cs typeface="+mn-cs"/>
+        </a:defRPr>
+      </a:lvl4pPr>
+      <a:lvl5pPr marL="1828800" algn="l" defTabSz="914400" rtl="0" eaLnBrk="1" latinLnBrk="0" hangingPunct="1">
+        <a:defRPr sz="1800" kern="1200">
+          <a:solidFill>
+            <a:schemeClr val="tx1"/>
+          </a:solidFill>
+          <a:latin typeface="+mn-lt"/>
+          <a:ea typeface="+mn-ea"/>
+          <a:cs typeface="+mn-cs"/>
+        </a:defRPr>
+      </a:lvl5pPr>
+      <a:lvl6pPr marL="2286000" algn="l" defTabSz="914400" rtl="0" eaLnBrk="1" latinLnBrk="0" hangingPunct="1">
+        <a:defRPr sz="1800" kern="1200">
+          <a:solidFill>
+            <a:schemeClr val="tx1"/>
+          </a:solidFill>
+          <a:latin typeface="+mn-lt"/>
+          <a:ea typeface="+mn-ea"/>
+          <a:cs typeface="+mn-cs"/>
+        </a:defRPr>
+      </a:lvl6pPr>
+      <a:lvl7pPr marL="2743200" algn="l" defTabSz="914400" rtl="0" eaLnBrk="1" latinLnBrk="0" hangingPunct="1">
+        <a:defRPr sz="1800" kern="1200">
+          <a:solidFill>
+            <a:schemeClr val="tx1"/>
+          </a:solidFill>
+          <a:latin typeface="+mn-lt"/>
+          <a:ea typeface="+mn-ea"/>
+          <a:cs typeface="+mn-cs"/>
+        </a:defRPr>
+      </a:lvl7pPr>
+      <a:lvl8pPr marL="3200400" algn="l" defTabSz="914400" rtl="0" eaLnBrk="1" latinLnBrk="0" hangingPunct="1">
+        <a:defRPr sz="1800" kern="1200">
+          <a:solidFill>
+            <a:schemeClr val="tx1"/>
+          </a:solidFill>
+          <a:latin typeface="+mn-lt"/>
+          <a:ea typeface="+mn-ea"/>
+          <a:cs typeface="+mn-cs"/>
+        </a:defRPr>
+      </a:lvl8pPr>
+      <a:lvl9pPr marL="3657600" algn="l" defTabSz="914400" rtl="0" eaLnBrk="1" latinLnBrk="0" hangingPunct="1">
+        <a:defRPr sz="1800" kern="1200">
+          <a:solidFill>
+            <a:schemeClr val="tx1"/>
+          </a:solidFill>
+          <a:latin typeface="+mn-lt"/>
+          <a:ea typeface="+mn-ea"/>
+          <a:cs typeface="+mn-cs"/>
+        </a:defRPr>
+      </a:lvl9pPr>
+    </p:otherStyle>
+  </p:txStyles>
 </p:sldMaster>
 </file>
 
 <file path=ppt/slideMasters/slideMaster7.xml><?xml version="1.0" encoding="utf-8"?>
-<p:sldMaster xmlns:a="http://schemas.openxmlformats.org/drawingml/2006/main" xmlns:p="http://schemas.openxmlformats.org/presentationml/2006/main" xmlns:r="http://schemas.openxmlformats.org/officeDocument/2006/relationships" xmlns:p14="http://schemas.microsoft.com/office/powerpoint/2010/main" xmlns:p15="http://schemas.microsoft.com/office/powerpoint/2012/main" xmlns:mc="http://schemas.openxmlformats.org/markup-compatibility/2006">
+<p:sldMaster xmlns:a="http://schemas.openxmlformats.org/drawingml/2006/main" xmlns:r="http://schemas.openxmlformats.org/officeDocument/2006/relationships" xmlns:p="http://schemas.openxmlformats.org/presentationml/2006/main">
   <p:cSld>
     <p:bg>
       <p:bgPr>
         <a:solidFill>
-          <a:srgbClr val="ffffff"/>
+          <a:srgbClr val="FFFFFF"/>
         </a:solidFill>
+        <a:effectLst/>
       </p:bgPr>
     </p:bg>
     <p:spTree>
@@ -5073,9 +7175,10 @@
           </a:ln>
         </p:spPr>
         <p:txBody>
-          <a:bodyPr lIns="91440" rIns="91440" tIns="45720" bIns="45720" anchor="ctr">
+          <a:bodyPr lIns="91440" tIns="45720" rIns="91440" bIns="45720" anchor="ctr">
             <a:noAutofit/>
           </a:bodyPr>
+          <a:lstStyle/>
           <a:p>
             <a:pPr indent="0" algn="ctr" defTabSz="457200">
               <a:lnSpc>
@@ -5084,7 +7187,7 @@
               <a:buNone/>
             </a:pPr>
             <a:r>
-              <a:rPr b="0" lang="en-US" sz="4400" spc="-1" strike="noStrike">
+              <a:rPr lang="en-US" sz="4400" b="0" strike="noStrike" spc="-1">
                 <a:solidFill>
                   <a:schemeClr val="dk1"/>
                 </a:solidFill>
@@ -5092,12 +7195,6 @@
               </a:rPr>
               <a:t>Click to edit Master title style</a:t>
             </a:r>
-            <a:endParaRPr b="0" lang="en-US" sz="4400" spc="-1" strike="noStrike">
-              <a:solidFill>
-                <a:schemeClr val="dk1"/>
-              </a:solidFill>
-              <a:latin typeface="Calibri"/>
-            </a:endParaRPr>
           </a:p>
         </p:txBody>
       </p:sp>
@@ -5125,9 +7222,10 @@
           </a:ln>
         </p:spPr>
         <p:txBody>
-          <a:bodyPr lIns="91440" rIns="91440" tIns="45720" bIns="45720" anchor="b">
+          <a:bodyPr lIns="91440" tIns="45720" rIns="91440" bIns="45720" anchor="b">
             <a:noAutofit/>
           </a:bodyPr>
+          <a:lstStyle/>
           <a:p>
             <a:pPr indent="0" defTabSz="457200">
               <a:lnSpc>
@@ -5138,11 +7236,11 @@
               </a:spcBef>
               <a:buNone/>
               <a:tabLst>
-                <a:tab algn="l" pos="0"/>
+                <a:tab pos="0" algn="l"/>
               </a:tabLst>
             </a:pPr>
             <a:r>
-              <a:rPr b="1" lang="en-US" sz="2400" spc="-1" strike="noStrike">
+              <a:rPr lang="en-US" sz="2400" b="1" strike="noStrike" spc="-1">
                 <a:solidFill>
                   <a:schemeClr val="dk1"/>
                 </a:solidFill>
@@ -5150,7 +7248,7 @@
               </a:rPr>
               <a:t>Click to edit Master text styles</a:t>
             </a:r>
-            <a:endParaRPr b="0" lang="en-US" sz="2400" spc="-1" strike="noStrike">
+            <a:endParaRPr lang="en-US" sz="2400" b="0" strike="noStrike" spc="-1">
               <a:solidFill>
                 <a:schemeClr val="dk1"/>
               </a:solidFill>
@@ -5183,9 +7281,10 @@
           </a:ln>
         </p:spPr>
         <p:txBody>
-          <a:bodyPr lIns="91440" rIns="91440" tIns="45720" bIns="45720" anchor="t">
+          <a:bodyPr lIns="91440" tIns="45720" rIns="91440" bIns="45720" anchor="t">
             <a:noAutofit/>
           </a:bodyPr>
+          <a:lstStyle/>
           <a:p>
             <a:pPr marL="343080" indent="-343080" defTabSz="457200">
               <a:lnSpc>
@@ -5201,7 +7300,7 @@
               <a:buChar char="•"/>
             </a:pPr>
             <a:r>
-              <a:rPr b="0" lang="en-US" sz="2400" spc="-1" strike="noStrike">
+              <a:rPr lang="en-US" sz="2400" b="0" strike="noStrike" spc="-1">
                 <a:solidFill>
                   <a:schemeClr val="dk1"/>
                 </a:solidFill>
@@ -5209,15 +7308,9 @@
               </a:rPr>
               <a:t>Click to edit Master text styles</a:t>
             </a:r>
-            <a:endParaRPr b="0" lang="en-US" sz="2400" spc="-1" strike="noStrike">
-              <a:solidFill>
-                <a:schemeClr val="dk1"/>
-              </a:solidFill>
-              <a:latin typeface="Calibri"/>
-            </a:endParaRPr>
-          </a:p>
-          <a:p>
-            <a:pPr lvl="1" marL="743040" indent="-285840" defTabSz="457200">
+          </a:p>
+          <a:p>
+            <a:pPr marL="743040" lvl="1" indent="-285840" defTabSz="457200">
               <a:lnSpc>
                 <a:spcPct val="100000"/>
               </a:lnSpc>
@@ -5231,7 +7324,7 @@
               <a:buChar char="–"/>
             </a:pPr>
             <a:r>
-              <a:rPr b="0" lang="en-US" sz="2000" spc="-1" strike="noStrike">
+              <a:rPr lang="en-US" sz="2000" b="0" strike="noStrike" spc="-1">
                 <a:solidFill>
                   <a:schemeClr val="dk1"/>
                 </a:solidFill>
@@ -5239,15 +7332,9 @@
               </a:rPr>
               <a:t>Second level</a:t>
             </a:r>
-            <a:endParaRPr b="0" lang="en-US" sz="2000" spc="-1" strike="noStrike">
-              <a:solidFill>
-                <a:schemeClr val="dk1"/>
-              </a:solidFill>
-              <a:latin typeface="Calibri"/>
-            </a:endParaRPr>
-          </a:p>
-          <a:p>
-            <a:pPr lvl="2" marL="1143000" indent="-228600" defTabSz="457200">
+          </a:p>
+          <a:p>
+            <a:pPr marL="1143000" lvl="2" indent="-228600" defTabSz="457200">
               <a:lnSpc>
                 <a:spcPct val="100000"/>
               </a:lnSpc>
@@ -5261,7 +7348,7 @@
               <a:buChar char="•"/>
             </a:pPr>
             <a:r>
-              <a:rPr b="0" lang="en-US" sz="1800" spc="-1" strike="noStrike">
+              <a:rPr lang="en-US" sz="1800" b="0" strike="noStrike" spc="-1">
                 <a:solidFill>
                   <a:schemeClr val="dk1"/>
                 </a:solidFill>
@@ -5269,15 +7356,9 @@
               </a:rPr>
               <a:t>Third level</a:t>
             </a:r>
-            <a:endParaRPr b="0" lang="en-US" sz="1800" spc="-1" strike="noStrike">
-              <a:solidFill>
-                <a:schemeClr val="dk1"/>
-              </a:solidFill>
-              <a:latin typeface="Calibri"/>
-            </a:endParaRPr>
-          </a:p>
-          <a:p>
-            <a:pPr lvl="3" marL="1600200" indent="-228600" defTabSz="457200">
+          </a:p>
+          <a:p>
+            <a:pPr marL="1600200" lvl="3" indent="-228600" defTabSz="457200">
               <a:lnSpc>
                 <a:spcPct val="100000"/>
               </a:lnSpc>
@@ -5291,7 +7372,7 @@
               <a:buChar char="–"/>
             </a:pPr>
             <a:r>
-              <a:rPr b="0" lang="en-US" sz="1600" spc="-1" strike="noStrike">
+              <a:rPr lang="en-US" sz="1600" b="0" strike="noStrike" spc="-1">
                 <a:solidFill>
                   <a:schemeClr val="dk1"/>
                 </a:solidFill>
@@ -5299,15 +7380,9 @@
               </a:rPr>
               <a:t>Fourth level</a:t>
             </a:r>
-            <a:endParaRPr b="0" lang="en-US" sz="1600" spc="-1" strike="noStrike">
-              <a:solidFill>
-                <a:schemeClr val="dk1"/>
-              </a:solidFill>
-              <a:latin typeface="Calibri"/>
-            </a:endParaRPr>
-          </a:p>
-          <a:p>
-            <a:pPr lvl="4" marL="2057400" indent="-228600" defTabSz="457200">
+          </a:p>
+          <a:p>
+            <a:pPr marL="2057400" lvl="4" indent="-228600" defTabSz="457200">
               <a:lnSpc>
                 <a:spcPct val="100000"/>
               </a:lnSpc>
@@ -5321,7 +7396,7 @@
               <a:buChar char="»"/>
             </a:pPr>
             <a:r>
-              <a:rPr b="0" lang="en-US" sz="1600" spc="-1" strike="noStrike">
+              <a:rPr lang="en-US" sz="1600" b="0" strike="noStrike" spc="-1">
                 <a:solidFill>
                   <a:schemeClr val="dk1"/>
                 </a:solidFill>
@@ -5329,12 +7404,6 @@
               </a:rPr>
               <a:t>Fifth level</a:t>
             </a:r>
-            <a:endParaRPr b="0" lang="en-US" sz="1600" spc="-1" strike="noStrike">
-              <a:solidFill>
-                <a:schemeClr val="dk1"/>
-              </a:solidFill>
-              <a:latin typeface="Calibri"/>
-            </a:endParaRPr>
           </a:p>
         </p:txBody>
       </p:sp>
@@ -5362,9 +7431,10 @@
           </a:ln>
         </p:spPr>
         <p:txBody>
-          <a:bodyPr lIns="91440" rIns="91440" tIns="45720" bIns="45720" anchor="b">
+          <a:bodyPr lIns="91440" tIns="45720" rIns="91440" bIns="45720" anchor="b">
             <a:noAutofit/>
           </a:bodyPr>
+          <a:lstStyle/>
           <a:p>
             <a:pPr indent="0" defTabSz="457200">
               <a:lnSpc>
@@ -5375,11 +7445,11 @@
               </a:spcBef>
               <a:buNone/>
               <a:tabLst>
-                <a:tab algn="l" pos="0"/>
+                <a:tab pos="0" algn="l"/>
               </a:tabLst>
             </a:pPr>
             <a:r>
-              <a:rPr b="1" lang="en-US" sz="2400" spc="-1" strike="noStrike">
+              <a:rPr lang="en-US" sz="2400" b="1" strike="noStrike" spc="-1">
                 <a:solidFill>
                   <a:schemeClr val="dk1"/>
                 </a:solidFill>
@@ -5387,7 +7457,7 @@
               </a:rPr>
               <a:t>Click to edit Master text styles</a:t>
             </a:r>
-            <a:endParaRPr b="0" lang="en-US" sz="2400" spc="-1" strike="noStrike">
+            <a:endParaRPr lang="en-US" sz="2400" b="0" strike="noStrike" spc="-1">
               <a:solidFill>
                 <a:schemeClr val="dk1"/>
               </a:solidFill>
@@ -5420,9 +7490,10 @@
           </a:ln>
         </p:spPr>
         <p:txBody>
-          <a:bodyPr lIns="91440" rIns="91440" tIns="45720" bIns="45720" anchor="t">
+          <a:bodyPr lIns="91440" tIns="45720" rIns="91440" bIns="45720" anchor="t">
             <a:noAutofit/>
           </a:bodyPr>
+          <a:lstStyle/>
           <a:p>
             <a:pPr marL="343080" indent="-343080" defTabSz="457200">
               <a:lnSpc>
@@ -5438,7 +7509,7 @@
               <a:buChar char="•"/>
             </a:pPr>
             <a:r>
-              <a:rPr b="0" lang="en-US" sz="2400" spc="-1" strike="noStrike">
+              <a:rPr lang="en-US" sz="2400" b="0" strike="noStrike" spc="-1">
                 <a:solidFill>
                   <a:schemeClr val="dk1"/>
                 </a:solidFill>
@@ -5446,15 +7517,9 @@
               </a:rPr>
               <a:t>Click to edit Master text styles</a:t>
             </a:r>
-            <a:endParaRPr b="0" lang="en-US" sz="2400" spc="-1" strike="noStrike">
-              <a:solidFill>
-                <a:schemeClr val="dk1"/>
-              </a:solidFill>
-              <a:latin typeface="Calibri"/>
-            </a:endParaRPr>
-          </a:p>
-          <a:p>
-            <a:pPr lvl="1" marL="743040" indent="-285840" defTabSz="457200">
+          </a:p>
+          <a:p>
+            <a:pPr marL="743040" lvl="1" indent="-285840" defTabSz="457200">
               <a:lnSpc>
                 <a:spcPct val="100000"/>
               </a:lnSpc>
@@ -5468,7 +7533,7 @@
               <a:buChar char="–"/>
             </a:pPr>
             <a:r>
-              <a:rPr b="0" lang="en-US" sz="2000" spc="-1" strike="noStrike">
+              <a:rPr lang="en-US" sz="2000" b="0" strike="noStrike" spc="-1">
                 <a:solidFill>
                   <a:schemeClr val="dk1"/>
                 </a:solidFill>
@@ -5476,15 +7541,9 @@
               </a:rPr>
               <a:t>Second level</a:t>
             </a:r>
-            <a:endParaRPr b="0" lang="en-US" sz="2000" spc="-1" strike="noStrike">
-              <a:solidFill>
-                <a:schemeClr val="dk1"/>
-              </a:solidFill>
-              <a:latin typeface="Calibri"/>
-            </a:endParaRPr>
-          </a:p>
-          <a:p>
-            <a:pPr lvl="2" marL="1143000" indent="-228600" defTabSz="457200">
+          </a:p>
+          <a:p>
+            <a:pPr marL="1143000" lvl="2" indent="-228600" defTabSz="457200">
               <a:lnSpc>
                 <a:spcPct val="100000"/>
               </a:lnSpc>
@@ -5498,7 +7557,7 @@
               <a:buChar char="•"/>
             </a:pPr>
             <a:r>
-              <a:rPr b="0" lang="en-US" sz="1800" spc="-1" strike="noStrike">
+              <a:rPr lang="en-US" sz="1800" b="0" strike="noStrike" spc="-1">
                 <a:solidFill>
                   <a:schemeClr val="dk1"/>
                 </a:solidFill>
@@ -5506,15 +7565,9 @@
               </a:rPr>
               <a:t>Third level</a:t>
             </a:r>
-            <a:endParaRPr b="0" lang="en-US" sz="1800" spc="-1" strike="noStrike">
-              <a:solidFill>
-                <a:schemeClr val="dk1"/>
-              </a:solidFill>
-              <a:latin typeface="Calibri"/>
-            </a:endParaRPr>
-          </a:p>
-          <a:p>
-            <a:pPr lvl="3" marL="1600200" indent="-228600" defTabSz="457200">
+          </a:p>
+          <a:p>
+            <a:pPr marL="1600200" lvl="3" indent="-228600" defTabSz="457200">
               <a:lnSpc>
                 <a:spcPct val="100000"/>
               </a:lnSpc>
@@ -5528,7 +7581,7 @@
               <a:buChar char="–"/>
             </a:pPr>
             <a:r>
-              <a:rPr b="0" lang="en-US" sz="1600" spc="-1" strike="noStrike">
+              <a:rPr lang="en-US" sz="1600" b="0" strike="noStrike" spc="-1">
                 <a:solidFill>
                   <a:schemeClr val="dk1"/>
                 </a:solidFill>
@@ -5536,15 +7589,9 @@
               </a:rPr>
               <a:t>Fourth level</a:t>
             </a:r>
-            <a:endParaRPr b="0" lang="en-US" sz="1600" spc="-1" strike="noStrike">
-              <a:solidFill>
-                <a:schemeClr val="dk1"/>
-              </a:solidFill>
-              <a:latin typeface="Calibri"/>
-            </a:endParaRPr>
-          </a:p>
-          <a:p>
-            <a:pPr lvl="4" marL="2057400" indent="-228600" defTabSz="457200">
+          </a:p>
+          <a:p>
+            <a:pPr marL="2057400" lvl="4" indent="-228600" defTabSz="457200">
               <a:lnSpc>
                 <a:spcPct val="100000"/>
               </a:lnSpc>
@@ -5558,7 +7605,7 @@
               <a:buChar char="»"/>
             </a:pPr>
             <a:r>
-              <a:rPr b="0" lang="en-US" sz="1600" spc="-1" strike="noStrike">
+              <a:rPr lang="en-US" sz="1600" b="0" strike="noStrike" spc="-1">
                 <a:solidFill>
                   <a:schemeClr val="dk1"/>
                 </a:solidFill>
@@ -5566,12 +7613,6 @@
               </a:rPr>
               <a:t>Fifth level</a:t>
             </a:r>
-            <a:endParaRPr b="0" lang="en-US" sz="1600" spc="-1" strike="noStrike">
-              <a:solidFill>
-                <a:schemeClr val="dk1"/>
-              </a:solidFill>
-              <a:latin typeface="Calibri"/>
-            </a:endParaRPr>
           </a:p>
         </p:txBody>
       </p:sp>
@@ -5599,7 +7640,7 @@
           </a:ln>
         </p:spPr>
         <p:txBody>
-          <a:bodyPr lIns="91440" rIns="91440" tIns="45720" bIns="45720" anchor="ctr">
+          <a:bodyPr lIns="91440" tIns="45720" rIns="91440" bIns="45720" anchor="ctr">
             <a:noAutofit/>
           </a:bodyPr>
           <a:lstStyle>
@@ -5608,7 +7649,7 @@
                 <a:spcPct val="100000"/>
               </a:lnSpc>
               <a:buNone/>
-              <a:defRPr b="0" lang="en-US" sz="1200" spc="-1" strike="noStrike">
+              <a:defRPr lang="en-US" sz="1200" b="0" strike="noStrike" spc="-1">
                 <a:solidFill>
                   <a:schemeClr val="dk1">
                     <a:tint val="75000"/>
@@ -5626,7 +7667,7 @@
               <a:buNone/>
             </a:pPr>
             <a:r>
-              <a:rPr b="0" lang="en-US" sz="1200" spc="-1" strike="noStrike">
+              <a:rPr lang="en-US" sz="1200" b="0" strike="noStrike" spc="-1">
                 <a:solidFill>
                   <a:schemeClr val="dk1">
                     <a:tint val="75000"/>
@@ -5636,7 +7677,7 @@
               </a:rPr>
               <a:t>&lt;date/time&gt;</a:t>
             </a:r>
-            <a:endParaRPr b="0" lang="en-US" sz="1200" spc="-1" strike="noStrike">
+            <a:endParaRPr lang="en-US" sz="1200" b="0" strike="noStrike" spc="-1">
               <a:solidFill>
                 <a:srgbClr val="000000"/>
               </a:solidFill>
@@ -5669,13 +7710,13 @@
           </a:ln>
         </p:spPr>
         <p:txBody>
-          <a:bodyPr lIns="91440" rIns="91440" tIns="45720" bIns="45720" anchor="ctr">
+          <a:bodyPr lIns="91440" tIns="45720" rIns="91440" bIns="45720" anchor="ctr">
             <a:noAutofit/>
           </a:bodyPr>
           <a:lstStyle>
             <a:lvl1pPr indent="0" algn="ctr">
               <a:buNone/>
-              <a:defRPr b="0" lang="en-US" sz="1400" spc="-1" strike="noStrike">
+              <a:defRPr lang="en-US" sz="1400" b="0" strike="noStrike" spc="-1">
                 <a:solidFill>
                   <a:srgbClr val="000000"/>
                 </a:solidFill>
@@ -5688,7 +7729,7 @@
               <a:buNone/>
             </a:pPr>
             <a:r>
-              <a:rPr b="0" lang="en-US" sz="1400" spc="-1" strike="noStrike">
+              <a:rPr lang="en-US" sz="1400" b="0" strike="noStrike" spc="-1">
                 <a:solidFill>
                   <a:srgbClr val="000000"/>
                 </a:solidFill>
@@ -5696,12 +7737,6 @@
               </a:rPr>
               <a:t>&lt;footer&gt;</a:t>
             </a:r>
-            <a:endParaRPr b="0" lang="en-US" sz="1400" spc="-1" strike="noStrike">
-              <a:solidFill>
-                <a:srgbClr val="000000"/>
-              </a:solidFill>
-              <a:latin typeface="Times New Roman"/>
-            </a:endParaRPr>
           </a:p>
         </p:txBody>
       </p:sp>
@@ -5729,7 +7764,7 @@
           </a:ln>
         </p:spPr>
         <p:txBody>
-          <a:bodyPr lIns="91440" rIns="91440" tIns="45720" bIns="45720" anchor="ctr">
+          <a:bodyPr lIns="91440" tIns="45720" rIns="91440" bIns="45720" anchor="ctr">
             <a:noAutofit/>
           </a:bodyPr>
           <a:lstStyle>
@@ -5738,7 +7773,7 @@
                 <a:spcPct val="100000"/>
               </a:lnSpc>
               <a:buNone/>
-              <a:defRPr b="0" lang="en-US" sz="1200" spc="-1" strike="noStrike">
+              <a:defRPr lang="en-US" sz="1200" b="0" strike="noStrike" spc="-1">
                 <a:solidFill>
                   <a:schemeClr val="dk1">
                     <a:tint val="75000"/>
@@ -5756,7 +7791,7 @@
               <a:buNone/>
             </a:pPr>
             <a:fld id="{D6503275-CAD3-4734-A465-82C0D23BF8F8}" type="slidenum">
-              <a:rPr b="0" lang="en-US" sz="1200" spc="-1" strike="noStrike">
+              <a:rPr lang="en-US" sz="1200" b="0" strike="noStrike" spc="-1">
                 <a:solidFill>
                   <a:schemeClr val="dk1">
                     <a:tint val="75000"/>
@@ -5764,9 +7799,9 @@
                 </a:solidFill>
                 <a:latin typeface="Calibri"/>
               </a:rPr>
-              <a:t>&lt;number&gt;</a:t>
+              <a:t>‹#›</a:t>
             </a:fld>
-            <a:endParaRPr b="0" lang="en-US" sz="1200" spc="-1" strike="noStrike">
+            <a:endParaRPr lang="en-US" sz="1200" b="0" strike="noStrike" spc="-1">
               <a:solidFill>
                 <a:srgbClr val="000000"/>
               </a:solidFill>
@@ -5777,21 +7812,302 @@
       </p:sp>
     </p:spTree>
   </p:cSld>
-  <p:clrMap bg1="lt1" bg2="lt2" tx1="dk1" tx2="dk2" accent1="accent1" accent2="accent2" accent3="accent3" accent4="accent4" accent5="accent5" accent6="accent6" hlink="hlink" folHlink="folHlink"/>
+  <p:clrMap bg1="lt1" tx1="dk1" bg2="lt2" tx2="dk2" accent1="accent1" accent2="accent2" accent3="accent3" accent4="accent4" accent5="accent5" accent6="accent6" hlink="hlink" folHlink="folHlink"/>
   <p:sldLayoutIdLst>
-    <p:sldLayoutId id="2147483661" r:id="rId2"/>
+    <p:sldLayoutId id="2147483661" r:id="rId1"/>
   </p:sldLayoutIdLst>
+  <p:txStyles>
+    <p:titleStyle>
+      <a:lvl1pPr algn="l" defTabSz="914400" rtl="0" eaLnBrk="1" latinLnBrk="0" hangingPunct="1">
+        <a:lnSpc>
+          <a:spcPct val="90000"/>
+        </a:lnSpc>
+        <a:spcBef>
+          <a:spcPct val="0"/>
+        </a:spcBef>
+        <a:buNone/>
+        <a:defRPr sz="4400" kern="1200">
+          <a:solidFill>
+            <a:schemeClr val="tx1"/>
+          </a:solidFill>
+          <a:latin typeface="+mj-lt"/>
+          <a:ea typeface="+mj-ea"/>
+          <a:cs typeface="+mj-cs"/>
+        </a:defRPr>
+      </a:lvl1pPr>
+    </p:titleStyle>
+    <p:bodyStyle>
+      <a:lvl1pPr marL="228600" indent="-228600" algn="l" defTabSz="914400" rtl="0" eaLnBrk="1" latinLnBrk="0" hangingPunct="1">
+        <a:lnSpc>
+          <a:spcPct val="90000"/>
+        </a:lnSpc>
+        <a:spcBef>
+          <a:spcPts val="1000"/>
+        </a:spcBef>
+        <a:buFont typeface="Arial" panose="020B0604020202020204" pitchFamily="34" charset="0"/>
+        <a:buChar char="•"/>
+        <a:defRPr sz="2800" kern="1200">
+          <a:solidFill>
+            <a:schemeClr val="tx1"/>
+          </a:solidFill>
+          <a:latin typeface="+mn-lt"/>
+          <a:ea typeface="+mn-ea"/>
+          <a:cs typeface="+mn-cs"/>
+        </a:defRPr>
+      </a:lvl1pPr>
+      <a:lvl2pPr marL="685800" indent="-228600" algn="l" defTabSz="914400" rtl="0" eaLnBrk="1" latinLnBrk="0" hangingPunct="1">
+        <a:lnSpc>
+          <a:spcPct val="90000"/>
+        </a:lnSpc>
+        <a:spcBef>
+          <a:spcPts val="500"/>
+        </a:spcBef>
+        <a:buFont typeface="Arial" panose="020B0604020202020204" pitchFamily="34" charset="0"/>
+        <a:buChar char="•"/>
+        <a:defRPr sz="2400" kern="1200">
+          <a:solidFill>
+            <a:schemeClr val="tx1"/>
+          </a:solidFill>
+          <a:latin typeface="+mn-lt"/>
+          <a:ea typeface="+mn-ea"/>
+          <a:cs typeface="+mn-cs"/>
+        </a:defRPr>
+      </a:lvl2pPr>
+      <a:lvl3pPr marL="1143000" indent="-228600" algn="l" defTabSz="914400" rtl="0" eaLnBrk="1" latinLnBrk="0" hangingPunct="1">
+        <a:lnSpc>
+          <a:spcPct val="90000"/>
+        </a:lnSpc>
+        <a:spcBef>
+          <a:spcPts val="500"/>
+        </a:spcBef>
+        <a:buFont typeface="Arial" panose="020B0604020202020204" pitchFamily="34" charset="0"/>
+        <a:buChar char="•"/>
+        <a:defRPr sz="2000" kern="1200">
+          <a:solidFill>
+            <a:schemeClr val="tx1"/>
+          </a:solidFill>
+          <a:latin typeface="+mn-lt"/>
+          <a:ea typeface="+mn-ea"/>
+          <a:cs typeface="+mn-cs"/>
+        </a:defRPr>
+      </a:lvl3pPr>
+      <a:lvl4pPr marL="1600200" indent="-228600" algn="l" defTabSz="914400" rtl="0" eaLnBrk="1" latinLnBrk="0" hangingPunct="1">
+        <a:lnSpc>
+          <a:spcPct val="90000"/>
+        </a:lnSpc>
+        <a:spcBef>
+          <a:spcPts val="500"/>
+        </a:spcBef>
+        <a:buFont typeface="Arial" panose="020B0604020202020204" pitchFamily="34" charset="0"/>
+        <a:buChar char="•"/>
+        <a:defRPr sz="1800" kern="1200">
+          <a:solidFill>
+            <a:schemeClr val="tx1"/>
+          </a:solidFill>
+          <a:latin typeface="+mn-lt"/>
+          <a:ea typeface="+mn-ea"/>
+          <a:cs typeface="+mn-cs"/>
+        </a:defRPr>
+      </a:lvl4pPr>
+      <a:lvl5pPr marL="2057400" indent="-228600" algn="l" defTabSz="914400" rtl="0" eaLnBrk="1" latinLnBrk="0" hangingPunct="1">
+        <a:lnSpc>
+          <a:spcPct val="90000"/>
+        </a:lnSpc>
+        <a:spcBef>
+          <a:spcPts val="500"/>
+        </a:spcBef>
+        <a:buFont typeface="Arial" panose="020B0604020202020204" pitchFamily="34" charset="0"/>
+        <a:buChar char="•"/>
+        <a:defRPr sz="1800" kern="1200">
+          <a:solidFill>
+            <a:schemeClr val="tx1"/>
+          </a:solidFill>
+          <a:latin typeface="+mn-lt"/>
+          <a:ea typeface="+mn-ea"/>
+          <a:cs typeface="+mn-cs"/>
+        </a:defRPr>
+      </a:lvl5pPr>
+      <a:lvl6pPr marL="2514600" indent="-228600" algn="l" defTabSz="914400" rtl="0" eaLnBrk="1" latinLnBrk="0" hangingPunct="1">
+        <a:lnSpc>
+          <a:spcPct val="90000"/>
+        </a:lnSpc>
+        <a:spcBef>
+          <a:spcPts val="500"/>
+        </a:spcBef>
+        <a:buFont typeface="Arial" panose="020B0604020202020204" pitchFamily="34" charset="0"/>
+        <a:buChar char="•"/>
+        <a:defRPr sz="1800" kern="1200">
+          <a:solidFill>
+            <a:schemeClr val="tx1"/>
+          </a:solidFill>
+          <a:latin typeface="+mn-lt"/>
+          <a:ea typeface="+mn-ea"/>
+          <a:cs typeface="+mn-cs"/>
+        </a:defRPr>
+      </a:lvl6pPr>
+      <a:lvl7pPr marL="2971800" indent="-228600" algn="l" defTabSz="914400" rtl="0" eaLnBrk="1" latinLnBrk="0" hangingPunct="1">
+        <a:lnSpc>
+          <a:spcPct val="90000"/>
+        </a:lnSpc>
+        <a:spcBef>
+          <a:spcPts val="500"/>
+        </a:spcBef>
+        <a:buFont typeface="Arial" panose="020B0604020202020204" pitchFamily="34" charset="0"/>
+        <a:buChar char="•"/>
+        <a:defRPr sz="1800" kern="1200">
+          <a:solidFill>
+            <a:schemeClr val="tx1"/>
+          </a:solidFill>
+          <a:latin typeface="+mn-lt"/>
+          <a:ea typeface="+mn-ea"/>
+          <a:cs typeface="+mn-cs"/>
+        </a:defRPr>
+      </a:lvl7pPr>
+      <a:lvl8pPr marL="3429000" indent="-228600" algn="l" defTabSz="914400" rtl="0" eaLnBrk="1" latinLnBrk="0" hangingPunct="1">
+        <a:lnSpc>
+          <a:spcPct val="90000"/>
+        </a:lnSpc>
+        <a:spcBef>
+          <a:spcPts val="500"/>
+        </a:spcBef>
+        <a:buFont typeface="Arial" panose="020B0604020202020204" pitchFamily="34" charset="0"/>
+        <a:buChar char="•"/>
+        <a:defRPr sz="1800" kern="1200">
+          <a:solidFill>
+            <a:schemeClr val="tx1"/>
+          </a:solidFill>
+          <a:latin typeface="+mn-lt"/>
+          <a:ea typeface="+mn-ea"/>
+          <a:cs typeface="+mn-cs"/>
+        </a:defRPr>
+      </a:lvl8pPr>
+      <a:lvl9pPr marL="3886200" indent="-228600" algn="l" defTabSz="914400" rtl="0" eaLnBrk="1" latinLnBrk="0" hangingPunct="1">
+        <a:lnSpc>
+          <a:spcPct val="90000"/>
+        </a:lnSpc>
+        <a:spcBef>
+          <a:spcPts val="500"/>
+        </a:spcBef>
+        <a:buFont typeface="Arial" panose="020B0604020202020204" pitchFamily="34" charset="0"/>
+        <a:buChar char="•"/>
+        <a:defRPr sz="1800" kern="1200">
+          <a:solidFill>
+            <a:schemeClr val="tx1"/>
+          </a:solidFill>
+          <a:latin typeface="+mn-lt"/>
+          <a:ea typeface="+mn-ea"/>
+          <a:cs typeface="+mn-cs"/>
+        </a:defRPr>
+      </a:lvl9pPr>
+    </p:bodyStyle>
+    <p:otherStyle>
+      <a:defPPr>
+        <a:defRPr lang="en-US"/>
+      </a:defPPr>
+      <a:lvl1pPr marL="0" algn="l" defTabSz="914400" rtl="0" eaLnBrk="1" latinLnBrk="0" hangingPunct="1">
+        <a:defRPr sz="1800" kern="1200">
+          <a:solidFill>
+            <a:schemeClr val="tx1"/>
+          </a:solidFill>
+          <a:latin typeface="+mn-lt"/>
+          <a:ea typeface="+mn-ea"/>
+          <a:cs typeface="+mn-cs"/>
+        </a:defRPr>
+      </a:lvl1pPr>
+      <a:lvl2pPr marL="457200" algn="l" defTabSz="914400" rtl="0" eaLnBrk="1" latinLnBrk="0" hangingPunct="1">
+        <a:defRPr sz="1800" kern="1200">
+          <a:solidFill>
+            <a:schemeClr val="tx1"/>
+          </a:solidFill>
+          <a:latin typeface="+mn-lt"/>
+          <a:ea typeface="+mn-ea"/>
+          <a:cs typeface="+mn-cs"/>
+        </a:defRPr>
+      </a:lvl2pPr>
+      <a:lvl3pPr marL="914400" algn="l" defTabSz="914400" rtl="0" eaLnBrk="1" latinLnBrk="0" hangingPunct="1">
+        <a:defRPr sz="1800" kern="1200">
+          <a:solidFill>
+            <a:schemeClr val="tx1"/>
+          </a:solidFill>
+          <a:latin typeface="+mn-lt"/>
+          <a:ea typeface="+mn-ea"/>
+          <a:cs typeface="+mn-cs"/>
+        </a:defRPr>
+      </a:lvl3pPr>
+      <a:lvl4pPr marL="1371600" algn="l" defTabSz="914400" rtl="0" eaLnBrk="1" latinLnBrk="0" hangingPunct="1">
+        <a:defRPr sz="1800" kern="1200">
+          <a:solidFill>
+            <a:schemeClr val="tx1"/>
+          </a:solidFill>
+          <a:latin typeface="+mn-lt"/>
+          <a:ea typeface="+mn-ea"/>
+          <a:cs typeface="+mn-cs"/>
+        </a:defRPr>
+      </a:lvl4pPr>
+      <a:lvl5pPr marL="1828800" algn="l" defTabSz="914400" rtl="0" eaLnBrk="1" latinLnBrk="0" hangingPunct="1">
+        <a:defRPr sz="1800" kern="1200">
+          <a:solidFill>
+            <a:schemeClr val="tx1"/>
+          </a:solidFill>
+          <a:latin typeface="+mn-lt"/>
+          <a:ea typeface="+mn-ea"/>
+          <a:cs typeface="+mn-cs"/>
+        </a:defRPr>
+      </a:lvl5pPr>
+      <a:lvl6pPr marL="2286000" algn="l" defTabSz="914400" rtl="0" eaLnBrk="1" latinLnBrk="0" hangingPunct="1">
+        <a:defRPr sz="1800" kern="1200">
+          <a:solidFill>
+            <a:schemeClr val="tx1"/>
+          </a:solidFill>
+          <a:latin typeface="+mn-lt"/>
+          <a:ea typeface="+mn-ea"/>
+          <a:cs typeface="+mn-cs"/>
+        </a:defRPr>
+      </a:lvl6pPr>
+      <a:lvl7pPr marL="2743200" algn="l" defTabSz="914400" rtl="0" eaLnBrk="1" latinLnBrk="0" hangingPunct="1">
+        <a:defRPr sz="1800" kern="1200">
+          <a:solidFill>
+            <a:schemeClr val="tx1"/>
+          </a:solidFill>
+          <a:latin typeface="+mn-lt"/>
+          <a:ea typeface="+mn-ea"/>
+          <a:cs typeface="+mn-cs"/>
+        </a:defRPr>
+      </a:lvl7pPr>
+      <a:lvl8pPr marL="3200400" algn="l" defTabSz="914400" rtl="0" eaLnBrk="1" latinLnBrk="0" hangingPunct="1">
+        <a:defRPr sz="1800" kern="1200">
+          <a:solidFill>
+            <a:schemeClr val="tx1"/>
+          </a:solidFill>
+          <a:latin typeface="+mn-lt"/>
+          <a:ea typeface="+mn-ea"/>
+          <a:cs typeface="+mn-cs"/>
+        </a:defRPr>
+      </a:lvl8pPr>
+      <a:lvl9pPr marL="3657600" algn="l" defTabSz="914400" rtl="0" eaLnBrk="1" latinLnBrk="0" hangingPunct="1">
+        <a:defRPr sz="1800" kern="1200">
+          <a:solidFill>
+            <a:schemeClr val="tx1"/>
+          </a:solidFill>
+          <a:latin typeface="+mn-lt"/>
+          <a:ea typeface="+mn-ea"/>
+          <a:cs typeface="+mn-cs"/>
+        </a:defRPr>
+      </a:lvl9pPr>
+    </p:otherStyle>
+  </p:txStyles>
 </p:sldMaster>
 </file>
 
 <file path=ppt/slideMasters/slideMaster8.xml><?xml version="1.0" encoding="utf-8"?>
-<p:sldMaster xmlns:a="http://schemas.openxmlformats.org/drawingml/2006/main" xmlns:p="http://schemas.openxmlformats.org/presentationml/2006/main" xmlns:r="http://schemas.openxmlformats.org/officeDocument/2006/relationships" xmlns:p14="http://schemas.microsoft.com/office/powerpoint/2010/main" xmlns:p15="http://schemas.microsoft.com/office/powerpoint/2012/main" xmlns:mc="http://schemas.openxmlformats.org/markup-compatibility/2006">
+<p:sldMaster xmlns:a="http://schemas.openxmlformats.org/drawingml/2006/main" xmlns:r="http://schemas.openxmlformats.org/officeDocument/2006/relationships" xmlns:p="http://schemas.openxmlformats.org/presentationml/2006/main">
   <p:cSld>
     <p:bg>
       <p:bgPr>
         <a:solidFill>
-          <a:srgbClr val="ffffff"/>
+          <a:srgbClr val="FFFFFF"/>
         </a:solidFill>
+        <a:effectLst/>
       </p:bgPr>
     </p:bg>
     <p:spTree>
@@ -5832,9 +8148,10 @@
           </a:ln>
         </p:spPr>
         <p:txBody>
-          <a:bodyPr lIns="91440" rIns="91440" tIns="45720" bIns="45720" anchor="ctr">
+          <a:bodyPr lIns="91440" tIns="45720" rIns="91440" bIns="45720" anchor="ctr">
             <a:noAutofit/>
           </a:bodyPr>
+          <a:lstStyle/>
           <a:p>
             <a:pPr indent="0" algn="ctr" defTabSz="457200">
               <a:lnSpc>
@@ -5843,7 +8160,7 @@
               <a:buNone/>
             </a:pPr>
             <a:r>
-              <a:rPr b="0" lang="en-US" sz="4400" spc="-1" strike="noStrike">
+              <a:rPr lang="en-US" sz="4400" b="0" strike="noStrike" spc="-1">
                 <a:solidFill>
                   <a:schemeClr val="dk1"/>
                 </a:solidFill>
@@ -5851,12 +8168,6 @@
               </a:rPr>
               <a:t>Click to edit Master title style</a:t>
             </a:r>
-            <a:endParaRPr b="0" lang="en-US" sz="4400" spc="-1" strike="noStrike">
-              <a:solidFill>
-                <a:schemeClr val="dk1"/>
-              </a:solidFill>
-              <a:latin typeface="Calibri"/>
-            </a:endParaRPr>
           </a:p>
         </p:txBody>
       </p:sp>
@@ -5884,7 +8195,7 @@
           </a:ln>
         </p:spPr>
         <p:txBody>
-          <a:bodyPr lIns="91440" rIns="91440" tIns="45720" bIns="45720" anchor="ctr">
+          <a:bodyPr lIns="91440" tIns="45720" rIns="91440" bIns="45720" anchor="ctr">
             <a:noAutofit/>
           </a:bodyPr>
           <a:lstStyle>
@@ -5893,7 +8204,7 @@
                 <a:spcPct val="100000"/>
               </a:lnSpc>
               <a:buNone/>
-              <a:defRPr b="0" lang="en-US" sz="1200" spc="-1" strike="noStrike">
+              <a:defRPr lang="en-US" sz="1200" b="0" strike="noStrike" spc="-1">
                 <a:solidFill>
                   <a:schemeClr val="dk1">
                     <a:tint val="75000"/>
@@ -5911,7 +8222,7 @@
               <a:buNone/>
             </a:pPr>
             <a:r>
-              <a:rPr b="0" lang="en-US" sz="1200" spc="-1" strike="noStrike">
+              <a:rPr lang="en-US" sz="1200" b="0" strike="noStrike" spc="-1">
                 <a:solidFill>
                   <a:schemeClr val="dk1">
                     <a:tint val="75000"/>
@@ -5921,7 +8232,7 @@
               </a:rPr>
               <a:t>&lt;date/time&gt;</a:t>
             </a:r>
-            <a:endParaRPr b="0" lang="en-US" sz="1200" spc="-1" strike="noStrike">
+            <a:endParaRPr lang="en-US" sz="1200" b="0" strike="noStrike" spc="-1">
               <a:solidFill>
                 <a:srgbClr val="000000"/>
               </a:solidFill>
@@ -5954,13 +8265,13 @@
           </a:ln>
         </p:spPr>
         <p:txBody>
-          <a:bodyPr lIns="91440" rIns="91440" tIns="45720" bIns="45720" anchor="ctr">
+          <a:bodyPr lIns="91440" tIns="45720" rIns="91440" bIns="45720" anchor="ctr">
             <a:noAutofit/>
           </a:bodyPr>
           <a:lstStyle>
             <a:lvl1pPr indent="0" algn="ctr">
               <a:buNone/>
-              <a:defRPr b="0" lang="en-US" sz="1400" spc="-1" strike="noStrike">
+              <a:defRPr lang="en-US" sz="1400" b="0" strike="noStrike" spc="-1">
                 <a:solidFill>
                   <a:srgbClr val="000000"/>
                 </a:solidFill>
@@ -5973,7 +8284,7 @@
               <a:buNone/>
             </a:pPr>
             <a:r>
-              <a:rPr b="0" lang="en-US" sz="1400" spc="-1" strike="noStrike">
+              <a:rPr lang="en-US" sz="1400" b="0" strike="noStrike" spc="-1">
                 <a:solidFill>
                   <a:srgbClr val="000000"/>
                 </a:solidFill>
@@ -5981,12 +8292,6 @@
               </a:rPr>
               <a:t>&lt;footer&gt;</a:t>
             </a:r>
-            <a:endParaRPr b="0" lang="en-US" sz="1400" spc="-1" strike="noStrike">
-              <a:solidFill>
-                <a:srgbClr val="000000"/>
-              </a:solidFill>
-              <a:latin typeface="Times New Roman"/>
-            </a:endParaRPr>
           </a:p>
         </p:txBody>
       </p:sp>
@@ -6014,7 +8319,7 @@
           </a:ln>
         </p:spPr>
         <p:txBody>
-          <a:bodyPr lIns="91440" rIns="91440" tIns="45720" bIns="45720" anchor="ctr">
+          <a:bodyPr lIns="91440" tIns="45720" rIns="91440" bIns="45720" anchor="ctr">
             <a:noAutofit/>
           </a:bodyPr>
           <a:lstStyle>
@@ -6023,7 +8328,7 @@
                 <a:spcPct val="100000"/>
               </a:lnSpc>
               <a:buNone/>
-              <a:defRPr b="0" lang="en-US" sz="1200" spc="-1" strike="noStrike">
+              <a:defRPr lang="en-US" sz="1200" b="0" strike="noStrike" spc="-1">
                 <a:solidFill>
                   <a:schemeClr val="dk1">
                     <a:tint val="75000"/>
@@ -6041,7 +8346,7 @@
               <a:buNone/>
             </a:pPr>
             <a:fld id="{4BE98124-40CD-40E0-8E96-9D8BE199EE94}" type="slidenum">
-              <a:rPr b="0" lang="en-US" sz="1200" spc="-1" strike="noStrike">
+              <a:rPr lang="en-US" sz="1200" b="0" strike="noStrike" spc="-1">
                 <a:solidFill>
                   <a:schemeClr val="dk1">
                     <a:tint val="75000"/>
@@ -6049,9 +8354,9 @@
                 </a:solidFill>
                 <a:latin typeface="Calibri"/>
               </a:rPr>
-              <a:t>&lt;number&gt;</a:t>
+              <a:t>‹#›</a:t>
             </a:fld>
-            <a:endParaRPr b="0" lang="en-US" sz="1200" spc="-1" strike="noStrike">
+            <a:endParaRPr lang="en-US" sz="1200" b="0" strike="noStrike" spc="-1">
               <a:solidFill>
                 <a:srgbClr val="000000"/>
               </a:solidFill>
@@ -6084,9 +8389,10 @@
           </a:ln>
         </p:spPr>
         <p:txBody>
-          <a:bodyPr lIns="0" rIns="0" tIns="0" bIns="0" anchor="t">
+          <a:bodyPr lIns="0" tIns="0" rIns="0" bIns="0" anchor="t">
             <a:normAutofit/>
           </a:bodyPr>
+          <a:lstStyle/>
           <a:p>
             <a:pPr marL="432000" indent="-324000">
               <a:spcBef>
@@ -6100,7 +8406,7 @@
               <a:buChar char=""/>
             </a:pPr>
             <a:r>
-              <a:rPr b="0" lang="en-US" sz="3200" spc="-1" strike="noStrike">
+              <a:rPr lang="en-US" sz="3200" b="0" strike="noStrike" spc="-1">
                 <a:solidFill>
                   <a:schemeClr val="dk1"/>
                 </a:solidFill>
@@ -6108,15 +8414,9 @@
               </a:rPr>
               <a:t>Click to edit the outline text format</a:t>
             </a:r>
-            <a:endParaRPr b="0" lang="en-US" sz="3200" spc="-1" strike="noStrike">
-              <a:solidFill>
-                <a:schemeClr val="dk1"/>
-              </a:solidFill>
-              <a:latin typeface="Calibri"/>
-            </a:endParaRPr>
-          </a:p>
-          <a:p>
-            <a:pPr lvl="1" marL="864000" indent="-324000">
+          </a:p>
+          <a:p>
+            <a:pPr marL="864000" lvl="1" indent="-324000">
               <a:spcBef>
                 <a:spcPts val="1134"/>
               </a:spcBef>
@@ -6128,7 +8428,7 @@
               <a:buChar char=""/>
             </a:pPr>
             <a:r>
-              <a:rPr b="0" lang="en-US" sz="2400" spc="-1" strike="noStrike">
+              <a:rPr lang="en-US" sz="2400" b="0" strike="noStrike" spc="-1">
                 <a:solidFill>
                   <a:schemeClr val="dk1"/>
                 </a:solidFill>
@@ -6136,15 +8436,9 @@
               </a:rPr>
               <a:t>Second Outline Level</a:t>
             </a:r>
-            <a:endParaRPr b="0" lang="en-US" sz="2400" spc="-1" strike="noStrike">
-              <a:solidFill>
-                <a:schemeClr val="dk1"/>
-              </a:solidFill>
-              <a:latin typeface="Calibri"/>
-            </a:endParaRPr>
-          </a:p>
-          <a:p>
-            <a:pPr lvl="2" marL="1296000" indent="-288000">
+          </a:p>
+          <a:p>
+            <a:pPr marL="1296000" lvl="2" indent="-288000">
               <a:spcBef>
                 <a:spcPts val="850"/>
               </a:spcBef>
@@ -6156,7 +8450,7 @@
               <a:buChar char=""/>
             </a:pPr>
             <a:r>
-              <a:rPr b="0" lang="en-US" sz="2000" spc="-1" strike="noStrike">
+              <a:rPr lang="en-US" sz="2000" b="0" strike="noStrike" spc="-1">
                 <a:solidFill>
                   <a:schemeClr val="dk1"/>
                 </a:solidFill>
@@ -6164,15 +8458,9 @@
               </a:rPr>
               <a:t>Third Outline Level</a:t>
             </a:r>
-            <a:endParaRPr b="0" lang="en-US" sz="2000" spc="-1" strike="noStrike">
-              <a:solidFill>
-                <a:schemeClr val="dk1"/>
-              </a:solidFill>
-              <a:latin typeface="Calibri"/>
-            </a:endParaRPr>
-          </a:p>
-          <a:p>
-            <a:pPr lvl="3" marL="1728000" indent="-216000">
+          </a:p>
+          <a:p>
+            <a:pPr marL="1728000" lvl="3" indent="-216000">
               <a:spcBef>
                 <a:spcPts val="567"/>
               </a:spcBef>
@@ -6184,7 +8472,7 @@
               <a:buChar char=""/>
             </a:pPr>
             <a:r>
-              <a:rPr b="0" lang="en-US" sz="2000" spc="-1" strike="noStrike">
+              <a:rPr lang="en-US" sz="2000" b="0" strike="noStrike" spc="-1">
                 <a:solidFill>
                   <a:schemeClr val="dk1"/>
                 </a:solidFill>
@@ -6192,15 +8480,9 @@
               </a:rPr>
               <a:t>Fourth Outline Level</a:t>
             </a:r>
-            <a:endParaRPr b="0" lang="en-US" sz="2000" spc="-1" strike="noStrike">
-              <a:solidFill>
-                <a:schemeClr val="dk1"/>
-              </a:solidFill>
-              <a:latin typeface="Calibri"/>
-            </a:endParaRPr>
-          </a:p>
-          <a:p>
-            <a:pPr lvl="4" marL="2160000" indent="-216000">
+          </a:p>
+          <a:p>
+            <a:pPr marL="2160000" lvl="4" indent="-216000">
               <a:spcBef>
                 <a:spcPts val="283"/>
               </a:spcBef>
@@ -6212,7 +8494,7 @@
               <a:buChar char=""/>
             </a:pPr>
             <a:r>
-              <a:rPr b="0" lang="en-US" sz="2000" spc="-1" strike="noStrike">
+              <a:rPr lang="en-US" sz="2000" b="0" strike="noStrike" spc="-1">
                 <a:solidFill>
                   <a:schemeClr val="dk1"/>
                 </a:solidFill>
@@ -6220,15 +8502,9 @@
               </a:rPr>
               <a:t>Fifth Outline Level</a:t>
             </a:r>
-            <a:endParaRPr b="0" lang="en-US" sz="2000" spc="-1" strike="noStrike">
-              <a:solidFill>
-                <a:schemeClr val="dk1"/>
-              </a:solidFill>
-              <a:latin typeface="Calibri"/>
-            </a:endParaRPr>
-          </a:p>
-          <a:p>
-            <a:pPr lvl="5" marL="2592000" indent="-216000">
+          </a:p>
+          <a:p>
+            <a:pPr marL="2592000" lvl="5" indent="-216000">
               <a:spcBef>
                 <a:spcPts val="283"/>
               </a:spcBef>
@@ -6240,7 +8516,7 @@
               <a:buChar char=""/>
             </a:pPr>
             <a:r>
-              <a:rPr b="0" lang="en-US" sz="2000" spc="-1" strike="noStrike">
+              <a:rPr lang="en-US" sz="2000" b="0" strike="noStrike" spc="-1">
                 <a:solidFill>
                   <a:schemeClr val="dk1"/>
                 </a:solidFill>
@@ -6248,15 +8524,9 @@
               </a:rPr>
               <a:t>Sixth Outline Level</a:t>
             </a:r>
-            <a:endParaRPr b="0" lang="en-US" sz="2000" spc="-1" strike="noStrike">
-              <a:solidFill>
-                <a:schemeClr val="dk1"/>
-              </a:solidFill>
-              <a:latin typeface="Calibri"/>
-            </a:endParaRPr>
-          </a:p>
-          <a:p>
-            <a:pPr lvl="6" marL="3024000" indent="-216000">
+          </a:p>
+          <a:p>
+            <a:pPr marL="3024000" lvl="6" indent="-216000">
               <a:spcBef>
                 <a:spcPts val="283"/>
               </a:spcBef>
@@ -6268,7 +8538,7 @@
               <a:buChar char=""/>
             </a:pPr>
             <a:r>
-              <a:rPr b="0" lang="en-US" sz="2000" spc="-1" strike="noStrike">
+              <a:rPr lang="en-US" sz="2000" b="0" strike="noStrike" spc="-1">
                 <a:solidFill>
                   <a:schemeClr val="dk1"/>
                 </a:solidFill>
@@ -6276,32 +8546,307 @@
               </a:rPr>
               <a:t>Seventh Outline Level</a:t>
             </a:r>
-            <a:endParaRPr b="0" lang="en-US" sz="2000" spc="-1" strike="noStrike">
-              <a:solidFill>
-                <a:schemeClr val="dk1"/>
-              </a:solidFill>
-              <a:latin typeface="Calibri"/>
-            </a:endParaRPr>
           </a:p>
         </p:txBody>
       </p:sp>
     </p:spTree>
   </p:cSld>
-  <p:clrMap bg1="lt1" bg2="lt2" tx1="dk1" tx2="dk2" accent1="accent1" accent2="accent2" accent3="accent3" accent4="accent4" accent5="accent5" accent6="accent6" hlink="hlink" folHlink="folHlink"/>
+  <p:clrMap bg1="lt1" tx1="dk1" bg2="lt2" tx2="dk2" accent1="accent1" accent2="accent2" accent3="accent3" accent4="accent4" accent5="accent5" accent6="accent6" hlink="hlink" folHlink="folHlink"/>
   <p:sldLayoutIdLst>
-    <p:sldLayoutId id="2147483663" r:id="rId2"/>
+    <p:sldLayoutId id="2147483663" r:id="rId1"/>
   </p:sldLayoutIdLst>
+  <p:txStyles>
+    <p:titleStyle>
+      <a:lvl1pPr algn="l" defTabSz="914400" rtl="0" eaLnBrk="1" latinLnBrk="0" hangingPunct="1">
+        <a:lnSpc>
+          <a:spcPct val="90000"/>
+        </a:lnSpc>
+        <a:spcBef>
+          <a:spcPct val="0"/>
+        </a:spcBef>
+        <a:buNone/>
+        <a:defRPr sz="4400" kern="1200">
+          <a:solidFill>
+            <a:schemeClr val="tx1"/>
+          </a:solidFill>
+          <a:latin typeface="+mj-lt"/>
+          <a:ea typeface="+mj-ea"/>
+          <a:cs typeface="+mj-cs"/>
+        </a:defRPr>
+      </a:lvl1pPr>
+    </p:titleStyle>
+    <p:bodyStyle>
+      <a:lvl1pPr marL="228600" indent="-228600" algn="l" defTabSz="914400" rtl="0" eaLnBrk="1" latinLnBrk="0" hangingPunct="1">
+        <a:lnSpc>
+          <a:spcPct val="90000"/>
+        </a:lnSpc>
+        <a:spcBef>
+          <a:spcPts val="1000"/>
+        </a:spcBef>
+        <a:buFont typeface="Arial" panose="020B0604020202020204" pitchFamily="34" charset="0"/>
+        <a:buChar char="•"/>
+        <a:defRPr sz="2800" kern="1200">
+          <a:solidFill>
+            <a:schemeClr val="tx1"/>
+          </a:solidFill>
+          <a:latin typeface="+mn-lt"/>
+          <a:ea typeface="+mn-ea"/>
+          <a:cs typeface="+mn-cs"/>
+        </a:defRPr>
+      </a:lvl1pPr>
+      <a:lvl2pPr marL="685800" indent="-228600" algn="l" defTabSz="914400" rtl="0" eaLnBrk="1" latinLnBrk="0" hangingPunct="1">
+        <a:lnSpc>
+          <a:spcPct val="90000"/>
+        </a:lnSpc>
+        <a:spcBef>
+          <a:spcPts val="500"/>
+        </a:spcBef>
+        <a:buFont typeface="Arial" panose="020B0604020202020204" pitchFamily="34" charset="0"/>
+        <a:buChar char="•"/>
+        <a:defRPr sz="2400" kern="1200">
+          <a:solidFill>
+            <a:schemeClr val="tx1"/>
+          </a:solidFill>
+          <a:latin typeface="+mn-lt"/>
+          <a:ea typeface="+mn-ea"/>
+          <a:cs typeface="+mn-cs"/>
+        </a:defRPr>
+      </a:lvl2pPr>
+      <a:lvl3pPr marL="1143000" indent="-228600" algn="l" defTabSz="914400" rtl="0" eaLnBrk="1" latinLnBrk="0" hangingPunct="1">
+        <a:lnSpc>
+          <a:spcPct val="90000"/>
+        </a:lnSpc>
+        <a:spcBef>
+          <a:spcPts val="500"/>
+        </a:spcBef>
+        <a:buFont typeface="Arial" panose="020B0604020202020204" pitchFamily="34" charset="0"/>
+        <a:buChar char="•"/>
+        <a:defRPr sz="2000" kern="1200">
+          <a:solidFill>
+            <a:schemeClr val="tx1"/>
+          </a:solidFill>
+          <a:latin typeface="+mn-lt"/>
+          <a:ea typeface="+mn-ea"/>
+          <a:cs typeface="+mn-cs"/>
+        </a:defRPr>
+      </a:lvl3pPr>
+      <a:lvl4pPr marL="1600200" indent="-228600" algn="l" defTabSz="914400" rtl="0" eaLnBrk="1" latinLnBrk="0" hangingPunct="1">
+        <a:lnSpc>
+          <a:spcPct val="90000"/>
+        </a:lnSpc>
+        <a:spcBef>
+          <a:spcPts val="500"/>
+        </a:spcBef>
+        <a:buFont typeface="Arial" panose="020B0604020202020204" pitchFamily="34" charset="0"/>
+        <a:buChar char="•"/>
+        <a:defRPr sz="1800" kern="1200">
+          <a:solidFill>
+            <a:schemeClr val="tx1"/>
+          </a:solidFill>
+          <a:latin typeface="+mn-lt"/>
+          <a:ea typeface="+mn-ea"/>
+          <a:cs typeface="+mn-cs"/>
+        </a:defRPr>
+      </a:lvl4pPr>
+      <a:lvl5pPr marL="2057400" indent="-228600" algn="l" defTabSz="914400" rtl="0" eaLnBrk="1" latinLnBrk="0" hangingPunct="1">
+        <a:lnSpc>
+          <a:spcPct val="90000"/>
+        </a:lnSpc>
+        <a:spcBef>
+          <a:spcPts val="500"/>
+        </a:spcBef>
+        <a:buFont typeface="Arial" panose="020B0604020202020204" pitchFamily="34" charset="0"/>
+        <a:buChar char="•"/>
+        <a:defRPr sz="1800" kern="1200">
+          <a:solidFill>
+            <a:schemeClr val="tx1"/>
+          </a:solidFill>
+          <a:latin typeface="+mn-lt"/>
+          <a:ea typeface="+mn-ea"/>
+          <a:cs typeface="+mn-cs"/>
+        </a:defRPr>
+      </a:lvl5pPr>
+      <a:lvl6pPr marL="2514600" indent="-228600" algn="l" defTabSz="914400" rtl="0" eaLnBrk="1" latinLnBrk="0" hangingPunct="1">
+        <a:lnSpc>
+          <a:spcPct val="90000"/>
+        </a:lnSpc>
+        <a:spcBef>
+          <a:spcPts val="500"/>
+        </a:spcBef>
+        <a:buFont typeface="Arial" panose="020B0604020202020204" pitchFamily="34" charset="0"/>
+        <a:buChar char="•"/>
+        <a:defRPr sz="1800" kern="1200">
+          <a:solidFill>
+            <a:schemeClr val="tx1"/>
+          </a:solidFill>
+          <a:latin typeface="+mn-lt"/>
+          <a:ea typeface="+mn-ea"/>
+          <a:cs typeface="+mn-cs"/>
+        </a:defRPr>
+      </a:lvl6pPr>
+      <a:lvl7pPr marL="2971800" indent="-228600" algn="l" defTabSz="914400" rtl="0" eaLnBrk="1" latinLnBrk="0" hangingPunct="1">
+        <a:lnSpc>
+          <a:spcPct val="90000"/>
+        </a:lnSpc>
+        <a:spcBef>
+          <a:spcPts val="500"/>
+        </a:spcBef>
+        <a:buFont typeface="Arial" panose="020B0604020202020204" pitchFamily="34" charset="0"/>
+        <a:buChar char="•"/>
+        <a:defRPr sz="1800" kern="1200">
+          <a:solidFill>
+            <a:schemeClr val="tx1"/>
+          </a:solidFill>
+          <a:latin typeface="+mn-lt"/>
+          <a:ea typeface="+mn-ea"/>
+          <a:cs typeface="+mn-cs"/>
+        </a:defRPr>
+      </a:lvl7pPr>
+      <a:lvl8pPr marL="3429000" indent="-228600" algn="l" defTabSz="914400" rtl="0" eaLnBrk="1" latinLnBrk="0" hangingPunct="1">
+        <a:lnSpc>
+          <a:spcPct val="90000"/>
+        </a:lnSpc>
+        <a:spcBef>
+          <a:spcPts val="500"/>
+        </a:spcBef>
+        <a:buFont typeface="Arial" panose="020B0604020202020204" pitchFamily="34" charset="0"/>
+        <a:buChar char="•"/>
+        <a:defRPr sz="1800" kern="1200">
+          <a:solidFill>
+            <a:schemeClr val="tx1"/>
+          </a:solidFill>
+          <a:latin typeface="+mn-lt"/>
+          <a:ea typeface="+mn-ea"/>
+          <a:cs typeface="+mn-cs"/>
+        </a:defRPr>
+      </a:lvl8pPr>
+      <a:lvl9pPr marL="3886200" indent="-228600" algn="l" defTabSz="914400" rtl="0" eaLnBrk="1" latinLnBrk="0" hangingPunct="1">
+        <a:lnSpc>
+          <a:spcPct val="90000"/>
+        </a:lnSpc>
+        <a:spcBef>
+          <a:spcPts val="500"/>
+        </a:spcBef>
+        <a:buFont typeface="Arial" panose="020B0604020202020204" pitchFamily="34" charset="0"/>
+        <a:buChar char="•"/>
+        <a:defRPr sz="1800" kern="1200">
+          <a:solidFill>
+            <a:schemeClr val="tx1"/>
+          </a:solidFill>
+          <a:latin typeface="+mn-lt"/>
+          <a:ea typeface="+mn-ea"/>
+          <a:cs typeface="+mn-cs"/>
+        </a:defRPr>
+      </a:lvl9pPr>
+    </p:bodyStyle>
+    <p:otherStyle>
+      <a:defPPr>
+        <a:defRPr lang="en-US"/>
+      </a:defPPr>
+      <a:lvl1pPr marL="0" algn="l" defTabSz="914400" rtl="0" eaLnBrk="1" latinLnBrk="0" hangingPunct="1">
+        <a:defRPr sz="1800" kern="1200">
+          <a:solidFill>
+            <a:schemeClr val="tx1"/>
+          </a:solidFill>
+          <a:latin typeface="+mn-lt"/>
+          <a:ea typeface="+mn-ea"/>
+          <a:cs typeface="+mn-cs"/>
+        </a:defRPr>
+      </a:lvl1pPr>
+      <a:lvl2pPr marL="457200" algn="l" defTabSz="914400" rtl="0" eaLnBrk="1" latinLnBrk="0" hangingPunct="1">
+        <a:defRPr sz="1800" kern="1200">
+          <a:solidFill>
+            <a:schemeClr val="tx1"/>
+          </a:solidFill>
+          <a:latin typeface="+mn-lt"/>
+          <a:ea typeface="+mn-ea"/>
+          <a:cs typeface="+mn-cs"/>
+        </a:defRPr>
+      </a:lvl2pPr>
+      <a:lvl3pPr marL="914400" algn="l" defTabSz="914400" rtl="0" eaLnBrk="1" latinLnBrk="0" hangingPunct="1">
+        <a:defRPr sz="1800" kern="1200">
+          <a:solidFill>
+            <a:schemeClr val="tx1"/>
+          </a:solidFill>
+          <a:latin typeface="+mn-lt"/>
+          <a:ea typeface="+mn-ea"/>
+          <a:cs typeface="+mn-cs"/>
+        </a:defRPr>
+      </a:lvl3pPr>
+      <a:lvl4pPr marL="1371600" algn="l" defTabSz="914400" rtl="0" eaLnBrk="1" latinLnBrk="0" hangingPunct="1">
+        <a:defRPr sz="1800" kern="1200">
+          <a:solidFill>
+            <a:schemeClr val="tx1"/>
+          </a:solidFill>
+          <a:latin typeface="+mn-lt"/>
+          <a:ea typeface="+mn-ea"/>
+          <a:cs typeface="+mn-cs"/>
+        </a:defRPr>
+      </a:lvl4pPr>
+      <a:lvl5pPr marL="1828800" algn="l" defTabSz="914400" rtl="0" eaLnBrk="1" latinLnBrk="0" hangingPunct="1">
+        <a:defRPr sz="1800" kern="1200">
+          <a:solidFill>
+            <a:schemeClr val="tx1"/>
+          </a:solidFill>
+          <a:latin typeface="+mn-lt"/>
+          <a:ea typeface="+mn-ea"/>
+          <a:cs typeface="+mn-cs"/>
+        </a:defRPr>
+      </a:lvl5pPr>
+      <a:lvl6pPr marL="2286000" algn="l" defTabSz="914400" rtl="0" eaLnBrk="1" latinLnBrk="0" hangingPunct="1">
+        <a:defRPr sz="1800" kern="1200">
+          <a:solidFill>
+            <a:schemeClr val="tx1"/>
+          </a:solidFill>
+          <a:latin typeface="+mn-lt"/>
+          <a:ea typeface="+mn-ea"/>
+          <a:cs typeface="+mn-cs"/>
+        </a:defRPr>
+      </a:lvl6pPr>
+      <a:lvl7pPr marL="2743200" algn="l" defTabSz="914400" rtl="0" eaLnBrk="1" latinLnBrk="0" hangingPunct="1">
+        <a:defRPr sz="1800" kern="1200">
+          <a:solidFill>
+            <a:schemeClr val="tx1"/>
+          </a:solidFill>
+          <a:latin typeface="+mn-lt"/>
+          <a:ea typeface="+mn-ea"/>
+          <a:cs typeface="+mn-cs"/>
+        </a:defRPr>
+      </a:lvl7pPr>
+      <a:lvl8pPr marL="3200400" algn="l" defTabSz="914400" rtl="0" eaLnBrk="1" latinLnBrk="0" hangingPunct="1">
+        <a:defRPr sz="1800" kern="1200">
+          <a:solidFill>
+            <a:schemeClr val="tx1"/>
+          </a:solidFill>
+          <a:latin typeface="+mn-lt"/>
+          <a:ea typeface="+mn-ea"/>
+          <a:cs typeface="+mn-cs"/>
+        </a:defRPr>
+      </a:lvl8pPr>
+      <a:lvl9pPr marL="3657600" algn="l" defTabSz="914400" rtl="0" eaLnBrk="1" latinLnBrk="0" hangingPunct="1">
+        <a:defRPr sz="1800" kern="1200">
+          <a:solidFill>
+            <a:schemeClr val="tx1"/>
+          </a:solidFill>
+          <a:latin typeface="+mn-lt"/>
+          <a:ea typeface="+mn-ea"/>
+          <a:cs typeface="+mn-cs"/>
+        </a:defRPr>
+      </a:lvl9pPr>
+    </p:otherStyle>
+  </p:txStyles>
 </p:sldMaster>
 </file>
 
 <file path=ppt/slideMasters/slideMaster9.xml><?xml version="1.0" encoding="utf-8"?>
-<p:sldMaster xmlns:a="http://schemas.openxmlformats.org/drawingml/2006/main" xmlns:p="http://schemas.openxmlformats.org/presentationml/2006/main" xmlns:r="http://schemas.openxmlformats.org/officeDocument/2006/relationships" xmlns:p14="http://schemas.microsoft.com/office/powerpoint/2010/main" xmlns:p15="http://schemas.microsoft.com/office/powerpoint/2012/main" xmlns:mc="http://schemas.openxmlformats.org/markup-compatibility/2006">
+<p:sldMaster xmlns:a="http://schemas.openxmlformats.org/drawingml/2006/main" xmlns:r="http://schemas.openxmlformats.org/officeDocument/2006/relationships" xmlns:p="http://schemas.openxmlformats.org/presentationml/2006/main">
   <p:cSld>
     <p:bg>
       <p:bgPr>
         <a:solidFill>
-          <a:srgbClr val="ffffff"/>
+          <a:srgbClr val="FFFFFF"/>
         </a:solidFill>
+        <a:effectLst/>
       </p:bgPr>
     </p:bg>
     <p:spTree>
@@ -6342,7 +8887,7 @@
           </a:ln>
         </p:spPr>
         <p:txBody>
-          <a:bodyPr lIns="91440" rIns="91440" tIns="45720" bIns="45720" anchor="ctr">
+          <a:bodyPr lIns="91440" tIns="45720" rIns="91440" bIns="45720" anchor="ctr">
             <a:noAutofit/>
           </a:bodyPr>
           <a:lstStyle>
@@ -6351,7 +8896,7 @@
                 <a:spcPct val="100000"/>
               </a:lnSpc>
               <a:buNone/>
-              <a:defRPr b="0" lang="en-US" sz="1200" spc="-1" strike="noStrike">
+              <a:defRPr lang="en-US" sz="1200" b="0" strike="noStrike" spc="-1">
                 <a:solidFill>
                   <a:schemeClr val="dk1">
                     <a:tint val="75000"/>
@@ -6369,7 +8914,7 @@
               <a:buNone/>
             </a:pPr>
             <a:r>
-              <a:rPr b="0" lang="en-US" sz="1200" spc="-1" strike="noStrike">
+              <a:rPr lang="en-US" sz="1200" b="0" strike="noStrike" spc="-1">
                 <a:solidFill>
                   <a:schemeClr val="dk1">
                     <a:tint val="75000"/>
@@ -6379,7 +8924,7 @@
               </a:rPr>
               <a:t>&lt;date/time&gt;</a:t>
             </a:r>
-            <a:endParaRPr b="0" lang="en-US" sz="1200" spc="-1" strike="noStrike">
+            <a:endParaRPr lang="en-US" sz="1200" b="0" strike="noStrike" spc="-1">
               <a:solidFill>
                 <a:srgbClr val="000000"/>
               </a:solidFill>
@@ -6412,13 +8957,13 @@
           </a:ln>
         </p:spPr>
         <p:txBody>
-          <a:bodyPr lIns="91440" rIns="91440" tIns="45720" bIns="45720" anchor="ctr">
+          <a:bodyPr lIns="91440" tIns="45720" rIns="91440" bIns="45720" anchor="ctr">
             <a:noAutofit/>
           </a:bodyPr>
           <a:lstStyle>
             <a:lvl1pPr indent="0" algn="ctr">
               <a:buNone/>
-              <a:defRPr b="0" lang="en-US" sz="1400" spc="-1" strike="noStrike">
+              <a:defRPr lang="en-US" sz="1400" b="0" strike="noStrike" spc="-1">
                 <a:solidFill>
                   <a:srgbClr val="000000"/>
                 </a:solidFill>
@@ -6431,7 +8976,7 @@
               <a:buNone/>
             </a:pPr>
             <a:r>
-              <a:rPr b="0" lang="en-US" sz="1400" spc="-1" strike="noStrike">
+              <a:rPr lang="en-US" sz="1400" b="0" strike="noStrike" spc="-1">
                 <a:solidFill>
                   <a:srgbClr val="000000"/>
                 </a:solidFill>
@@ -6439,12 +8984,6 @@
               </a:rPr>
               <a:t>&lt;footer&gt;</a:t>
             </a:r>
-            <a:endParaRPr b="0" lang="en-US" sz="1400" spc="-1" strike="noStrike">
-              <a:solidFill>
-                <a:srgbClr val="000000"/>
-              </a:solidFill>
-              <a:latin typeface="Times New Roman"/>
-            </a:endParaRPr>
           </a:p>
         </p:txBody>
       </p:sp>
@@ -6472,7 +9011,7 @@
           </a:ln>
         </p:spPr>
         <p:txBody>
-          <a:bodyPr lIns="91440" rIns="91440" tIns="45720" bIns="45720" anchor="ctr">
+          <a:bodyPr lIns="91440" tIns="45720" rIns="91440" bIns="45720" anchor="ctr">
             <a:noAutofit/>
           </a:bodyPr>
           <a:lstStyle>
@@ -6481,7 +9020,7 @@
                 <a:spcPct val="100000"/>
               </a:lnSpc>
               <a:buNone/>
-              <a:defRPr b="0" lang="en-US" sz="1200" spc="-1" strike="noStrike">
+              <a:defRPr lang="en-US" sz="1200" b="0" strike="noStrike" spc="-1">
                 <a:solidFill>
                   <a:schemeClr val="dk1">
                     <a:tint val="75000"/>
@@ -6499,7 +9038,7 @@
               <a:buNone/>
             </a:pPr>
             <a:fld id="{0860049C-5CA1-4A84-98DC-42B44D93F2D6}" type="slidenum">
-              <a:rPr b="0" lang="en-US" sz="1200" spc="-1" strike="noStrike">
+              <a:rPr lang="en-US" sz="1200" b="0" strike="noStrike" spc="-1">
                 <a:solidFill>
                   <a:schemeClr val="dk1">
                     <a:tint val="75000"/>
@@ -6507,9 +9046,9 @@
                 </a:solidFill>
                 <a:latin typeface="Calibri"/>
               </a:rPr>
-              <a:t>&lt;number&gt;</a:t>
+              <a:t>‹#›</a:t>
             </a:fld>
-            <a:endParaRPr b="0" lang="en-US" sz="1200" spc="-1" strike="noStrike">
+            <a:endParaRPr lang="en-US" sz="1200" b="0" strike="noStrike" spc="-1">
               <a:solidFill>
                 <a:srgbClr val="000000"/>
               </a:solidFill>
@@ -6520,15 +9059,295 @@
       </p:sp>
     </p:spTree>
   </p:cSld>
-  <p:clrMap bg1="lt1" bg2="lt2" tx1="dk1" tx2="dk2" accent1="accent1" accent2="accent2" accent3="accent3" accent4="accent4" accent5="accent5" accent6="accent6" hlink="hlink" folHlink="folHlink"/>
+  <p:clrMap bg1="lt1" tx1="dk1" bg2="lt2" tx2="dk2" accent1="accent1" accent2="accent2" accent3="accent3" accent4="accent4" accent5="accent5" accent6="accent6" hlink="hlink" folHlink="folHlink"/>
   <p:sldLayoutIdLst>
-    <p:sldLayoutId id="2147483665" r:id="rId2"/>
+    <p:sldLayoutId id="2147483665" r:id="rId1"/>
   </p:sldLayoutIdLst>
+  <p:txStyles>
+    <p:titleStyle>
+      <a:lvl1pPr algn="l" defTabSz="914400" rtl="0" eaLnBrk="1" latinLnBrk="0" hangingPunct="1">
+        <a:lnSpc>
+          <a:spcPct val="90000"/>
+        </a:lnSpc>
+        <a:spcBef>
+          <a:spcPct val="0"/>
+        </a:spcBef>
+        <a:buNone/>
+        <a:defRPr sz="4400" kern="1200">
+          <a:solidFill>
+            <a:schemeClr val="tx1"/>
+          </a:solidFill>
+          <a:latin typeface="+mj-lt"/>
+          <a:ea typeface="+mj-ea"/>
+          <a:cs typeface="+mj-cs"/>
+        </a:defRPr>
+      </a:lvl1pPr>
+    </p:titleStyle>
+    <p:bodyStyle>
+      <a:lvl1pPr marL="228600" indent="-228600" algn="l" defTabSz="914400" rtl="0" eaLnBrk="1" latinLnBrk="0" hangingPunct="1">
+        <a:lnSpc>
+          <a:spcPct val="90000"/>
+        </a:lnSpc>
+        <a:spcBef>
+          <a:spcPts val="1000"/>
+        </a:spcBef>
+        <a:buFont typeface="Arial" panose="020B0604020202020204" pitchFamily="34" charset="0"/>
+        <a:buChar char="•"/>
+        <a:defRPr sz="2800" kern="1200">
+          <a:solidFill>
+            <a:schemeClr val="tx1"/>
+          </a:solidFill>
+          <a:latin typeface="+mn-lt"/>
+          <a:ea typeface="+mn-ea"/>
+          <a:cs typeface="+mn-cs"/>
+        </a:defRPr>
+      </a:lvl1pPr>
+      <a:lvl2pPr marL="685800" indent="-228600" algn="l" defTabSz="914400" rtl="0" eaLnBrk="1" latinLnBrk="0" hangingPunct="1">
+        <a:lnSpc>
+          <a:spcPct val="90000"/>
+        </a:lnSpc>
+        <a:spcBef>
+          <a:spcPts val="500"/>
+        </a:spcBef>
+        <a:buFont typeface="Arial" panose="020B0604020202020204" pitchFamily="34" charset="0"/>
+        <a:buChar char="•"/>
+        <a:defRPr sz="2400" kern="1200">
+          <a:solidFill>
+            <a:schemeClr val="tx1"/>
+          </a:solidFill>
+          <a:latin typeface="+mn-lt"/>
+          <a:ea typeface="+mn-ea"/>
+          <a:cs typeface="+mn-cs"/>
+        </a:defRPr>
+      </a:lvl2pPr>
+      <a:lvl3pPr marL="1143000" indent="-228600" algn="l" defTabSz="914400" rtl="0" eaLnBrk="1" latinLnBrk="0" hangingPunct="1">
+        <a:lnSpc>
+          <a:spcPct val="90000"/>
+        </a:lnSpc>
+        <a:spcBef>
+          <a:spcPts val="500"/>
+        </a:spcBef>
+        <a:buFont typeface="Arial" panose="020B0604020202020204" pitchFamily="34" charset="0"/>
+        <a:buChar char="•"/>
+        <a:defRPr sz="2000" kern="1200">
+          <a:solidFill>
+            <a:schemeClr val="tx1"/>
+          </a:solidFill>
+          <a:latin typeface="+mn-lt"/>
+          <a:ea typeface="+mn-ea"/>
+          <a:cs typeface="+mn-cs"/>
+        </a:defRPr>
+      </a:lvl3pPr>
+      <a:lvl4pPr marL="1600200" indent="-228600" algn="l" defTabSz="914400" rtl="0" eaLnBrk="1" latinLnBrk="0" hangingPunct="1">
+        <a:lnSpc>
+          <a:spcPct val="90000"/>
+        </a:lnSpc>
+        <a:spcBef>
+          <a:spcPts val="500"/>
+        </a:spcBef>
+        <a:buFont typeface="Arial" panose="020B0604020202020204" pitchFamily="34" charset="0"/>
+        <a:buChar char="•"/>
+        <a:defRPr sz="1800" kern="1200">
+          <a:solidFill>
+            <a:schemeClr val="tx1"/>
+          </a:solidFill>
+          <a:latin typeface="+mn-lt"/>
+          <a:ea typeface="+mn-ea"/>
+          <a:cs typeface="+mn-cs"/>
+        </a:defRPr>
+      </a:lvl4pPr>
+      <a:lvl5pPr marL="2057400" indent="-228600" algn="l" defTabSz="914400" rtl="0" eaLnBrk="1" latinLnBrk="0" hangingPunct="1">
+        <a:lnSpc>
+          <a:spcPct val="90000"/>
+        </a:lnSpc>
+        <a:spcBef>
+          <a:spcPts val="500"/>
+        </a:spcBef>
+        <a:buFont typeface="Arial" panose="020B0604020202020204" pitchFamily="34" charset="0"/>
+        <a:buChar char="•"/>
+        <a:defRPr sz="1800" kern="1200">
+          <a:solidFill>
+            <a:schemeClr val="tx1"/>
+          </a:solidFill>
+          <a:latin typeface="+mn-lt"/>
+          <a:ea typeface="+mn-ea"/>
+          <a:cs typeface="+mn-cs"/>
+        </a:defRPr>
+      </a:lvl5pPr>
+      <a:lvl6pPr marL="2514600" indent="-228600" algn="l" defTabSz="914400" rtl="0" eaLnBrk="1" latinLnBrk="0" hangingPunct="1">
+        <a:lnSpc>
+          <a:spcPct val="90000"/>
+        </a:lnSpc>
+        <a:spcBef>
+          <a:spcPts val="500"/>
+        </a:spcBef>
+        <a:buFont typeface="Arial" panose="020B0604020202020204" pitchFamily="34" charset="0"/>
+        <a:buChar char="•"/>
+        <a:defRPr sz="1800" kern="1200">
+          <a:solidFill>
+            <a:schemeClr val="tx1"/>
+          </a:solidFill>
+          <a:latin typeface="+mn-lt"/>
+          <a:ea typeface="+mn-ea"/>
+          <a:cs typeface="+mn-cs"/>
+        </a:defRPr>
+      </a:lvl6pPr>
+      <a:lvl7pPr marL="2971800" indent="-228600" algn="l" defTabSz="914400" rtl="0" eaLnBrk="1" latinLnBrk="0" hangingPunct="1">
+        <a:lnSpc>
+          <a:spcPct val="90000"/>
+        </a:lnSpc>
+        <a:spcBef>
+          <a:spcPts val="500"/>
+        </a:spcBef>
+        <a:buFont typeface="Arial" panose="020B0604020202020204" pitchFamily="34" charset="0"/>
+        <a:buChar char="•"/>
+        <a:defRPr sz="1800" kern="1200">
+          <a:solidFill>
+            <a:schemeClr val="tx1"/>
+          </a:solidFill>
+          <a:latin typeface="+mn-lt"/>
+          <a:ea typeface="+mn-ea"/>
+          <a:cs typeface="+mn-cs"/>
+        </a:defRPr>
+      </a:lvl7pPr>
+      <a:lvl8pPr marL="3429000" indent="-228600" algn="l" defTabSz="914400" rtl="0" eaLnBrk="1" latinLnBrk="0" hangingPunct="1">
+        <a:lnSpc>
+          <a:spcPct val="90000"/>
+        </a:lnSpc>
+        <a:spcBef>
+          <a:spcPts val="500"/>
+        </a:spcBef>
+        <a:buFont typeface="Arial" panose="020B0604020202020204" pitchFamily="34" charset="0"/>
+        <a:buChar char="•"/>
+        <a:defRPr sz="1800" kern="1200">
+          <a:solidFill>
+            <a:schemeClr val="tx1"/>
+          </a:solidFill>
+          <a:latin typeface="+mn-lt"/>
+          <a:ea typeface="+mn-ea"/>
+          <a:cs typeface="+mn-cs"/>
+        </a:defRPr>
+      </a:lvl8pPr>
+      <a:lvl9pPr marL="3886200" indent="-228600" algn="l" defTabSz="914400" rtl="0" eaLnBrk="1" latinLnBrk="0" hangingPunct="1">
+        <a:lnSpc>
+          <a:spcPct val="90000"/>
+        </a:lnSpc>
+        <a:spcBef>
+          <a:spcPts val="500"/>
+        </a:spcBef>
+        <a:buFont typeface="Arial" panose="020B0604020202020204" pitchFamily="34" charset="0"/>
+        <a:buChar char="•"/>
+        <a:defRPr sz="1800" kern="1200">
+          <a:solidFill>
+            <a:schemeClr val="tx1"/>
+          </a:solidFill>
+          <a:latin typeface="+mn-lt"/>
+          <a:ea typeface="+mn-ea"/>
+          <a:cs typeface="+mn-cs"/>
+        </a:defRPr>
+      </a:lvl9pPr>
+    </p:bodyStyle>
+    <p:otherStyle>
+      <a:defPPr>
+        <a:defRPr lang="en-US"/>
+      </a:defPPr>
+      <a:lvl1pPr marL="0" algn="l" defTabSz="914400" rtl="0" eaLnBrk="1" latinLnBrk="0" hangingPunct="1">
+        <a:defRPr sz="1800" kern="1200">
+          <a:solidFill>
+            <a:schemeClr val="tx1"/>
+          </a:solidFill>
+          <a:latin typeface="+mn-lt"/>
+          <a:ea typeface="+mn-ea"/>
+          <a:cs typeface="+mn-cs"/>
+        </a:defRPr>
+      </a:lvl1pPr>
+      <a:lvl2pPr marL="457200" algn="l" defTabSz="914400" rtl="0" eaLnBrk="1" latinLnBrk="0" hangingPunct="1">
+        <a:defRPr sz="1800" kern="1200">
+          <a:solidFill>
+            <a:schemeClr val="tx1"/>
+          </a:solidFill>
+          <a:latin typeface="+mn-lt"/>
+          <a:ea typeface="+mn-ea"/>
+          <a:cs typeface="+mn-cs"/>
+        </a:defRPr>
+      </a:lvl2pPr>
+      <a:lvl3pPr marL="914400" algn="l" defTabSz="914400" rtl="0" eaLnBrk="1" latinLnBrk="0" hangingPunct="1">
+        <a:defRPr sz="1800" kern="1200">
+          <a:solidFill>
+            <a:schemeClr val="tx1"/>
+          </a:solidFill>
+          <a:latin typeface="+mn-lt"/>
+          <a:ea typeface="+mn-ea"/>
+          <a:cs typeface="+mn-cs"/>
+        </a:defRPr>
+      </a:lvl3pPr>
+      <a:lvl4pPr marL="1371600" algn="l" defTabSz="914400" rtl="0" eaLnBrk="1" latinLnBrk="0" hangingPunct="1">
+        <a:defRPr sz="1800" kern="1200">
+          <a:solidFill>
+            <a:schemeClr val="tx1"/>
+          </a:solidFill>
+          <a:latin typeface="+mn-lt"/>
+          <a:ea typeface="+mn-ea"/>
+          <a:cs typeface="+mn-cs"/>
+        </a:defRPr>
+      </a:lvl4pPr>
+      <a:lvl5pPr marL="1828800" algn="l" defTabSz="914400" rtl="0" eaLnBrk="1" latinLnBrk="0" hangingPunct="1">
+        <a:defRPr sz="1800" kern="1200">
+          <a:solidFill>
+            <a:schemeClr val="tx1"/>
+          </a:solidFill>
+          <a:latin typeface="+mn-lt"/>
+          <a:ea typeface="+mn-ea"/>
+          <a:cs typeface="+mn-cs"/>
+        </a:defRPr>
+      </a:lvl5pPr>
+      <a:lvl6pPr marL="2286000" algn="l" defTabSz="914400" rtl="0" eaLnBrk="1" latinLnBrk="0" hangingPunct="1">
+        <a:defRPr sz="1800" kern="1200">
+          <a:solidFill>
+            <a:schemeClr val="tx1"/>
+          </a:solidFill>
+          <a:latin typeface="+mn-lt"/>
+          <a:ea typeface="+mn-ea"/>
+          <a:cs typeface="+mn-cs"/>
+        </a:defRPr>
+      </a:lvl6pPr>
+      <a:lvl7pPr marL="2743200" algn="l" defTabSz="914400" rtl="0" eaLnBrk="1" latinLnBrk="0" hangingPunct="1">
+        <a:defRPr sz="1800" kern="1200">
+          <a:solidFill>
+            <a:schemeClr val="tx1"/>
+          </a:solidFill>
+          <a:latin typeface="+mn-lt"/>
+          <a:ea typeface="+mn-ea"/>
+          <a:cs typeface="+mn-cs"/>
+        </a:defRPr>
+      </a:lvl7pPr>
+      <a:lvl8pPr marL="3200400" algn="l" defTabSz="914400" rtl="0" eaLnBrk="1" latinLnBrk="0" hangingPunct="1">
+        <a:defRPr sz="1800" kern="1200">
+          <a:solidFill>
+            <a:schemeClr val="tx1"/>
+          </a:solidFill>
+          <a:latin typeface="+mn-lt"/>
+          <a:ea typeface="+mn-ea"/>
+          <a:cs typeface="+mn-cs"/>
+        </a:defRPr>
+      </a:lvl8pPr>
+      <a:lvl9pPr marL="3657600" algn="l" defTabSz="914400" rtl="0" eaLnBrk="1" latinLnBrk="0" hangingPunct="1">
+        <a:defRPr sz="1800" kern="1200">
+          <a:solidFill>
+            <a:schemeClr val="tx1"/>
+          </a:solidFill>
+          <a:latin typeface="+mn-lt"/>
+          <a:ea typeface="+mn-ea"/>
+          <a:cs typeface="+mn-cs"/>
+        </a:defRPr>
+      </a:lvl9pPr>
+    </p:otherStyle>
+  </p:txStyles>
 </p:sldMaster>
 </file>
 
 <file path=ppt/slides/slide1.xml><?xml version="1.0" encoding="utf-8"?>
-<p:sld xmlns:a="http://schemas.openxmlformats.org/drawingml/2006/main" xmlns:p="http://schemas.openxmlformats.org/presentationml/2006/main" xmlns:r="http://schemas.openxmlformats.org/officeDocument/2006/relationships" xmlns:p14="http://schemas.microsoft.com/office/powerpoint/2010/main" xmlns:p15="http://schemas.microsoft.com/office/powerpoint/2012/main" xmlns:mc="http://schemas.openxmlformats.org/markup-compatibility/2006">
+<p:sld xmlns:a="http://schemas.openxmlformats.org/drawingml/2006/main" xmlns:r="http://schemas.openxmlformats.org/officeDocument/2006/relationships" xmlns:p="http://schemas.openxmlformats.org/presentationml/2006/main">
   <p:cSld>
     <p:spTree>
       <p:nvGrpSpPr>
@@ -6551,7 +9370,7 @@
           <p:nvPr/>
         </p:nvPicPr>
         <p:blipFill>
-          <a:blip r:embed="rId1"/>
+          <a:blip r:embed="rId2"/>
           <a:stretch/>
         </p:blipFill>
         <p:spPr>
@@ -6569,11 +9388,14 @@
       </p:pic>
     </p:spTree>
   </p:cSld>
-  <mc:AlternateContent>
+  <p:clrMapOvr>
+    <a:masterClrMapping/>
+  </p:clrMapOvr>
+  <mc:AlternateContent xmlns:mc="http://schemas.openxmlformats.org/markup-compatibility/2006" xmlns:p14="http://schemas.microsoft.com/office/powerpoint/2010/main">
     <mc:Choice Requires="p14">
       <p:transition spd="slow" p14:dur="2000"/>
     </mc:Choice>
-    <mc:Fallback>
+    <mc:Fallback xmlns:p15="http://schemas.microsoft.com/office/powerpoint/2012/main" xmlns="">
       <p:transition spd="slow"/>
     </mc:Fallback>
   </mc:AlternateContent>
@@ -6581,7 +9403,7 @@
 </file>
 
 <file path=ppt/slides/slide2.xml><?xml version="1.0" encoding="utf-8"?>
-<p:sld xmlns:a="http://schemas.openxmlformats.org/drawingml/2006/main" xmlns:p="http://schemas.openxmlformats.org/presentationml/2006/main" xmlns:r="http://schemas.openxmlformats.org/officeDocument/2006/relationships" xmlns:p14="http://schemas.microsoft.com/office/powerpoint/2010/main" xmlns:p15="http://schemas.microsoft.com/office/powerpoint/2012/main" xmlns:mc="http://schemas.openxmlformats.org/markup-compatibility/2006">
+<p:sld xmlns:a="http://schemas.openxmlformats.org/drawingml/2006/main" xmlns:r="http://schemas.openxmlformats.org/officeDocument/2006/relationships" xmlns:p="http://schemas.openxmlformats.org/presentationml/2006/main">
   <p:cSld>
     <p:spTree>
       <p:nvGrpSpPr>
@@ -6604,7 +9426,7 @@
           <p:nvPr/>
         </p:nvPicPr>
         <p:blipFill>
-          <a:blip r:embed="rId1"/>
+          <a:blip r:embed="rId2"/>
           <a:stretch/>
         </p:blipFill>
         <p:spPr>
@@ -6622,11 +9444,14 @@
       </p:pic>
     </p:spTree>
   </p:cSld>
-  <mc:AlternateContent>
+  <p:clrMapOvr>
+    <a:masterClrMapping/>
+  </p:clrMapOvr>
+  <mc:AlternateContent xmlns:mc="http://schemas.openxmlformats.org/markup-compatibility/2006" xmlns:p14="http://schemas.microsoft.com/office/powerpoint/2010/main">
     <mc:Choice Requires="p14">
       <p:transition spd="slow" p14:dur="2000"/>
     </mc:Choice>
-    <mc:Fallback>
+    <mc:Fallback xmlns:p15="http://schemas.microsoft.com/office/powerpoint/2012/main" xmlns="">
       <p:transition spd="slow"/>
     </mc:Fallback>
   </mc:AlternateContent>
@@ -6634,7 +9459,7 @@
 </file>
 
 <file path=ppt/slides/slide3.xml><?xml version="1.0" encoding="utf-8"?>
-<p:sld xmlns:a="http://schemas.openxmlformats.org/drawingml/2006/main" xmlns:p="http://schemas.openxmlformats.org/presentationml/2006/main" xmlns:r="http://schemas.openxmlformats.org/officeDocument/2006/relationships" xmlns:p14="http://schemas.microsoft.com/office/powerpoint/2010/main" xmlns:p15="http://schemas.microsoft.com/office/powerpoint/2012/main" xmlns:mc="http://schemas.openxmlformats.org/markup-compatibility/2006">
+<p:sld xmlns:a="http://schemas.openxmlformats.org/drawingml/2006/main" xmlns:r="http://schemas.openxmlformats.org/officeDocument/2006/relationships" xmlns:p="http://schemas.openxmlformats.org/presentationml/2006/main">
   <p:cSld>
     <p:spTree>
       <p:nvGrpSpPr>
@@ -6657,7 +9482,7 @@
           <p:nvPr/>
         </p:nvPicPr>
         <p:blipFill>
-          <a:blip r:embed="rId1"/>
+          <a:blip r:embed="rId2"/>
           <a:stretch/>
         </p:blipFill>
         <p:spPr>
@@ -6675,11 +9500,14 @@
       </p:pic>
     </p:spTree>
   </p:cSld>
-  <mc:AlternateContent>
+  <p:clrMapOvr>
+    <a:masterClrMapping/>
+  </p:clrMapOvr>
+  <mc:AlternateContent xmlns:mc="http://schemas.openxmlformats.org/markup-compatibility/2006" xmlns:p14="http://schemas.microsoft.com/office/powerpoint/2010/main">
     <mc:Choice Requires="p14">
       <p:transition spd="slow" p14:dur="2000"/>
     </mc:Choice>
-    <mc:Fallback>
+    <mc:Fallback xmlns:p15="http://schemas.microsoft.com/office/powerpoint/2012/main" xmlns="">
       <p:transition spd="slow"/>
     </mc:Fallback>
   </mc:AlternateContent>
@@ -6687,7 +9515,7 @@
 </file>
 
 <file path=ppt/slides/slide4.xml><?xml version="1.0" encoding="utf-8"?>
-<p:sld xmlns:a="http://schemas.openxmlformats.org/drawingml/2006/main" xmlns:p="http://schemas.openxmlformats.org/presentationml/2006/main" xmlns:r="http://schemas.openxmlformats.org/officeDocument/2006/relationships" xmlns:p14="http://schemas.microsoft.com/office/powerpoint/2010/main" xmlns:p15="http://schemas.microsoft.com/office/powerpoint/2012/main" xmlns:mc="http://schemas.openxmlformats.org/markup-compatibility/2006">
+<p:sld xmlns:a="http://schemas.openxmlformats.org/drawingml/2006/main" xmlns:r="http://schemas.openxmlformats.org/officeDocument/2006/relationships" xmlns:p="http://schemas.openxmlformats.org/presentationml/2006/main">
   <p:cSld>
     <p:spTree>
       <p:nvGrpSpPr>
@@ -6710,7 +9538,7 @@
           <p:nvPr/>
         </p:nvPicPr>
         <p:blipFill>
-          <a:blip r:embed="rId1"/>
+          <a:blip r:embed="rId2"/>
           <a:stretch/>
         </p:blipFill>
         <p:spPr>
@@ -6728,11 +9556,14 @@
       </p:pic>
     </p:spTree>
   </p:cSld>
-  <mc:AlternateContent>
+  <p:clrMapOvr>
+    <a:masterClrMapping/>
+  </p:clrMapOvr>
+  <mc:AlternateContent xmlns:mc="http://schemas.openxmlformats.org/markup-compatibility/2006" xmlns:p14="http://schemas.microsoft.com/office/powerpoint/2010/main">
     <mc:Choice Requires="p14">
       <p:transition spd="slow" p14:dur="2000"/>
     </mc:Choice>
-    <mc:Fallback>
+    <mc:Fallback xmlns:p15="http://schemas.microsoft.com/office/powerpoint/2012/main" xmlns="">
       <p:transition spd="slow"/>
     </mc:Fallback>
   </mc:AlternateContent>
@@ -6740,7 +9571,7 @@
 </file>
 
 <file path=ppt/slides/slide5.xml><?xml version="1.0" encoding="utf-8"?>
-<p:sld xmlns:a="http://schemas.openxmlformats.org/drawingml/2006/main" xmlns:p="http://schemas.openxmlformats.org/presentationml/2006/main" xmlns:r="http://schemas.openxmlformats.org/officeDocument/2006/relationships" xmlns:p14="http://schemas.microsoft.com/office/powerpoint/2010/main" xmlns:p15="http://schemas.microsoft.com/office/powerpoint/2012/main" xmlns:mc="http://schemas.openxmlformats.org/markup-compatibility/2006">
+<p:sld xmlns:a="http://schemas.openxmlformats.org/drawingml/2006/main" xmlns:r="http://schemas.openxmlformats.org/officeDocument/2006/relationships" xmlns:p="http://schemas.openxmlformats.org/presentationml/2006/main">
   <p:cSld>
     <p:spTree>
       <p:nvGrpSpPr>
@@ -6763,13 +9594,13 @@
           <p:nvPr/>
         </p:nvPicPr>
         <p:blipFill>
-          <a:blip r:embed="rId1"/>
+          <a:blip r:embed="rId2"/>
           <a:stretch/>
         </p:blipFill>
         <p:spPr>
           <a:xfrm>
-            <a:off x="685800" y="914400"/>
-            <a:ext cx="7314840" cy="4572000"/>
+            <a:off x="685800" y="914399"/>
+            <a:ext cx="7314840" cy="5087155"/>
           </a:xfrm>
           <a:prstGeom prst="rect">
             <a:avLst/>
@@ -6781,11 +9612,14 @@
       </p:pic>
     </p:spTree>
   </p:cSld>
-  <mc:AlternateContent>
+  <p:clrMapOvr>
+    <a:masterClrMapping/>
+  </p:clrMapOvr>
+  <mc:AlternateContent xmlns:mc="http://schemas.openxmlformats.org/markup-compatibility/2006" xmlns:p14="http://schemas.microsoft.com/office/powerpoint/2010/main">
     <mc:Choice Requires="p14">
       <p:transition spd="slow" p14:dur="2000"/>
     </mc:Choice>
-    <mc:Fallback>
+    <mc:Fallback xmlns:p15="http://schemas.microsoft.com/office/powerpoint/2012/main" xmlns="">
       <p:transition spd="slow"/>
     </mc:Fallback>
   </mc:AlternateContent>
@@ -6793,7 +9627,7 @@
 </file>
 
 <file path=ppt/slides/slide6.xml><?xml version="1.0" encoding="utf-8"?>
-<p:sld xmlns:a="http://schemas.openxmlformats.org/drawingml/2006/main" xmlns:p="http://schemas.openxmlformats.org/presentationml/2006/main" xmlns:r="http://schemas.openxmlformats.org/officeDocument/2006/relationships" xmlns:p14="http://schemas.microsoft.com/office/powerpoint/2010/main" xmlns:p15="http://schemas.microsoft.com/office/powerpoint/2012/main" xmlns:mc="http://schemas.openxmlformats.org/markup-compatibility/2006">
+<p:sld xmlns:a="http://schemas.openxmlformats.org/drawingml/2006/main" xmlns:r="http://schemas.openxmlformats.org/officeDocument/2006/relationships" xmlns:p="http://schemas.openxmlformats.org/presentationml/2006/main">
   <p:cSld>
     <p:spTree>
       <p:nvGrpSpPr>
@@ -6816,7 +9650,7 @@
           <p:nvPr/>
         </p:nvPicPr>
         <p:blipFill>
-          <a:blip r:embed="rId1"/>
+          <a:blip r:embed="rId2"/>
           <a:stretch/>
         </p:blipFill>
         <p:spPr>
@@ -6834,11 +9668,14 @@
       </p:pic>
     </p:spTree>
   </p:cSld>
-  <mc:AlternateContent>
+  <p:clrMapOvr>
+    <a:masterClrMapping/>
+  </p:clrMapOvr>
+  <mc:AlternateContent xmlns:mc="http://schemas.openxmlformats.org/markup-compatibility/2006" xmlns:p14="http://schemas.microsoft.com/office/powerpoint/2010/main">
     <mc:Choice Requires="p14">
       <p:transition spd="slow" p14:dur="2000"/>
     </mc:Choice>
-    <mc:Fallback>
+    <mc:Fallback xmlns:p15="http://schemas.microsoft.com/office/powerpoint/2012/main" xmlns="">
       <p:transition spd="slow"/>
     </mc:Fallback>
   </mc:AlternateContent>
@@ -6846,7 +9683,7 @@
 </file>
 
 <file path=ppt/slides/slide7.xml><?xml version="1.0" encoding="utf-8"?>
-<p:sld xmlns:a="http://schemas.openxmlformats.org/drawingml/2006/main" xmlns:p="http://schemas.openxmlformats.org/presentationml/2006/main" xmlns:r="http://schemas.openxmlformats.org/officeDocument/2006/relationships" xmlns:p14="http://schemas.microsoft.com/office/powerpoint/2010/main" xmlns:p15="http://schemas.microsoft.com/office/powerpoint/2012/main" xmlns:mc="http://schemas.openxmlformats.org/markup-compatibility/2006">
+<p:sld xmlns:a="http://schemas.openxmlformats.org/drawingml/2006/main" xmlns:r="http://schemas.openxmlformats.org/officeDocument/2006/relationships" xmlns:p="http://schemas.openxmlformats.org/presentationml/2006/main">
   <p:cSld>
     <p:spTree>
       <p:nvGrpSpPr>
@@ -6869,7 +9706,7 @@
           <p:nvPr/>
         </p:nvPicPr>
         <p:blipFill>
-          <a:blip r:embed="rId1"/>
+          <a:blip r:embed="rId2"/>
           <a:stretch/>
         </p:blipFill>
         <p:spPr>
@@ -6887,11 +9724,14 @@
       </p:pic>
     </p:spTree>
   </p:cSld>
-  <mc:AlternateContent>
+  <p:clrMapOvr>
+    <a:masterClrMapping/>
+  </p:clrMapOvr>
+  <mc:AlternateContent xmlns:mc="http://schemas.openxmlformats.org/markup-compatibility/2006" xmlns:p14="http://schemas.microsoft.com/office/powerpoint/2010/main">
     <mc:Choice Requires="p14">
       <p:transition spd="slow" p14:dur="2000"/>
     </mc:Choice>
-    <mc:Fallback>
+    <mc:Fallback xmlns:p15="http://schemas.microsoft.com/office/powerpoint/2012/main" xmlns="">
       <p:transition spd="slow"/>
     </mc:Fallback>
   </mc:AlternateContent>
@@ -6899,41 +9739,41 @@
 </file>
 
 <file path=ppt/theme/theme1.xml><?xml version="1.0" encoding="utf-8"?>
-<a:theme xmlns:a="http://schemas.openxmlformats.org/drawingml/2006/main" xmlns:r="http://schemas.openxmlformats.org/officeDocument/2006/relationships" name="Office Theme">
+<a:theme xmlns:a="http://schemas.openxmlformats.org/drawingml/2006/main" name="Office Theme">
   <a:themeElements>
     <a:clrScheme name="Office">
       <a:dk1>
         <a:srgbClr val="000000"/>
       </a:dk1>
       <a:lt1>
-        <a:srgbClr val="ffffff"/>
+        <a:srgbClr val="FFFFFF"/>
       </a:lt1>
       <a:dk2>
-        <a:srgbClr val="1f497d"/>
+        <a:srgbClr val="1F497D"/>
       </a:dk2>
       <a:lt2>
-        <a:srgbClr val="eeece1"/>
+        <a:srgbClr val="EEECE1"/>
       </a:lt2>
       <a:accent1>
-        <a:srgbClr val="4f81bd"/>
+        <a:srgbClr val="4F81BD"/>
       </a:accent1>
       <a:accent2>
-        <a:srgbClr val="c0504d"/>
+        <a:srgbClr val="C0504D"/>
       </a:accent2>
       <a:accent3>
-        <a:srgbClr val="9bbb59"/>
+        <a:srgbClr val="9BBB59"/>
       </a:accent3>
       <a:accent4>
-        <a:srgbClr val="8064a2"/>
+        <a:srgbClr val="8064A2"/>
       </a:accent4>
       <a:accent5>
-        <a:srgbClr val="4bacc6"/>
+        <a:srgbClr val="4BACC6"/>
       </a:accent5>
       <a:accent6>
-        <a:srgbClr val="f79646"/>
+        <a:srgbClr val="F79646"/>
       </a:accent6>
       <a:hlink>
-        <a:srgbClr val="0000ff"/>
+        <a:srgbClr val="0000FF"/>
       </a:hlink>
       <a:folHlink>
         <a:srgbClr val="800080"/>
@@ -6941,12 +9781,12 @@
     </a:clrScheme>
     <a:fontScheme name="Office">
       <a:majorFont>
-        <a:latin typeface="Calibri" pitchFamily="0" charset="1"/>
+        <a:latin typeface="Calibri"/>
         <a:ea typeface=""/>
         <a:cs typeface=""/>
       </a:majorFont>
       <a:minorFont>
-        <a:latin typeface="Calibri" pitchFamily="0" charset="1"/>
+        <a:latin typeface="Calibri"/>
         <a:ea typeface=""/>
         <a:cs typeface=""/>
       </a:minorFont>
@@ -6975,7 +9815,7 @@
             </a:gs>
           </a:gsLst>
           <a:lin ang="16200000" scaled="1"/>
-          <a:tileRect l="0" t="0" r="0" b="0"/>
+          <a:tileRect/>
         </a:gradFill>
         <a:gradFill>
           <a:gsLst>
@@ -6993,7 +9833,7 @@
             </a:gs>
           </a:gsLst>
           <a:lin ang="16200000" scaled="0"/>
-          <a:tileRect l="0" t="0" r="0" b="0"/>
+          <a:tileRect/>
         </a:gradFill>
       </a:fillStyleLst>
       <a:lnStyleLst>
@@ -7044,7 +9884,7 @@
           <a:path path="circle">
             <a:fillToRect l="50000" t="-80000" r="50000" b="180000"/>
           </a:path>
-          <a:tileRect l="0" t="0" r="0" b="0"/>
+          <a:tileRect/>
         </a:gradFill>
         <a:gradFill>
           <a:gsLst>
@@ -7062,50 +9902,52 @@
           <a:path path="circle">
             <a:fillToRect l="50000" t="50000" r="50000" b="50000"/>
           </a:path>
-          <a:tileRect l="0" t="0" r="0" b="0"/>
+          <a:tileRect/>
         </a:gradFill>
       </a:bgFillStyleLst>
     </a:fmtScheme>
   </a:themeElements>
+  <a:objectDefaults/>
+  <a:extraClrSchemeLst/>
 </a:theme>
 </file>
 
 <file path=ppt/theme/theme10.xml><?xml version="1.0" encoding="utf-8"?>
-<a:theme xmlns:a="http://schemas.openxmlformats.org/drawingml/2006/main" xmlns:r="http://schemas.openxmlformats.org/officeDocument/2006/relationships" name="Office Theme">
+<a:theme xmlns:a="http://schemas.openxmlformats.org/drawingml/2006/main" name="Office Theme">
   <a:themeElements>
     <a:clrScheme name="Office">
       <a:dk1>
         <a:srgbClr val="000000"/>
       </a:dk1>
       <a:lt1>
-        <a:srgbClr val="ffffff"/>
+        <a:srgbClr val="FFFFFF"/>
       </a:lt1>
       <a:dk2>
-        <a:srgbClr val="1f497d"/>
+        <a:srgbClr val="1F497D"/>
       </a:dk2>
       <a:lt2>
-        <a:srgbClr val="eeece1"/>
+        <a:srgbClr val="EEECE1"/>
       </a:lt2>
       <a:accent1>
-        <a:srgbClr val="4f81bd"/>
+        <a:srgbClr val="4F81BD"/>
       </a:accent1>
       <a:accent2>
-        <a:srgbClr val="c0504d"/>
+        <a:srgbClr val="C0504D"/>
       </a:accent2>
       <a:accent3>
-        <a:srgbClr val="9bbb59"/>
+        <a:srgbClr val="9BBB59"/>
       </a:accent3>
       <a:accent4>
-        <a:srgbClr val="8064a2"/>
+        <a:srgbClr val="8064A2"/>
       </a:accent4>
       <a:accent5>
-        <a:srgbClr val="4bacc6"/>
+        <a:srgbClr val="4BACC6"/>
       </a:accent5>
       <a:accent6>
-        <a:srgbClr val="f79646"/>
+        <a:srgbClr val="F79646"/>
       </a:accent6>
       <a:hlink>
-        <a:srgbClr val="0000ff"/>
+        <a:srgbClr val="0000FF"/>
       </a:hlink>
       <a:folHlink>
         <a:srgbClr val="800080"/>
@@ -7113,12 +9955,12 @@
     </a:clrScheme>
     <a:fontScheme name="Office">
       <a:majorFont>
-        <a:latin typeface="Calibri" pitchFamily="0" charset="1"/>
+        <a:latin typeface="Calibri"/>
         <a:ea typeface=""/>
         <a:cs typeface=""/>
       </a:majorFont>
       <a:minorFont>
-        <a:latin typeface="Calibri" pitchFamily="0" charset="1"/>
+        <a:latin typeface="Calibri"/>
         <a:ea typeface=""/>
         <a:cs typeface=""/>
       </a:minorFont>
@@ -7147,7 +9989,7 @@
             </a:gs>
           </a:gsLst>
           <a:lin ang="16200000" scaled="1"/>
-          <a:tileRect l="0" t="0" r="0" b="0"/>
+          <a:tileRect/>
         </a:gradFill>
         <a:gradFill>
           <a:gsLst>
@@ -7165,7 +10007,7 @@
             </a:gs>
           </a:gsLst>
           <a:lin ang="16200000" scaled="0"/>
-          <a:tileRect l="0" t="0" r="0" b="0"/>
+          <a:tileRect/>
         </a:gradFill>
       </a:fillStyleLst>
       <a:lnStyleLst>
@@ -7216,7 +10058,7 @@
           <a:path path="circle">
             <a:fillToRect l="50000" t="-80000" r="50000" b="180000"/>
           </a:path>
-          <a:tileRect l="0" t="0" r="0" b="0"/>
+          <a:tileRect/>
         </a:gradFill>
         <a:gradFill>
           <a:gsLst>
@@ -7234,50 +10076,52 @@
           <a:path path="circle">
             <a:fillToRect l="50000" t="50000" r="50000" b="50000"/>
           </a:path>
-          <a:tileRect l="0" t="0" r="0" b="0"/>
+          <a:tileRect/>
         </a:gradFill>
       </a:bgFillStyleLst>
     </a:fmtScheme>
   </a:themeElements>
+  <a:objectDefaults/>
+  <a:extraClrSchemeLst/>
 </a:theme>
 </file>
 
 <file path=ppt/theme/theme11.xml><?xml version="1.0" encoding="utf-8"?>
-<a:theme xmlns:a="http://schemas.openxmlformats.org/drawingml/2006/main" xmlns:r="http://schemas.openxmlformats.org/officeDocument/2006/relationships" name="Office Theme">
+<a:theme xmlns:a="http://schemas.openxmlformats.org/drawingml/2006/main" name="Office Theme">
   <a:themeElements>
     <a:clrScheme name="Office">
       <a:dk1>
         <a:srgbClr val="000000"/>
       </a:dk1>
       <a:lt1>
-        <a:srgbClr val="ffffff"/>
+        <a:srgbClr val="FFFFFF"/>
       </a:lt1>
       <a:dk2>
-        <a:srgbClr val="1f497d"/>
+        <a:srgbClr val="1F497D"/>
       </a:dk2>
       <a:lt2>
-        <a:srgbClr val="eeece1"/>
+        <a:srgbClr val="EEECE1"/>
       </a:lt2>
       <a:accent1>
-        <a:srgbClr val="4f81bd"/>
+        <a:srgbClr val="4F81BD"/>
       </a:accent1>
       <a:accent2>
-        <a:srgbClr val="c0504d"/>
+        <a:srgbClr val="C0504D"/>
       </a:accent2>
       <a:accent3>
-        <a:srgbClr val="9bbb59"/>
+        <a:srgbClr val="9BBB59"/>
       </a:accent3>
       <a:accent4>
-        <a:srgbClr val="8064a2"/>
+        <a:srgbClr val="8064A2"/>
       </a:accent4>
       <a:accent5>
-        <a:srgbClr val="4bacc6"/>
+        <a:srgbClr val="4BACC6"/>
       </a:accent5>
       <a:accent6>
-        <a:srgbClr val="f79646"/>
+        <a:srgbClr val="F79646"/>
       </a:accent6>
       <a:hlink>
-        <a:srgbClr val="0000ff"/>
+        <a:srgbClr val="0000FF"/>
       </a:hlink>
       <a:folHlink>
         <a:srgbClr val="800080"/>
@@ -7285,12 +10129,12 @@
     </a:clrScheme>
     <a:fontScheme name="Office">
       <a:majorFont>
-        <a:latin typeface="Calibri" pitchFamily="0" charset="1"/>
+        <a:latin typeface="Calibri"/>
         <a:ea typeface=""/>
         <a:cs typeface=""/>
       </a:majorFont>
       <a:minorFont>
-        <a:latin typeface="Calibri" pitchFamily="0" charset="1"/>
+        <a:latin typeface="Calibri"/>
         <a:ea typeface=""/>
         <a:cs typeface=""/>
       </a:minorFont>
@@ -7319,7 +10163,7 @@
             </a:gs>
           </a:gsLst>
           <a:lin ang="16200000" scaled="1"/>
-          <a:tileRect l="0" t="0" r="0" b="0"/>
+          <a:tileRect/>
         </a:gradFill>
         <a:gradFill>
           <a:gsLst>
@@ -7337,7 +10181,7 @@
             </a:gs>
           </a:gsLst>
           <a:lin ang="16200000" scaled="0"/>
-          <a:tileRect l="0" t="0" r="0" b="0"/>
+          <a:tileRect/>
         </a:gradFill>
       </a:fillStyleLst>
       <a:lnStyleLst>
@@ -7388,7 +10232,7 @@
           <a:path path="circle">
             <a:fillToRect l="50000" t="-80000" r="50000" b="180000"/>
           </a:path>
-          <a:tileRect l="0" t="0" r="0" b="0"/>
+          <a:tileRect/>
         </a:gradFill>
         <a:gradFill>
           <a:gsLst>
@@ -7406,50 +10250,52 @@
           <a:path path="circle">
             <a:fillToRect l="50000" t="50000" r="50000" b="50000"/>
           </a:path>
-          <a:tileRect l="0" t="0" r="0" b="0"/>
+          <a:tileRect/>
         </a:gradFill>
       </a:bgFillStyleLst>
     </a:fmtScheme>
   </a:themeElements>
+  <a:objectDefaults/>
+  <a:extraClrSchemeLst/>
 </a:theme>
 </file>
 
 <file path=ppt/theme/theme2.xml><?xml version="1.0" encoding="utf-8"?>
-<a:theme xmlns:a="http://schemas.openxmlformats.org/drawingml/2006/main" xmlns:r="http://schemas.openxmlformats.org/officeDocument/2006/relationships" name="Office Theme">
+<a:theme xmlns:a="http://schemas.openxmlformats.org/drawingml/2006/main" name="Office Theme">
   <a:themeElements>
     <a:clrScheme name="Office">
       <a:dk1>
         <a:srgbClr val="000000"/>
       </a:dk1>
       <a:lt1>
-        <a:srgbClr val="ffffff"/>
+        <a:srgbClr val="FFFFFF"/>
       </a:lt1>
       <a:dk2>
-        <a:srgbClr val="1f497d"/>
+        <a:srgbClr val="1F497D"/>
       </a:dk2>
       <a:lt2>
-        <a:srgbClr val="eeece1"/>
+        <a:srgbClr val="EEECE1"/>
       </a:lt2>
       <a:accent1>
-        <a:srgbClr val="4f81bd"/>
+        <a:srgbClr val="4F81BD"/>
       </a:accent1>
       <a:accent2>
-        <a:srgbClr val="c0504d"/>
+        <a:srgbClr val="C0504D"/>
       </a:accent2>
       <a:accent3>
-        <a:srgbClr val="9bbb59"/>
+        <a:srgbClr val="9BBB59"/>
       </a:accent3>
       <a:accent4>
-        <a:srgbClr val="8064a2"/>
+        <a:srgbClr val="8064A2"/>
       </a:accent4>
       <a:accent5>
-        <a:srgbClr val="4bacc6"/>
+        <a:srgbClr val="4BACC6"/>
       </a:accent5>
       <a:accent6>
-        <a:srgbClr val="f79646"/>
+        <a:srgbClr val="F79646"/>
       </a:accent6>
       <a:hlink>
-        <a:srgbClr val="0000ff"/>
+        <a:srgbClr val="0000FF"/>
       </a:hlink>
       <a:folHlink>
         <a:srgbClr val="800080"/>
@@ -7457,12 +10303,12 @@
     </a:clrScheme>
     <a:fontScheme name="Office">
       <a:majorFont>
-        <a:latin typeface="Calibri" pitchFamily="0" charset="1"/>
+        <a:latin typeface="Calibri"/>
         <a:ea typeface=""/>
         <a:cs typeface=""/>
       </a:majorFont>
       <a:minorFont>
-        <a:latin typeface="Calibri" pitchFamily="0" charset="1"/>
+        <a:latin typeface="Calibri"/>
         <a:ea typeface=""/>
         <a:cs typeface=""/>
       </a:minorFont>
@@ -7491,7 +10337,7 @@
             </a:gs>
           </a:gsLst>
           <a:lin ang="16200000" scaled="1"/>
-          <a:tileRect l="0" t="0" r="0" b="0"/>
+          <a:tileRect/>
         </a:gradFill>
         <a:gradFill>
           <a:gsLst>
@@ -7509,7 +10355,7 @@
             </a:gs>
           </a:gsLst>
           <a:lin ang="16200000" scaled="0"/>
-          <a:tileRect l="0" t="0" r="0" b="0"/>
+          <a:tileRect/>
         </a:gradFill>
       </a:fillStyleLst>
       <a:lnStyleLst>
@@ -7560,7 +10406,7 @@
           <a:path path="circle">
             <a:fillToRect l="50000" t="-80000" r="50000" b="180000"/>
           </a:path>
-          <a:tileRect l="0" t="0" r="0" b="0"/>
+          <a:tileRect/>
         </a:gradFill>
         <a:gradFill>
           <a:gsLst>
@@ -7578,50 +10424,52 @@
           <a:path path="circle">
             <a:fillToRect l="50000" t="50000" r="50000" b="50000"/>
           </a:path>
-          <a:tileRect l="0" t="0" r="0" b="0"/>
+          <a:tileRect/>
         </a:gradFill>
       </a:bgFillStyleLst>
     </a:fmtScheme>
   </a:themeElements>
+  <a:objectDefaults/>
+  <a:extraClrSchemeLst/>
 </a:theme>
 </file>
 
 <file path=ppt/theme/theme3.xml><?xml version="1.0" encoding="utf-8"?>
-<a:theme xmlns:a="http://schemas.openxmlformats.org/drawingml/2006/main" xmlns:r="http://schemas.openxmlformats.org/officeDocument/2006/relationships" name="Office Theme">
+<a:theme xmlns:a="http://schemas.openxmlformats.org/drawingml/2006/main" name="Office Theme">
   <a:themeElements>
     <a:clrScheme name="Office">
       <a:dk1>
         <a:srgbClr val="000000"/>
       </a:dk1>
       <a:lt1>
-        <a:srgbClr val="ffffff"/>
+        <a:srgbClr val="FFFFFF"/>
       </a:lt1>
       <a:dk2>
-        <a:srgbClr val="1f497d"/>
+        <a:srgbClr val="1F497D"/>
       </a:dk2>
       <a:lt2>
-        <a:srgbClr val="eeece1"/>
+        <a:srgbClr val="EEECE1"/>
       </a:lt2>
       <a:accent1>
-        <a:srgbClr val="4f81bd"/>
+        <a:srgbClr val="4F81BD"/>
       </a:accent1>
       <a:accent2>
-        <a:srgbClr val="c0504d"/>
+        <a:srgbClr val="C0504D"/>
       </a:accent2>
       <a:accent3>
-        <a:srgbClr val="9bbb59"/>
+        <a:srgbClr val="9BBB59"/>
       </a:accent3>
       <a:accent4>
-        <a:srgbClr val="8064a2"/>
+        <a:srgbClr val="8064A2"/>
       </a:accent4>
       <a:accent5>
-        <a:srgbClr val="4bacc6"/>
+        <a:srgbClr val="4BACC6"/>
       </a:accent5>
       <a:accent6>
-        <a:srgbClr val="f79646"/>
+        <a:srgbClr val="F79646"/>
       </a:accent6>
       <a:hlink>
-        <a:srgbClr val="0000ff"/>
+        <a:srgbClr val="0000FF"/>
       </a:hlink>
       <a:folHlink>
         <a:srgbClr val="800080"/>
@@ -7629,12 +10477,12 @@
     </a:clrScheme>
     <a:fontScheme name="Office">
       <a:majorFont>
-        <a:latin typeface="Calibri" pitchFamily="0" charset="1"/>
+        <a:latin typeface="Calibri"/>
         <a:ea typeface=""/>
         <a:cs typeface=""/>
       </a:majorFont>
       <a:minorFont>
-        <a:latin typeface="Calibri" pitchFamily="0" charset="1"/>
+        <a:latin typeface="Calibri"/>
         <a:ea typeface=""/>
         <a:cs typeface=""/>
       </a:minorFont>
@@ -7663,7 +10511,7 @@
             </a:gs>
           </a:gsLst>
           <a:lin ang="16200000" scaled="1"/>
-          <a:tileRect l="0" t="0" r="0" b="0"/>
+          <a:tileRect/>
         </a:gradFill>
         <a:gradFill>
           <a:gsLst>
@@ -7681,7 +10529,7 @@
             </a:gs>
           </a:gsLst>
           <a:lin ang="16200000" scaled="0"/>
-          <a:tileRect l="0" t="0" r="0" b="0"/>
+          <a:tileRect/>
         </a:gradFill>
       </a:fillStyleLst>
       <a:lnStyleLst>
@@ -7732,7 +10580,7 @@
           <a:path path="circle">
             <a:fillToRect l="50000" t="-80000" r="50000" b="180000"/>
           </a:path>
-          <a:tileRect l="0" t="0" r="0" b="0"/>
+          <a:tileRect/>
         </a:gradFill>
         <a:gradFill>
           <a:gsLst>
@@ -7750,50 +10598,52 @@
           <a:path path="circle">
             <a:fillToRect l="50000" t="50000" r="50000" b="50000"/>
           </a:path>
-          <a:tileRect l="0" t="0" r="0" b="0"/>
+          <a:tileRect/>
         </a:gradFill>
       </a:bgFillStyleLst>
     </a:fmtScheme>
   </a:themeElements>
+  <a:objectDefaults/>
+  <a:extraClrSchemeLst/>
 </a:theme>
 </file>
 
 <file path=ppt/theme/theme4.xml><?xml version="1.0" encoding="utf-8"?>
-<a:theme xmlns:a="http://schemas.openxmlformats.org/drawingml/2006/main" xmlns:r="http://schemas.openxmlformats.org/officeDocument/2006/relationships" name="Office Theme">
+<a:theme xmlns:a="http://schemas.openxmlformats.org/drawingml/2006/main" name="Office Theme">
   <a:themeElements>
     <a:clrScheme name="Office">
       <a:dk1>
         <a:srgbClr val="000000"/>
       </a:dk1>
       <a:lt1>
-        <a:srgbClr val="ffffff"/>
+        <a:srgbClr val="FFFFFF"/>
       </a:lt1>
       <a:dk2>
-        <a:srgbClr val="1f497d"/>
+        <a:srgbClr val="1F497D"/>
       </a:dk2>
       <a:lt2>
-        <a:srgbClr val="eeece1"/>
+        <a:srgbClr val="EEECE1"/>
       </a:lt2>
       <a:accent1>
-        <a:srgbClr val="4f81bd"/>
+        <a:srgbClr val="4F81BD"/>
       </a:accent1>
       <a:accent2>
-        <a:srgbClr val="c0504d"/>
+        <a:srgbClr val="C0504D"/>
       </a:accent2>
       <a:accent3>
-        <a:srgbClr val="9bbb59"/>
+        <a:srgbClr val="9BBB59"/>
       </a:accent3>
       <a:accent4>
-        <a:srgbClr val="8064a2"/>
+        <a:srgbClr val="8064A2"/>
       </a:accent4>
       <a:accent5>
-        <a:srgbClr val="4bacc6"/>
+        <a:srgbClr val="4BACC6"/>
       </a:accent5>
       <a:accent6>
-        <a:srgbClr val="f79646"/>
+        <a:srgbClr val="F79646"/>
       </a:accent6>
       <a:hlink>
-        <a:srgbClr val="0000ff"/>
+        <a:srgbClr val="0000FF"/>
       </a:hlink>
       <a:folHlink>
         <a:srgbClr val="800080"/>
@@ -7801,12 +10651,12 @@
     </a:clrScheme>
     <a:fontScheme name="Office">
       <a:majorFont>
-        <a:latin typeface="Calibri" pitchFamily="0" charset="1"/>
+        <a:latin typeface="Calibri"/>
         <a:ea typeface=""/>
         <a:cs typeface=""/>
       </a:majorFont>
       <a:minorFont>
-        <a:latin typeface="Calibri" pitchFamily="0" charset="1"/>
+        <a:latin typeface="Calibri"/>
         <a:ea typeface=""/>
         <a:cs typeface=""/>
       </a:minorFont>
@@ -7835,7 +10685,7 @@
             </a:gs>
           </a:gsLst>
           <a:lin ang="16200000" scaled="1"/>
-          <a:tileRect l="0" t="0" r="0" b="0"/>
+          <a:tileRect/>
         </a:gradFill>
         <a:gradFill>
           <a:gsLst>
@@ -7853,7 +10703,7 @@
             </a:gs>
           </a:gsLst>
           <a:lin ang="16200000" scaled="0"/>
-          <a:tileRect l="0" t="0" r="0" b="0"/>
+          <a:tileRect/>
         </a:gradFill>
       </a:fillStyleLst>
       <a:lnStyleLst>
@@ -7904,7 +10754,7 @@
           <a:path path="circle">
             <a:fillToRect l="50000" t="-80000" r="50000" b="180000"/>
           </a:path>
-          <a:tileRect l="0" t="0" r="0" b="0"/>
+          <a:tileRect/>
         </a:gradFill>
         <a:gradFill>
           <a:gsLst>
@@ -7922,50 +10772,52 @@
           <a:path path="circle">
             <a:fillToRect l="50000" t="50000" r="50000" b="50000"/>
           </a:path>
-          <a:tileRect l="0" t="0" r="0" b="0"/>
+          <a:tileRect/>
         </a:gradFill>
       </a:bgFillStyleLst>
     </a:fmtScheme>
   </a:themeElements>
+  <a:objectDefaults/>
+  <a:extraClrSchemeLst/>
 </a:theme>
 </file>
 
 <file path=ppt/theme/theme5.xml><?xml version="1.0" encoding="utf-8"?>
-<a:theme xmlns:a="http://schemas.openxmlformats.org/drawingml/2006/main" xmlns:r="http://schemas.openxmlformats.org/officeDocument/2006/relationships" name="Office Theme">
+<a:theme xmlns:a="http://schemas.openxmlformats.org/drawingml/2006/main" name="Office Theme">
   <a:themeElements>
     <a:clrScheme name="Office">
       <a:dk1>
         <a:srgbClr val="000000"/>
       </a:dk1>
       <a:lt1>
-        <a:srgbClr val="ffffff"/>
+        <a:srgbClr val="FFFFFF"/>
       </a:lt1>
       <a:dk2>
-        <a:srgbClr val="1f497d"/>
+        <a:srgbClr val="1F497D"/>
       </a:dk2>
       <a:lt2>
-        <a:srgbClr val="eeece1"/>
+        <a:srgbClr val="EEECE1"/>
       </a:lt2>
       <a:accent1>
-        <a:srgbClr val="4f81bd"/>
+        <a:srgbClr val="4F81BD"/>
       </a:accent1>
       <a:accent2>
-        <a:srgbClr val="c0504d"/>
+        <a:srgbClr val="C0504D"/>
       </a:accent2>
       <a:accent3>
-        <a:srgbClr val="9bbb59"/>
+        <a:srgbClr val="9BBB59"/>
       </a:accent3>
       <a:accent4>
-        <a:srgbClr val="8064a2"/>
+        <a:srgbClr val="8064A2"/>
       </a:accent4>
       <a:accent5>
-        <a:srgbClr val="4bacc6"/>
+        <a:srgbClr val="4BACC6"/>
       </a:accent5>
       <a:accent6>
-        <a:srgbClr val="f79646"/>
+        <a:srgbClr val="F79646"/>
       </a:accent6>
       <a:hlink>
-        <a:srgbClr val="0000ff"/>
+        <a:srgbClr val="0000FF"/>
       </a:hlink>
       <a:folHlink>
         <a:srgbClr val="800080"/>
@@ -7973,12 +10825,12 @@
     </a:clrScheme>
     <a:fontScheme name="Office">
       <a:majorFont>
-        <a:latin typeface="Calibri" pitchFamily="0" charset="1"/>
+        <a:latin typeface="Calibri"/>
         <a:ea typeface=""/>
         <a:cs typeface=""/>
       </a:majorFont>
       <a:minorFont>
-        <a:latin typeface="Calibri" pitchFamily="0" charset="1"/>
+        <a:latin typeface="Calibri"/>
         <a:ea typeface=""/>
         <a:cs typeface=""/>
       </a:minorFont>
@@ -8007,7 +10859,7 @@
             </a:gs>
           </a:gsLst>
           <a:lin ang="16200000" scaled="1"/>
-          <a:tileRect l="0" t="0" r="0" b="0"/>
+          <a:tileRect/>
         </a:gradFill>
         <a:gradFill>
           <a:gsLst>
@@ -8025,7 +10877,7 @@
             </a:gs>
           </a:gsLst>
           <a:lin ang="16200000" scaled="0"/>
-          <a:tileRect l="0" t="0" r="0" b="0"/>
+          <a:tileRect/>
         </a:gradFill>
       </a:fillStyleLst>
       <a:lnStyleLst>
@@ -8076,7 +10928,7 @@
           <a:path path="circle">
             <a:fillToRect l="50000" t="-80000" r="50000" b="180000"/>
           </a:path>
-          <a:tileRect l="0" t="0" r="0" b="0"/>
+          <a:tileRect/>
         </a:gradFill>
         <a:gradFill>
           <a:gsLst>
@@ -8094,50 +10946,52 @@
           <a:path path="circle">
             <a:fillToRect l="50000" t="50000" r="50000" b="50000"/>
           </a:path>
-          <a:tileRect l="0" t="0" r="0" b="0"/>
+          <a:tileRect/>
         </a:gradFill>
       </a:bgFillStyleLst>
     </a:fmtScheme>
   </a:themeElements>
+  <a:objectDefaults/>
+  <a:extraClrSchemeLst/>
 </a:theme>
 </file>
 
 <file path=ppt/theme/theme6.xml><?xml version="1.0" encoding="utf-8"?>
-<a:theme xmlns:a="http://schemas.openxmlformats.org/drawingml/2006/main" xmlns:r="http://schemas.openxmlformats.org/officeDocument/2006/relationships" name="Office Theme">
+<a:theme xmlns:a="http://schemas.openxmlformats.org/drawingml/2006/main" name="Office Theme">
   <a:themeElements>
     <a:clrScheme name="Office">
       <a:dk1>
         <a:srgbClr val="000000"/>
       </a:dk1>
       <a:lt1>
-        <a:srgbClr val="ffffff"/>
+        <a:srgbClr val="FFFFFF"/>
       </a:lt1>
       <a:dk2>
-        <a:srgbClr val="1f497d"/>
+        <a:srgbClr val="1F497D"/>
       </a:dk2>
       <a:lt2>
-        <a:srgbClr val="eeece1"/>
+        <a:srgbClr val="EEECE1"/>
       </a:lt2>
       <a:accent1>
-        <a:srgbClr val="4f81bd"/>
+        <a:srgbClr val="4F81BD"/>
       </a:accent1>
       <a:accent2>
-        <a:srgbClr val="c0504d"/>
+        <a:srgbClr val="C0504D"/>
       </a:accent2>
       <a:accent3>
-        <a:srgbClr val="9bbb59"/>
+        <a:srgbClr val="9BBB59"/>
       </a:accent3>
       <a:accent4>
-        <a:srgbClr val="8064a2"/>
+        <a:srgbClr val="8064A2"/>
       </a:accent4>
       <a:accent5>
-        <a:srgbClr val="4bacc6"/>
+        <a:srgbClr val="4BACC6"/>
       </a:accent5>
       <a:accent6>
-        <a:srgbClr val="f79646"/>
+        <a:srgbClr val="F79646"/>
       </a:accent6>
       <a:hlink>
-        <a:srgbClr val="0000ff"/>
+        <a:srgbClr val="0000FF"/>
       </a:hlink>
       <a:folHlink>
         <a:srgbClr val="800080"/>
@@ -8145,12 +10999,12 @@
     </a:clrScheme>
     <a:fontScheme name="Office">
       <a:majorFont>
-        <a:latin typeface="Calibri" pitchFamily="0" charset="1"/>
+        <a:latin typeface="Calibri"/>
         <a:ea typeface=""/>
         <a:cs typeface=""/>
       </a:majorFont>
       <a:minorFont>
-        <a:latin typeface="Calibri" pitchFamily="0" charset="1"/>
+        <a:latin typeface="Calibri"/>
         <a:ea typeface=""/>
         <a:cs typeface=""/>
       </a:minorFont>
@@ -8179,7 +11033,7 @@
             </a:gs>
           </a:gsLst>
           <a:lin ang="16200000" scaled="1"/>
-          <a:tileRect l="0" t="0" r="0" b="0"/>
+          <a:tileRect/>
         </a:gradFill>
         <a:gradFill>
           <a:gsLst>
@@ -8197,7 +11051,7 @@
             </a:gs>
           </a:gsLst>
           <a:lin ang="16200000" scaled="0"/>
-          <a:tileRect l="0" t="0" r="0" b="0"/>
+          <a:tileRect/>
         </a:gradFill>
       </a:fillStyleLst>
       <a:lnStyleLst>
@@ -8248,7 +11102,7 @@
           <a:path path="circle">
             <a:fillToRect l="50000" t="-80000" r="50000" b="180000"/>
           </a:path>
-          <a:tileRect l="0" t="0" r="0" b="0"/>
+          <a:tileRect/>
         </a:gradFill>
         <a:gradFill>
           <a:gsLst>
@@ -8266,50 +11120,52 @@
           <a:path path="circle">
             <a:fillToRect l="50000" t="50000" r="50000" b="50000"/>
           </a:path>
-          <a:tileRect l="0" t="0" r="0" b="0"/>
+          <a:tileRect/>
         </a:gradFill>
       </a:bgFillStyleLst>
     </a:fmtScheme>
   </a:themeElements>
+  <a:objectDefaults/>
+  <a:extraClrSchemeLst/>
 </a:theme>
 </file>
 
 <file path=ppt/theme/theme7.xml><?xml version="1.0" encoding="utf-8"?>
-<a:theme xmlns:a="http://schemas.openxmlformats.org/drawingml/2006/main" xmlns:r="http://schemas.openxmlformats.org/officeDocument/2006/relationships" name="Office Theme">
+<a:theme xmlns:a="http://schemas.openxmlformats.org/drawingml/2006/main" name="Office Theme">
   <a:themeElements>
     <a:clrScheme name="Office">
       <a:dk1>
         <a:srgbClr val="000000"/>
       </a:dk1>
       <a:lt1>
-        <a:srgbClr val="ffffff"/>
+        <a:srgbClr val="FFFFFF"/>
       </a:lt1>
       <a:dk2>
-        <a:srgbClr val="1f497d"/>
+        <a:srgbClr val="1F497D"/>
       </a:dk2>
       <a:lt2>
-        <a:srgbClr val="eeece1"/>
+        <a:srgbClr val="EEECE1"/>
       </a:lt2>
       <a:accent1>
-        <a:srgbClr val="4f81bd"/>
+        <a:srgbClr val="4F81BD"/>
       </a:accent1>
       <a:accent2>
-        <a:srgbClr val="c0504d"/>
+        <a:srgbClr val="C0504D"/>
       </a:accent2>
       <a:accent3>
-        <a:srgbClr val="9bbb59"/>
+        <a:srgbClr val="9BBB59"/>
       </a:accent3>
       <a:accent4>
-        <a:srgbClr val="8064a2"/>
+        <a:srgbClr val="8064A2"/>
       </a:accent4>
       <a:accent5>
-        <a:srgbClr val="4bacc6"/>
+        <a:srgbClr val="4BACC6"/>
       </a:accent5>
       <a:accent6>
-        <a:srgbClr val="f79646"/>
+        <a:srgbClr val="F79646"/>
       </a:accent6>
       <a:hlink>
-        <a:srgbClr val="0000ff"/>
+        <a:srgbClr val="0000FF"/>
       </a:hlink>
       <a:folHlink>
         <a:srgbClr val="800080"/>
@@ -8317,12 +11173,12 @@
     </a:clrScheme>
     <a:fontScheme name="Office">
       <a:majorFont>
-        <a:latin typeface="Calibri" pitchFamily="0" charset="1"/>
+        <a:latin typeface="Calibri"/>
         <a:ea typeface=""/>
         <a:cs typeface=""/>
       </a:majorFont>
       <a:minorFont>
-        <a:latin typeface="Calibri" pitchFamily="0" charset="1"/>
+        <a:latin typeface="Calibri"/>
         <a:ea typeface=""/>
         <a:cs typeface=""/>
       </a:minorFont>
@@ -8351,7 +11207,7 @@
             </a:gs>
           </a:gsLst>
           <a:lin ang="16200000" scaled="1"/>
-          <a:tileRect l="0" t="0" r="0" b="0"/>
+          <a:tileRect/>
         </a:gradFill>
         <a:gradFill>
           <a:gsLst>
@@ -8369,7 +11225,7 @@
             </a:gs>
           </a:gsLst>
           <a:lin ang="16200000" scaled="0"/>
-          <a:tileRect l="0" t="0" r="0" b="0"/>
+          <a:tileRect/>
         </a:gradFill>
       </a:fillStyleLst>
       <a:lnStyleLst>
@@ -8420,7 +11276,7 @@
           <a:path path="circle">
             <a:fillToRect l="50000" t="-80000" r="50000" b="180000"/>
           </a:path>
-          <a:tileRect l="0" t="0" r="0" b="0"/>
+          <a:tileRect/>
         </a:gradFill>
         <a:gradFill>
           <a:gsLst>
@@ -8438,50 +11294,52 @@
           <a:path path="circle">
             <a:fillToRect l="50000" t="50000" r="50000" b="50000"/>
           </a:path>
-          <a:tileRect l="0" t="0" r="0" b="0"/>
+          <a:tileRect/>
         </a:gradFill>
       </a:bgFillStyleLst>
     </a:fmtScheme>
   </a:themeElements>
+  <a:objectDefaults/>
+  <a:extraClrSchemeLst/>
 </a:theme>
 </file>
 
 <file path=ppt/theme/theme8.xml><?xml version="1.0" encoding="utf-8"?>
-<a:theme xmlns:a="http://schemas.openxmlformats.org/drawingml/2006/main" xmlns:r="http://schemas.openxmlformats.org/officeDocument/2006/relationships" name="Office Theme">
+<a:theme xmlns:a="http://schemas.openxmlformats.org/drawingml/2006/main" name="Office Theme">
   <a:themeElements>
     <a:clrScheme name="Office">
       <a:dk1>
         <a:srgbClr val="000000"/>
       </a:dk1>
       <a:lt1>
-        <a:srgbClr val="ffffff"/>
+        <a:srgbClr val="FFFFFF"/>
       </a:lt1>
       <a:dk2>
-        <a:srgbClr val="1f497d"/>
+        <a:srgbClr val="1F497D"/>
       </a:dk2>
       <a:lt2>
-        <a:srgbClr val="eeece1"/>
+        <a:srgbClr val="EEECE1"/>
       </a:lt2>
       <a:accent1>
-        <a:srgbClr val="4f81bd"/>
+        <a:srgbClr val="4F81BD"/>
       </a:accent1>
       <a:accent2>
-        <a:srgbClr val="c0504d"/>
+        <a:srgbClr val="C0504D"/>
       </a:accent2>
       <a:accent3>
-        <a:srgbClr val="9bbb59"/>
+        <a:srgbClr val="9BBB59"/>
       </a:accent3>
       <a:accent4>
-        <a:srgbClr val="8064a2"/>
+        <a:srgbClr val="8064A2"/>
       </a:accent4>
       <a:accent5>
-        <a:srgbClr val="4bacc6"/>
+        <a:srgbClr val="4BACC6"/>
       </a:accent5>
       <a:accent6>
-        <a:srgbClr val="f79646"/>
+        <a:srgbClr val="F79646"/>
       </a:accent6>
       <a:hlink>
-        <a:srgbClr val="0000ff"/>
+        <a:srgbClr val="0000FF"/>
       </a:hlink>
       <a:folHlink>
         <a:srgbClr val="800080"/>
@@ -8489,12 +11347,12 @@
     </a:clrScheme>
     <a:fontScheme name="Office">
       <a:majorFont>
-        <a:latin typeface="Calibri" pitchFamily="0" charset="1"/>
+        <a:latin typeface="Calibri"/>
         <a:ea typeface=""/>
         <a:cs typeface=""/>
       </a:majorFont>
       <a:minorFont>
-        <a:latin typeface="Calibri" pitchFamily="0" charset="1"/>
+        <a:latin typeface="Calibri"/>
         <a:ea typeface=""/>
         <a:cs typeface=""/>
       </a:minorFont>
@@ -8523,7 +11381,7 @@
             </a:gs>
           </a:gsLst>
           <a:lin ang="16200000" scaled="1"/>
-          <a:tileRect l="0" t="0" r="0" b="0"/>
+          <a:tileRect/>
         </a:gradFill>
         <a:gradFill>
           <a:gsLst>
@@ -8541,7 +11399,7 @@
             </a:gs>
           </a:gsLst>
           <a:lin ang="16200000" scaled="0"/>
-          <a:tileRect l="0" t="0" r="0" b="0"/>
+          <a:tileRect/>
         </a:gradFill>
       </a:fillStyleLst>
       <a:lnStyleLst>
@@ -8592,7 +11450,7 @@
           <a:path path="circle">
             <a:fillToRect l="50000" t="-80000" r="50000" b="180000"/>
           </a:path>
-          <a:tileRect l="0" t="0" r="0" b="0"/>
+          <a:tileRect/>
         </a:gradFill>
         <a:gradFill>
           <a:gsLst>
@@ -8610,50 +11468,52 @@
           <a:path path="circle">
             <a:fillToRect l="50000" t="50000" r="50000" b="50000"/>
           </a:path>
-          <a:tileRect l="0" t="0" r="0" b="0"/>
+          <a:tileRect/>
         </a:gradFill>
       </a:bgFillStyleLst>
     </a:fmtScheme>
   </a:themeElements>
+  <a:objectDefaults/>
+  <a:extraClrSchemeLst/>
 </a:theme>
 </file>
 
 <file path=ppt/theme/theme9.xml><?xml version="1.0" encoding="utf-8"?>
-<a:theme xmlns:a="http://schemas.openxmlformats.org/drawingml/2006/main" xmlns:r="http://schemas.openxmlformats.org/officeDocument/2006/relationships" name="Office Theme">
+<a:theme xmlns:a="http://schemas.openxmlformats.org/drawingml/2006/main" name="Office Theme">
   <a:themeElements>
     <a:clrScheme name="Office">
       <a:dk1>
         <a:srgbClr val="000000"/>
       </a:dk1>
       <a:lt1>
-        <a:srgbClr val="ffffff"/>
+        <a:srgbClr val="FFFFFF"/>
       </a:lt1>
       <a:dk2>
-        <a:srgbClr val="1f497d"/>
+        <a:srgbClr val="1F497D"/>
       </a:dk2>
       <a:lt2>
-        <a:srgbClr val="eeece1"/>
+        <a:srgbClr val="EEECE1"/>
       </a:lt2>
       <a:accent1>
-        <a:srgbClr val="4f81bd"/>
+        <a:srgbClr val="4F81BD"/>
       </a:accent1>
       <a:accent2>
-        <a:srgbClr val="c0504d"/>
+        <a:srgbClr val="C0504D"/>
       </a:accent2>
       <a:accent3>
-        <a:srgbClr val="9bbb59"/>
+        <a:srgbClr val="9BBB59"/>
       </a:accent3>
       <a:accent4>
-        <a:srgbClr val="8064a2"/>
+        <a:srgbClr val="8064A2"/>
       </a:accent4>
       <a:accent5>
-        <a:srgbClr val="4bacc6"/>
+        <a:srgbClr val="4BACC6"/>
       </a:accent5>
       <a:accent6>
-        <a:srgbClr val="f79646"/>
+        <a:srgbClr val="F79646"/>
       </a:accent6>
       <a:hlink>
-        <a:srgbClr val="0000ff"/>
+        <a:srgbClr val="0000FF"/>
       </a:hlink>
       <a:folHlink>
         <a:srgbClr val="800080"/>
@@ -8661,12 +11521,12 @@
     </a:clrScheme>
     <a:fontScheme name="Office">
       <a:majorFont>
-        <a:latin typeface="Calibri" pitchFamily="0" charset="1"/>
+        <a:latin typeface="Calibri"/>
         <a:ea typeface=""/>
         <a:cs typeface=""/>
       </a:majorFont>
       <a:minorFont>
-        <a:latin typeface="Calibri" pitchFamily="0" charset="1"/>
+        <a:latin typeface="Calibri"/>
         <a:ea typeface=""/>
         <a:cs typeface=""/>
       </a:minorFont>
@@ -8695,7 +11555,7 @@
             </a:gs>
           </a:gsLst>
           <a:lin ang="16200000" scaled="1"/>
-          <a:tileRect l="0" t="0" r="0" b="0"/>
+          <a:tileRect/>
         </a:gradFill>
         <a:gradFill>
           <a:gsLst>
@@ -8713,7 +11573,7 @@
             </a:gs>
           </a:gsLst>
           <a:lin ang="16200000" scaled="0"/>
-          <a:tileRect l="0" t="0" r="0" b="0"/>
+          <a:tileRect/>
         </a:gradFill>
       </a:fillStyleLst>
       <a:lnStyleLst>
@@ -8764,7 +11624,7 @@
           <a:path path="circle">
             <a:fillToRect l="50000" t="-80000" r="50000" b="180000"/>
           </a:path>
-          <a:tileRect l="0" t="0" r="0" b="0"/>
+          <a:tileRect/>
         </a:gradFill>
         <a:gradFill>
           <a:gsLst>
@@ -8782,10 +11642,12 @@
           <a:path path="circle">
             <a:fillToRect l="50000" t="50000" r="50000" b="50000"/>
           </a:path>
-          <a:tileRect l="0" t="0" r="0" b="0"/>
+          <a:tileRect/>
         </a:gradFill>
       </a:bgFillStyleLst>
     </a:fmtScheme>
   </a:themeElements>
+  <a:objectDefaults/>
+  <a:extraClrSchemeLst/>
 </a:theme>
 </file>